--- a/pptxjs/Sample_12.pptx
+++ b/pptxjs/Sample_12.pptx
@@ -6,7 +6,7 @@
     <p:sldMasterId id="2147484257" r:id="rId2"/>
   </p:sldMasterIdLst>
   <p:notesMasterIdLst>
-    <p:notesMasterId r:id="rId13"/>
+    <p:notesMasterId r:id="rId14"/>
   </p:notesMasterIdLst>
   <p:sldIdLst>
     <p:sldId id="256" r:id="rId3"/>
@@ -19,6 +19,7 @@
     <p:sldId id="261" r:id="rId10"/>
     <p:sldId id="262" r:id="rId11"/>
     <p:sldId id="263" r:id="rId12"/>
+    <p:sldId id="266" r:id="rId13"/>
   </p:sldIdLst>
   <p:sldSz cx="9144000" cy="6858000" type="screen4x3"/>
   <p:notesSz cx="6858000" cy="9144000"/>
@@ -166,71 +167,7 @@
     </mc:Fallback>
   </mc:AlternateContent>
   <c:chart>
-    <c:title>
-      <c:tx>
-        <c:rich>
-          <a:bodyPr rot="0" spcFirstLastPara="1" vertOverflow="ellipsis" vert="horz" wrap="square" anchor="ctr" anchorCtr="1"/>
-          <a:lstStyle/>
-          <a:p>
-            <a:pPr>
-              <a:defRPr sz="1862" b="0" i="0" u="none" strike="noStrike" kern="1200" spc="0" baseline="0">
-                <a:solidFill>
-                  <a:schemeClr val="tx1">
-                    <a:lumMod val="65000"/>
-                    <a:lumOff val="35000"/>
-                  </a:schemeClr>
-                </a:solidFill>
-                <a:latin typeface="+mn-lt"/>
-                <a:ea typeface="+mn-ea"/>
-                <a:cs typeface="+mn-cs"/>
-              </a:defRPr>
-            </a:pPr>
-            <a:r>
-              <a:rPr lang="en-US" dirty="0">
-                <a:solidFill>
-                  <a:srgbClr val="FFFF00"/>
-                </a:solidFill>
-              </a:rPr>
-              <a:t>Chart</a:t>
-            </a:r>
-            <a:endParaRPr lang="he-IL" dirty="0">
-              <a:solidFill>
-                <a:srgbClr val="FFFF00"/>
-              </a:solidFill>
-            </a:endParaRPr>
-          </a:p>
-        </c:rich>
-      </c:tx>
-      <c:overlay val="0"/>
-      <c:spPr>
-        <a:noFill/>
-        <a:ln>
-          <a:noFill/>
-        </a:ln>
-        <a:effectLst/>
-      </c:spPr>
-      <c:txPr>
-        <a:bodyPr rot="0" spcFirstLastPara="1" vertOverflow="ellipsis" vert="horz" wrap="square" anchor="ctr" anchorCtr="1"/>
-        <a:lstStyle/>
-        <a:p>
-          <a:pPr>
-            <a:defRPr sz="1862" b="0" i="0" u="none" strike="noStrike" kern="1200" spc="0" baseline="0">
-              <a:solidFill>
-                <a:schemeClr val="tx1">
-                  <a:lumMod val="65000"/>
-                  <a:lumOff val="35000"/>
-                </a:schemeClr>
-              </a:solidFill>
-              <a:latin typeface="+mn-lt"/>
-              <a:ea typeface="+mn-ea"/>
-              <a:cs typeface="+mn-cs"/>
-            </a:defRPr>
-          </a:pPr>
-          <a:endParaRPr lang="he-IL"/>
-        </a:p>
-      </c:txPr>
-    </c:title>
-    <c:autoTitleDeleted val="0"/>
+    <c:autoTitleDeleted val="1"/>
     <c:plotArea>
       <c:layout/>
       <c:barChart>
@@ -3273,6 +3210,3481 @@
 </cs:chartStyle>
 </file>
 
+<file path=ppt/diagrams/colors1.xml><?xml version="1.0" encoding="utf-8"?>
+<dgm:colorsDef xmlns:dgm="http://schemas.openxmlformats.org/drawingml/2006/diagram" xmlns:a="http://schemas.openxmlformats.org/drawingml/2006/main" uniqueId="urn:microsoft.com/office/officeart/2005/8/colors/accent1_2">
+  <dgm:title val=""/>
+  <dgm:desc val=""/>
+  <dgm:catLst>
+    <dgm:cat type="accent1" pri="11200"/>
+  </dgm:catLst>
+  <dgm:styleLbl name="node0">
+    <dgm:fillClrLst meth="repeat">
+      <a:schemeClr val="accent1"/>
+    </dgm:fillClrLst>
+    <dgm:linClrLst meth="repeat">
+      <a:schemeClr val="lt1"/>
+    </dgm:linClrLst>
+    <dgm:effectClrLst/>
+    <dgm:txLinClrLst/>
+    <dgm:txFillClrLst/>
+    <dgm:txEffectClrLst/>
+  </dgm:styleLbl>
+  <dgm:styleLbl name="alignNode1">
+    <dgm:fillClrLst meth="repeat">
+      <a:schemeClr val="accent1"/>
+    </dgm:fillClrLst>
+    <dgm:linClrLst meth="repeat">
+      <a:schemeClr val="accent1"/>
+    </dgm:linClrLst>
+    <dgm:effectClrLst/>
+    <dgm:txLinClrLst/>
+    <dgm:txFillClrLst/>
+    <dgm:txEffectClrLst/>
+  </dgm:styleLbl>
+  <dgm:styleLbl name="node1">
+    <dgm:fillClrLst meth="repeat">
+      <a:schemeClr val="accent1"/>
+    </dgm:fillClrLst>
+    <dgm:linClrLst meth="repeat">
+      <a:schemeClr val="lt1"/>
+    </dgm:linClrLst>
+    <dgm:effectClrLst/>
+    <dgm:txLinClrLst/>
+    <dgm:txFillClrLst/>
+    <dgm:txEffectClrLst/>
+  </dgm:styleLbl>
+  <dgm:styleLbl name="lnNode1">
+    <dgm:fillClrLst meth="repeat">
+      <a:schemeClr val="accent1"/>
+    </dgm:fillClrLst>
+    <dgm:linClrLst meth="repeat">
+      <a:schemeClr val="lt1"/>
+    </dgm:linClrLst>
+    <dgm:effectClrLst/>
+    <dgm:txLinClrLst/>
+    <dgm:txFillClrLst/>
+    <dgm:txEffectClrLst/>
+  </dgm:styleLbl>
+  <dgm:styleLbl name="vennNode1">
+    <dgm:fillClrLst meth="repeat">
+      <a:schemeClr val="accent1">
+        <a:alpha val="50000"/>
+      </a:schemeClr>
+    </dgm:fillClrLst>
+    <dgm:linClrLst meth="repeat">
+      <a:schemeClr val="lt1"/>
+    </dgm:linClrLst>
+    <dgm:effectClrLst/>
+    <dgm:txLinClrLst/>
+    <dgm:txFillClrLst/>
+    <dgm:txEffectClrLst/>
+  </dgm:styleLbl>
+  <dgm:styleLbl name="node2">
+    <dgm:fillClrLst meth="repeat">
+      <a:schemeClr val="accent1"/>
+    </dgm:fillClrLst>
+    <dgm:linClrLst meth="repeat">
+      <a:schemeClr val="lt1"/>
+    </dgm:linClrLst>
+    <dgm:effectClrLst/>
+    <dgm:txLinClrLst/>
+    <dgm:txFillClrLst/>
+    <dgm:txEffectClrLst/>
+  </dgm:styleLbl>
+  <dgm:styleLbl name="node3">
+    <dgm:fillClrLst meth="repeat">
+      <a:schemeClr val="accent1"/>
+    </dgm:fillClrLst>
+    <dgm:linClrLst meth="repeat">
+      <a:schemeClr val="lt1"/>
+    </dgm:linClrLst>
+    <dgm:effectClrLst/>
+    <dgm:txLinClrLst/>
+    <dgm:txFillClrLst/>
+    <dgm:txEffectClrLst/>
+  </dgm:styleLbl>
+  <dgm:styleLbl name="node4">
+    <dgm:fillClrLst meth="repeat">
+      <a:schemeClr val="accent1"/>
+    </dgm:fillClrLst>
+    <dgm:linClrLst meth="repeat">
+      <a:schemeClr val="lt1"/>
+    </dgm:linClrLst>
+    <dgm:effectClrLst/>
+    <dgm:txLinClrLst/>
+    <dgm:txFillClrLst/>
+    <dgm:txEffectClrLst/>
+  </dgm:styleLbl>
+  <dgm:styleLbl name="fgImgPlace1">
+    <dgm:fillClrLst meth="repeat">
+      <a:schemeClr val="accent1">
+        <a:tint val="50000"/>
+      </a:schemeClr>
+    </dgm:fillClrLst>
+    <dgm:linClrLst meth="repeat">
+      <a:schemeClr val="lt1"/>
+    </dgm:linClrLst>
+    <dgm:effectClrLst/>
+    <dgm:txLinClrLst/>
+    <dgm:txFillClrLst meth="repeat">
+      <a:schemeClr val="lt1"/>
+    </dgm:txFillClrLst>
+    <dgm:txEffectClrLst/>
+  </dgm:styleLbl>
+  <dgm:styleLbl name="alignImgPlace1">
+    <dgm:fillClrLst meth="repeat">
+      <a:schemeClr val="accent1">
+        <a:tint val="50000"/>
+      </a:schemeClr>
+    </dgm:fillClrLst>
+    <dgm:linClrLst meth="repeat">
+      <a:schemeClr val="lt1"/>
+    </dgm:linClrLst>
+    <dgm:effectClrLst/>
+    <dgm:txLinClrLst/>
+    <dgm:txFillClrLst meth="repeat">
+      <a:schemeClr val="lt1"/>
+    </dgm:txFillClrLst>
+    <dgm:txEffectClrLst/>
+  </dgm:styleLbl>
+  <dgm:styleLbl name="bgImgPlace1">
+    <dgm:fillClrLst meth="repeat">
+      <a:schemeClr val="accent1">
+        <a:tint val="50000"/>
+      </a:schemeClr>
+    </dgm:fillClrLst>
+    <dgm:linClrLst meth="repeat">
+      <a:schemeClr val="lt1"/>
+    </dgm:linClrLst>
+    <dgm:effectClrLst/>
+    <dgm:txLinClrLst/>
+    <dgm:txFillClrLst meth="repeat">
+      <a:schemeClr val="lt1"/>
+    </dgm:txFillClrLst>
+    <dgm:txEffectClrLst/>
+  </dgm:styleLbl>
+  <dgm:styleLbl name="sibTrans2D1">
+    <dgm:fillClrLst meth="repeat">
+      <a:schemeClr val="accent1">
+        <a:tint val="60000"/>
+      </a:schemeClr>
+    </dgm:fillClrLst>
+    <dgm:linClrLst meth="repeat">
+      <a:schemeClr val="accent1">
+        <a:tint val="60000"/>
+      </a:schemeClr>
+    </dgm:linClrLst>
+    <dgm:effectClrLst/>
+    <dgm:txLinClrLst/>
+    <dgm:txFillClrLst/>
+    <dgm:txEffectClrLst/>
+  </dgm:styleLbl>
+  <dgm:styleLbl name="fgSibTrans2D1">
+    <dgm:fillClrLst meth="repeat">
+      <a:schemeClr val="accent1">
+        <a:tint val="60000"/>
+      </a:schemeClr>
+    </dgm:fillClrLst>
+    <dgm:linClrLst meth="repeat">
+      <a:schemeClr val="accent1">
+        <a:tint val="60000"/>
+      </a:schemeClr>
+    </dgm:linClrLst>
+    <dgm:effectClrLst/>
+    <dgm:txLinClrLst/>
+    <dgm:txFillClrLst/>
+    <dgm:txEffectClrLst/>
+  </dgm:styleLbl>
+  <dgm:styleLbl name="bgSibTrans2D1">
+    <dgm:fillClrLst meth="repeat">
+      <a:schemeClr val="accent1">
+        <a:tint val="60000"/>
+      </a:schemeClr>
+    </dgm:fillClrLst>
+    <dgm:linClrLst meth="repeat">
+      <a:schemeClr val="accent1">
+        <a:tint val="60000"/>
+      </a:schemeClr>
+    </dgm:linClrLst>
+    <dgm:effectClrLst/>
+    <dgm:txLinClrLst/>
+    <dgm:txFillClrLst/>
+    <dgm:txEffectClrLst/>
+  </dgm:styleLbl>
+  <dgm:styleLbl name="sibTrans1D1">
+    <dgm:fillClrLst meth="repeat">
+      <a:schemeClr val="accent1"/>
+    </dgm:fillClrLst>
+    <dgm:linClrLst meth="repeat">
+      <a:schemeClr val="accent1"/>
+    </dgm:linClrLst>
+    <dgm:effectClrLst/>
+    <dgm:txLinClrLst/>
+    <dgm:txFillClrLst meth="repeat">
+      <a:schemeClr val="tx1"/>
+    </dgm:txFillClrLst>
+    <dgm:txEffectClrLst/>
+  </dgm:styleLbl>
+  <dgm:styleLbl name="callout">
+    <dgm:fillClrLst meth="repeat">
+      <a:schemeClr val="accent1"/>
+    </dgm:fillClrLst>
+    <dgm:linClrLst meth="repeat">
+      <a:schemeClr val="accent1">
+        <a:tint val="50000"/>
+      </a:schemeClr>
+    </dgm:linClrLst>
+    <dgm:effectClrLst/>
+    <dgm:txLinClrLst/>
+    <dgm:txFillClrLst meth="repeat">
+      <a:schemeClr val="tx1"/>
+    </dgm:txFillClrLst>
+    <dgm:txEffectClrLst/>
+  </dgm:styleLbl>
+  <dgm:styleLbl name="asst0">
+    <dgm:fillClrLst meth="repeat">
+      <a:schemeClr val="accent1"/>
+    </dgm:fillClrLst>
+    <dgm:linClrLst meth="repeat">
+      <a:schemeClr val="lt1"/>
+    </dgm:linClrLst>
+    <dgm:effectClrLst/>
+    <dgm:txLinClrLst/>
+    <dgm:txFillClrLst/>
+    <dgm:txEffectClrLst/>
+  </dgm:styleLbl>
+  <dgm:styleLbl name="asst1">
+    <dgm:fillClrLst meth="repeat">
+      <a:schemeClr val="accent1"/>
+    </dgm:fillClrLst>
+    <dgm:linClrLst meth="repeat">
+      <a:schemeClr val="lt1"/>
+    </dgm:linClrLst>
+    <dgm:effectClrLst/>
+    <dgm:txLinClrLst/>
+    <dgm:txFillClrLst/>
+    <dgm:txEffectClrLst/>
+  </dgm:styleLbl>
+  <dgm:styleLbl name="asst2">
+    <dgm:fillClrLst meth="repeat">
+      <a:schemeClr val="accent1"/>
+    </dgm:fillClrLst>
+    <dgm:linClrLst meth="repeat">
+      <a:schemeClr val="lt1"/>
+    </dgm:linClrLst>
+    <dgm:effectClrLst/>
+    <dgm:txLinClrLst/>
+    <dgm:txFillClrLst/>
+    <dgm:txEffectClrLst/>
+  </dgm:styleLbl>
+  <dgm:styleLbl name="asst3">
+    <dgm:fillClrLst meth="repeat">
+      <a:schemeClr val="accent1"/>
+    </dgm:fillClrLst>
+    <dgm:linClrLst meth="repeat">
+      <a:schemeClr val="lt1"/>
+    </dgm:linClrLst>
+    <dgm:effectClrLst/>
+    <dgm:txLinClrLst/>
+    <dgm:txFillClrLst/>
+    <dgm:txEffectClrLst/>
+  </dgm:styleLbl>
+  <dgm:styleLbl name="asst4">
+    <dgm:fillClrLst meth="repeat">
+      <a:schemeClr val="accent1"/>
+    </dgm:fillClrLst>
+    <dgm:linClrLst meth="repeat">
+      <a:schemeClr val="lt1"/>
+    </dgm:linClrLst>
+    <dgm:effectClrLst/>
+    <dgm:txLinClrLst/>
+    <dgm:txFillClrLst/>
+    <dgm:txEffectClrLst/>
+  </dgm:styleLbl>
+  <dgm:styleLbl name="parChTrans2D1">
+    <dgm:fillClrLst meth="repeat">
+      <a:schemeClr val="accent1">
+        <a:tint val="60000"/>
+      </a:schemeClr>
+    </dgm:fillClrLst>
+    <dgm:linClrLst meth="repeat">
+      <a:schemeClr val="accent1">
+        <a:tint val="60000"/>
+      </a:schemeClr>
+    </dgm:linClrLst>
+    <dgm:effectClrLst/>
+    <dgm:txLinClrLst/>
+    <dgm:txFillClrLst meth="repeat">
+      <a:schemeClr val="lt1"/>
+    </dgm:txFillClrLst>
+    <dgm:txEffectClrLst/>
+  </dgm:styleLbl>
+  <dgm:styleLbl name="parChTrans2D2">
+    <dgm:fillClrLst meth="repeat">
+      <a:schemeClr val="accent1"/>
+    </dgm:fillClrLst>
+    <dgm:linClrLst meth="repeat">
+      <a:schemeClr val="accent1"/>
+    </dgm:linClrLst>
+    <dgm:effectClrLst/>
+    <dgm:txLinClrLst/>
+    <dgm:txFillClrLst meth="repeat">
+      <a:schemeClr val="lt1"/>
+    </dgm:txFillClrLst>
+    <dgm:txEffectClrLst/>
+  </dgm:styleLbl>
+  <dgm:styleLbl name="parChTrans2D3">
+    <dgm:fillClrLst meth="repeat">
+      <a:schemeClr val="accent1"/>
+    </dgm:fillClrLst>
+    <dgm:linClrLst meth="repeat">
+      <a:schemeClr val="accent1"/>
+    </dgm:linClrLst>
+    <dgm:effectClrLst/>
+    <dgm:txLinClrLst/>
+    <dgm:txFillClrLst meth="repeat">
+      <a:schemeClr val="lt1"/>
+    </dgm:txFillClrLst>
+    <dgm:txEffectClrLst/>
+  </dgm:styleLbl>
+  <dgm:styleLbl name="parChTrans2D4">
+    <dgm:fillClrLst meth="repeat">
+      <a:schemeClr val="accent1"/>
+    </dgm:fillClrLst>
+    <dgm:linClrLst meth="repeat">
+      <a:schemeClr val="accent1"/>
+    </dgm:linClrLst>
+    <dgm:effectClrLst/>
+    <dgm:txLinClrLst/>
+    <dgm:txFillClrLst meth="repeat">
+      <a:schemeClr val="lt1"/>
+    </dgm:txFillClrLst>
+    <dgm:txEffectClrLst/>
+  </dgm:styleLbl>
+  <dgm:styleLbl name="parChTrans1D1">
+    <dgm:fillClrLst meth="repeat">
+      <a:schemeClr val="accent1"/>
+    </dgm:fillClrLst>
+    <dgm:linClrLst meth="repeat">
+      <a:schemeClr val="accent1">
+        <a:shade val="60000"/>
+      </a:schemeClr>
+    </dgm:linClrLst>
+    <dgm:effectClrLst/>
+    <dgm:txLinClrLst/>
+    <dgm:txFillClrLst meth="repeat">
+      <a:schemeClr val="tx1"/>
+    </dgm:txFillClrLst>
+    <dgm:txEffectClrLst/>
+  </dgm:styleLbl>
+  <dgm:styleLbl name="parChTrans1D2">
+    <dgm:fillClrLst meth="repeat">
+      <a:schemeClr val="accent1"/>
+    </dgm:fillClrLst>
+    <dgm:linClrLst meth="repeat">
+      <a:schemeClr val="accent1">
+        <a:shade val="60000"/>
+      </a:schemeClr>
+    </dgm:linClrLst>
+    <dgm:effectClrLst/>
+    <dgm:txLinClrLst/>
+    <dgm:txFillClrLst meth="repeat">
+      <a:schemeClr val="tx1"/>
+    </dgm:txFillClrLst>
+    <dgm:txEffectClrLst/>
+  </dgm:styleLbl>
+  <dgm:styleLbl name="parChTrans1D3">
+    <dgm:fillClrLst meth="repeat">
+      <a:schemeClr val="accent1"/>
+    </dgm:fillClrLst>
+    <dgm:linClrLst meth="repeat">
+      <a:schemeClr val="accent1">
+        <a:shade val="80000"/>
+      </a:schemeClr>
+    </dgm:linClrLst>
+    <dgm:effectClrLst/>
+    <dgm:txLinClrLst/>
+    <dgm:txFillClrLst meth="repeat">
+      <a:schemeClr val="tx1"/>
+    </dgm:txFillClrLst>
+    <dgm:txEffectClrLst/>
+  </dgm:styleLbl>
+  <dgm:styleLbl name="parChTrans1D4">
+    <dgm:fillClrLst meth="repeat">
+      <a:schemeClr val="accent1"/>
+    </dgm:fillClrLst>
+    <dgm:linClrLst meth="repeat">
+      <a:schemeClr val="accent1">
+        <a:shade val="80000"/>
+      </a:schemeClr>
+    </dgm:linClrLst>
+    <dgm:effectClrLst/>
+    <dgm:txLinClrLst/>
+    <dgm:txFillClrLst meth="repeat">
+      <a:schemeClr val="tx1"/>
+    </dgm:txFillClrLst>
+    <dgm:txEffectClrLst/>
+  </dgm:styleLbl>
+  <dgm:styleLbl name="fgAcc1">
+    <dgm:fillClrLst meth="repeat">
+      <a:schemeClr val="lt1">
+        <a:alpha val="90000"/>
+      </a:schemeClr>
+    </dgm:fillClrLst>
+    <dgm:linClrLst meth="repeat">
+      <a:schemeClr val="accent1"/>
+    </dgm:linClrLst>
+    <dgm:effectClrLst/>
+    <dgm:txLinClrLst/>
+    <dgm:txFillClrLst meth="repeat">
+      <a:schemeClr val="dk1"/>
+    </dgm:txFillClrLst>
+    <dgm:txEffectClrLst/>
+  </dgm:styleLbl>
+  <dgm:styleLbl name="conFgAcc1">
+    <dgm:fillClrLst meth="repeat">
+      <a:schemeClr val="lt1">
+        <a:alpha val="90000"/>
+      </a:schemeClr>
+    </dgm:fillClrLst>
+    <dgm:linClrLst meth="repeat">
+      <a:schemeClr val="accent1"/>
+    </dgm:linClrLst>
+    <dgm:effectClrLst/>
+    <dgm:txLinClrLst/>
+    <dgm:txFillClrLst meth="repeat">
+      <a:schemeClr val="dk1"/>
+    </dgm:txFillClrLst>
+    <dgm:txEffectClrLst/>
+  </dgm:styleLbl>
+  <dgm:styleLbl name="alignAcc1">
+    <dgm:fillClrLst meth="repeat">
+      <a:schemeClr val="lt1">
+        <a:alpha val="90000"/>
+      </a:schemeClr>
+    </dgm:fillClrLst>
+    <dgm:linClrLst meth="repeat">
+      <a:schemeClr val="accent1"/>
+    </dgm:linClrLst>
+    <dgm:effectClrLst/>
+    <dgm:txLinClrLst/>
+    <dgm:txFillClrLst meth="repeat">
+      <a:schemeClr val="dk1"/>
+    </dgm:txFillClrLst>
+    <dgm:txEffectClrLst/>
+  </dgm:styleLbl>
+  <dgm:styleLbl name="trAlignAcc1">
+    <dgm:fillClrLst meth="repeat">
+      <a:schemeClr val="lt1">
+        <a:alpha val="40000"/>
+      </a:schemeClr>
+    </dgm:fillClrLst>
+    <dgm:linClrLst meth="repeat">
+      <a:schemeClr val="accent1"/>
+    </dgm:linClrLst>
+    <dgm:effectClrLst/>
+    <dgm:txLinClrLst/>
+    <dgm:txFillClrLst meth="repeat">
+      <a:schemeClr val="dk1"/>
+    </dgm:txFillClrLst>
+    <dgm:txEffectClrLst/>
+  </dgm:styleLbl>
+  <dgm:styleLbl name="bgAcc1">
+    <dgm:fillClrLst meth="repeat">
+      <a:schemeClr val="lt1">
+        <a:alpha val="90000"/>
+      </a:schemeClr>
+    </dgm:fillClrLst>
+    <dgm:linClrLst meth="repeat">
+      <a:schemeClr val="accent1"/>
+    </dgm:linClrLst>
+    <dgm:effectClrLst/>
+    <dgm:txLinClrLst/>
+    <dgm:txFillClrLst meth="repeat">
+      <a:schemeClr val="dk1"/>
+    </dgm:txFillClrLst>
+    <dgm:txEffectClrLst/>
+  </dgm:styleLbl>
+  <dgm:styleLbl name="solidFgAcc1">
+    <dgm:fillClrLst meth="repeat">
+      <a:schemeClr val="lt1"/>
+    </dgm:fillClrLst>
+    <dgm:linClrLst meth="repeat">
+      <a:schemeClr val="accent1"/>
+    </dgm:linClrLst>
+    <dgm:effectClrLst/>
+    <dgm:txLinClrLst/>
+    <dgm:txFillClrLst meth="repeat">
+      <a:schemeClr val="dk1"/>
+    </dgm:txFillClrLst>
+    <dgm:txEffectClrLst/>
+  </dgm:styleLbl>
+  <dgm:styleLbl name="solidAlignAcc1">
+    <dgm:fillClrLst meth="repeat">
+      <a:schemeClr val="lt1"/>
+    </dgm:fillClrLst>
+    <dgm:linClrLst meth="repeat">
+      <a:schemeClr val="accent1"/>
+    </dgm:linClrLst>
+    <dgm:effectClrLst/>
+    <dgm:txLinClrLst/>
+    <dgm:txFillClrLst meth="repeat">
+      <a:schemeClr val="dk1"/>
+    </dgm:txFillClrLst>
+    <dgm:txEffectClrLst/>
+  </dgm:styleLbl>
+  <dgm:styleLbl name="solidBgAcc1">
+    <dgm:fillClrLst meth="repeat">
+      <a:schemeClr val="lt1"/>
+    </dgm:fillClrLst>
+    <dgm:linClrLst meth="repeat">
+      <a:schemeClr val="accent1"/>
+    </dgm:linClrLst>
+    <dgm:effectClrLst/>
+    <dgm:txLinClrLst/>
+    <dgm:txFillClrLst meth="repeat">
+      <a:schemeClr val="dk1"/>
+    </dgm:txFillClrLst>
+    <dgm:txEffectClrLst/>
+  </dgm:styleLbl>
+  <dgm:styleLbl name="fgAccFollowNode1">
+    <dgm:fillClrLst meth="repeat">
+      <a:schemeClr val="accent1">
+        <a:alpha val="90000"/>
+        <a:tint val="40000"/>
+      </a:schemeClr>
+    </dgm:fillClrLst>
+    <dgm:linClrLst meth="repeat">
+      <a:schemeClr val="accent1">
+        <a:alpha val="90000"/>
+        <a:tint val="40000"/>
+      </a:schemeClr>
+    </dgm:linClrLst>
+    <dgm:effectClrLst/>
+    <dgm:txLinClrLst/>
+    <dgm:txFillClrLst meth="repeat">
+      <a:schemeClr val="dk1"/>
+    </dgm:txFillClrLst>
+    <dgm:txEffectClrLst/>
+  </dgm:styleLbl>
+  <dgm:styleLbl name="alignAccFollowNode1">
+    <dgm:fillClrLst meth="repeat">
+      <a:schemeClr val="accent1">
+        <a:alpha val="90000"/>
+        <a:tint val="40000"/>
+      </a:schemeClr>
+    </dgm:fillClrLst>
+    <dgm:linClrLst meth="repeat">
+      <a:schemeClr val="accent1">
+        <a:alpha val="90000"/>
+        <a:tint val="40000"/>
+      </a:schemeClr>
+    </dgm:linClrLst>
+    <dgm:effectClrLst/>
+    <dgm:txLinClrLst/>
+    <dgm:txFillClrLst meth="repeat">
+      <a:schemeClr val="dk1"/>
+    </dgm:txFillClrLst>
+    <dgm:txEffectClrLst/>
+  </dgm:styleLbl>
+  <dgm:styleLbl name="bgAccFollowNode1">
+    <dgm:fillClrLst meth="repeat">
+      <a:schemeClr val="accent1">
+        <a:alpha val="90000"/>
+        <a:tint val="40000"/>
+      </a:schemeClr>
+    </dgm:fillClrLst>
+    <dgm:linClrLst meth="repeat">
+      <a:schemeClr val="accent1">
+        <a:alpha val="90000"/>
+        <a:tint val="40000"/>
+      </a:schemeClr>
+    </dgm:linClrLst>
+    <dgm:effectClrLst/>
+    <dgm:txLinClrLst/>
+    <dgm:txFillClrLst meth="repeat">
+      <a:schemeClr val="dk1"/>
+    </dgm:txFillClrLst>
+    <dgm:txEffectClrLst/>
+  </dgm:styleLbl>
+  <dgm:styleLbl name="fgAcc0">
+    <dgm:fillClrLst meth="repeat">
+      <a:schemeClr val="lt1">
+        <a:alpha val="90000"/>
+      </a:schemeClr>
+    </dgm:fillClrLst>
+    <dgm:linClrLst meth="repeat">
+      <a:schemeClr val="accent1"/>
+    </dgm:linClrLst>
+    <dgm:effectClrLst/>
+    <dgm:txLinClrLst/>
+    <dgm:txFillClrLst meth="repeat">
+      <a:schemeClr val="dk1"/>
+    </dgm:txFillClrLst>
+    <dgm:txEffectClrLst/>
+  </dgm:styleLbl>
+  <dgm:styleLbl name="fgAcc2">
+    <dgm:fillClrLst meth="repeat">
+      <a:schemeClr val="lt1">
+        <a:alpha val="90000"/>
+      </a:schemeClr>
+    </dgm:fillClrLst>
+    <dgm:linClrLst meth="repeat">
+      <a:schemeClr val="accent1"/>
+    </dgm:linClrLst>
+    <dgm:effectClrLst/>
+    <dgm:txLinClrLst/>
+    <dgm:txFillClrLst meth="repeat">
+      <a:schemeClr val="dk1"/>
+    </dgm:txFillClrLst>
+    <dgm:txEffectClrLst/>
+  </dgm:styleLbl>
+  <dgm:styleLbl name="fgAcc3">
+    <dgm:fillClrLst meth="repeat">
+      <a:schemeClr val="lt1">
+        <a:alpha val="90000"/>
+      </a:schemeClr>
+    </dgm:fillClrLst>
+    <dgm:linClrLst meth="repeat">
+      <a:schemeClr val="accent1"/>
+    </dgm:linClrLst>
+    <dgm:effectClrLst/>
+    <dgm:txLinClrLst/>
+    <dgm:txFillClrLst meth="repeat">
+      <a:schemeClr val="dk1"/>
+    </dgm:txFillClrLst>
+    <dgm:txEffectClrLst/>
+  </dgm:styleLbl>
+  <dgm:styleLbl name="fgAcc4">
+    <dgm:fillClrLst meth="repeat">
+      <a:schemeClr val="lt1">
+        <a:alpha val="90000"/>
+      </a:schemeClr>
+    </dgm:fillClrLst>
+    <dgm:linClrLst meth="repeat">
+      <a:schemeClr val="accent1"/>
+    </dgm:linClrLst>
+    <dgm:effectClrLst/>
+    <dgm:txLinClrLst/>
+    <dgm:txFillClrLst meth="repeat">
+      <a:schemeClr val="dk1"/>
+    </dgm:txFillClrLst>
+    <dgm:txEffectClrLst/>
+  </dgm:styleLbl>
+  <dgm:styleLbl name="bgShp">
+    <dgm:fillClrLst meth="repeat">
+      <a:schemeClr val="accent1">
+        <a:tint val="40000"/>
+      </a:schemeClr>
+    </dgm:fillClrLst>
+    <dgm:linClrLst meth="repeat">
+      <a:schemeClr val="accent1"/>
+    </dgm:linClrLst>
+    <dgm:effectClrLst/>
+    <dgm:txLinClrLst/>
+    <dgm:txFillClrLst meth="repeat">
+      <a:schemeClr val="dk1"/>
+    </dgm:txFillClrLst>
+    <dgm:txEffectClrLst/>
+  </dgm:styleLbl>
+  <dgm:styleLbl name="dkBgShp">
+    <dgm:fillClrLst meth="repeat">
+      <a:schemeClr val="accent1">
+        <a:shade val="80000"/>
+      </a:schemeClr>
+    </dgm:fillClrLst>
+    <dgm:linClrLst meth="repeat">
+      <a:schemeClr val="accent1"/>
+    </dgm:linClrLst>
+    <dgm:effectClrLst/>
+    <dgm:txLinClrLst/>
+    <dgm:txFillClrLst meth="repeat">
+      <a:schemeClr val="lt1"/>
+    </dgm:txFillClrLst>
+    <dgm:txEffectClrLst/>
+  </dgm:styleLbl>
+  <dgm:styleLbl name="trBgShp">
+    <dgm:fillClrLst meth="repeat">
+      <a:schemeClr val="accent1">
+        <a:tint val="50000"/>
+        <a:alpha val="40000"/>
+      </a:schemeClr>
+    </dgm:fillClrLst>
+    <dgm:linClrLst meth="repeat">
+      <a:schemeClr val="accent1"/>
+    </dgm:linClrLst>
+    <dgm:effectClrLst/>
+    <dgm:txLinClrLst/>
+    <dgm:txFillClrLst meth="repeat">
+      <a:schemeClr val="lt1"/>
+    </dgm:txFillClrLst>
+    <dgm:txEffectClrLst/>
+  </dgm:styleLbl>
+  <dgm:styleLbl name="fgShp">
+    <dgm:fillClrLst meth="repeat">
+      <a:schemeClr val="accent1">
+        <a:tint val="60000"/>
+      </a:schemeClr>
+    </dgm:fillClrLst>
+    <dgm:linClrLst meth="repeat">
+      <a:schemeClr val="lt1"/>
+    </dgm:linClrLst>
+    <dgm:effectClrLst/>
+    <dgm:txLinClrLst/>
+    <dgm:txFillClrLst meth="repeat">
+      <a:schemeClr val="dk1"/>
+    </dgm:txFillClrLst>
+    <dgm:txEffectClrLst/>
+  </dgm:styleLbl>
+  <dgm:styleLbl name="revTx">
+    <dgm:fillClrLst meth="repeat">
+      <a:schemeClr val="lt1">
+        <a:alpha val="0"/>
+      </a:schemeClr>
+    </dgm:fillClrLst>
+    <dgm:linClrLst meth="repeat">
+      <a:schemeClr val="dk1">
+        <a:alpha val="0"/>
+      </a:schemeClr>
+    </dgm:linClrLst>
+    <dgm:effectClrLst/>
+    <dgm:txLinClrLst/>
+    <dgm:txFillClrLst meth="repeat">
+      <a:schemeClr val="tx1"/>
+    </dgm:txFillClrLst>
+    <dgm:txEffectClrLst/>
+  </dgm:styleLbl>
+</dgm:colorsDef>
+</file>
+
+<file path=ppt/diagrams/data1.xml><?xml version="1.0" encoding="utf-8"?>
+<dgm:dataModel xmlns:dgm="http://schemas.openxmlformats.org/drawingml/2006/diagram" xmlns:a="http://schemas.openxmlformats.org/drawingml/2006/main">
+  <dgm:ptLst>
+    <dgm:pt modelId="{2B2DEDEA-5E81-4B72-9397-1061132DA5DA}" type="doc">
+      <dgm:prSet loTypeId="urn:microsoft.com/office/officeart/2005/8/layout/target2" loCatId="relationship" qsTypeId="urn:microsoft.com/office/officeart/2005/8/quickstyle/simple1" qsCatId="simple" csTypeId="urn:microsoft.com/office/officeart/2005/8/colors/accent1_2" csCatId="accent1" phldr="1"/>
+      <dgm:spPr/>
+      <dgm:t>
+        <a:bodyPr/>
+        <a:lstStyle/>
+        <a:p>
+          <a:pPr rtl="1"/>
+          <a:endParaRPr lang="he-IL"/>
+        </a:p>
+      </dgm:t>
+    </dgm:pt>
+    <dgm:pt modelId="{6F093327-FBF9-4204-AA5F-DF0F2E359F29}">
+      <dgm:prSet phldrT="[טקסט]"/>
+      <dgm:spPr/>
+      <dgm:t>
+        <a:bodyPr/>
+        <a:lstStyle/>
+        <a:p>
+          <a:pPr rtl="1"/>
+          <a:r>
+            <a:rPr lang="en-US" dirty="0"/>
+            <a:t>ABC</a:t>
+          </a:r>
+          <a:endParaRPr lang="he-IL" dirty="0"/>
+        </a:p>
+      </dgm:t>
+    </dgm:pt>
+    <dgm:pt modelId="{272C718F-D9C1-41CD-ABDE-534981BEE9A7}" type="parTrans" cxnId="{9C415A8B-8674-4D2F-8CDF-84BD9A4B7773}">
+      <dgm:prSet/>
+      <dgm:spPr/>
+      <dgm:t>
+        <a:bodyPr/>
+        <a:lstStyle/>
+        <a:p>
+          <a:pPr rtl="1"/>
+          <a:endParaRPr lang="he-IL"/>
+        </a:p>
+      </dgm:t>
+    </dgm:pt>
+    <dgm:pt modelId="{CD1AD266-7C00-48F8-8E2F-8423A65C8994}" type="sibTrans" cxnId="{9C415A8B-8674-4D2F-8CDF-84BD9A4B7773}">
+      <dgm:prSet/>
+      <dgm:spPr/>
+      <dgm:t>
+        <a:bodyPr/>
+        <a:lstStyle/>
+        <a:p>
+          <a:pPr rtl="1"/>
+          <a:endParaRPr lang="he-IL"/>
+        </a:p>
+      </dgm:t>
+    </dgm:pt>
+    <dgm:pt modelId="{9B84F408-E824-4EF2-9E65-7C71ED0B62C0}">
+      <dgm:prSet phldrT="[טקסט]"/>
+      <dgm:spPr/>
+      <dgm:t>
+        <a:bodyPr/>
+        <a:lstStyle/>
+        <a:p>
+          <a:pPr rtl="1"/>
+          <a:r>
+            <a:rPr lang="en-US" dirty="0" err="1"/>
+            <a:t>abc</a:t>
+          </a:r>
+          <a:endParaRPr lang="he-IL" dirty="0"/>
+        </a:p>
+      </dgm:t>
+    </dgm:pt>
+    <dgm:pt modelId="{001D46AC-D93F-4BD8-BE41-AAED3DE7022F}" type="parTrans" cxnId="{C1B8C170-E4FF-4C4B-A453-59F1A2AAFF96}">
+      <dgm:prSet/>
+      <dgm:spPr/>
+      <dgm:t>
+        <a:bodyPr/>
+        <a:lstStyle/>
+        <a:p>
+          <a:pPr rtl="1"/>
+          <a:endParaRPr lang="he-IL"/>
+        </a:p>
+      </dgm:t>
+    </dgm:pt>
+    <dgm:pt modelId="{F0F9170D-0A85-4D5A-B460-1BE1B80A4E0E}" type="sibTrans" cxnId="{C1B8C170-E4FF-4C4B-A453-59F1A2AAFF96}">
+      <dgm:prSet/>
+      <dgm:spPr/>
+      <dgm:t>
+        <a:bodyPr/>
+        <a:lstStyle/>
+        <a:p>
+          <a:pPr rtl="1"/>
+          <a:endParaRPr lang="he-IL"/>
+        </a:p>
+      </dgm:t>
+    </dgm:pt>
+    <dgm:pt modelId="{98684F13-29CD-4062-A3A5-FCDC18E22F81}">
+      <dgm:prSet phldrT="[טקסט]"/>
+      <dgm:spPr/>
+      <dgm:t>
+        <a:bodyPr/>
+        <a:lstStyle/>
+        <a:p>
+          <a:pPr rtl="1"/>
+          <a:r>
+            <a:rPr lang="en-US" dirty="0"/>
+            <a:t>DEF</a:t>
+          </a:r>
+          <a:endParaRPr lang="he-IL" dirty="0"/>
+        </a:p>
+      </dgm:t>
+    </dgm:pt>
+    <dgm:pt modelId="{8BD53D59-9DFD-4D24-B451-048DA67BA87B}" type="parTrans" cxnId="{B4043F6D-8585-491C-810E-4D3489262E94}">
+      <dgm:prSet/>
+      <dgm:spPr/>
+      <dgm:t>
+        <a:bodyPr/>
+        <a:lstStyle/>
+        <a:p>
+          <a:pPr rtl="1"/>
+          <a:endParaRPr lang="he-IL"/>
+        </a:p>
+      </dgm:t>
+    </dgm:pt>
+    <dgm:pt modelId="{7A2C8410-285A-4CD4-AA97-A5189B444C8B}" type="sibTrans" cxnId="{B4043F6D-8585-491C-810E-4D3489262E94}">
+      <dgm:prSet/>
+      <dgm:spPr/>
+      <dgm:t>
+        <a:bodyPr/>
+        <a:lstStyle/>
+        <a:p>
+          <a:pPr rtl="1"/>
+          <a:endParaRPr lang="he-IL"/>
+        </a:p>
+      </dgm:t>
+    </dgm:pt>
+    <dgm:pt modelId="{9034340D-39FC-4F19-99AC-4A5B50CEF7AC}">
+      <dgm:prSet phldrT="[טקסט]"/>
+      <dgm:spPr/>
+      <dgm:t>
+        <a:bodyPr/>
+        <a:lstStyle/>
+        <a:p>
+          <a:pPr rtl="1"/>
+          <a:r>
+            <a:rPr lang="en-US" dirty="0"/>
+            <a:t>def</a:t>
+          </a:r>
+          <a:endParaRPr lang="he-IL" dirty="0"/>
+        </a:p>
+      </dgm:t>
+    </dgm:pt>
+    <dgm:pt modelId="{F2EA01CC-F965-4889-AC4D-500AC90815C4}" type="parTrans" cxnId="{4BF12ED8-9FD9-487C-8054-28D8BC6FE10F}">
+      <dgm:prSet/>
+      <dgm:spPr/>
+      <dgm:t>
+        <a:bodyPr/>
+        <a:lstStyle/>
+        <a:p>
+          <a:pPr rtl="1"/>
+          <a:endParaRPr lang="he-IL"/>
+        </a:p>
+      </dgm:t>
+    </dgm:pt>
+    <dgm:pt modelId="{ADC87C39-DBB9-4A73-8E71-016F53EA6A7C}" type="sibTrans" cxnId="{4BF12ED8-9FD9-487C-8054-28D8BC6FE10F}">
+      <dgm:prSet/>
+      <dgm:spPr/>
+      <dgm:t>
+        <a:bodyPr/>
+        <a:lstStyle/>
+        <a:p>
+          <a:pPr rtl="1"/>
+          <a:endParaRPr lang="he-IL"/>
+        </a:p>
+      </dgm:t>
+    </dgm:pt>
+    <dgm:pt modelId="{DF0EFF98-7B92-4F25-9718-138B5BCBBD26}">
+      <dgm:prSet phldrT="[טקסט]"/>
+      <dgm:spPr/>
+      <dgm:t>
+        <a:bodyPr/>
+        <a:lstStyle/>
+        <a:p>
+          <a:pPr rtl="1"/>
+          <a:r>
+            <a:rPr lang="en-US" dirty="0"/>
+            <a:t>GHI</a:t>
+          </a:r>
+          <a:endParaRPr lang="he-IL" dirty="0"/>
+        </a:p>
+      </dgm:t>
+    </dgm:pt>
+    <dgm:pt modelId="{7C43DA07-6030-4F98-963E-CAC7DBB2198C}" type="parTrans" cxnId="{6284A68E-2FBA-4193-B920-7655EA1215F7}">
+      <dgm:prSet/>
+      <dgm:spPr/>
+      <dgm:t>
+        <a:bodyPr/>
+        <a:lstStyle/>
+        <a:p>
+          <a:pPr rtl="1"/>
+          <a:endParaRPr lang="he-IL"/>
+        </a:p>
+      </dgm:t>
+    </dgm:pt>
+    <dgm:pt modelId="{239D60B8-8812-477A-A500-1D28AEF55368}" type="sibTrans" cxnId="{6284A68E-2FBA-4193-B920-7655EA1215F7}">
+      <dgm:prSet/>
+      <dgm:spPr/>
+      <dgm:t>
+        <a:bodyPr/>
+        <a:lstStyle/>
+        <a:p>
+          <a:pPr rtl="1"/>
+          <a:endParaRPr lang="he-IL"/>
+        </a:p>
+      </dgm:t>
+    </dgm:pt>
+    <dgm:pt modelId="{2DE45EF7-710F-42B7-A358-F20F5D8FAC00}">
+      <dgm:prSet phldrT="[טקסט]"/>
+      <dgm:spPr/>
+      <dgm:t>
+        <a:bodyPr/>
+        <a:lstStyle/>
+        <a:p>
+          <a:pPr rtl="1"/>
+          <a:r>
+            <a:rPr lang="en-US" dirty="0" err="1"/>
+            <a:t>ghi</a:t>
+          </a:r>
+          <a:endParaRPr lang="he-IL" dirty="0"/>
+        </a:p>
+      </dgm:t>
+    </dgm:pt>
+    <dgm:pt modelId="{2DCAB7FD-A5FC-4E7D-B9E8-46E5CF518D32}" type="parTrans" cxnId="{19E53A22-4A19-47E6-8456-6CC6E2296E46}">
+      <dgm:prSet/>
+      <dgm:spPr/>
+      <dgm:t>
+        <a:bodyPr/>
+        <a:lstStyle/>
+        <a:p>
+          <a:pPr rtl="1"/>
+          <a:endParaRPr lang="he-IL"/>
+        </a:p>
+      </dgm:t>
+    </dgm:pt>
+    <dgm:pt modelId="{010B1C22-521A-4C8E-8258-D321E893EB05}" type="sibTrans" cxnId="{19E53A22-4A19-47E6-8456-6CC6E2296E46}">
+      <dgm:prSet/>
+      <dgm:spPr/>
+      <dgm:t>
+        <a:bodyPr/>
+        <a:lstStyle/>
+        <a:p>
+          <a:pPr rtl="1"/>
+          <a:endParaRPr lang="he-IL"/>
+        </a:p>
+      </dgm:t>
+    </dgm:pt>
+    <dgm:pt modelId="{C3A96F2F-4BD5-4B44-B692-1A5F5C56127D}">
+      <dgm:prSet phldrT="[טקסט]"/>
+      <dgm:spPr/>
+    </dgm:pt>
+    <dgm:pt modelId="{3B3FE2E5-20D4-44CF-80E0-F4B67AC64E08}" type="parTrans" cxnId="{23325C3B-D51A-4ABC-A861-ED05CB2BE782}">
+      <dgm:prSet/>
+      <dgm:spPr/>
+      <dgm:t>
+        <a:bodyPr/>
+        <a:lstStyle/>
+        <a:p>
+          <a:pPr rtl="1"/>
+          <a:endParaRPr lang="he-IL"/>
+        </a:p>
+      </dgm:t>
+    </dgm:pt>
+    <dgm:pt modelId="{C84D3DFF-0230-4F18-808C-DDEAF1F06B56}" type="sibTrans" cxnId="{23325C3B-D51A-4ABC-A861-ED05CB2BE782}">
+      <dgm:prSet/>
+      <dgm:spPr/>
+      <dgm:t>
+        <a:bodyPr/>
+        <a:lstStyle/>
+        <a:p>
+          <a:pPr rtl="1"/>
+          <a:endParaRPr lang="he-IL"/>
+        </a:p>
+      </dgm:t>
+    </dgm:pt>
+    <dgm:pt modelId="{FD68BB2B-BC85-4F19-9CD3-9E68C92D0208}">
+      <dgm:prSet phldrT="[טקסט]"/>
+      <dgm:spPr/>
+    </dgm:pt>
+    <dgm:pt modelId="{1F5DE0BA-5E56-4A9B-8600-05EC07C4B186}" type="sibTrans" cxnId="{58629D30-6882-4D1B-A62F-332A28EEECE1}">
+      <dgm:prSet/>
+      <dgm:spPr/>
+      <dgm:t>
+        <a:bodyPr/>
+        <a:lstStyle/>
+        <a:p>
+          <a:pPr rtl="1"/>
+          <a:endParaRPr lang="he-IL"/>
+        </a:p>
+      </dgm:t>
+    </dgm:pt>
+    <dgm:pt modelId="{07CFBB69-E0D7-480F-BC9E-7ACED261A18C}" type="parTrans" cxnId="{58629D30-6882-4D1B-A62F-332A28EEECE1}">
+      <dgm:prSet/>
+      <dgm:spPr/>
+      <dgm:t>
+        <a:bodyPr/>
+        <a:lstStyle/>
+        <a:p>
+          <a:pPr rtl="1"/>
+          <a:endParaRPr lang="he-IL"/>
+        </a:p>
+      </dgm:t>
+    </dgm:pt>
+    <dgm:pt modelId="{40515642-798D-4B35-96BB-C867600EC2F4}" type="pres">
+      <dgm:prSet presAssocID="{2B2DEDEA-5E81-4B72-9397-1061132DA5DA}" presName="Name0" presStyleCnt="0">
+        <dgm:presLayoutVars>
+          <dgm:chMax val="3"/>
+          <dgm:chPref val="1"/>
+          <dgm:dir/>
+          <dgm:animLvl val="lvl"/>
+          <dgm:resizeHandles/>
+        </dgm:presLayoutVars>
+      </dgm:prSet>
+      <dgm:spPr/>
+    </dgm:pt>
+    <dgm:pt modelId="{A47225D5-E3E6-4335-BC76-3627C550A7BB}" type="pres">
+      <dgm:prSet presAssocID="{2B2DEDEA-5E81-4B72-9397-1061132DA5DA}" presName="outerBox" presStyleCnt="0"/>
+      <dgm:spPr/>
+    </dgm:pt>
+    <dgm:pt modelId="{7D80CBB9-26F1-4BC7-A53C-313BFEA84526}" type="pres">
+      <dgm:prSet presAssocID="{2B2DEDEA-5E81-4B72-9397-1061132DA5DA}" presName="outerBoxParent" presStyleLbl="node1" presStyleIdx="0" presStyleCnt="3"/>
+      <dgm:spPr/>
+    </dgm:pt>
+    <dgm:pt modelId="{DD1C9DFC-5038-4EDF-B899-06537B9F42C9}" type="pres">
+      <dgm:prSet presAssocID="{2B2DEDEA-5E81-4B72-9397-1061132DA5DA}" presName="outerBoxChildren" presStyleCnt="0"/>
+      <dgm:spPr/>
+    </dgm:pt>
+    <dgm:pt modelId="{820489D0-F712-438C-8956-6F003DB58CA3}" type="pres">
+      <dgm:prSet presAssocID="{9B84F408-E824-4EF2-9E65-7C71ED0B62C0}" presName="oChild" presStyleLbl="fgAcc1" presStyleIdx="0" presStyleCnt="3">
+        <dgm:presLayoutVars>
+          <dgm:bulletEnabled val="1"/>
+        </dgm:presLayoutVars>
+      </dgm:prSet>
+      <dgm:spPr/>
+    </dgm:pt>
+    <dgm:pt modelId="{687E571E-A528-4DEE-B05E-43D7BC1C9A31}" type="pres">
+      <dgm:prSet presAssocID="{2B2DEDEA-5E81-4B72-9397-1061132DA5DA}" presName="middleBox" presStyleCnt="0"/>
+      <dgm:spPr/>
+    </dgm:pt>
+    <dgm:pt modelId="{C75AF8DB-E523-4F1D-84CD-CEA4DE8F5D6B}" type="pres">
+      <dgm:prSet presAssocID="{2B2DEDEA-5E81-4B72-9397-1061132DA5DA}" presName="middleBoxParent" presStyleLbl="node1" presStyleIdx="1" presStyleCnt="3"/>
+      <dgm:spPr/>
+    </dgm:pt>
+    <dgm:pt modelId="{BE0FD1B2-FD32-4C63-826B-E0366B628194}" type="pres">
+      <dgm:prSet presAssocID="{2B2DEDEA-5E81-4B72-9397-1061132DA5DA}" presName="middleBoxChildren" presStyleCnt="0"/>
+      <dgm:spPr/>
+    </dgm:pt>
+    <dgm:pt modelId="{E3AF89EB-D784-4829-BFCA-B3D056799E58}" type="pres">
+      <dgm:prSet presAssocID="{9034340D-39FC-4F19-99AC-4A5B50CEF7AC}" presName="mChild" presStyleLbl="fgAcc1" presStyleIdx="1" presStyleCnt="3">
+        <dgm:presLayoutVars>
+          <dgm:bulletEnabled val="1"/>
+        </dgm:presLayoutVars>
+      </dgm:prSet>
+      <dgm:spPr/>
+    </dgm:pt>
+    <dgm:pt modelId="{38758E47-0116-4818-BB09-4DA977F0EC4B}" type="pres">
+      <dgm:prSet presAssocID="{2B2DEDEA-5E81-4B72-9397-1061132DA5DA}" presName="centerBox" presStyleCnt="0"/>
+      <dgm:spPr/>
+    </dgm:pt>
+    <dgm:pt modelId="{51B241C7-CB37-4504-91B5-D28D15811FBA}" type="pres">
+      <dgm:prSet presAssocID="{2B2DEDEA-5E81-4B72-9397-1061132DA5DA}" presName="centerBoxParent" presStyleLbl="node1" presStyleIdx="2" presStyleCnt="3"/>
+      <dgm:spPr/>
+    </dgm:pt>
+    <dgm:pt modelId="{8ACC5604-7650-4810-B2A8-B40849739F1E}" type="pres">
+      <dgm:prSet presAssocID="{2B2DEDEA-5E81-4B72-9397-1061132DA5DA}" presName="centerBoxChildren" presStyleCnt="0"/>
+      <dgm:spPr/>
+    </dgm:pt>
+    <dgm:pt modelId="{DC4C0267-EBFE-4793-A7A5-CE1C28B7D83B}" type="pres">
+      <dgm:prSet presAssocID="{2DE45EF7-710F-42B7-A358-F20F5D8FAC00}" presName="cChild" presStyleLbl="fgAcc1" presStyleIdx="2" presStyleCnt="3">
+        <dgm:presLayoutVars>
+          <dgm:bulletEnabled val="1"/>
+        </dgm:presLayoutVars>
+      </dgm:prSet>
+      <dgm:spPr/>
+    </dgm:pt>
+  </dgm:ptLst>
+  <dgm:cxnLst>
+    <dgm:cxn modelId="{A3EBF01D-B05C-4174-972F-5A8E0E948056}" type="presOf" srcId="{98684F13-29CD-4062-A3A5-FCDC18E22F81}" destId="{C75AF8DB-E523-4F1D-84CD-CEA4DE8F5D6B}" srcOrd="0" destOrd="0" presId="urn:microsoft.com/office/officeart/2005/8/layout/target2"/>
+    <dgm:cxn modelId="{19E53A22-4A19-47E6-8456-6CC6E2296E46}" srcId="{DF0EFF98-7B92-4F25-9718-138B5BCBBD26}" destId="{2DE45EF7-710F-42B7-A358-F20F5D8FAC00}" srcOrd="0" destOrd="0" parTransId="{2DCAB7FD-A5FC-4E7D-B9E8-46E5CF518D32}" sibTransId="{010B1C22-521A-4C8E-8258-D321E893EB05}"/>
+    <dgm:cxn modelId="{58629D30-6882-4D1B-A62F-332A28EEECE1}" srcId="{2B2DEDEA-5E81-4B72-9397-1061132DA5DA}" destId="{FD68BB2B-BC85-4F19-9CD3-9E68C92D0208}" srcOrd="3" destOrd="0" parTransId="{07CFBB69-E0D7-480F-BC9E-7ACED261A18C}" sibTransId="{1F5DE0BA-5E56-4A9B-8600-05EC07C4B186}"/>
+    <dgm:cxn modelId="{02DF8F36-D16D-4F25-9FC1-A8F1FF752F63}" type="presOf" srcId="{9B84F408-E824-4EF2-9E65-7C71ED0B62C0}" destId="{820489D0-F712-438C-8956-6F003DB58CA3}" srcOrd="0" destOrd="0" presId="urn:microsoft.com/office/officeart/2005/8/layout/target2"/>
+    <dgm:cxn modelId="{CA8BB638-0196-4543-A14A-F5A02C6AE235}" type="presOf" srcId="{2DE45EF7-710F-42B7-A358-F20F5D8FAC00}" destId="{DC4C0267-EBFE-4793-A7A5-CE1C28B7D83B}" srcOrd="0" destOrd="0" presId="urn:microsoft.com/office/officeart/2005/8/layout/target2"/>
+    <dgm:cxn modelId="{23325C3B-D51A-4ABC-A861-ED05CB2BE782}" srcId="{FD68BB2B-BC85-4F19-9CD3-9E68C92D0208}" destId="{C3A96F2F-4BD5-4B44-B692-1A5F5C56127D}" srcOrd="0" destOrd="0" parTransId="{3B3FE2E5-20D4-44CF-80E0-F4B67AC64E08}" sibTransId="{C84D3DFF-0230-4F18-808C-DDEAF1F06B56}"/>
+    <dgm:cxn modelId="{B4043F6D-8585-491C-810E-4D3489262E94}" srcId="{2B2DEDEA-5E81-4B72-9397-1061132DA5DA}" destId="{98684F13-29CD-4062-A3A5-FCDC18E22F81}" srcOrd="1" destOrd="0" parTransId="{8BD53D59-9DFD-4D24-B451-048DA67BA87B}" sibTransId="{7A2C8410-285A-4CD4-AA97-A5189B444C8B}"/>
+    <dgm:cxn modelId="{C1B8C170-E4FF-4C4B-A453-59F1A2AAFF96}" srcId="{6F093327-FBF9-4204-AA5F-DF0F2E359F29}" destId="{9B84F408-E824-4EF2-9E65-7C71ED0B62C0}" srcOrd="0" destOrd="0" parTransId="{001D46AC-D93F-4BD8-BE41-AAED3DE7022F}" sibTransId="{F0F9170D-0A85-4D5A-B460-1BE1B80A4E0E}"/>
+    <dgm:cxn modelId="{58EBEE51-F305-4D6A-BC7F-F0C6275D165D}" type="presOf" srcId="{9034340D-39FC-4F19-99AC-4A5B50CEF7AC}" destId="{E3AF89EB-D784-4829-BFCA-B3D056799E58}" srcOrd="0" destOrd="0" presId="urn:microsoft.com/office/officeart/2005/8/layout/target2"/>
+    <dgm:cxn modelId="{47F44E73-9296-4A8D-8876-931C8C93A3FD}" type="presOf" srcId="{DF0EFF98-7B92-4F25-9718-138B5BCBBD26}" destId="{51B241C7-CB37-4504-91B5-D28D15811FBA}" srcOrd="0" destOrd="0" presId="urn:microsoft.com/office/officeart/2005/8/layout/target2"/>
+    <dgm:cxn modelId="{9C415A8B-8674-4D2F-8CDF-84BD9A4B7773}" srcId="{2B2DEDEA-5E81-4B72-9397-1061132DA5DA}" destId="{6F093327-FBF9-4204-AA5F-DF0F2E359F29}" srcOrd="0" destOrd="0" parTransId="{272C718F-D9C1-41CD-ABDE-534981BEE9A7}" sibTransId="{CD1AD266-7C00-48F8-8E2F-8423A65C8994}"/>
+    <dgm:cxn modelId="{6284A68E-2FBA-4193-B920-7655EA1215F7}" srcId="{2B2DEDEA-5E81-4B72-9397-1061132DA5DA}" destId="{DF0EFF98-7B92-4F25-9718-138B5BCBBD26}" srcOrd="2" destOrd="0" parTransId="{7C43DA07-6030-4F98-963E-CAC7DBB2198C}" sibTransId="{239D60B8-8812-477A-A500-1D28AEF55368}"/>
+    <dgm:cxn modelId="{641CD2B5-EFB1-4ACC-AEF8-02DB14655839}" type="presOf" srcId="{2B2DEDEA-5E81-4B72-9397-1061132DA5DA}" destId="{40515642-798D-4B35-96BB-C867600EC2F4}" srcOrd="0" destOrd="0" presId="urn:microsoft.com/office/officeart/2005/8/layout/target2"/>
+    <dgm:cxn modelId="{8D8CE5CA-6F2E-4180-A90D-B582619AFA46}" type="presOf" srcId="{6F093327-FBF9-4204-AA5F-DF0F2E359F29}" destId="{7D80CBB9-26F1-4BC7-A53C-313BFEA84526}" srcOrd="0" destOrd="0" presId="urn:microsoft.com/office/officeart/2005/8/layout/target2"/>
+    <dgm:cxn modelId="{4BF12ED8-9FD9-487C-8054-28D8BC6FE10F}" srcId="{98684F13-29CD-4062-A3A5-FCDC18E22F81}" destId="{9034340D-39FC-4F19-99AC-4A5B50CEF7AC}" srcOrd="0" destOrd="0" parTransId="{F2EA01CC-F965-4889-AC4D-500AC90815C4}" sibTransId="{ADC87C39-DBB9-4A73-8E71-016F53EA6A7C}"/>
+    <dgm:cxn modelId="{88EDCDD3-791A-4A63-977A-7AEC1A59982B}" type="presParOf" srcId="{40515642-798D-4B35-96BB-C867600EC2F4}" destId="{A47225D5-E3E6-4335-BC76-3627C550A7BB}" srcOrd="0" destOrd="0" presId="urn:microsoft.com/office/officeart/2005/8/layout/target2"/>
+    <dgm:cxn modelId="{6A5AFCED-7FA7-4DA7-BE3E-95D2D17D94E3}" type="presParOf" srcId="{A47225D5-E3E6-4335-BC76-3627C550A7BB}" destId="{7D80CBB9-26F1-4BC7-A53C-313BFEA84526}" srcOrd="0" destOrd="0" presId="urn:microsoft.com/office/officeart/2005/8/layout/target2"/>
+    <dgm:cxn modelId="{711FB211-9234-4C1C-8341-F0730BEE61BB}" type="presParOf" srcId="{A47225D5-E3E6-4335-BC76-3627C550A7BB}" destId="{DD1C9DFC-5038-4EDF-B899-06537B9F42C9}" srcOrd="1" destOrd="0" presId="urn:microsoft.com/office/officeart/2005/8/layout/target2"/>
+    <dgm:cxn modelId="{02430CA1-4951-4522-B8E1-958D8AC97FA8}" type="presParOf" srcId="{DD1C9DFC-5038-4EDF-B899-06537B9F42C9}" destId="{820489D0-F712-438C-8956-6F003DB58CA3}" srcOrd="0" destOrd="0" presId="urn:microsoft.com/office/officeart/2005/8/layout/target2"/>
+    <dgm:cxn modelId="{6C10F6B8-40D4-43E1-B83D-B7FC939532E8}" type="presParOf" srcId="{40515642-798D-4B35-96BB-C867600EC2F4}" destId="{687E571E-A528-4DEE-B05E-43D7BC1C9A31}" srcOrd="1" destOrd="0" presId="urn:microsoft.com/office/officeart/2005/8/layout/target2"/>
+    <dgm:cxn modelId="{49FB2BEA-0CF0-4D2D-82E6-9197F5233F43}" type="presParOf" srcId="{687E571E-A528-4DEE-B05E-43D7BC1C9A31}" destId="{C75AF8DB-E523-4F1D-84CD-CEA4DE8F5D6B}" srcOrd="0" destOrd="0" presId="urn:microsoft.com/office/officeart/2005/8/layout/target2"/>
+    <dgm:cxn modelId="{93F5D6FE-7D47-41C2-938E-A29F9429410D}" type="presParOf" srcId="{687E571E-A528-4DEE-B05E-43D7BC1C9A31}" destId="{BE0FD1B2-FD32-4C63-826B-E0366B628194}" srcOrd="1" destOrd="0" presId="urn:microsoft.com/office/officeart/2005/8/layout/target2"/>
+    <dgm:cxn modelId="{3C54ACAD-A060-4A96-8321-344B8524A98F}" type="presParOf" srcId="{BE0FD1B2-FD32-4C63-826B-E0366B628194}" destId="{E3AF89EB-D784-4829-BFCA-B3D056799E58}" srcOrd="0" destOrd="0" presId="urn:microsoft.com/office/officeart/2005/8/layout/target2"/>
+    <dgm:cxn modelId="{C2029117-E3C2-4215-A865-66E9CCE3AAAD}" type="presParOf" srcId="{40515642-798D-4B35-96BB-C867600EC2F4}" destId="{38758E47-0116-4818-BB09-4DA977F0EC4B}" srcOrd="2" destOrd="0" presId="urn:microsoft.com/office/officeart/2005/8/layout/target2"/>
+    <dgm:cxn modelId="{0147EC05-45A0-4AAF-8998-9B2F5D91A05E}" type="presParOf" srcId="{38758E47-0116-4818-BB09-4DA977F0EC4B}" destId="{51B241C7-CB37-4504-91B5-D28D15811FBA}" srcOrd="0" destOrd="0" presId="urn:microsoft.com/office/officeart/2005/8/layout/target2"/>
+    <dgm:cxn modelId="{3B322925-FBB7-40C7-B148-F5DFB491D3B2}" type="presParOf" srcId="{38758E47-0116-4818-BB09-4DA977F0EC4B}" destId="{8ACC5604-7650-4810-B2A8-B40849739F1E}" srcOrd="1" destOrd="0" presId="urn:microsoft.com/office/officeart/2005/8/layout/target2"/>
+    <dgm:cxn modelId="{EC369C04-57EB-46F8-BC96-A94966343172}" type="presParOf" srcId="{8ACC5604-7650-4810-B2A8-B40849739F1E}" destId="{DC4C0267-EBFE-4793-A7A5-CE1C28B7D83B}" srcOrd="0" destOrd="0" presId="urn:microsoft.com/office/officeart/2005/8/layout/target2"/>
+  </dgm:cxnLst>
+  <dgm:bg/>
+  <dgm:whole/>
+  <dgm:extLst>
+    <a:ext uri="http://schemas.microsoft.com/office/drawing/2008/diagram">
+      <dsp:dataModelExt xmlns:dsp="http://schemas.microsoft.com/office/drawing/2008/diagram" relId="rId7" minVer="http://schemas.openxmlformats.org/drawingml/2006/diagram"/>
+    </a:ext>
+  </dgm:extLst>
+</dgm:dataModel>
+</file>
+
+<file path=ppt/diagrams/drawing1.xml><?xml version="1.0" encoding="utf-8"?>
+<dsp:drawing xmlns:dgm="http://schemas.openxmlformats.org/drawingml/2006/diagram" xmlns:dsp="http://schemas.microsoft.com/office/drawing/2008/diagram" xmlns:a="http://schemas.openxmlformats.org/drawingml/2006/main">
+  <dsp:spTree>
+    <dsp:nvGrpSpPr>
+      <dsp:cNvPr id="0" name=""/>
+      <dsp:cNvGrpSpPr/>
+    </dsp:nvGrpSpPr>
+    <dsp:grpSpPr/>
+    <dsp:sp modelId="{7D80CBB9-26F1-4BC7-A53C-313BFEA84526}">
+      <dsp:nvSpPr>
+        <dsp:cNvPr id="0" name=""/>
+        <dsp:cNvSpPr/>
+      </dsp:nvSpPr>
+      <dsp:spPr>
+        <a:xfrm>
+          <a:off x="0" y="0"/>
+          <a:ext cx="6096000" cy="4064000"/>
+        </a:xfrm>
+        <a:prstGeom prst="roundRect">
+          <a:avLst>
+            <a:gd name="adj" fmla="val 8500"/>
+          </a:avLst>
+        </a:prstGeom>
+        <a:solidFill>
+          <a:schemeClr val="accent1">
+            <a:hueOff val="0"/>
+            <a:satOff val="0"/>
+            <a:lumOff val="0"/>
+            <a:alphaOff val="0"/>
+          </a:schemeClr>
+        </a:solidFill>
+        <a:ln w="15875" cap="flat" cmpd="sng" algn="ctr">
+          <a:solidFill>
+            <a:schemeClr val="lt1">
+              <a:hueOff val="0"/>
+              <a:satOff val="0"/>
+              <a:lumOff val="0"/>
+              <a:alphaOff val="0"/>
+            </a:schemeClr>
+          </a:solidFill>
+          <a:prstDash val="solid"/>
+        </a:ln>
+        <a:effectLst/>
+      </dsp:spPr>
+      <dsp:style>
+        <a:lnRef idx="2">
+          <a:scrgbClr r="0" g="0" b="0"/>
+        </a:lnRef>
+        <a:fillRef idx="1">
+          <a:scrgbClr r="0" g="0" b="0"/>
+        </a:fillRef>
+        <a:effectRef idx="0">
+          <a:scrgbClr r="0" g="0" b="0"/>
+        </a:effectRef>
+        <a:fontRef idx="minor">
+          <a:schemeClr val="lt1"/>
+        </a:fontRef>
+      </dsp:style>
+      <dsp:txBody>
+        <a:bodyPr spcFirstLastPara="0" vert="horz" wrap="square" lIns="114300" tIns="114300" rIns="114300" bIns="3154116" numCol="1" spcCol="1270" anchor="t" anchorCtr="0">
+          <a:noAutofit/>
+        </a:bodyPr>
+        <a:lstStyle/>
+        <a:p>
+          <a:pPr marL="0" lvl="0" indent="0" algn="r" defTabSz="1333500" rtl="1">
+            <a:lnSpc>
+              <a:spcPct val="90000"/>
+            </a:lnSpc>
+            <a:spcBef>
+              <a:spcPct val="0"/>
+            </a:spcBef>
+            <a:spcAft>
+              <a:spcPct val="35000"/>
+            </a:spcAft>
+            <a:buNone/>
+          </a:pPr>
+          <a:r>
+            <a:rPr lang="en-US" sz="3000" kern="1200" dirty="0"/>
+            <a:t>ABC</a:t>
+          </a:r>
+          <a:endParaRPr lang="he-IL" sz="3000" kern="1200" dirty="0"/>
+        </a:p>
+      </dsp:txBody>
+      <dsp:txXfrm>
+        <a:off x="101176" y="101176"/>
+        <a:ext cx="5893648" cy="3861648"/>
+      </dsp:txXfrm>
+    </dsp:sp>
+    <dsp:sp modelId="{820489D0-F712-438C-8956-6F003DB58CA3}">
+      <dsp:nvSpPr>
+        <dsp:cNvPr id="0" name=""/>
+        <dsp:cNvSpPr/>
+      </dsp:nvSpPr>
+      <dsp:spPr>
+        <a:xfrm>
+          <a:off x="152400" y="1016000"/>
+          <a:ext cx="914400" cy="2844800"/>
+        </a:xfrm>
+        <a:prstGeom prst="roundRect">
+          <a:avLst>
+            <a:gd name="adj" fmla="val 10500"/>
+          </a:avLst>
+        </a:prstGeom>
+        <a:solidFill>
+          <a:schemeClr val="lt1">
+            <a:alpha val="90000"/>
+            <a:hueOff val="0"/>
+            <a:satOff val="0"/>
+            <a:lumOff val="0"/>
+            <a:alphaOff val="0"/>
+          </a:schemeClr>
+        </a:solidFill>
+        <a:ln w="15875" cap="flat" cmpd="sng" algn="ctr">
+          <a:solidFill>
+            <a:schemeClr val="accent1">
+              <a:hueOff val="0"/>
+              <a:satOff val="0"/>
+              <a:lumOff val="0"/>
+              <a:alphaOff val="0"/>
+            </a:schemeClr>
+          </a:solidFill>
+          <a:prstDash val="solid"/>
+        </a:ln>
+        <a:effectLst/>
+      </dsp:spPr>
+      <dsp:style>
+        <a:lnRef idx="2">
+          <a:scrgbClr r="0" g="0" b="0"/>
+        </a:lnRef>
+        <a:fillRef idx="1">
+          <a:scrgbClr r="0" g="0" b="0"/>
+        </a:fillRef>
+        <a:effectRef idx="0">
+          <a:scrgbClr r="0" g="0" b="0"/>
+        </a:effectRef>
+        <a:fontRef idx="minor"/>
+      </dsp:style>
+      <dsp:txBody>
+        <a:bodyPr spcFirstLastPara="0" vert="horz" wrap="square" lIns="106680" tIns="106680" rIns="106680" bIns="106680" numCol="1" spcCol="1270" anchor="ctr" anchorCtr="0">
+          <a:noAutofit/>
+        </a:bodyPr>
+        <a:lstStyle/>
+        <a:p>
+          <a:pPr marL="0" lvl="0" indent="0" algn="ctr" defTabSz="1244600" rtl="1">
+            <a:lnSpc>
+              <a:spcPct val="90000"/>
+            </a:lnSpc>
+            <a:spcBef>
+              <a:spcPct val="0"/>
+            </a:spcBef>
+            <a:spcAft>
+              <a:spcPct val="35000"/>
+            </a:spcAft>
+            <a:buNone/>
+          </a:pPr>
+          <a:r>
+            <a:rPr lang="en-US" sz="2800" kern="1200" dirty="0" err="1"/>
+            <a:t>abc</a:t>
+          </a:r>
+          <a:endParaRPr lang="he-IL" sz="2800" kern="1200" dirty="0"/>
+        </a:p>
+      </dsp:txBody>
+      <dsp:txXfrm>
+        <a:off x="180521" y="1044121"/>
+        <a:ext cx="858158" cy="2788558"/>
+      </dsp:txXfrm>
+    </dsp:sp>
+    <dsp:sp modelId="{C75AF8DB-E523-4F1D-84CD-CEA4DE8F5D6B}">
+      <dsp:nvSpPr>
+        <dsp:cNvPr id="0" name=""/>
+        <dsp:cNvSpPr/>
+      </dsp:nvSpPr>
+      <dsp:spPr>
+        <a:xfrm>
+          <a:off x="1219200" y="1016000"/>
+          <a:ext cx="4724400" cy="2844800"/>
+        </a:xfrm>
+        <a:prstGeom prst="roundRect">
+          <a:avLst>
+            <a:gd name="adj" fmla="val 10500"/>
+          </a:avLst>
+        </a:prstGeom>
+        <a:solidFill>
+          <a:schemeClr val="accent1">
+            <a:hueOff val="0"/>
+            <a:satOff val="0"/>
+            <a:lumOff val="0"/>
+            <a:alphaOff val="0"/>
+          </a:schemeClr>
+        </a:solidFill>
+        <a:ln w="15875" cap="flat" cmpd="sng" algn="ctr">
+          <a:solidFill>
+            <a:schemeClr val="lt1">
+              <a:hueOff val="0"/>
+              <a:satOff val="0"/>
+              <a:lumOff val="0"/>
+              <a:alphaOff val="0"/>
+            </a:schemeClr>
+          </a:solidFill>
+          <a:prstDash val="solid"/>
+        </a:ln>
+        <a:effectLst/>
+      </dsp:spPr>
+      <dsp:style>
+        <a:lnRef idx="2">
+          <a:scrgbClr r="0" g="0" b="0"/>
+        </a:lnRef>
+        <a:fillRef idx="1">
+          <a:scrgbClr r="0" g="0" b="0"/>
+        </a:fillRef>
+        <a:effectRef idx="0">
+          <a:scrgbClr r="0" g="0" b="0"/>
+        </a:effectRef>
+        <a:fontRef idx="minor">
+          <a:schemeClr val="lt1"/>
+        </a:fontRef>
+      </dsp:style>
+      <dsp:txBody>
+        <a:bodyPr spcFirstLastPara="0" vert="horz" wrap="square" lIns="114300" tIns="114300" rIns="114300" bIns="1806448" numCol="1" spcCol="1270" anchor="t" anchorCtr="0">
+          <a:noAutofit/>
+        </a:bodyPr>
+        <a:lstStyle/>
+        <a:p>
+          <a:pPr marL="0" lvl="0" indent="0" algn="r" defTabSz="1333500" rtl="1">
+            <a:lnSpc>
+              <a:spcPct val="90000"/>
+            </a:lnSpc>
+            <a:spcBef>
+              <a:spcPct val="0"/>
+            </a:spcBef>
+            <a:spcAft>
+              <a:spcPct val="35000"/>
+            </a:spcAft>
+            <a:buNone/>
+          </a:pPr>
+          <a:r>
+            <a:rPr lang="en-US" sz="3000" kern="1200" dirty="0"/>
+            <a:t>DEF</a:t>
+          </a:r>
+          <a:endParaRPr lang="he-IL" sz="3000" kern="1200" dirty="0"/>
+        </a:p>
+      </dsp:txBody>
+      <dsp:txXfrm>
+        <a:off x="1306687" y="1103487"/>
+        <a:ext cx="4549426" cy="2669826"/>
+      </dsp:txXfrm>
+    </dsp:sp>
+    <dsp:sp modelId="{E3AF89EB-D784-4829-BFCA-B3D056799E58}">
+      <dsp:nvSpPr>
+        <dsp:cNvPr id="0" name=""/>
+        <dsp:cNvSpPr/>
+      </dsp:nvSpPr>
+      <dsp:spPr>
+        <a:xfrm>
+          <a:off x="1337310" y="2011680"/>
+          <a:ext cx="944880" cy="1635760"/>
+        </a:xfrm>
+        <a:prstGeom prst="roundRect">
+          <a:avLst>
+            <a:gd name="adj" fmla="val 10500"/>
+          </a:avLst>
+        </a:prstGeom>
+        <a:solidFill>
+          <a:schemeClr val="lt1">
+            <a:alpha val="90000"/>
+            <a:hueOff val="0"/>
+            <a:satOff val="0"/>
+            <a:lumOff val="0"/>
+            <a:alphaOff val="0"/>
+          </a:schemeClr>
+        </a:solidFill>
+        <a:ln w="15875" cap="flat" cmpd="sng" algn="ctr">
+          <a:solidFill>
+            <a:schemeClr val="accent1">
+              <a:hueOff val="0"/>
+              <a:satOff val="0"/>
+              <a:lumOff val="0"/>
+              <a:alphaOff val="0"/>
+            </a:schemeClr>
+          </a:solidFill>
+          <a:prstDash val="solid"/>
+        </a:ln>
+        <a:effectLst/>
+      </dsp:spPr>
+      <dsp:style>
+        <a:lnRef idx="2">
+          <a:scrgbClr r="0" g="0" b="0"/>
+        </a:lnRef>
+        <a:fillRef idx="1">
+          <a:scrgbClr r="0" g="0" b="0"/>
+        </a:fillRef>
+        <a:effectRef idx="0">
+          <a:scrgbClr r="0" g="0" b="0"/>
+        </a:effectRef>
+        <a:fontRef idx="minor"/>
+      </dsp:style>
+      <dsp:txBody>
+        <a:bodyPr spcFirstLastPara="0" vert="horz" wrap="square" lIns="106680" tIns="106680" rIns="106680" bIns="106680" numCol="1" spcCol="1270" anchor="ctr" anchorCtr="0">
+          <a:noAutofit/>
+        </a:bodyPr>
+        <a:lstStyle/>
+        <a:p>
+          <a:pPr marL="0" lvl="0" indent="0" algn="ctr" defTabSz="1244600" rtl="1">
+            <a:lnSpc>
+              <a:spcPct val="90000"/>
+            </a:lnSpc>
+            <a:spcBef>
+              <a:spcPct val="0"/>
+            </a:spcBef>
+            <a:spcAft>
+              <a:spcPct val="35000"/>
+            </a:spcAft>
+            <a:buNone/>
+          </a:pPr>
+          <a:r>
+            <a:rPr lang="en-US" sz="2800" kern="1200" dirty="0"/>
+            <a:t>def</a:t>
+          </a:r>
+          <a:endParaRPr lang="he-IL" sz="2800" kern="1200" dirty="0"/>
+        </a:p>
+      </dsp:txBody>
+      <dsp:txXfrm>
+        <a:off x="1366368" y="2040738"/>
+        <a:ext cx="886764" cy="1577644"/>
+      </dsp:txXfrm>
+    </dsp:sp>
+    <dsp:sp modelId="{51B241C7-CB37-4504-91B5-D28D15811FBA}">
+      <dsp:nvSpPr>
+        <dsp:cNvPr id="0" name=""/>
+        <dsp:cNvSpPr/>
+      </dsp:nvSpPr>
+      <dsp:spPr>
+        <a:xfrm>
+          <a:off x="2407920" y="2032000"/>
+          <a:ext cx="3383280" cy="1625600"/>
+        </a:xfrm>
+        <a:prstGeom prst="roundRect">
+          <a:avLst>
+            <a:gd name="adj" fmla="val 10500"/>
+          </a:avLst>
+        </a:prstGeom>
+        <a:solidFill>
+          <a:schemeClr val="accent1">
+            <a:hueOff val="0"/>
+            <a:satOff val="0"/>
+            <a:lumOff val="0"/>
+            <a:alphaOff val="0"/>
+          </a:schemeClr>
+        </a:solidFill>
+        <a:ln w="15875" cap="flat" cmpd="sng" algn="ctr">
+          <a:solidFill>
+            <a:schemeClr val="lt1">
+              <a:hueOff val="0"/>
+              <a:satOff val="0"/>
+              <a:lumOff val="0"/>
+              <a:alphaOff val="0"/>
+            </a:schemeClr>
+          </a:solidFill>
+          <a:prstDash val="solid"/>
+        </a:ln>
+        <a:effectLst/>
+      </dsp:spPr>
+      <dsp:style>
+        <a:lnRef idx="2">
+          <a:scrgbClr r="0" g="0" b="0"/>
+        </a:lnRef>
+        <a:fillRef idx="1">
+          <a:scrgbClr r="0" g="0" b="0"/>
+        </a:fillRef>
+        <a:effectRef idx="0">
+          <a:scrgbClr r="0" g="0" b="0"/>
+        </a:effectRef>
+        <a:fontRef idx="minor">
+          <a:schemeClr val="lt1"/>
+        </a:fontRef>
+      </dsp:style>
+      <dsp:txBody>
+        <a:bodyPr spcFirstLastPara="0" vert="horz" wrap="square" lIns="114300" tIns="114300" rIns="114300" bIns="917561" numCol="1" spcCol="1270" anchor="t" anchorCtr="0">
+          <a:noAutofit/>
+        </a:bodyPr>
+        <a:lstStyle/>
+        <a:p>
+          <a:pPr marL="0" lvl="0" indent="0" algn="r" defTabSz="1333500" rtl="1">
+            <a:lnSpc>
+              <a:spcPct val="90000"/>
+            </a:lnSpc>
+            <a:spcBef>
+              <a:spcPct val="0"/>
+            </a:spcBef>
+            <a:spcAft>
+              <a:spcPct val="35000"/>
+            </a:spcAft>
+            <a:buNone/>
+          </a:pPr>
+          <a:r>
+            <a:rPr lang="en-US" sz="3000" kern="1200" dirty="0"/>
+            <a:t>GHI</a:t>
+          </a:r>
+          <a:endParaRPr lang="he-IL" sz="3000" kern="1200" dirty="0"/>
+        </a:p>
+      </dsp:txBody>
+      <dsp:txXfrm>
+        <a:off x="2457913" y="2081993"/>
+        <a:ext cx="3283294" cy="1525614"/>
+      </dsp:txXfrm>
+    </dsp:sp>
+    <dsp:sp modelId="{DC4C0267-EBFE-4793-A7A5-CE1C28B7D83B}">
+      <dsp:nvSpPr>
+        <dsp:cNvPr id="0" name=""/>
+        <dsp:cNvSpPr/>
+      </dsp:nvSpPr>
+      <dsp:spPr>
+        <a:xfrm>
+          <a:off x="2492502" y="2763520"/>
+          <a:ext cx="3214116" cy="731520"/>
+        </a:xfrm>
+        <a:prstGeom prst="roundRect">
+          <a:avLst>
+            <a:gd name="adj" fmla="val 10500"/>
+          </a:avLst>
+        </a:prstGeom>
+        <a:solidFill>
+          <a:schemeClr val="lt1">
+            <a:alpha val="90000"/>
+            <a:hueOff val="0"/>
+            <a:satOff val="0"/>
+            <a:lumOff val="0"/>
+            <a:alphaOff val="0"/>
+          </a:schemeClr>
+        </a:solidFill>
+        <a:ln w="15875" cap="flat" cmpd="sng" algn="ctr">
+          <a:solidFill>
+            <a:schemeClr val="accent1">
+              <a:hueOff val="0"/>
+              <a:satOff val="0"/>
+              <a:lumOff val="0"/>
+              <a:alphaOff val="0"/>
+            </a:schemeClr>
+          </a:solidFill>
+          <a:prstDash val="solid"/>
+        </a:ln>
+        <a:effectLst/>
+      </dsp:spPr>
+      <dsp:style>
+        <a:lnRef idx="2">
+          <a:scrgbClr r="0" g="0" b="0"/>
+        </a:lnRef>
+        <a:fillRef idx="1">
+          <a:scrgbClr r="0" g="0" b="0"/>
+        </a:fillRef>
+        <a:effectRef idx="0">
+          <a:scrgbClr r="0" g="0" b="0"/>
+        </a:effectRef>
+        <a:fontRef idx="minor"/>
+      </dsp:style>
+      <dsp:txBody>
+        <a:bodyPr spcFirstLastPara="0" vert="horz" wrap="square" lIns="106680" tIns="106680" rIns="106680" bIns="106680" numCol="1" spcCol="1270" anchor="ctr" anchorCtr="0">
+          <a:noAutofit/>
+        </a:bodyPr>
+        <a:lstStyle/>
+        <a:p>
+          <a:pPr marL="0" lvl="0" indent="0" algn="ctr" defTabSz="1244600" rtl="1">
+            <a:lnSpc>
+              <a:spcPct val="90000"/>
+            </a:lnSpc>
+            <a:spcBef>
+              <a:spcPct val="0"/>
+            </a:spcBef>
+            <a:spcAft>
+              <a:spcPct val="35000"/>
+            </a:spcAft>
+            <a:buNone/>
+          </a:pPr>
+          <a:r>
+            <a:rPr lang="en-US" sz="2800" kern="1200" dirty="0" err="1"/>
+            <a:t>ghi</a:t>
+          </a:r>
+          <a:endParaRPr lang="he-IL" sz="2800" kern="1200" dirty="0"/>
+        </a:p>
+      </dsp:txBody>
+      <dsp:txXfrm>
+        <a:off x="2514999" y="2786017"/>
+        <a:ext cx="3169122" cy="686526"/>
+      </dsp:txXfrm>
+    </dsp:sp>
+  </dsp:spTree>
+</dsp:drawing>
+</file>
+
+<file path=ppt/diagrams/layout1.xml><?xml version="1.0" encoding="utf-8"?>
+<dgm:layoutDef xmlns:dgm="http://schemas.openxmlformats.org/drawingml/2006/diagram" xmlns:a="http://schemas.openxmlformats.org/drawingml/2006/main" uniqueId="urn:microsoft.com/office/officeart/2005/8/layout/target2">
+  <dgm:title val=""/>
+  <dgm:desc val=""/>
+  <dgm:catLst>
+    <dgm:cat type="relationship" pri="12000"/>
+  </dgm:catLst>
+  <dgm:sampData>
+    <dgm:dataModel>
+      <dgm:ptLst>
+        <dgm:pt modelId="0" type="doc"/>
+        <dgm:pt modelId="1">
+          <dgm:prSet phldr="1"/>
+        </dgm:pt>
+        <dgm:pt modelId="11">
+          <dgm:prSet phldr="1"/>
+        </dgm:pt>
+        <dgm:pt modelId="12">
+          <dgm:prSet phldr="1"/>
+        </dgm:pt>
+        <dgm:pt modelId="2">
+          <dgm:prSet phldr="1"/>
+        </dgm:pt>
+        <dgm:pt modelId="21">
+          <dgm:prSet phldr="1"/>
+        </dgm:pt>
+        <dgm:pt modelId="22">
+          <dgm:prSet phldr="1"/>
+        </dgm:pt>
+        <dgm:pt modelId="3">
+          <dgm:prSet phldr="1"/>
+        </dgm:pt>
+        <dgm:pt modelId="31">
+          <dgm:prSet phldr="1"/>
+        </dgm:pt>
+        <dgm:pt modelId="32">
+          <dgm:prSet phldr="1"/>
+        </dgm:pt>
+      </dgm:ptLst>
+      <dgm:cxnLst>
+        <dgm:cxn modelId="4" srcId="0" destId="1" srcOrd="0" destOrd="0"/>
+        <dgm:cxn modelId="5" srcId="0" destId="2" srcOrd="1" destOrd="0"/>
+        <dgm:cxn modelId="6" srcId="0" destId="3" srcOrd="2" destOrd="0"/>
+        <dgm:cxn modelId="13" srcId="1" destId="11" srcOrd="0" destOrd="0"/>
+        <dgm:cxn modelId="14" srcId="1" destId="12" srcOrd="1" destOrd="0"/>
+        <dgm:cxn modelId="23" srcId="2" destId="21" srcOrd="0" destOrd="0"/>
+        <dgm:cxn modelId="24" srcId="2" destId="22" srcOrd="1" destOrd="0"/>
+        <dgm:cxn modelId="33" srcId="3" destId="31" srcOrd="0" destOrd="0"/>
+        <dgm:cxn modelId="34" srcId="3" destId="32" srcOrd="1" destOrd="0"/>
+      </dgm:cxnLst>
+      <dgm:bg/>
+      <dgm:whole/>
+    </dgm:dataModel>
+  </dgm:sampData>
+  <dgm:styleData>
+    <dgm:dataModel>
+      <dgm:ptLst>
+        <dgm:pt modelId="0" type="doc"/>
+        <dgm:pt modelId="1"/>
+        <dgm:pt modelId="11"/>
+        <dgm:pt modelId="2"/>
+        <dgm:pt modelId="21"/>
+      </dgm:ptLst>
+      <dgm:cxnLst>
+        <dgm:cxn modelId="4" srcId="0" destId="1" srcOrd="0" destOrd="0"/>
+        <dgm:cxn modelId="5" srcId="0" destId="2" srcOrd="1" destOrd="0"/>
+        <dgm:cxn modelId="13" srcId="1" destId="11" srcOrd="0" destOrd="0"/>
+        <dgm:cxn modelId="23" srcId="2" destId="21" srcOrd="0" destOrd="0"/>
+      </dgm:cxnLst>
+      <dgm:bg/>
+      <dgm:whole/>
+    </dgm:dataModel>
+  </dgm:styleData>
+  <dgm:clrData>
+    <dgm:dataModel>
+      <dgm:ptLst>
+        <dgm:pt modelId="0" type="doc"/>
+        <dgm:pt modelId="1"/>
+        <dgm:pt modelId="11"/>
+        <dgm:pt modelId="2"/>
+        <dgm:pt modelId="21"/>
+        <dgm:pt modelId="3"/>
+        <dgm:pt modelId="31"/>
+        <dgm:pt modelId="4"/>
+        <dgm:pt modelId="41"/>
+      </dgm:ptLst>
+      <dgm:cxnLst>
+        <dgm:cxn modelId="5" srcId="0" destId="1" srcOrd="0" destOrd="0"/>
+        <dgm:cxn modelId="6" srcId="0" destId="2" srcOrd="1" destOrd="0"/>
+        <dgm:cxn modelId="7" srcId="0" destId="3" srcOrd="2" destOrd="0"/>
+        <dgm:cxn modelId="8" srcId="0" destId="4" srcOrd="3" destOrd="0"/>
+        <dgm:cxn modelId="13" srcId="1" destId="11" srcOrd="0" destOrd="0"/>
+        <dgm:cxn modelId="23" srcId="2" destId="21" srcOrd="0" destOrd="0"/>
+        <dgm:cxn modelId="33" srcId="3" destId="31" srcOrd="0" destOrd="0"/>
+        <dgm:cxn modelId="43" srcId="4" destId="41" srcOrd="0" destOrd="0"/>
+      </dgm:cxnLst>
+      <dgm:bg/>
+      <dgm:whole/>
+    </dgm:dataModel>
+  </dgm:clrData>
+  <dgm:layoutNode name="Name0">
+    <dgm:varLst>
+      <dgm:chMax val="3"/>
+      <dgm:chPref val="1"/>
+      <dgm:dir/>
+      <dgm:animLvl val="lvl"/>
+      <dgm:resizeHandles/>
+    </dgm:varLst>
+    <dgm:alg type="composite">
+      <dgm:param type="horzAlign" val="none"/>
+      <dgm:param type="vertAlign" val="none"/>
+    </dgm:alg>
+    <dgm:shape xmlns:r="http://schemas.openxmlformats.org/officeDocument/2006/relationships" r:blip="">
+      <dgm:adjLst/>
+    </dgm:shape>
+    <dgm:presOf/>
+    <dgm:choose name="Name1">
+      <dgm:if name="Name2" func="var" arg="dir" op="equ" val="norm">
+        <dgm:choose name="Name3">
+          <dgm:if name="Name4" axis="ch ch" ptType="node node" st="1 1" cnt="1 0" func="cnt" op="gt" val="0">
+            <dgm:choose name="Name5">
+              <dgm:if name="Name6" axis="ch ch" ptType="node node" st="2 1" cnt="1 0" func="cnt" op="gt" val="0">
+                <dgm:constrLst>
+                  <dgm:constr type="primFontSz" for="des" forName="middleBoxParent" val="65"/>
+                  <dgm:constr type="primFontSz" for="des" forName="mChild" val="65"/>
+                  <dgm:constr type="primFontSz" for="des" forName="outerBoxParent" refType="primFontSz" refFor="des" refForName="middleBoxParent" op="equ"/>
+                  <dgm:constr type="primFontSz" for="des" forName="centerBoxParent" refType="primFontSz" refFor="des" refForName="middleBoxParent" op="equ"/>
+                  <dgm:constr type="primFontSz" for="des" forName="oChild" refType="primFontSz" refFor="des" refForName="mChild" op="equ"/>
+                  <dgm:constr type="primFontSz" for="des" forName="cChild" refType="primFontSz" refFor="des" refForName="mChild" op="equ"/>
+                  <dgm:constr type="l" for="ch" forName="outerBox"/>
+                  <dgm:constr type="t" for="ch" forName="outerBox"/>
+                  <dgm:constr type="w" for="ch" forName="outerBox" refType="w"/>
+                  <dgm:constr type="h" for="ch" forName="outerBox" refType="h"/>
+                  <dgm:constr type="l" for="ch" forName="middleBox" refType="w" fact="0.2"/>
+                  <dgm:constr type="t" for="ch" forName="middleBox" refType="h" fact="0.25"/>
+                  <dgm:constr type="w" for="ch" forName="middleBox" refType="w" fact="0.775"/>
+                  <dgm:constr type="h" for="ch" forName="middleBox" refType="h" fact="0.7"/>
+                  <dgm:constr type="l" for="ch" forName="centerBox" refType="w" fact="0.395"/>
+                  <dgm:constr type="t" for="ch" forName="centerBox" refType="h" fact="0.5"/>
+                  <dgm:constr type="w" for="ch" forName="centerBox" refType="w" fact="0.555"/>
+                  <dgm:constr type="h" for="ch" forName="centerBox" refType="h" fact="0.4"/>
+                  <dgm:constr type="userA" for="des" forName="outerSibTrans" refType="w"/>
+                  <dgm:constr type="userA" for="des" forName="middleSibTrans" refType="w"/>
+                  <dgm:constr type="userA" for="des" forName="centerSibTrans" refType="w"/>
+                </dgm:constrLst>
+              </dgm:if>
+              <dgm:else name="Name7">
+                <dgm:constrLst>
+                  <dgm:constr type="primFontSz" for="des" forName="middleBoxParent" val="65"/>
+                  <dgm:constr type="primFontSz" for="des" forName="mChild" val="65"/>
+                  <dgm:constr type="primFontSz" for="des" forName="outerBoxParent" refType="primFontSz" refFor="des" refForName="middleBoxParent" op="equ"/>
+                  <dgm:constr type="primFontSz" for="des" forName="centerBoxParent" refType="primFontSz" refFor="des" refForName="middleBoxParent" op="equ"/>
+                  <dgm:constr type="primFontSz" for="des" forName="oChild" refType="primFontSz" refFor="des" refForName="mChild" op="equ"/>
+                  <dgm:constr type="primFontSz" for="des" forName="cChild" refType="primFontSz" refFor="des" refForName="mChild" op="equ"/>
+                  <dgm:constr type="l" for="ch" forName="outerBox"/>
+                  <dgm:constr type="t" for="ch" forName="outerBox"/>
+                  <dgm:constr type="w" for="ch" forName="outerBox" refType="w"/>
+                  <dgm:constr type="h" for="ch" forName="outerBox" refType="h"/>
+                  <dgm:constr type="l" for="ch" forName="middleBox" refType="w" fact="0.2"/>
+                  <dgm:constr type="t" for="ch" forName="middleBox" refType="h" fact="0.25"/>
+                  <dgm:constr type="w" for="ch" forName="middleBox" refType="w" fact="0.775"/>
+                  <dgm:constr type="h" for="ch" forName="middleBox" refType="h" fact="0.7"/>
+                  <dgm:constr type="l" for="ch" forName="centerBox" refType="w" fact="0.225"/>
+                  <dgm:constr type="t" for="ch" forName="centerBox" refType="h" fact="0.5"/>
+                  <dgm:constr type="w" for="ch" forName="centerBox" refType="w" fact="0.725"/>
+                  <dgm:constr type="h" for="ch" forName="centerBox" refType="h" fact="0.4"/>
+                  <dgm:constr type="userA" for="des" forName="outerSibTrans" refType="w"/>
+                  <dgm:constr type="userA" for="des" forName="middleSibTrans" refType="w"/>
+                  <dgm:constr type="userA" for="des" forName="centerSibTrans" refType="w"/>
+                </dgm:constrLst>
+              </dgm:else>
+            </dgm:choose>
+          </dgm:if>
+          <dgm:else name="Name8">
+            <dgm:choose name="Name9">
+              <dgm:if name="Name10" axis="ch ch" ptType="node node" st="2 1" cnt="1 0" func="cnt" op="gt" val="0">
+                <dgm:constrLst>
+                  <dgm:constr type="primFontSz" for="des" forName="middleBoxParent" val="65"/>
+                  <dgm:constr type="primFontSz" for="des" forName="mChild" val="65"/>
+                  <dgm:constr type="primFontSz" for="des" forName="outerBoxParent" refType="primFontSz" refFor="des" refForName="middleBoxParent" op="equ"/>
+                  <dgm:constr type="primFontSz" for="des" forName="centerBoxParent" refType="primFontSz" refFor="des" refForName="middleBoxParent" op="equ"/>
+                  <dgm:constr type="primFontSz" for="des" forName="oChild" refType="primFontSz" refFor="des" refForName="mChild" op="equ"/>
+                  <dgm:constr type="primFontSz" for="des" forName="cChild" refType="primFontSz" refFor="des" refForName="mChild" op="equ"/>
+                  <dgm:constr type="l" for="ch" forName="outerBox"/>
+                  <dgm:constr type="t" for="ch" forName="outerBox"/>
+                  <dgm:constr type="w" for="ch" forName="outerBox" refType="w"/>
+                  <dgm:constr type="h" for="ch" forName="outerBox" refType="h"/>
+                  <dgm:constr type="l" for="ch" forName="middleBox" refType="w" fact="0.025"/>
+                  <dgm:constr type="t" for="ch" forName="middleBox" refType="h" fact="0.25"/>
+                  <dgm:constr type="w" for="ch" forName="middleBox" refType="w" fact="0.95"/>
+                  <dgm:constr type="h" for="ch" forName="middleBox" refType="h" fact="0.7"/>
+                  <dgm:constr type="l" for="ch" forName="centerBox" refType="w" fact="0.26"/>
+                  <dgm:constr type="t" for="ch" forName="centerBox" refType="h" fact="0.5"/>
+                  <dgm:constr type="w" for="ch" forName="centerBox" refType="w" fact="0.69"/>
+                  <dgm:constr type="h" for="ch" forName="centerBox" refType="h" fact="0.4"/>
+                  <dgm:constr type="userA" for="des" forName="outerSibTrans" refType="w"/>
+                  <dgm:constr type="userA" for="des" forName="middleSibTrans" refType="w"/>
+                  <dgm:constr type="userA" for="des" forName="centerSibTrans" refType="w"/>
+                </dgm:constrLst>
+              </dgm:if>
+              <dgm:else name="Name11">
+                <dgm:constrLst>
+                  <dgm:constr type="primFontSz" for="des" forName="middleBoxParent" val="65"/>
+                  <dgm:constr type="primFontSz" for="des" forName="mChild" val="65"/>
+                  <dgm:constr type="primFontSz" for="des" forName="outerBoxParent" refType="primFontSz" refFor="des" refForName="middleBoxParent" op="equ"/>
+                  <dgm:constr type="primFontSz" for="des" forName="centerBoxParent" refType="primFontSz" refFor="des" refForName="middleBoxParent" op="equ"/>
+                  <dgm:constr type="primFontSz" for="des" forName="oChild" refType="primFontSz" refFor="des" refForName="mChild" op="equ"/>
+                  <dgm:constr type="primFontSz" for="des" forName="cChild" refType="primFontSz" refFor="des" refForName="mChild" op="equ"/>
+                  <dgm:constr type="l" for="ch" forName="outerBox"/>
+                  <dgm:constr type="t" for="ch" forName="outerBox"/>
+                  <dgm:constr type="w" for="ch" forName="outerBox" refType="w"/>
+                  <dgm:constr type="h" for="ch" forName="outerBox" refType="h"/>
+                  <dgm:constr type="l" for="ch" forName="middleBox" refType="w" fact="0.025"/>
+                  <dgm:constr type="t" for="ch" forName="middleBox" refType="h" fact="0.25"/>
+                  <dgm:constr type="w" for="ch" forName="middleBox" refType="w" fact="0.95"/>
+                  <dgm:constr type="h" for="ch" forName="middleBox" refType="h" fact="0.7"/>
+                  <dgm:constr type="l" for="ch" forName="centerBox" refType="w" fact="0.05"/>
+                  <dgm:constr type="t" for="ch" forName="centerBox" refType="h" fact="0.5"/>
+                  <dgm:constr type="w" for="ch" forName="centerBox" refType="w" fact="0.9"/>
+                  <dgm:constr type="h" for="ch" forName="centerBox" refType="h" fact="0.4"/>
+                  <dgm:constr type="userA" for="des" forName="outerSibTrans" refType="w"/>
+                  <dgm:constr type="userA" for="des" forName="middleSibTrans" refType="w"/>
+                  <dgm:constr type="userA" for="des" forName="centerSibTrans" refType="w"/>
+                </dgm:constrLst>
+              </dgm:else>
+            </dgm:choose>
+          </dgm:else>
+        </dgm:choose>
+      </dgm:if>
+      <dgm:else name="Name12">
+        <dgm:choose name="Name13">
+          <dgm:if name="Name14" axis="ch ch" ptType="node node" st="1 1" cnt="1 0" func="cnt" op="gt" val="0">
+            <dgm:choose name="Name15">
+              <dgm:if name="Name16" axis="ch ch" ptType="node node" st="2 1" cnt="1 0" func="cnt" op="gt" val="0">
+                <dgm:constrLst>
+                  <dgm:constr type="primFontSz" for="des" forName="middleBoxParent" val="65"/>
+                  <dgm:constr type="primFontSz" for="des" forName="mChild" val="65"/>
+                  <dgm:constr type="primFontSz" for="des" forName="outerBoxParent" refType="primFontSz" refFor="des" refForName="middleBoxParent" op="equ"/>
+                  <dgm:constr type="primFontSz" for="des" forName="centerBoxParent" refType="primFontSz" refFor="des" refForName="middleBoxParent" op="equ"/>
+                  <dgm:constr type="primFontSz" for="des" forName="oChild" refType="primFontSz" refFor="des" refForName="mChild" op="equ"/>
+                  <dgm:constr type="primFontSz" for="des" forName="cChild" refType="primFontSz" refFor="des" refForName="mChild" op="equ"/>
+                  <dgm:constr type="l" for="ch" forName="outerBox"/>
+                  <dgm:constr type="t" for="ch" forName="outerBox"/>
+                  <dgm:constr type="w" for="ch" forName="outerBox" refType="w"/>
+                  <dgm:constr type="h" for="ch" forName="outerBox" refType="h"/>
+                  <dgm:constr type="l" for="ch" forName="middleBox" refType="w" fact="0.025"/>
+                  <dgm:constr type="t" for="ch" forName="middleBox" refType="h" fact="0.25"/>
+                  <dgm:constr type="w" for="ch" forName="middleBox" refType="w" fact="0.775"/>
+                  <dgm:constr type="h" for="ch" forName="middleBox" refType="h" fact="0.7"/>
+                  <dgm:constr type="l" for="ch" forName="centerBox" refType="w" fact="0.05"/>
+                  <dgm:constr type="t" for="ch" forName="centerBox" refType="h" fact="0.5"/>
+                  <dgm:constr type="w" for="ch" forName="centerBox" refType="w" fact="0.55"/>
+                  <dgm:constr type="h" for="ch" forName="centerBox" refType="h" fact="0.4"/>
+                  <dgm:constr type="userA" for="des" forName="outerSibTrans" refType="w"/>
+                  <dgm:constr type="userA" for="des" forName="middleSibTrans" refType="w"/>
+                  <dgm:constr type="userA" for="des" forName="centerSibTrans" refType="w"/>
+                </dgm:constrLst>
+              </dgm:if>
+              <dgm:else name="Name17">
+                <dgm:constrLst>
+                  <dgm:constr type="primFontSz" for="des" forName="middleBoxParent" val="65"/>
+                  <dgm:constr type="primFontSz" for="des" forName="mChild" val="65"/>
+                  <dgm:constr type="primFontSz" for="des" forName="outerBoxParent" refType="primFontSz" refFor="des" refForName="middleBoxParent" op="equ"/>
+                  <dgm:constr type="primFontSz" for="des" forName="centerBoxParent" refType="primFontSz" refFor="des" refForName="middleBoxParent" op="equ"/>
+                  <dgm:constr type="primFontSz" for="des" forName="oChild" refType="primFontSz" refFor="des" refForName="mChild" op="equ"/>
+                  <dgm:constr type="primFontSz" for="des" forName="cChild" refType="primFontSz" refFor="des" refForName="mChild" op="equ"/>
+                  <dgm:constr type="l" for="ch" forName="outerBox"/>
+                  <dgm:constr type="t" for="ch" forName="outerBox"/>
+                  <dgm:constr type="w" for="ch" forName="outerBox" refType="w"/>
+                  <dgm:constr type="h" for="ch" forName="outerBox" refType="h"/>
+                  <dgm:constr type="l" for="ch" forName="middleBox" refType="w" fact="0.025"/>
+                  <dgm:constr type="t" for="ch" forName="middleBox" refType="h" fact="0.25"/>
+                  <dgm:constr type="w" for="ch" forName="middleBox" refType="w" fact="0.775"/>
+                  <dgm:constr type="h" for="ch" forName="middleBox" refType="h" fact="0.7"/>
+                  <dgm:constr type="l" for="ch" forName="centerBox" refType="w" fact="0.05"/>
+                  <dgm:constr type="t" for="ch" forName="centerBox" refType="h" fact="0.5"/>
+                  <dgm:constr type="w" for="ch" forName="centerBox" refType="w" fact="0.725"/>
+                  <dgm:constr type="h" for="ch" forName="centerBox" refType="h" fact="0.4"/>
+                  <dgm:constr type="userA" for="des" forName="outerSibTrans" refType="w"/>
+                  <dgm:constr type="userA" for="des" forName="middleSibTrans" refType="w"/>
+                  <dgm:constr type="userA" for="des" forName="centerSibTrans" refType="w"/>
+                </dgm:constrLst>
+              </dgm:else>
+            </dgm:choose>
+          </dgm:if>
+          <dgm:else name="Name18">
+            <dgm:choose name="Name19">
+              <dgm:if name="Name20" axis="ch ch" ptType="node node" st="2 1" cnt="1 0" func="cnt" op="gt" val="0">
+                <dgm:constrLst>
+                  <dgm:constr type="primFontSz" for="des" forName="middleBoxParent" val="65"/>
+                  <dgm:constr type="primFontSz" for="des" forName="mChild" val="65"/>
+                  <dgm:constr type="primFontSz" for="des" forName="outerBoxParent" refType="primFontSz" refFor="des" refForName="middleBoxParent" op="equ"/>
+                  <dgm:constr type="primFontSz" for="des" forName="centerBoxParent" refType="primFontSz" refFor="des" refForName="middleBoxParent" op="equ"/>
+                  <dgm:constr type="primFontSz" for="des" forName="oChild" refType="primFontSz" refFor="des" refForName="mChild" op="equ"/>
+                  <dgm:constr type="primFontSz" for="des" forName="cChild" refType="primFontSz" refFor="des" refForName="mChild" op="equ"/>
+                  <dgm:constr type="l" for="ch" forName="outerBox"/>
+                  <dgm:constr type="t" for="ch" forName="outerBox"/>
+                  <dgm:constr type="w" for="ch" forName="outerBox" refType="w"/>
+                  <dgm:constr type="h" for="ch" forName="outerBox" refType="h"/>
+                  <dgm:constr type="l" for="ch" forName="middleBox" refType="w" fact="0.025"/>
+                  <dgm:constr type="t" for="ch" forName="middleBox" refType="h" fact="0.25"/>
+                  <dgm:constr type="w" for="ch" forName="middleBox" refType="w" fact="0.95"/>
+                  <dgm:constr type="h" for="ch" forName="middleBox" refType="h" fact="0.7"/>
+                  <dgm:constr type="l" for="ch" forName="centerBox" refType="w" fact="0.05"/>
+                  <dgm:constr type="t" for="ch" forName="centerBox" refType="h" fact="0.5"/>
+                  <dgm:constr type="w" for="ch" forName="centerBox" refType="w" fact="0.69"/>
+                  <dgm:constr type="h" for="ch" forName="centerBox" refType="h" fact="0.4"/>
+                  <dgm:constr type="userA" for="des" forName="outerSibTrans" refType="w"/>
+                  <dgm:constr type="userA" for="des" forName="middleSibTrans" refType="w"/>
+                  <dgm:constr type="userA" for="des" forName="centerSibTrans" refType="w"/>
+                </dgm:constrLst>
+              </dgm:if>
+              <dgm:else name="Name21">
+                <dgm:constrLst>
+                  <dgm:constr type="primFontSz" for="des" forName="middleBoxParent" val="65"/>
+                  <dgm:constr type="primFontSz" for="des" forName="mChild" val="65"/>
+                  <dgm:constr type="primFontSz" for="des" forName="outerBoxParent" refType="primFontSz" refFor="des" refForName="middleBoxParent" op="equ"/>
+                  <dgm:constr type="primFontSz" for="des" forName="centerBoxParent" refType="primFontSz" refFor="des" refForName="middleBoxParent" op="equ"/>
+                  <dgm:constr type="primFontSz" for="des" forName="oChild" refType="primFontSz" refFor="des" refForName="mChild" op="equ"/>
+                  <dgm:constr type="primFontSz" for="des" forName="cChild" refType="primFontSz" refFor="des" refForName="mChild" op="equ"/>
+                  <dgm:constr type="l" for="ch" forName="outerBox"/>
+                  <dgm:constr type="t" for="ch" forName="outerBox"/>
+                  <dgm:constr type="w" for="ch" forName="outerBox" refType="w"/>
+                  <dgm:constr type="h" for="ch" forName="outerBox" refType="h"/>
+                  <dgm:constr type="l" for="ch" forName="middleBox" refType="w" fact="0.025"/>
+                  <dgm:constr type="t" for="ch" forName="middleBox" refType="h" fact="0.25"/>
+                  <dgm:constr type="w" for="ch" forName="middleBox" refType="w" fact="0.95"/>
+                  <dgm:constr type="h" for="ch" forName="middleBox" refType="h" fact="0.7"/>
+                  <dgm:constr type="l" for="ch" forName="centerBox" refType="w" fact="0.05"/>
+                  <dgm:constr type="t" for="ch" forName="centerBox" refType="h" fact="0.5"/>
+                  <dgm:constr type="w" for="ch" forName="centerBox" refType="w" fact="0.9"/>
+                  <dgm:constr type="h" for="ch" forName="centerBox" refType="h" fact="0.4"/>
+                  <dgm:constr type="userA" for="des" forName="outerSibTrans" refType="w"/>
+                  <dgm:constr type="userA" for="des" forName="middleSibTrans" refType="w"/>
+                  <dgm:constr type="userA" for="des" forName="centerSibTrans" refType="w"/>
+                </dgm:constrLst>
+              </dgm:else>
+            </dgm:choose>
+          </dgm:else>
+        </dgm:choose>
+      </dgm:else>
+    </dgm:choose>
+    <dgm:ruleLst/>
+    <dgm:choose name="Name22">
+      <dgm:if name="Name23" axis="root ch" ptType="all node" st="1 1" cnt="0 0" func="cnt" op="gte" val="1">
+        <dgm:layoutNode name="outerBox" styleLbl="node1">
+          <dgm:alg type="composite">
+            <dgm:param type="horzAlign" val="none"/>
+            <dgm:param type="vertAlign" val="none"/>
+          </dgm:alg>
+          <dgm:shape xmlns:r="http://schemas.openxmlformats.org/officeDocument/2006/relationships" r:blip="">
+            <dgm:adjLst/>
+          </dgm:shape>
+          <dgm:presOf/>
+          <dgm:choose name="Name24">
+            <dgm:if name="Name25" axis="root ch" ptType="all node" st="1 1" cnt="0 0" func="cnt" op="gt" val="1">
+              <dgm:choose name="Name26">
+                <dgm:if name="Name27" func="var" arg="dir" op="equ" val="norm">
+                  <dgm:constrLst>
+                    <dgm:constr type="l" for="ch" forName="outerBoxParent"/>
+                    <dgm:constr type="t" for="ch" forName="outerBoxParent"/>
+                    <dgm:constr type="w" for="ch" forName="outerBoxParent" refType="w"/>
+                    <dgm:constr type="h" for="ch" forName="outerBoxParent" refType="h"/>
+                    <dgm:constr type="bMarg" for="ch" forName="outerBoxParent" refType="h" fact="2.2"/>
+                    <dgm:constr type="l" for="ch" forName="outerBoxChildren" refType="w" fact="0.025"/>
+                    <dgm:constr type="t" for="ch" forName="outerBoxChildren" refType="h" fact="0.25"/>
+                    <dgm:constr type="w" for="ch" forName="outerBoxChildren" refType="w" fact="0.15"/>
+                    <dgm:constr type="h" for="ch" forName="outerBoxChildren" refType="h" fact="0.7"/>
+                  </dgm:constrLst>
+                </dgm:if>
+                <dgm:else name="Name28">
+                  <dgm:constrLst>
+                    <dgm:constr type="l" for="ch" forName="outerBoxParent"/>
+                    <dgm:constr type="t" for="ch" forName="outerBoxParent"/>
+                    <dgm:constr type="w" for="ch" forName="outerBoxParent" refType="w"/>
+                    <dgm:constr type="h" for="ch" forName="outerBoxParent" refType="h"/>
+                    <dgm:constr type="bMarg" for="ch" forName="outerBoxParent" refType="h" fact="2.2"/>
+                    <dgm:constr type="l" for="ch" forName="outerBoxChildren" refType="w" fact="0.825"/>
+                    <dgm:constr type="t" for="ch" forName="outerBoxChildren" refType="h" fact="0.25"/>
+                    <dgm:constr type="w" for="ch" forName="outerBoxChildren" refType="w" fact="0.15"/>
+                    <dgm:constr type="h" for="ch" forName="outerBoxChildren" refType="h" fact="0.7"/>
+                  </dgm:constrLst>
+                </dgm:else>
+              </dgm:choose>
+            </dgm:if>
+            <dgm:else name="Name29">
+              <dgm:constrLst>
+                <dgm:constr type="l" for="ch" forName="outerBoxParent"/>
+                <dgm:constr type="t" for="ch" forName="outerBoxParent"/>
+                <dgm:constr type="w" for="ch" forName="outerBoxParent" refType="w"/>
+                <dgm:constr type="h" for="ch" forName="outerBoxParent" refType="h"/>
+                <dgm:constr type="bMarg" for="ch" forName="outerBoxParent" refType="h" fact="1.75"/>
+                <dgm:constr type="l" for="ch" forName="outerBoxChildren" refType="w" fact="0.025"/>
+                <dgm:constr type="t" for="ch" forName="outerBoxChildren" refType="h" fact="0.45"/>
+                <dgm:constr type="w" for="ch" forName="outerBoxChildren" refType="w" fact="0.95"/>
+                <dgm:constr type="h" for="ch" forName="outerBoxChildren" refType="h" fact="0.45"/>
+              </dgm:constrLst>
+            </dgm:else>
+          </dgm:choose>
+          <dgm:ruleLst/>
+          <dgm:layoutNode name="outerBoxParent" styleLbl="node1">
+            <dgm:alg type="tx">
+              <dgm:param type="txAnchorVert" val="t"/>
+              <dgm:param type="parTxLTRAlign" val="l"/>
+              <dgm:param type="parTxRTLAlign" val="r"/>
+            </dgm:alg>
+            <dgm:shape xmlns:r="http://schemas.openxmlformats.org/officeDocument/2006/relationships" type="roundRect" r:blip="">
+              <dgm:adjLst>
+                <dgm:adj idx="1" val="0.085"/>
+              </dgm:adjLst>
+            </dgm:shape>
+            <dgm:presOf axis="ch" ptType="node" cnt="1"/>
+            <dgm:constrLst>
+              <dgm:constr type="tMarg" refType="primFontSz" fact="0.3"/>
+              <dgm:constr type="lMarg" refType="primFontSz" fact="0.3"/>
+              <dgm:constr type="rMarg" refType="primFontSz" fact="0.3"/>
+            </dgm:constrLst>
+            <dgm:ruleLst>
+              <dgm:rule type="primFontSz" val="5" fact="NaN" max="NaN"/>
+            </dgm:ruleLst>
+          </dgm:layoutNode>
+          <dgm:layoutNode name="outerBoxChildren">
+            <dgm:choose name="Name30">
+              <dgm:if name="Name31" axis="root ch" ptType="all node" st="1 1" cnt="0 0" func="cnt" op="gt" val="1">
+                <dgm:alg type="lin">
+                  <dgm:param type="linDir" val="fromT"/>
+                  <dgm:param type="vertAlign" val="t"/>
+                </dgm:alg>
+              </dgm:if>
+              <dgm:else name="Name32">
+                <dgm:choose name="Name33">
+                  <dgm:if name="Name34" func="var" arg="dir" op="equ" val="norm">
+                    <dgm:alg type="lin">
+                      <dgm:param type="horzAlign" val="l"/>
+                    </dgm:alg>
+                  </dgm:if>
+                  <dgm:else name="Name35">
+                    <dgm:alg type="lin">
+                      <dgm:param type="linDir" val="fromR"/>
+                      <dgm:param type="horzAlign" val="r"/>
+                    </dgm:alg>
+                  </dgm:else>
+                </dgm:choose>
+              </dgm:else>
+            </dgm:choose>
+            <dgm:shape xmlns:r="http://schemas.openxmlformats.org/officeDocument/2006/relationships" r:blip="">
+              <dgm:adjLst/>
+            </dgm:shape>
+            <dgm:presOf/>
+            <dgm:constrLst>
+              <dgm:constr type="w" for="ch" forName="oChild" refType="w"/>
+              <dgm:constr type="h" for="ch" forName="oChild" refType="h"/>
+            </dgm:constrLst>
+            <dgm:ruleLst/>
+            <dgm:forEach name="Name36" axis="ch ch" ptType="node node" st="1 1" cnt="1 0">
+              <dgm:layoutNode name="oChild" styleLbl="fgAcc1">
+                <dgm:varLst>
+                  <dgm:bulletEnabled val="1"/>
+                </dgm:varLst>
+                <dgm:alg type="tx"/>
+                <dgm:shape xmlns:r="http://schemas.openxmlformats.org/officeDocument/2006/relationships" type="roundRect" r:blip="">
+                  <dgm:adjLst>
+                    <dgm:adj idx="1" val="0.105"/>
+                  </dgm:adjLst>
+                </dgm:shape>
+                <dgm:presOf axis="desOrSelf" ptType="node"/>
+                <dgm:constrLst>
+                  <dgm:constr type="tMarg" refType="primFontSz" fact="0.3"/>
+                  <dgm:constr type="bMarg" refType="primFontSz" fact="0.3"/>
+                  <dgm:constr type="lMarg" refType="primFontSz" fact="0.3"/>
+                  <dgm:constr type="rMarg" refType="primFontSz" fact="0.3"/>
+                </dgm:constrLst>
+                <dgm:ruleLst>
+                  <dgm:rule type="primFontSz" val="5" fact="NaN" max="NaN"/>
+                </dgm:ruleLst>
+              </dgm:layoutNode>
+              <dgm:forEach name="Name37" axis="followSib" ptType="sibTrans" cnt="1">
+                <dgm:layoutNode name="outerSibTrans">
+                  <dgm:alg type="sp"/>
+                  <dgm:shape xmlns:r="http://schemas.openxmlformats.org/officeDocument/2006/relationships" r:blip="">
+                    <dgm:adjLst/>
+                  </dgm:shape>
+                  <dgm:presOf/>
+                  <dgm:constrLst>
+                    <dgm:constr type="userA"/>
+                    <dgm:constr type="w" refType="userA" fact="0.015"/>
+                    <dgm:constr type="h" refType="userA" fact="0.015"/>
+                  </dgm:constrLst>
+                  <dgm:ruleLst/>
+                </dgm:layoutNode>
+              </dgm:forEach>
+            </dgm:forEach>
+          </dgm:layoutNode>
+        </dgm:layoutNode>
+      </dgm:if>
+      <dgm:else name="Name38"/>
+    </dgm:choose>
+    <dgm:choose name="Name39">
+      <dgm:if name="Name40" axis="root ch" ptType="all node" st="1 1" cnt="0 0" func="cnt" op="gte" val="2">
+        <dgm:layoutNode name="middleBox">
+          <dgm:alg type="composite">
+            <dgm:param type="horzAlign" val="none"/>
+            <dgm:param type="vertAlign" val="none"/>
+          </dgm:alg>
+          <dgm:shape xmlns:r="http://schemas.openxmlformats.org/officeDocument/2006/relationships" r:blip="">
+            <dgm:adjLst/>
+          </dgm:shape>
+          <dgm:presOf/>
+          <dgm:choose name="Name41">
+            <dgm:if name="Name42" axis="root ch" ptType="all node" st="1 1" cnt="0 0" func="cnt" op="gt" val="2">
+              <dgm:choose name="Name43">
+                <dgm:if name="Name44" func="var" arg="dir" op="equ" val="norm">
+                  <dgm:constrLst>
+                    <dgm:constr type="l" for="ch" forName="middleBoxParent"/>
+                    <dgm:constr type="t" for="ch" forName="middleBoxParent"/>
+                    <dgm:constr type="w" for="ch" forName="middleBoxParent" refType="w"/>
+                    <dgm:constr type="h" for="ch" forName="middleBoxParent" refType="h"/>
+                    <dgm:constr type="bMarg" for="ch" forName="middleBoxParent" refType="h" fact="1.8"/>
+                    <dgm:constr type="l" for="ch" forName="middleBoxChildren" refType="w" fact="0.025"/>
+                    <dgm:constr type="t" for="ch" forName="middleBoxChildren" refType="h" fact="0.35"/>
+                    <dgm:constr type="w" for="ch" forName="middleBoxChildren" refType="w" fact="0.2"/>
+                    <dgm:constr type="h" for="ch" forName="middleBoxChildren" refType="h" fact="0.575"/>
+                  </dgm:constrLst>
+                </dgm:if>
+                <dgm:else name="Name45">
+                  <dgm:constrLst>
+                    <dgm:constr type="l" for="ch" forName="middleBoxParent"/>
+                    <dgm:constr type="t" for="ch" forName="middleBoxParent"/>
+                    <dgm:constr type="w" for="ch" forName="middleBoxParent" refType="w"/>
+                    <dgm:constr type="h" for="ch" forName="middleBoxParent" refType="h"/>
+                    <dgm:constr type="bMarg" for="ch" forName="middleBoxParent" refType="h" fact="1.8"/>
+                    <dgm:constr type="l" for="ch" forName="middleBoxChildren" refType="w" fact="0.775"/>
+                    <dgm:constr type="t" for="ch" forName="middleBoxChildren" refType="h" fact="0.35"/>
+                    <dgm:constr type="w" for="ch" forName="middleBoxChildren" refType="w" fact="0.2"/>
+                    <dgm:constr type="h" for="ch" forName="middleBoxChildren" refType="h" fact="0.575"/>
+                  </dgm:constrLst>
+                </dgm:else>
+              </dgm:choose>
+            </dgm:if>
+            <dgm:else name="Name46">
+              <dgm:constrLst>
+                <dgm:constr type="l" for="ch" forName="middleBoxParent"/>
+                <dgm:constr type="t" for="ch" forName="middleBoxParent"/>
+                <dgm:constr type="w" for="ch" forName="middleBoxParent" refType="w"/>
+                <dgm:constr type="h" for="ch" forName="middleBoxParent" refType="h"/>
+                <dgm:constr type="bMarg" for="ch" forName="middleBoxParent" refType="h" fact="1.8"/>
+                <dgm:constr type="l" for="ch" forName="middleBoxChildren" refType="w" fact="0.025"/>
+                <dgm:constr type="t" for="ch" forName="middleBoxChildren" refType="h" fact="0.45"/>
+                <dgm:constr type="w" for="ch" forName="middleBoxChildren" refType="w" fact="0.95"/>
+                <dgm:constr type="h" for="ch" forName="middleBoxChildren" refType="h" fact="0.45"/>
+              </dgm:constrLst>
+            </dgm:else>
+          </dgm:choose>
+          <dgm:ruleLst/>
+          <dgm:layoutNode name="middleBoxParent" styleLbl="node1">
+            <dgm:alg type="tx">
+              <dgm:param type="txAnchorVert" val="t"/>
+              <dgm:param type="parTxLTRAlign" val="l"/>
+              <dgm:param type="parTxRTLAlign" val="r"/>
+            </dgm:alg>
+            <dgm:shape xmlns:r="http://schemas.openxmlformats.org/officeDocument/2006/relationships" type="roundRect" r:blip="">
+              <dgm:adjLst>
+                <dgm:adj idx="1" val="0.105"/>
+              </dgm:adjLst>
+            </dgm:shape>
+            <dgm:presOf axis="ch" ptType="node" st="2" cnt="1"/>
+            <dgm:constrLst>
+              <dgm:constr type="tMarg" refType="primFontSz" fact="0.3"/>
+              <dgm:constr type="lMarg" refType="primFontSz" fact="0.3"/>
+              <dgm:constr type="rMarg" refType="primFontSz" fact="0.3"/>
+            </dgm:constrLst>
+            <dgm:ruleLst>
+              <dgm:rule type="primFontSz" val="5" fact="NaN" max="NaN"/>
+            </dgm:ruleLst>
+          </dgm:layoutNode>
+          <dgm:layoutNode name="middleBoxChildren">
+            <dgm:choose name="Name47">
+              <dgm:if name="Name48" axis="root ch" ptType="all node" st="1 1" cnt="0 0" func="cnt" op="gt" val="2">
+                <dgm:alg type="lin">
+                  <dgm:param type="linDir" val="fromT"/>
+                  <dgm:param type="vertAlign" val="t"/>
+                </dgm:alg>
+              </dgm:if>
+              <dgm:else name="Name49">
+                <dgm:choose name="Name50">
+                  <dgm:if name="Name51" func="var" arg="dir" op="equ" val="norm">
+                    <dgm:alg type="lin">
+                      <dgm:param type="horzAlign" val="l"/>
+                    </dgm:alg>
+                  </dgm:if>
+                  <dgm:else name="Name52">
+                    <dgm:alg type="lin">
+                      <dgm:param type="linDir" val="fromR"/>
+                      <dgm:param type="horzAlign" val="r"/>
+                    </dgm:alg>
+                  </dgm:else>
+                </dgm:choose>
+              </dgm:else>
+            </dgm:choose>
+            <dgm:shape xmlns:r="http://schemas.openxmlformats.org/officeDocument/2006/relationships" r:blip="">
+              <dgm:adjLst/>
+            </dgm:shape>
+            <dgm:presOf/>
+            <dgm:constrLst>
+              <dgm:constr type="w" for="ch" forName="mChild" refType="w"/>
+              <dgm:constr type="h" for="ch" forName="mChild" refType="h"/>
+            </dgm:constrLst>
+            <dgm:ruleLst/>
+            <dgm:forEach name="Name53" axis="ch ch" ptType="node node" st="2 1" cnt="1 0">
+              <dgm:layoutNode name="mChild" styleLbl="fgAcc1">
+                <dgm:varLst>
+                  <dgm:bulletEnabled val="1"/>
+                </dgm:varLst>
+                <dgm:alg type="tx"/>
+                <dgm:shape xmlns:r="http://schemas.openxmlformats.org/officeDocument/2006/relationships" type="roundRect" r:blip="">
+                  <dgm:adjLst>
+                    <dgm:adj idx="1" val="0.105"/>
+                  </dgm:adjLst>
+                </dgm:shape>
+                <dgm:presOf axis="desOrSelf" ptType="node"/>
+                <dgm:constrLst>
+                  <dgm:constr type="tMarg" refType="primFontSz" fact="0.3"/>
+                  <dgm:constr type="bMarg" refType="primFontSz" fact="0.3"/>
+                  <dgm:constr type="lMarg" refType="primFontSz" fact="0.3"/>
+                  <dgm:constr type="rMarg" refType="primFontSz" fact="0.3"/>
+                </dgm:constrLst>
+                <dgm:ruleLst>
+                  <dgm:rule type="primFontSz" val="5" fact="NaN" max="NaN"/>
+                </dgm:ruleLst>
+              </dgm:layoutNode>
+              <dgm:forEach name="Name54" axis="followSib" ptType="sibTrans" cnt="1">
+                <dgm:layoutNode name="middleSibTrans">
+                  <dgm:alg type="sp"/>
+                  <dgm:shape xmlns:r="http://schemas.openxmlformats.org/officeDocument/2006/relationships" r:blip="">
+                    <dgm:adjLst/>
+                  </dgm:shape>
+                  <dgm:presOf/>
+                  <dgm:constrLst>
+                    <dgm:constr type="userA"/>
+                    <dgm:constr type="w" refType="userA" fact="0.015"/>
+                    <dgm:constr type="h" refType="userA" fact="0.015"/>
+                  </dgm:constrLst>
+                  <dgm:ruleLst/>
+                </dgm:layoutNode>
+              </dgm:forEach>
+            </dgm:forEach>
+          </dgm:layoutNode>
+        </dgm:layoutNode>
+      </dgm:if>
+      <dgm:else name="Name55"/>
+    </dgm:choose>
+    <dgm:choose name="Name56">
+      <dgm:if name="Name57" axis="root ch" ptType="all node" st="1 1" cnt="0 0" func="cnt" op="gte" val="3">
+        <dgm:layoutNode name="centerBox">
+          <dgm:alg type="composite">
+            <dgm:param type="horzAlign" val="none"/>
+            <dgm:param type="vertAlign" val="none"/>
+          </dgm:alg>
+          <dgm:shape xmlns:r="http://schemas.openxmlformats.org/officeDocument/2006/relationships" r:blip="">
+            <dgm:adjLst/>
+          </dgm:shape>
+          <dgm:presOf/>
+          <dgm:choose name="Name58">
+            <dgm:if name="Name59" axis="ch ch" ptType="node node" st="3 1" cnt="1 0" func="cnt" op="gt" val="0">
+              <dgm:constrLst>
+                <dgm:constr type="l" for="ch" forName="centerBoxParent"/>
+                <dgm:constr type="t" for="ch" forName="centerBoxParent"/>
+                <dgm:constr type="w" for="ch" forName="centerBoxParent" refType="w"/>
+                <dgm:constr type="h" for="ch" forName="centerBoxParent" refType="h"/>
+                <dgm:constr type="bMarg" for="ch" forName="centerBoxParent" refType="h" fact="1.6"/>
+                <dgm:constr type="l" for="ch" forName="centerBoxChildren" refType="w" fact="0.025"/>
+                <dgm:constr type="t" for="ch" forName="centerBoxChildren" refType="h" fact="0.45"/>
+                <dgm:constr type="w" for="ch" forName="centerBoxChildren" refType="w" fact="0.95"/>
+                <dgm:constr type="h" for="ch" forName="centerBoxChildren" refType="h" fact="0.45"/>
+              </dgm:constrLst>
+            </dgm:if>
+            <dgm:else name="Name60">
+              <dgm:constrLst>
+                <dgm:constr type="l" for="ch" forName="centerBoxParent"/>
+                <dgm:constr type="t" for="ch" forName="centerBoxParent"/>
+                <dgm:constr type="w" for="ch" forName="centerBoxParent" refType="w"/>
+                <dgm:constr type="h" for="ch" forName="centerBoxParent" refType="h"/>
+              </dgm:constrLst>
+            </dgm:else>
+          </dgm:choose>
+          <dgm:ruleLst/>
+          <dgm:layoutNode name="centerBoxParent" styleLbl="node1">
+            <dgm:alg type="tx">
+              <dgm:param type="txAnchorVert" val="t"/>
+              <dgm:param type="parTxLTRAlign" val="l"/>
+              <dgm:param type="parTxRTLAlign" val="r"/>
+            </dgm:alg>
+            <dgm:shape xmlns:r="http://schemas.openxmlformats.org/officeDocument/2006/relationships" type="roundRect" r:blip="">
+              <dgm:adjLst>
+                <dgm:adj idx="1" val="0.105"/>
+              </dgm:adjLst>
+            </dgm:shape>
+            <dgm:presOf axis="ch" ptType="node" st="3" cnt="1"/>
+            <dgm:constrLst>
+              <dgm:constr type="tMarg" refType="primFontSz" fact="0.3"/>
+              <dgm:constr type="lMarg" refType="primFontSz" fact="0.3"/>
+              <dgm:constr type="rMarg" refType="primFontSz" fact="0.3"/>
+            </dgm:constrLst>
+            <dgm:ruleLst>
+              <dgm:rule type="primFontSz" val="5" fact="NaN" max="NaN"/>
+            </dgm:ruleLst>
+          </dgm:layoutNode>
+          <dgm:choose name="Name61">
+            <dgm:if name="Name62" axis="ch ch" ptType="node node" st="3 1" cnt="1 0" func="cnt" op="gt" val="0">
+              <dgm:layoutNode name="centerBoxChildren">
+                <dgm:choose name="Name63">
+                  <dgm:if name="Name64" func="var" arg="dir" op="equ" val="norm">
+                    <dgm:alg type="lin">
+                      <dgm:param type="horzAlign" val="l"/>
+                    </dgm:alg>
+                  </dgm:if>
+                  <dgm:else name="Name65">
+                    <dgm:alg type="lin">
+                      <dgm:param type="linDir" val="fromR"/>
+                      <dgm:param type="horzAlign" val="r"/>
+                    </dgm:alg>
+                  </dgm:else>
+                </dgm:choose>
+                <dgm:shape xmlns:r="http://schemas.openxmlformats.org/officeDocument/2006/relationships" r:blip="">
+                  <dgm:adjLst/>
+                </dgm:shape>
+                <dgm:presOf/>
+                <dgm:constrLst>
+                  <dgm:constr type="w" for="ch" forName="cChild" refType="w"/>
+                  <dgm:constr type="h" for="ch" forName="cChild" refType="h"/>
+                </dgm:constrLst>
+                <dgm:ruleLst/>
+                <dgm:forEach name="Name66" axis="ch ch" ptType="node node" st="3 1" cnt="1 0">
+                  <dgm:layoutNode name="cChild" styleLbl="fgAcc1">
+                    <dgm:varLst>
+                      <dgm:bulletEnabled val="1"/>
+                    </dgm:varLst>
+                    <dgm:alg type="tx"/>
+                    <dgm:shape xmlns:r="http://schemas.openxmlformats.org/officeDocument/2006/relationships" type="roundRect" r:blip="">
+                      <dgm:adjLst>
+                        <dgm:adj idx="1" val="0.105"/>
+                      </dgm:adjLst>
+                    </dgm:shape>
+                    <dgm:presOf axis="desOrSelf" ptType="node"/>
+                    <dgm:constrLst>
+                      <dgm:constr type="tMarg" refType="primFontSz" fact="0.3"/>
+                      <dgm:constr type="bMarg" refType="primFontSz" fact="0.3"/>
+                      <dgm:constr type="lMarg" refType="primFontSz" fact="0.3"/>
+                      <dgm:constr type="rMarg" refType="primFontSz" fact="0.3"/>
+                    </dgm:constrLst>
+                    <dgm:ruleLst>
+                      <dgm:rule type="primFontSz" val="5" fact="NaN" max="NaN"/>
+                    </dgm:ruleLst>
+                  </dgm:layoutNode>
+                  <dgm:forEach name="Name67" axis="followSib" ptType="sibTrans" cnt="1">
+                    <dgm:layoutNode name="centerSibTrans">
+                      <dgm:alg type="sp"/>
+                      <dgm:shape xmlns:r="http://schemas.openxmlformats.org/officeDocument/2006/relationships" r:blip="">
+                        <dgm:adjLst/>
+                      </dgm:shape>
+                      <dgm:presOf/>
+                      <dgm:constrLst>
+                        <dgm:constr type="userA"/>
+                        <dgm:constr type="w" refType="userA" fact="0.015"/>
+                        <dgm:constr type="h" refType="userA" fact="0.015"/>
+                      </dgm:constrLst>
+                      <dgm:ruleLst/>
+                    </dgm:layoutNode>
+                  </dgm:forEach>
+                </dgm:forEach>
+              </dgm:layoutNode>
+            </dgm:if>
+            <dgm:else name="Name68"/>
+          </dgm:choose>
+        </dgm:layoutNode>
+      </dgm:if>
+      <dgm:else name="Name69"/>
+    </dgm:choose>
+  </dgm:layoutNode>
+</dgm:layoutDef>
+</file>
+
+<file path=ppt/diagrams/quickStyle1.xml><?xml version="1.0" encoding="utf-8"?>
+<dgm:styleDef xmlns:dgm="http://schemas.openxmlformats.org/drawingml/2006/diagram" xmlns:a="http://schemas.openxmlformats.org/drawingml/2006/main" uniqueId="urn:microsoft.com/office/officeart/2005/8/quickstyle/simple1">
+  <dgm:title val=""/>
+  <dgm:desc val=""/>
+  <dgm:catLst>
+    <dgm:cat type="simple" pri="10100"/>
+  </dgm:catLst>
+  <dgm:scene3d>
+    <a:camera prst="orthographicFront"/>
+    <a:lightRig rig="threePt" dir="t"/>
+  </dgm:scene3d>
+  <dgm:styleLbl name="node0">
+    <dgm:scene3d>
+      <a:camera prst="orthographicFront"/>
+      <a:lightRig rig="threePt" dir="t"/>
+    </dgm:scene3d>
+    <dgm:sp3d/>
+    <dgm:txPr/>
+    <dgm:style>
+      <a:lnRef idx="2">
+        <a:scrgbClr r="0" g="0" b="0"/>
+      </a:lnRef>
+      <a:fillRef idx="1">
+        <a:scrgbClr r="0" g="0" b="0"/>
+      </a:fillRef>
+      <a:effectRef idx="0">
+        <a:scrgbClr r="0" g="0" b="0"/>
+      </a:effectRef>
+      <a:fontRef idx="minor">
+        <a:schemeClr val="lt1"/>
+      </a:fontRef>
+    </dgm:style>
+  </dgm:styleLbl>
+  <dgm:styleLbl name="lnNode1">
+    <dgm:scene3d>
+      <a:camera prst="orthographicFront"/>
+      <a:lightRig rig="threePt" dir="t"/>
+    </dgm:scene3d>
+    <dgm:sp3d/>
+    <dgm:txPr/>
+    <dgm:style>
+      <a:lnRef idx="2">
+        <a:scrgbClr r="0" g="0" b="0"/>
+      </a:lnRef>
+      <a:fillRef idx="1">
+        <a:scrgbClr r="0" g="0" b="0"/>
+      </a:fillRef>
+      <a:effectRef idx="0">
+        <a:scrgbClr r="0" g="0" b="0"/>
+      </a:effectRef>
+      <a:fontRef idx="minor">
+        <a:schemeClr val="lt1"/>
+      </a:fontRef>
+    </dgm:style>
+  </dgm:styleLbl>
+  <dgm:styleLbl name="vennNode1">
+    <dgm:scene3d>
+      <a:camera prst="orthographicFront"/>
+      <a:lightRig rig="threePt" dir="t"/>
+    </dgm:scene3d>
+    <dgm:sp3d/>
+    <dgm:txPr/>
+    <dgm:style>
+      <a:lnRef idx="2">
+        <a:scrgbClr r="0" g="0" b="0"/>
+      </a:lnRef>
+      <a:fillRef idx="1">
+        <a:scrgbClr r="0" g="0" b="0"/>
+      </a:fillRef>
+      <a:effectRef idx="0">
+        <a:scrgbClr r="0" g="0" b="0"/>
+      </a:effectRef>
+      <a:fontRef idx="minor">
+        <a:schemeClr val="tx1"/>
+      </a:fontRef>
+    </dgm:style>
+  </dgm:styleLbl>
+  <dgm:styleLbl name="alignNode1">
+    <dgm:scene3d>
+      <a:camera prst="orthographicFront"/>
+      <a:lightRig rig="threePt" dir="t"/>
+    </dgm:scene3d>
+    <dgm:sp3d/>
+    <dgm:txPr/>
+    <dgm:style>
+      <a:lnRef idx="2">
+        <a:scrgbClr r="0" g="0" b="0"/>
+      </a:lnRef>
+      <a:fillRef idx="1">
+        <a:scrgbClr r="0" g="0" b="0"/>
+      </a:fillRef>
+      <a:effectRef idx="0">
+        <a:scrgbClr r="0" g="0" b="0"/>
+      </a:effectRef>
+      <a:fontRef idx="minor">
+        <a:schemeClr val="lt1"/>
+      </a:fontRef>
+    </dgm:style>
+  </dgm:styleLbl>
+  <dgm:styleLbl name="node1">
+    <dgm:scene3d>
+      <a:camera prst="orthographicFront"/>
+      <a:lightRig rig="threePt" dir="t"/>
+    </dgm:scene3d>
+    <dgm:sp3d/>
+    <dgm:txPr/>
+    <dgm:style>
+      <a:lnRef idx="2">
+        <a:scrgbClr r="0" g="0" b="0"/>
+      </a:lnRef>
+      <a:fillRef idx="1">
+        <a:scrgbClr r="0" g="0" b="0"/>
+      </a:fillRef>
+      <a:effectRef idx="0">
+        <a:scrgbClr r="0" g="0" b="0"/>
+      </a:effectRef>
+      <a:fontRef idx="minor">
+        <a:schemeClr val="lt1"/>
+      </a:fontRef>
+    </dgm:style>
+  </dgm:styleLbl>
+  <dgm:styleLbl name="node2">
+    <dgm:scene3d>
+      <a:camera prst="orthographicFront"/>
+      <a:lightRig rig="threePt" dir="t"/>
+    </dgm:scene3d>
+    <dgm:sp3d/>
+    <dgm:txPr/>
+    <dgm:style>
+      <a:lnRef idx="2">
+        <a:scrgbClr r="0" g="0" b="0"/>
+      </a:lnRef>
+      <a:fillRef idx="1">
+        <a:scrgbClr r="0" g="0" b="0"/>
+      </a:fillRef>
+      <a:effectRef idx="0">
+        <a:scrgbClr r="0" g="0" b="0"/>
+      </a:effectRef>
+      <a:fontRef idx="minor">
+        <a:schemeClr val="lt1"/>
+      </a:fontRef>
+    </dgm:style>
+  </dgm:styleLbl>
+  <dgm:styleLbl name="node3">
+    <dgm:scene3d>
+      <a:camera prst="orthographicFront"/>
+      <a:lightRig rig="threePt" dir="t"/>
+    </dgm:scene3d>
+    <dgm:sp3d/>
+    <dgm:txPr/>
+    <dgm:style>
+      <a:lnRef idx="2">
+        <a:scrgbClr r="0" g="0" b="0"/>
+      </a:lnRef>
+      <a:fillRef idx="1">
+        <a:scrgbClr r="0" g="0" b="0"/>
+      </a:fillRef>
+      <a:effectRef idx="0">
+        <a:scrgbClr r="0" g="0" b="0"/>
+      </a:effectRef>
+      <a:fontRef idx="minor">
+        <a:schemeClr val="lt1"/>
+      </a:fontRef>
+    </dgm:style>
+  </dgm:styleLbl>
+  <dgm:styleLbl name="node4">
+    <dgm:scene3d>
+      <a:camera prst="orthographicFront"/>
+      <a:lightRig rig="threePt" dir="t"/>
+    </dgm:scene3d>
+    <dgm:sp3d/>
+    <dgm:txPr/>
+    <dgm:style>
+      <a:lnRef idx="2">
+        <a:scrgbClr r="0" g="0" b="0"/>
+      </a:lnRef>
+      <a:fillRef idx="1">
+        <a:scrgbClr r="0" g="0" b="0"/>
+      </a:fillRef>
+      <a:effectRef idx="0">
+        <a:scrgbClr r="0" g="0" b="0"/>
+      </a:effectRef>
+      <a:fontRef idx="minor">
+        <a:schemeClr val="lt1"/>
+      </a:fontRef>
+    </dgm:style>
+  </dgm:styleLbl>
+  <dgm:styleLbl name="fgImgPlace1">
+    <dgm:scene3d>
+      <a:camera prst="orthographicFront"/>
+      <a:lightRig rig="threePt" dir="t"/>
+    </dgm:scene3d>
+    <dgm:sp3d/>
+    <dgm:txPr/>
+    <dgm:style>
+      <a:lnRef idx="2">
+        <a:scrgbClr r="0" g="0" b="0"/>
+      </a:lnRef>
+      <a:fillRef idx="1">
+        <a:scrgbClr r="0" g="0" b="0"/>
+      </a:fillRef>
+      <a:effectRef idx="0">
+        <a:scrgbClr r="0" g="0" b="0"/>
+      </a:effectRef>
+      <a:fontRef idx="minor"/>
+    </dgm:style>
+  </dgm:styleLbl>
+  <dgm:styleLbl name="alignImgPlace1">
+    <dgm:scene3d>
+      <a:camera prst="orthographicFront"/>
+      <a:lightRig rig="threePt" dir="t"/>
+    </dgm:scene3d>
+    <dgm:sp3d/>
+    <dgm:txPr/>
+    <dgm:style>
+      <a:lnRef idx="2">
+        <a:scrgbClr r="0" g="0" b="0"/>
+      </a:lnRef>
+      <a:fillRef idx="1">
+        <a:scrgbClr r="0" g="0" b="0"/>
+      </a:fillRef>
+      <a:effectRef idx="0">
+        <a:scrgbClr r="0" g="0" b="0"/>
+      </a:effectRef>
+      <a:fontRef idx="minor"/>
+    </dgm:style>
+  </dgm:styleLbl>
+  <dgm:styleLbl name="bgImgPlace1">
+    <dgm:scene3d>
+      <a:camera prst="orthographicFront"/>
+      <a:lightRig rig="threePt" dir="t"/>
+    </dgm:scene3d>
+    <dgm:sp3d/>
+    <dgm:txPr/>
+    <dgm:style>
+      <a:lnRef idx="2">
+        <a:scrgbClr r="0" g="0" b="0"/>
+      </a:lnRef>
+      <a:fillRef idx="1">
+        <a:scrgbClr r="0" g="0" b="0"/>
+      </a:fillRef>
+      <a:effectRef idx="0">
+        <a:scrgbClr r="0" g="0" b="0"/>
+      </a:effectRef>
+      <a:fontRef idx="minor"/>
+    </dgm:style>
+  </dgm:styleLbl>
+  <dgm:styleLbl name="sibTrans2D1">
+    <dgm:scene3d>
+      <a:camera prst="orthographicFront"/>
+      <a:lightRig rig="threePt" dir="t"/>
+    </dgm:scene3d>
+    <dgm:sp3d/>
+    <dgm:txPr/>
+    <dgm:style>
+      <a:lnRef idx="0">
+        <a:scrgbClr r="0" g="0" b="0"/>
+      </a:lnRef>
+      <a:fillRef idx="1">
+        <a:scrgbClr r="0" g="0" b="0"/>
+      </a:fillRef>
+      <a:effectRef idx="0">
+        <a:scrgbClr r="0" g="0" b="0"/>
+      </a:effectRef>
+      <a:fontRef idx="minor">
+        <a:schemeClr val="lt1"/>
+      </a:fontRef>
+    </dgm:style>
+  </dgm:styleLbl>
+  <dgm:styleLbl name="fgSibTrans2D1">
+    <dgm:scene3d>
+      <a:camera prst="orthographicFront"/>
+      <a:lightRig rig="threePt" dir="t"/>
+    </dgm:scene3d>
+    <dgm:sp3d/>
+    <dgm:txPr/>
+    <dgm:style>
+      <a:lnRef idx="0">
+        <a:scrgbClr r="0" g="0" b="0"/>
+      </a:lnRef>
+      <a:fillRef idx="1">
+        <a:scrgbClr r="0" g="0" b="0"/>
+      </a:fillRef>
+      <a:effectRef idx="0">
+        <a:scrgbClr r="0" g="0" b="0"/>
+      </a:effectRef>
+      <a:fontRef idx="minor">
+        <a:schemeClr val="lt1"/>
+      </a:fontRef>
+    </dgm:style>
+  </dgm:styleLbl>
+  <dgm:styleLbl name="bgSibTrans2D1">
+    <dgm:scene3d>
+      <a:camera prst="orthographicFront"/>
+      <a:lightRig rig="threePt" dir="t"/>
+    </dgm:scene3d>
+    <dgm:sp3d/>
+    <dgm:txPr/>
+    <dgm:style>
+      <a:lnRef idx="0">
+        <a:scrgbClr r="0" g="0" b="0"/>
+      </a:lnRef>
+      <a:fillRef idx="1">
+        <a:scrgbClr r="0" g="0" b="0"/>
+      </a:fillRef>
+      <a:effectRef idx="0">
+        <a:scrgbClr r="0" g="0" b="0"/>
+      </a:effectRef>
+      <a:fontRef idx="minor">
+        <a:schemeClr val="lt1"/>
+      </a:fontRef>
+    </dgm:style>
+  </dgm:styleLbl>
+  <dgm:styleLbl name="sibTrans1D1">
+    <dgm:scene3d>
+      <a:camera prst="orthographicFront"/>
+      <a:lightRig rig="threePt" dir="t"/>
+    </dgm:scene3d>
+    <dgm:sp3d/>
+    <dgm:txPr/>
+    <dgm:style>
+      <a:lnRef idx="1">
+        <a:scrgbClr r="0" g="0" b="0"/>
+      </a:lnRef>
+      <a:fillRef idx="0">
+        <a:scrgbClr r="0" g="0" b="0"/>
+      </a:fillRef>
+      <a:effectRef idx="0">
+        <a:scrgbClr r="0" g="0" b="0"/>
+      </a:effectRef>
+      <a:fontRef idx="minor"/>
+    </dgm:style>
+  </dgm:styleLbl>
+  <dgm:styleLbl name="callout">
+    <dgm:scene3d>
+      <a:camera prst="orthographicFront"/>
+      <a:lightRig rig="threePt" dir="t"/>
+    </dgm:scene3d>
+    <dgm:sp3d/>
+    <dgm:txPr/>
+    <dgm:style>
+      <a:lnRef idx="2">
+        <a:scrgbClr r="0" g="0" b="0"/>
+      </a:lnRef>
+      <a:fillRef idx="1">
+        <a:scrgbClr r="0" g="0" b="0"/>
+      </a:fillRef>
+      <a:effectRef idx="0">
+        <a:scrgbClr r="0" g="0" b="0"/>
+      </a:effectRef>
+      <a:fontRef idx="minor"/>
+    </dgm:style>
+  </dgm:styleLbl>
+  <dgm:styleLbl name="asst0">
+    <dgm:scene3d>
+      <a:camera prst="orthographicFront"/>
+      <a:lightRig rig="threePt" dir="t"/>
+    </dgm:scene3d>
+    <dgm:sp3d/>
+    <dgm:txPr/>
+    <dgm:style>
+      <a:lnRef idx="2">
+        <a:scrgbClr r="0" g="0" b="0"/>
+      </a:lnRef>
+      <a:fillRef idx="1">
+        <a:scrgbClr r="0" g="0" b="0"/>
+      </a:fillRef>
+      <a:effectRef idx="0">
+        <a:scrgbClr r="0" g="0" b="0"/>
+      </a:effectRef>
+      <a:fontRef idx="minor">
+        <a:schemeClr val="lt1"/>
+      </a:fontRef>
+    </dgm:style>
+  </dgm:styleLbl>
+  <dgm:styleLbl name="asst1">
+    <dgm:scene3d>
+      <a:camera prst="orthographicFront"/>
+      <a:lightRig rig="threePt" dir="t"/>
+    </dgm:scene3d>
+    <dgm:sp3d/>
+    <dgm:txPr/>
+    <dgm:style>
+      <a:lnRef idx="2">
+        <a:scrgbClr r="0" g="0" b="0"/>
+      </a:lnRef>
+      <a:fillRef idx="1">
+        <a:scrgbClr r="0" g="0" b="0"/>
+      </a:fillRef>
+      <a:effectRef idx="0">
+        <a:scrgbClr r="0" g="0" b="0"/>
+      </a:effectRef>
+      <a:fontRef idx="minor">
+        <a:schemeClr val="lt1"/>
+      </a:fontRef>
+    </dgm:style>
+  </dgm:styleLbl>
+  <dgm:styleLbl name="asst2">
+    <dgm:scene3d>
+      <a:camera prst="orthographicFront"/>
+      <a:lightRig rig="threePt" dir="t"/>
+    </dgm:scene3d>
+    <dgm:sp3d/>
+    <dgm:txPr/>
+    <dgm:style>
+      <a:lnRef idx="2">
+        <a:scrgbClr r="0" g="0" b="0"/>
+      </a:lnRef>
+      <a:fillRef idx="1">
+        <a:scrgbClr r="0" g="0" b="0"/>
+      </a:fillRef>
+      <a:effectRef idx="0">
+        <a:scrgbClr r="0" g="0" b="0"/>
+      </a:effectRef>
+      <a:fontRef idx="minor">
+        <a:schemeClr val="lt1"/>
+      </a:fontRef>
+    </dgm:style>
+  </dgm:styleLbl>
+  <dgm:styleLbl name="asst3">
+    <dgm:scene3d>
+      <a:camera prst="orthographicFront"/>
+      <a:lightRig rig="threePt" dir="t"/>
+    </dgm:scene3d>
+    <dgm:sp3d/>
+    <dgm:txPr/>
+    <dgm:style>
+      <a:lnRef idx="2">
+        <a:scrgbClr r="0" g="0" b="0"/>
+      </a:lnRef>
+      <a:fillRef idx="1">
+        <a:scrgbClr r="0" g="0" b="0"/>
+      </a:fillRef>
+      <a:effectRef idx="0">
+        <a:scrgbClr r="0" g="0" b="0"/>
+      </a:effectRef>
+      <a:fontRef idx="minor">
+        <a:schemeClr val="lt1"/>
+      </a:fontRef>
+    </dgm:style>
+  </dgm:styleLbl>
+  <dgm:styleLbl name="asst4">
+    <dgm:scene3d>
+      <a:camera prst="orthographicFront"/>
+      <a:lightRig rig="threePt" dir="t"/>
+    </dgm:scene3d>
+    <dgm:sp3d/>
+    <dgm:txPr/>
+    <dgm:style>
+      <a:lnRef idx="2">
+        <a:scrgbClr r="0" g="0" b="0"/>
+      </a:lnRef>
+      <a:fillRef idx="1">
+        <a:scrgbClr r="0" g="0" b="0"/>
+      </a:fillRef>
+      <a:effectRef idx="0">
+        <a:scrgbClr r="0" g="0" b="0"/>
+      </a:effectRef>
+      <a:fontRef idx="minor">
+        <a:schemeClr val="lt1"/>
+      </a:fontRef>
+    </dgm:style>
+  </dgm:styleLbl>
+  <dgm:styleLbl name="parChTrans2D1">
+    <dgm:scene3d>
+      <a:camera prst="orthographicFront"/>
+      <a:lightRig rig="threePt" dir="t"/>
+    </dgm:scene3d>
+    <dgm:sp3d/>
+    <dgm:txPr/>
+    <dgm:style>
+      <a:lnRef idx="2">
+        <a:scrgbClr r="0" g="0" b="0"/>
+      </a:lnRef>
+      <a:fillRef idx="1">
+        <a:scrgbClr r="0" g="0" b="0"/>
+      </a:fillRef>
+      <a:effectRef idx="0">
+        <a:scrgbClr r="0" g="0" b="0"/>
+      </a:effectRef>
+      <a:fontRef idx="minor">
+        <a:schemeClr val="lt1"/>
+      </a:fontRef>
+    </dgm:style>
+  </dgm:styleLbl>
+  <dgm:styleLbl name="parChTrans2D2">
+    <dgm:scene3d>
+      <a:camera prst="orthographicFront"/>
+      <a:lightRig rig="threePt" dir="t"/>
+    </dgm:scene3d>
+    <dgm:sp3d/>
+    <dgm:txPr/>
+    <dgm:style>
+      <a:lnRef idx="2">
+        <a:scrgbClr r="0" g="0" b="0"/>
+      </a:lnRef>
+      <a:fillRef idx="1">
+        <a:scrgbClr r="0" g="0" b="0"/>
+      </a:fillRef>
+      <a:effectRef idx="0">
+        <a:scrgbClr r="0" g="0" b="0"/>
+      </a:effectRef>
+      <a:fontRef idx="minor">
+        <a:schemeClr val="lt1"/>
+      </a:fontRef>
+    </dgm:style>
+  </dgm:styleLbl>
+  <dgm:styleLbl name="parChTrans2D3">
+    <dgm:scene3d>
+      <a:camera prst="orthographicFront"/>
+      <a:lightRig rig="threePt" dir="t"/>
+    </dgm:scene3d>
+    <dgm:sp3d/>
+    <dgm:txPr/>
+    <dgm:style>
+      <a:lnRef idx="2">
+        <a:scrgbClr r="0" g="0" b="0"/>
+      </a:lnRef>
+      <a:fillRef idx="1">
+        <a:scrgbClr r="0" g="0" b="0"/>
+      </a:fillRef>
+      <a:effectRef idx="0">
+        <a:scrgbClr r="0" g="0" b="0"/>
+      </a:effectRef>
+      <a:fontRef idx="minor">
+        <a:schemeClr val="lt1"/>
+      </a:fontRef>
+    </dgm:style>
+  </dgm:styleLbl>
+  <dgm:styleLbl name="parChTrans2D4">
+    <dgm:scene3d>
+      <a:camera prst="orthographicFront"/>
+      <a:lightRig rig="threePt" dir="t"/>
+    </dgm:scene3d>
+    <dgm:sp3d/>
+    <dgm:txPr/>
+    <dgm:style>
+      <a:lnRef idx="2">
+        <a:scrgbClr r="0" g="0" b="0"/>
+      </a:lnRef>
+      <a:fillRef idx="1">
+        <a:scrgbClr r="0" g="0" b="0"/>
+      </a:fillRef>
+      <a:effectRef idx="0">
+        <a:scrgbClr r="0" g="0" b="0"/>
+      </a:effectRef>
+      <a:fontRef idx="minor">
+        <a:schemeClr val="lt1"/>
+      </a:fontRef>
+    </dgm:style>
+  </dgm:styleLbl>
+  <dgm:styleLbl name="parChTrans1D1">
+    <dgm:scene3d>
+      <a:camera prst="orthographicFront"/>
+      <a:lightRig rig="threePt" dir="t"/>
+    </dgm:scene3d>
+    <dgm:sp3d/>
+    <dgm:txPr/>
+    <dgm:style>
+      <a:lnRef idx="2">
+        <a:scrgbClr r="0" g="0" b="0"/>
+      </a:lnRef>
+      <a:fillRef idx="0">
+        <a:scrgbClr r="0" g="0" b="0"/>
+      </a:fillRef>
+      <a:effectRef idx="0">
+        <a:scrgbClr r="0" g="0" b="0"/>
+      </a:effectRef>
+      <a:fontRef idx="minor"/>
+    </dgm:style>
+  </dgm:styleLbl>
+  <dgm:styleLbl name="parChTrans1D2">
+    <dgm:scene3d>
+      <a:camera prst="orthographicFront"/>
+      <a:lightRig rig="threePt" dir="t"/>
+    </dgm:scene3d>
+    <dgm:sp3d/>
+    <dgm:txPr/>
+    <dgm:style>
+      <a:lnRef idx="2">
+        <a:scrgbClr r="0" g="0" b="0"/>
+      </a:lnRef>
+      <a:fillRef idx="0">
+        <a:scrgbClr r="0" g="0" b="0"/>
+      </a:fillRef>
+      <a:effectRef idx="0">
+        <a:scrgbClr r="0" g="0" b="0"/>
+      </a:effectRef>
+      <a:fontRef idx="minor"/>
+    </dgm:style>
+  </dgm:styleLbl>
+  <dgm:styleLbl name="parChTrans1D3">
+    <dgm:scene3d>
+      <a:camera prst="orthographicFront"/>
+      <a:lightRig rig="threePt" dir="t"/>
+    </dgm:scene3d>
+    <dgm:sp3d/>
+    <dgm:txPr/>
+    <dgm:style>
+      <a:lnRef idx="2">
+        <a:scrgbClr r="0" g="0" b="0"/>
+      </a:lnRef>
+      <a:fillRef idx="0">
+        <a:scrgbClr r="0" g="0" b="0"/>
+      </a:fillRef>
+      <a:effectRef idx="0">
+        <a:scrgbClr r="0" g="0" b="0"/>
+      </a:effectRef>
+      <a:fontRef idx="minor"/>
+    </dgm:style>
+  </dgm:styleLbl>
+  <dgm:styleLbl name="parChTrans1D4">
+    <dgm:scene3d>
+      <a:camera prst="orthographicFront"/>
+      <a:lightRig rig="threePt" dir="t"/>
+    </dgm:scene3d>
+    <dgm:sp3d/>
+    <dgm:txPr/>
+    <dgm:style>
+      <a:lnRef idx="2">
+        <a:scrgbClr r="0" g="0" b="0"/>
+      </a:lnRef>
+      <a:fillRef idx="0">
+        <a:scrgbClr r="0" g="0" b="0"/>
+      </a:fillRef>
+      <a:effectRef idx="0">
+        <a:scrgbClr r="0" g="0" b="0"/>
+      </a:effectRef>
+      <a:fontRef idx="minor"/>
+    </dgm:style>
+  </dgm:styleLbl>
+  <dgm:styleLbl name="fgAcc1">
+    <dgm:scene3d>
+      <a:camera prst="orthographicFront"/>
+      <a:lightRig rig="threePt" dir="t"/>
+    </dgm:scene3d>
+    <dgm:sp3d/>
+    <dgm:txPr/>
+    <dgm:style>
+      <a:lnRef idx="2">
+        <a:scrgbClr r="0" g="0" b="0"/>
+      </a:lnRef>
+      <a:fillRef idx="1">
+        <a:scrgbClr r="0" g="0" b="0"/>
+      </a:fillRef>
+      <a:effectRef idx="0">
+        <a:scrgbClr r="0" g="0" b="0"/>
+      </a:effectRef>
+      <a:fontRef idx="minor"/>
+    </dgm:style>
+  </dgm:styleLbl>
+  <dgm:styleLbl name="conFgAcc1">
+    <dgm:scene3d>
+      <a:camera prst="orthographicFront"/>
+      <a:lightRig rig="threePt" dir="t"/>
+    </dgm:scene3d>
+    <dgm:sp3d/>
+    <dgm:txPr/>
+    <dgm:style>
+      <a:lnRef idx="2">
+        <a:scrgbClr r="0" g="0" b="0"/>
+      </a:lnRef>
+      <a:fillRef idx="1">
+        <a:scrgbClr r="0" g="0" b="0"/>
+      </a:fillRef>
+      <a:effectRef idx="0">
+        <a:scrgbClr r="0" g="0" b="0"/>
+      </a:effectRef>
+      <a:fontRef idx="minor"/>
+    </dgm:style>
+  </dgm:styleLbl>
+  <dgm:styleLbl name="alignAcc1">
+    <dgm:scene3d>
+      <a:camera prst="orthographicFront"/>
+      <a:lightRig rig="threePt" dir="t"/>
+    </dgm:scene3d>
+    <dgm:sp3d/>
+    <dgm:txPr/>
+    <dgm:style>
+      <a:lnRef idx="2">
+        <a:scrgbClr r="0" g="0" b="0"/>
+      </a:lnRef>
+      <a:fillRef idx="1">
+        <a:scrgbClr r="0" g="0" b="0"/>
+      </a:fillRef>
+      <a:effectRef idx="0">
+        <a:scrgbClr r="0" g="0" b="0"/>
+      </a:effectRef>
+      <a:fontRef idx="minor"/>
+    </dgm:style>
+  </dgm:styleLbl>
+  <dgm:styleLbl name="trAlignAcc1">
+    <dgm:scene3d>
+      <a:camera prst="orthographicFront"/>
+      <a:lightRig rig="threePt" dir="t"/>
+    </dgm:scene3d>
+    <dgm:sp3d/>
+    <dgm:txPr/>
+    <dgm:style>
+      <a:lnRef idx="1">
+        <a:scrgbClr r="0" g="0" b="0"/>
+      </a:lnRef>
+      <a:fillRef idx="1">
+        <a:scrgbClr r="0" g="0" b="0"/>
+      </a:fillRef>
+      <a:effectRef idx="0">
+        <a:scrgbClr r="0" g="0" b="0"/>
+      </a:effectRef>
+      <a:fontRef idx="minor"/>
+    </dgm:style>
+  </dgm:styleLbl>
+  <dgm:styleLbl name="bgAcc1">
+    <dgm:scene3d>
+      <a:camera prst="orthographicFront"/>
+      <a:lightRig rig="threePt" dir="t"/>
+    </dgm:scene3d>
+    <dgm:sp3d/>
+    <dgm:txPr/>
+    <dgm:style>
+      <a:lnRef idx="2">
+        <a:scrgbClr r="0" g="0" b="0"/>
+      </a:lnRef>
+      <a:fillRef idx="1">
+        <a:scrgbClr r="0" g="0" b="0"/>
+      </a:fillRef>
+      <a:effectRef idx="0">
+        <a:scrgbClr r="0" g="0" b="0"/>
+      </a:effectRef>
+      <a:fontRef idx="minor"/>
+    </dgm:style>
+  </dgm:styleLbl>
+  <dgm:styleLbl name="solidFgAcc1">
+    <dgm:scene3d>
+      <a:camera prst="orthographicFront"/>
+      <a:lightRig rig="threePt" dir="t"/>
+    </dgm:scene3d>
+    <dgm:sp3d/>
+    <dgm:txPr/>
+    <dgm:style>
+      <a:lnRef idx="2">
+        <a:scrgbClr r="0" g="0" b="0"/>
+      </a:lnRef>
+      <a:fillRef idx="1">
+        <a:scrgbClr r="0" g="0" b="0"/>
+      </a:fillRef>
+      <a:effectRef idx="0">
+        <a:scrgbClr r="0" g="0" b="0"/>
+      </a:effectRef>
+      <a:fontRef idx="minor"/>
+    </dgm:style>
+  </dgm:styleLbl>
+  <dgm:styleLbl name="solidAlignAcc1">
+    <dgm:scene3d>
+      <a:camera prst="orthographicFront"/>
+      <a:lightRig rig="threePt" dir="t"/>
+    </dgm:scene3d>
+    <dgm:sp3d/>
+    <dgm:txPr/>
+    <dgm:style>
+      <a:lnRef idx="2">
+        <a:scrgbClr r="0" g="0" b="0"/>
+      </a:lnRef>
+      <a:fillRef idx="1">
+        <a:scrgbClr r="0" g="0" b="0"/>
+      </a:fillRef>
+      <a:effectRef idx="0">
+        <a:scrgbClr r="0" g="0" b="0"/>
+      </a:effectRef>
+      <a:fontRef idx="minor"/>
+    </dgm:style>
+  </dgm:styleLbl>
+  <dgm:styleLbl name="solidBgAcc1">
+    <dgm:scene3d>
+      <a:camera prst="orthographicFront"/>
+      <a:lightRig rig="threePt" dir="t"/>
+    </dgm:scene3d>
+    <dgm:sp3d/>
+    <dgm:txPr/>
+    <dgm:style>
+      <a:lnRef idx="2">
+        <a:scrgbClr r="0" g="0" b="0"/>
+      </a:lnRef>
+      <a:fillRef idx="1">
+        <a:scrgbClr r="0" g="0" b="0"/>
+      </a:fillRef>
+      <a:effectRef idx="0">
+        <a:scrgbClr r="0" g="0" b="0"/>
+      </a:effectRef>
+      <a:fontRef idx="minor"/>
+    </dgm:style>
+  </dgm:styleLbl>
+  <dgm:styleLbl name="fgAccFollowNode1">
+    <dgm:scene3d>
+      <a:camera prst="orthographicFront"/>
+      <a:lightRig rig="threePt" dir="t"/>
+    </dgm:scene3d>
+    <dgm:sp3d/>
+    <dgm:txPr/>
+    <dgm:style>
+      <a:lnRef idx="2">
+        <a:scrgbClr r="0" g="0" b="0"/>
+      </a:lnRef>
+      <a:fillRef idx="1">
+        <a:scrgbClr r="0" g="0" b="0"/>
+      </a:fillRef>
+      <a:effectRef idx="0">
+        <a:scrgbClr r="0" g="0" b="0"/>
+      </a:effectRef>
+      <a:fontRef idx="minor"/>
+    </dgm:style>
+  </dgm:styleLbl>
+  <dgm:styleLbl name="alignAccFollowNode1">
+    <dgm:scene3d>
+      <a:camera prst="orthographicFront"/>
+      <a:lightRig rig="threePt" dir="t"/>
+    </dgm:scene3d>
+    <dgm:sp3d/>
+    <dgm:txPr/>
+    <dgm:style>
+      <a:lnRef idx="2">
+        <a:scrgbClr r="0" g="0" b="0"/>
+      </a:lnRef>
+      <a:fillRef idx="1">
+        <a:scrgbClr r="0" g="0" b="0"/>
+      </a:fillRef>
+      <a:effectRef idx="0">
+        <a:scrgbClr r="0" g="0" b="0"/>
+      </a:effectRef>
+      <a:fontRef idx="minor"/>
+    </dgm:style>
+  </dgm:styleLbl>
+  <dgm:styleLbl name="bgAccFollowNode1">
+    <dgm:scene3d>
+      <a:camera prst="orthographicFront"/>
+      <a:lightRig rig="threePt" dir="t"/>
+    </dgm:scene3d>
+    <dgm:sp3d/>
+    <dgm:txPr/>
+    <dgm:style>
+      <a:lnRef idx="2">
+        <a:scrgbClr r="0" g="0" b="0"/>
+      </a:lnRef>
+      <a:fillRef idx="1">
+        <a:scrgbClr r="0" g="0" b="0"/>
+      </a:fillRef>
+      <a:effectRef idx="0">
+        <a:scrgbClr r="0" g="0" b="0"/>
+      </a:effectRef>
+      <a:fontRef idx="minor"/>
+    </dgm:style>
+  </dgm:styleLbl>
+  <dgm:styleLbl name="fgAcc0">
+    <dgm:scene3d>
+      <a:camera prst="orthographicFront"/>
+      <a:lightRig rig="threePt" dir="t"/>
+    </dgm:scene3d>
+    <dgm:sp3d/>
+    <dgm:txPr/>
+    <dgm:style>
+      <a:lnRef idx="2">
+        <a:scrgbClr r="0" g="0" b="0"/>
+      </a:lnRef>
+      <a:fillRef idx="1">
+        <a:scrgbClr r="0" g="0" b="0"/>
+      </a:fillRef>
+      <a:effectRef idx="0">
+        <a:scrgbClr r="0" g="0" b="0"/>
+      </a:effectRef>
+      <a:fontRef idx="minor"/>
+    </dgm:style>
+  </dgm:styleLbl>
+  <dgm:styleLbl name="fgAcc2">
+    <dgm:scene3d>
+      <a:camera prst="orthographicFront"/>
+      <a:lightRig rig="threePt" dir="t"/>
+    </dgm:scene3d>
+    <dgm:sp3d/>
+    <dgm:txPr/>
+    <dgm:style>
+      <a:lnRef idx="2">
+        <a:scrgbClr r="0" g="0" b="0"/>
+      </a:lnRef>
+      <a:fillRef idx="1">
+        <a:scrgbClr r="0" g="0" b="0"/>
+      </a:fillRef>
+      <a:effectRef idx="0">
+        <a:scrgbClr r="0" g="0" b="0"/>
+      </a:effectRef>
+      <a:fontRef idx="minor"/>
+    </dgm:style>
+  </dgm:styleLbl>
+  <dgm:styleLbl name="fgAcc3">
+    <dgm:scene3d>
+      <a:camera prst="orthographicFront"/>
+      <a:lightRig rig="threePt" dir="t"/>
+    </dgm:scene3d>
+    <dgm:sp3d/>
+    <dgm:txPr/>
+    <dgm:style>
+      <a:lnRef idx="2">
+        <a:scrgbClr r="0" g="0" b="0"/>
+      </a:lnRef>
+      <a:fillRef idx="1">
+        <a:scrgbClr r="0" g="0" b="0"/>
+      </a:fillRef>
+      <a:effectRef idx="0">
+        <a:scrgbClr r="0" g="0" b="0"/>
+      </a:effectRef>
+      <a:fontRef idx="minor"/>
+    </dgm:style>
+  </dgm:styleLbl>
+  <dgm:styleLbl name="fgAcc4">
+    <dgm:scene3d>
+      <a:camera prst="orthographicFront"/>
+      <a:lightRig rig="threePt" dir="t"/>
+    </dgm:scene3d>
+    <dgm:sp3d/>
+    <dgm:txPr/>
+    <dgm:style>
+      <a:lnRef idx="2">
+        <a:scrgbClr r="0" g="0" b="0"/>
+      </a:lnRef>
+      <a:fillRef idx="1">
+        <a:scrgbClr r="0" g="0" b="0"/>
+      </a:fillRef>
+      <a:effectRef idx="0">
+        <a:scrgbClr r="0" g="0" b="0"/>
+      </a:effectRef>
+      <a:fontRef idx="minor"/>
+    </dgm:style>
+  </dgm:styleLbl>
+  <dgm:styleLbl name="bgShp">
+    <dgm:scene3d>
+      <a:camera prst="orthographicFront"/>
+      <a:lightRig rig="threePt" dir="t"/>
+    </dgm:scene3d>
+    <dgm:sp3d/>
+    <dgm:txPr/>
+    <dgm:style>
+      <a:lnRef idx="0">
+        <a:scrgbClr r="0" g="0" b="0"/>
+      </a:lnRef>
+      <a:fillRef idx="1">
+        <a:scrgbClr r="0" g="0" b="0"/>
+      </a:fillRef>
+      <a:effectRef idx="0">
+        <a:scrgbClr r="0" g="0" b="0"/>
+      </a:effectRef>
+      <a:fontRef idx="minor"/>
+    </dgm:style>
+  </dgm:styleLbl>
+  <dgm:styleLbl name="dkBgShp">
+    <dgm:scene3d>
+      <a:camera prst="orthographicFront"/>
+      <a:lightRig rig="threePt" dir="t"/>
+    </dgm:scene3d>
+    <dgm:sp3d/>
+    <dgm:txPr/>
+    <dgm:style>
+      <a:lnRef idx="0">
+        <a:scrgbClr r="0" g="0" b="0"/>
+      </a:lnRef>
+      <a:fillRef idx="1">
+        <a:scrgbClr r="0" g="0" b="0"/>
+      </a:fillRef>
+      <a:effectRef idx="0">
+        <a:scrgbClr r="0" g="0" b="0"/>
+      </a:effectRef>
+      <a:fontRef idx="minor"/>
+    </dgm:style>
+  </dgm:styleLbl>
+  <dgm:styleLbl name="trBgShp">
+    <dgm:scene3d>
+      <a:camera prst="orthographicFront"/>
+      <a:lightRig rig="threePt" dir="t"/>
+    </dgm:scene3d>
+    <dgm:sp3d/>
+    <dgm:txPr/>
+    <dgm:style>
+      <a:lnRef idx="0">
+        <a:scrgbClr r="0" g="0" b="0"/>
+      </a:lnRef>
+      <a:fillRef idx="1">
+        <a:scrgbClr r="0" g="0" b="0"/>
+      </a:fillRef>
+      <a:effectRef idx="0">
+        <a:scrgbClr r="0" g="0" b="0"/>
+      </a:effectRef>
+      <a:fontRef idx="minor"/>
+    </dgm:style>
+  </dgm:styleLbl>
+  <dgm:styleLbl name="fgShp">
+    <dgm:scene3d>
+      <a:camera prst="orthographicFront"/>
+      <a:lightRig rig="threePt" dir="t"/>
+    </dgm:scene3d>
+    <dgm:sp3d/>
+    <dgm:txPr/>
+    <dgm:style>
+      <a:lnRef idx="2">
+        <a:scrgbClr r="0" g="0" b="0"/>
+      </a:lnRef>
+      <a:fillRef idx="1">
+        <a:scrgbClr r="0" g="0" b="0"/>
+      </a:fillRef>
+      <a:effectRef idx="0">
+        <a:scrgbClr r="0" g="0" b="0"/>
+      </a:effectRef>
+      <a:fontRef idx="minor"/>
+    </dgm:style>
+  </dgm:styleLbl>
+  <dgm:styleLbl name="revTx">
+    <dgm:scene3d>
+      <a:camera prst="orthographicFront"/>
+      <a:lightRig rig="threePt" dir="t"/>
+    </dgm:scene3d>
+    <dgm:sp3d/>
+    <dgm:txPr/>
+    <dgm:style>
+      <a:lnRef idx="0">
+        <a:scrgbClr r="0" g="0" b="0"/>
+      </a:lnRef>
+      <a:fillRef idx="0">
+        <a:scrgbClr r="0" g="0" b="0"/>
+      </a:fillRef>
+      <a:effectRef idx="0">
+        <a:scrgbClr r="0" g="0" b="0"/>
+      </a:effectRef>
+      <a:fontRef idx="minor"/>
+    </dgm:style>
+  </dgm:styleLbl>
+</dgm:styleDef>
+</file>
+
 <file path=ppt/notesMasters/notesMaster1.xml><?xml version="1.0" encoding="utf-8"?>
 <p:notesMaster xmlns:a="http://schemas.openxmlformats.org/drawingml/2006/main" xmlns:r="http://schemas.openxmlformats.org/officeDocument/2006/relationships" xmlns:p="http://schemas.openxmlformats.org/presentationml/2006/main">
   <p:cSld>
@@ -3355,7 +6767,7 @@
           <a:p>
             <a:fld id="{7403D398-1782-4EF6-BC57-8B1FF256CAAA}" type="datetimeFigureOut">
               <a:rPr lang="he-IL" smtClean="0"/>
-              <a:t>כ"ז/אב/תשע"ז</a:t>
+              <a:t>ג'/אלול/תשע"ז</a:t>
             </a:fld>
             <a:endParaRPr lang="he-IL"/>
           </a:p>
@@ -3848,7 +7260,7 @@
           <a:p>
             <a:fld id="{C6430DBB-9FD5-43E7-88F1-55A569E9525E}" type="datetimeFigureOut">
               <a:rPr lang="nl-BE" smtClean="0"/>
-              <a:t>19/08/2017</a:t>
+              <a:t>25/08/2017</a:t>
             </a:fld>
             <a:endParaRPr lang="nl-BE"/>
           </a:p>
@@ -4018,7 +7430,7 @@
           <a:p>
             <a:fld id="{C6430DBB-9FD5-43E7-88F1-55A569E9525E}" type="datetimeFigureOut">
               <a:rPr lang="nl-BE" smtClean="0"/>
-              <a:t>19/08/2017</a:t>
+              <a:t>25/08/2017</a:t>
             </a:fld>
             <a:endParaRPr lang="nl-BE"/>
           </a:p>
@@ -4198,7 +7610,7 @@
           <a:p>
             <a:fld id="{C6430DBB-9FD5-43E7-88F1-55A569E9525E}" type="datetimeFigureOut">
               <a:rPr lang="nl-BE" smtClean="0"/>
-              <a:t>19/08/2017</a:t>
+              <a:t>25/08/2017</a:t>
             </a:fld>
             <a:endParaRPr lang="nl-BE"/>
           </a:p>
@@ -4559,7 +7971,7 @@
           <a:p>
             <a:fld id="{C6430DBB-9FD5-43E7-88F1-55A569E9525E}" type="datetimeFigureOut">
               <a:rPr lang="nl-BE" smtClean="0"/>
-              <a:t>19/08/2017</a:t>
+              <a:t>25/08/2017</a:t>
             </a:fld>
             <a:endParaRPr lang="nl-BE"/>
           </a:p>
@@ -11300,7 +14712,7 @@
           <a:p>
             <a:fld id="{C6430DBB-9FD5-43E7-88F1-55A569E9525E}" type="datetimeFigureOut">
               <a:rPr lang="nl-BE" smtClean="0"/>
-              <a:t>19/08/2017</a:t>
+              <a:t>25/08/2017</a:t>
             </a:fld>
             <a:endParaRPr lang="nl-BE"/>
           </a:p>
@@ -11507,7 +14919,7 @@
           <a:p>
             <a:fld id="{C6430DBB-9FD5-43E7-88F1-55A569E9525E}" type="datetimeFigureOut">
               <a:rPr lang="nl-BE" smtClean="0"/>
-              <a:t>19/08/2017</a:t>
+              <a:t>25/08/2017</a:t>
             </a:fld>
             <a:endParaRPr lang="nl-BE"/>
           </a:p>
@@ -18245,7 +21657,7 @@
           <a:p>
             <a:fld id="{C6430DBB-9FD5-43E7-88F1-55A569E9525E}" type="datetimeFigureOut">
               <a:rPr lang="nl-BE" smtClean="0"/>
-              <a:t>19/08/2017</a:t>
+              <a:t>25/08/2017</a:t>
             </a:fld>
             <a:endParaRPr lang="nl-BE"/>
           </a:p>
@@ -18519,7 +21931,7 @@
           <a:p>
             <a:fld id="{C6430DBB-9FD5-43E7-88F1-55A569E9525E}" type="datetimeFigureOut">
               <a:rPr lang="nl-BE" smtClean="0"/>
-              <a:t>19/08/2017</a:t>
+              <a:t>25/08/2017</a:t>
             </a:fld>
             <a:endParaRPr lang="nl-BE"/>
           </a:p>
@@ -18922,7 +22334,7 @@
           <a:p>
             <a:fld id="{C6430DBB-9FD5-43E7-88F1-55A569E9525E}" type="datetimeFigureOut">
               <a:rPr lang="nl-BE" smtClean="0"/>
-              <a:t>19/08/2017</a:t>
+              <a:t>25/08/2017</a:t>
             </a:fld>
             <a:endParaRPr lang="nl-BE"/>
           </a:p>
@@ -19040,7 +22452,7 @@
           <a:p>
             <a:fld id="{C6430DBB-9FD5-43E7-88F1-55A569E9525E}" type="datetimeFigureOut">
               <a:rPr lang="nl-BE" smtClean="0"/>
-              <a:t>19/08/2017</a:t>
+              <a:t>25/08/2017</a:t>
             </a:fld>
             <a:endParaRPr lang="nl-BE"/>
           </a:p>
@@ -19149,7 +22561,7 @@
           <a:p>
             <a:fld id="{C6430DBB-9FD5-43E7-88F1-55A569E9525E}" type="datetimeFigureOut">
               <a:rPr lang="nl-BE" smtClean="0"/>
-              <a:t>19/08/2017</a:t>
+              <a:t>25/08/2017</a:t>
             </a:fld>
             <a:endParaRPr lang="nl-BE"/>
           </a:p>
@@ -19319,7 +22731,7 @@
           <a:p>
             <a:fld id="{C6430DBB-9FD5-43E7-88F1-55A569E9525E}" type="datetimeFigureOut">
               <a:rPr lang="nl-BE" smtClean="0"/>
-              <a:t>19/08/2017</a:t>
+              <a:t>25/08/2017</a:t>
             </a:fld>
             <a:endParaRPr lang="nl-BE"/>
           </a:p>
@@ -19611,7 +23023,7 @@
           <a:p>
             <a:fld id="{C6430DBB-9FD5-43E7-88F1-55A569E9525E}" type="datetimeFigureOut">
               <a:rPr lang="nl-BE" smtClean="0"/>
-              <a:t>19/08/2017</a:t>
+              <a:t>25/08/2017</a:t>
             </a:fld>
             <a:endParaRPr lang="nl-BE"/>
           </a:p>
@@ -19891,7 +23303,7 @@
           <a:p>
             <a:fld id="{C6430DBB-9FD5-43E7-88F1-55A569E9525E}" type="datetimeFigureOut">
               <a:rPr lang="nl-BE" smtClean="0"/>
-              <a:t>19/08/2017</a:t>
+              <a:t>25/08/2017</a:t>
             </a:fld>
             <a:endParaRPr lang="nl-BE"/>
           </a:p>
@@ -20096,7 +23508,7 @@
           <a:p>
             <a:fld id="{C6430DBB-9FD5-43E7-88F1-55A569E9525E}" type="datetimeFigureOut">
               <a:rPr lang="nl-BE" smtClean="0"/>
-              <a:t>19/08/2017</a:t>
+              <a:t>25/08/2017</a:t>
             </a:fld>
             <a:endParaRPr lang="nl-BE"/>
           </a:p>
@@ -20276,7 +23688,7 @@
           <a:p>
             <a:fld id="{C6430DBB-9FD5-43E7-88F1-55A569E9525E}" type="datetimeFigureOut">
               <a:rPr lang="nl-BE" smtClean="0"/>
-              <a:t>19/08/2017</a:t>
+              <a:t>25/08/2017</a:t>
             </a:fld>
             <a:endParaRPr lang="nl-BE"/>
           </a:p>
@@ -20440,7 +23852,7 @@
           <a:p>
             <a:fld id="{C6430DBB-9FD5-43E7-88F1-55A569E9525E}" type="datetimeFigureOut">
               <a:rPr lang="nl-BE" smtClean="0"/>
-              <a:t>19/08/2017</a:t>
+              <a:t>25/08/2017</a:t>
             </a:fld>
             <a:endParaRPr lang="nl-BE"/>
           </a:p>
@@ -20703,7 +24115,7 @@
           <a:p>
             <a:fld id="{C6430DBB-9FD5-43E7-88F1-55A569E9525E}" type="datetimeFigureOut">
               <a:rPr lang="nl-BE" smtClean="0"/>
-              <a:t>19/08/2017</a:t>
+              <a:t>25/08/2017</a:t>
             </a:fld>
             <a:endParaRPr lang="nl-BE"/>
           </a:p>
@@ -20935,7 +24347,7 @@
           <a:p>
             <a:fld id="{C6430DBB-9FD5-43E7-88F1-55A569E9525E}" type="datetimeFigureOut">
               <a:rPr lang="nl-BE" smtClean="0"/>
-              <a:t>19/08/2017</a:t>
+              <a:t>25/08/2017</a:t>
             </a:fld>
             <a:endParaRPr lang="nl-BE"/>
           </a:p>
@@ -21282,7 +24694,7 @@
           <a:p>
             <a:fld id="{C6430DBB-9FD5-43E7-88F1-55A569E9525E}" type="datetimeFigureOut">
               <a:rPr lang="nl-BE" smtClean="0"/>
-              <a:t>19/08/2017</a:t>
+              <a:t>25/08/2017</a:t>
             </a:fld>
             <a:endParaRPr lang="nl-BE"/>
           </a:p>
@@ -21400,7 +24812,7 @@
           <a:p>
             <a:fld id="{C6430DBB-9FD5-43E7-88F1-55A569E9525E}" type="datetimeFigureOut">
               <a:rPr lang="nl-BE" smtClean="0"/>
-              <a:t>19/08/2017</a:t>
+              <a:t>25/08/2017</a:t>
             </a:fld>
             <a:endParaRPr lang="nl-BE"/>
           </a:p>
@@ -21518,7 +24930,7 @@
           <a:p>
             <a:fld id="{C6430DBB-9FD5-43E7-88F1-55A569E9525E}" type="datetimeFigureOut">
               <a:rPr lang="nl-BE" smtClean="0"/>
-              <a:t>19/08/2017</a:t>
+              <a:t>25/08/2017</a:t>
             </a:fld>
             <a:endParaRPr lang="nl-BE"/>
           </a:p>
@@ -21802,7 +25214,7 @@
           <a:p>
             <a:fld id="{C6430DBB-9FD5-43E7-88F1-55A569E9525E}" type="datetimeFigureOut">
               <a:rPr lang="nl-BE" smtClean="0"/>
-              <a:t>19/08/2017</a:t>
+              <a:t>25/08/2017</a:t>
             </a:fld>
             <a:endParaRPr lang="nl-BE"/>
           </a:p>
@@ -22066,7 +25478,7 @@
           <a:p>
             <a:fld id="{C6430DBB-9FD5-43E7-88F1-55A569E9525E}" type="datetimeFigureOut">
               <a:rPr lang="nl-BE" smtClean="0"/>
-              <a:t>19/08/2017</a:t>
+              <a:t>25/08/2017</a:t>
             </a:fld>
             <a:endParaRPr lang="nl-BE"/>
           </a:p>
@@ -22289,7 +25701,7 @@
           <a:p>
             <a:fld id="{C6430DBB-9FD5-43E7-88F1-55A569E9525E}" type="datetimeFigureOut">
               <a:rPr lang="nl-BE" smtClean="0"/>
-              <a:t>19/08/2017</a:t>
+              <a:t>25/08/2017</a:t>
             </a:fld>
             <a:endParaRPr lang="nl-BE"/>
           </a:p>
@@ -22830,7 +26242,7 @@
           <a:p>
             <a:fld id="{C6430DBB-9FD5-43E7-88F1-55A569E9525E}" type="datetimeFigureOut">
               <a:rPr lang="nl-BE" smtClean="0"/>
-              <a:t>19/08/2017</a:t>
+              <a:t>25/08/2017</a:t>
             </a:fld>
             <a:endParaRPr lang="nl-BE"/>
           </a:p>
@@ -23722,7 +27134,7 @@
         </p:nvSpPr>
         <p:spPr>
           <a:xfrm>
-            <a:off x="4944818" y="170069"/>
+            <a:off x="4711248" y="2098079"/>
             <a:ext cx="3274623" cy="923330"/>
           </a:xfrm>
           <a:prstGeom prst="rect">
@@ -23967,6 +27379,149 @@
     <p:extLst>
       <p:ext uri="{BB962C8B-B14F-4D97-AF65-F5344CB8AC3E}">
         <p14:creationId xmlns:p14="http://schemas.microsoft.com/office/powerpoint/2010/main" val="3078218580"/>
+      </p:ext>
+    </p:extLst>
+  </p:cSld>
+  <p:clrMapOvr>
+    <a:masterClrMapping/>
+  </p:clrMapOvr>
+</p:sld>
+</file>
+
+<file path=ppt/slides/slide11.xml><?xml version="1.0" encoding="utf-8"?>
+<p:sld xmlns:a="http://schemas.openxmlformats.org/drawingml/2006/main" xmlns:r="http://schemas.openxmlformats.org/officeDocument/2006/relationships" xmlns:p="http://schemas.openxmlformats.org/presentationml/2006/main">
+  <p:cSld>
+    <p:spTree>
+      <p:nvGrpSpPr>
+        <p:cNvPr id="1" name=""/>
+        <p:cNvGrpSpPr/>
+        <p:nvPr/>
+      </p:nvGrpSpPr>
+      <p:grpSpPr>
+        <a:xfrm>
+          <a:off x="0" y="0"/>
+          <a:ext cx="0" cy="0"/>
+          <a:chOff x="0" y="0"/>
+          <a:chExt cx="0" cy="0"/>
+        </a:xfrm>
+      </p:grpSpPr>
+      <p:pic>
+        <p:nvPicPr>
+          <p:cNvPr id="6" name="תמונה 5">
+            <a:extLst>
+              <a:ext uri="{FF2B5EF4-FFF2-40B4-BE49-F238E27FC236}">
+                <a16:creationId xmlns:a16="http://schemas.microsoft.com/office/drawing/2014/main" id="{8089C325-43C6-4564-BFC5-6465277345C6}"/>
+              </a:ext>
+            </a:extLst>
+          </p:cNvPr>
+          <p:cNvPicPr>
+            <a:picLocks noChangeAspect="1"/>
+          </p:cNvPicPr>
+          <p:nvPr/>
+        </p:nvPicPr>
+        <p:blipFill>
+          <a:blip r:embed="rId2">
+            <a:extLst>
+              <a:ext uri="{28A0092B-C50C-407E-A947-70E740481C1C}">
+                <a14:useLocalDpi xmlns:a14="http://schemas.microsoft.com/office/drawing/2010/main" val="0"/>
+              </a:ext>
+            </a:extLst>
+          </a:blip>
+          <a:stretch>
+            <a:fillRect/>
+          </a:stretch>
+        </p:blipFill>
+        <p:spPr>
+          <a:xfrm>
+            <a:off x="-81747" y="39942"/>
+            <a:ext cx="2692524" cy="659026"/>
+          </a:xfrm>
+          <a:prstGeom prst="rect">
+            <a:avLst/>
+          </a:prstGeom>
+        </p:spPr>
+      </p:pic>
+      <p:graphicFrame>
+        <p:nvGraphicFramePr>
+          <p:cNvPr id="9" name="דיאגרמה 8">
+            <a:extLst>
+              <a:ext uri="{FF2B5EF4-FFF2-40B4-BE49-F238E27FC236}">
+                <a16:creationId xmlns:a16="http://schemas.microsoft.com/office/drawing/2014/main" id="{44F904DD-5852-4EBA-8AE0-CA41203AC3C6}"/>
+              </a:ext>
+            </a:extLst>
+          </p:cNvPr>
+          <p:cNvGraphicFramePr/>
+          <p:nvPr>
+            <p:extLst>
+              <p:ext uri="{D42A27DB-BD31-4B8C-83A1-F6EECF244321}">
+                <p14:modId xmlns:p14="http://schemas.microsoft.com/office/powerpoint/2010/main" val="1366574821"/>
+              </p:ext>
+            </p:extLst>
+          </p:nvPr>
+        </p:nvGraphicFramePr>
+        <p:xfrm>
+          <a:off x="1524000" y="1397000"/>
+          <a:ext cx="6096000" cy="4064000"/>
+        </p:xfrm>
+        <a:graphic>
+          <a:graphicData uri="http://schemas.openxmlformats.org/drawingml/2006/diagram">
+            <dgm:relIds xmlns:dgm="http://schemas.openxmlformats.org/drawingml/2006/diagram" xmlns:r="http://schemas.openxmlformats.org/officeDocument/2006/relationships" r:dm="rId3" r:lo="rId4" r:qs="rId5" r:cs="rId6"/>
+          </a:graphicData>
+        </a:graphic>
+      </p:graphicFrame>
+      <p:sp>
+        <p:nvSpPr>
+          <p:cNvPr id="3" name="TextBox 2">
+            <a:extLst>
+              <a:ext uri="{FF2B5EF4-FFF2-40B4-BE49-F238E27FC236}">
+                <a16:creationId xmlns:a16="http://schemas.microsoft.com/office/drawing/2014/main" id="{4EB29123-5244-4231-8219-92B2CAF87147}"/>
+              </a:ext>
+            </a:extLst>
+          </p:cNvPr>
+          <p:cNvSpPr txBox="1"/>
+          <p:nvPr/>
+        </p:nvSpPr>
+        <p:spPr>
+          <a:xfrm>
+            <a:off x="2912166" y="223630"/>
+            <a:ext cx="3781838" cy="646331"/>
+          </a:xfrm>
+          <a:prstGeom prst="rect">
+            <a:avLst/>
+          </a:prstGeom>
+        </p:spPr>
+        <p:style>
+          <a:lnRef idx="0">
+            <a:schemeClr val="accent2"/>
+          </a:lnRef>
+          <a:fillRef idx="3">
+            <a:schemeClr val="accent2"/>
+          </a:fillRef>
+          <a:effectRef idx="3">
+            <a:schemeClr val="accent2"/>
+          </a:effectRef>
+          <a:fontRef idx="minor">
+            <a:schemeClr val="lt1"/>
+          </a:fontRef>
+        </p:style>
+        <p:txBody>
+          <a:bodyPr wrap="square" rtlCol="1">
+            <a:spAutoFit/>
+          </a:bodyPr>
+          <a:lstStyle/>
+          <a:p>
+            <a:r>
+              <a:rPr lang="en-US" sz="3600" dirty="0"/>
+              <a:t>SmartArt Diagram</a:t>
+            </a:r>
+            <a:endParaRPr lang="he-IL" sz="3600" dirty="0"/>
+          </a:p>
+        </p:txBody>
+      </p:sp>
+    </p:spTree>
+    <p:extLst>
+      <p:ext uri="{BB962C8B-B14F-4D97-AF65-F5344CB8AC3E}">
+        <p14:creationId xmlns:p14="http://schemas.microsoft.com/office/powerpoint/2010/main" val="2478922967"/>
       </p:ext>
     </p:extLst>
   </p:cSld>
@@ -26238,10 +29793,6 @@
           <a:lstStyle/>
           <a:p>
             <a:pPr algn="ctr"/>
-            <a:r>
-              <a:rPr lang="en-US" dirty="0"/>
-              <a:t>Not supported shape</a:t>
-            </a:r>
             <a:endParaRPr lang="he-IL" dirty="0"/>
           </a:p>
         </p:txBody>
@@ -26328,6 +29879,56 @@
           </a:prstGeom>
         </p:spPr>
       </p:pic>
+      <p:sp>
+        <p:nvSpPr>
+          <p:cNvPr id="12" name="לוחית 11">
+            <a:extLst>
+              <a:ext uri="{FF2B5EF4-FFF2-40B4-BE49-F238E27FC236}">
+                <a16:creationId xmlns:a16="http://schemas.microsoft.com/office/drawing/2014/main" id="{F3E287CF-B68E-4A8F-918E-EA3C0A5FC283}"/>
+              </a:ext>
+            </a:extLst>
+          </p:cNvPr>
+          <p:cNvSpPr/>
+          <p:nvPr/>
+        </p:nvSpPr>
+        <p:spPr>
+          <a:xfrm>
+            <a:off x="521804" y="1446143"/>
+            <a:ext cx="2088973" cy="1933161"/>
+          </a:xfrm>
+          <a:prstGeom prst="plaque">
+            <a:avLst/>
+          </a:prstGeom>
+        </p:spPr>
+        <p:style>
+          <a:lnRef idx="2">
+            <a:schemeClr val="accent1">
+              <a:shade val="50000"/>
+            </a:schemeClr>
+          </a:lnRef>
+          <a:fillRef idx="1">
+            <a:schemeClr val="accent1"/>
+          </a:fillRef>
+          <a:effectRef idx="0">
+            <a:schemeClr val="accent1"/>
+          </a:effectRef>
+          <a:fontRef idx="minor">
+            <a:schemeClr val="lt1"/>
+          </a:fontRef>
+        </p:style>
+        <p:txBody>
+          <a:bodyPr rtlCol="1" anchor="ctr"/>
+          <a:lstStyle/>
+          <a:p>
+            <a:pPr algn="ctr"/>
+            <a:r>
+              <a:rPr lang="en-US"/>
+              <a:t>Not supported shape</a:t>
+            </a:r>
+            <a:endParaRPr lang="he-IL" dirty="0"/>
+          </a:p>
+        </p:txBody>
+      </p:sp>
     </p:spTree>
     <p:extLst>
       <p:ext uri="{BB962C8B-B14F-4D97-AF65-F5344CB8AC3E}">
@@ -27259,7 +30860,9 @@
           <a:blipFill dpi="0" rotWithShape="1">
             <a:blip r:embed="rId5"/>
             <a:srcRect/>
-            <a:tile tx="0" ty="0" sx="100000" sy="100000" flip="none" algn="tl"/>
+            <a:stretch>
+              <a:fillRect/>
+            </a:stretch>
           </a:blipFill>
         </p:spPr>
         <p:style>
@@ -28887,14 +32490,14 @@
           <p:nvPr>
             <p:extLst>
               <p:ext uri="{D42A27DB-BD31-4B8C-83A1-F6EECF244321}">
-                <p14:modId xmlns:p14="http://schemas.microsoft.com/office/powerpoint/2010/main" val="62972574"/>
+                <p14:modId xmlns:p14="http://schemas.microsoft.com/office/powerpoint/2010/main" val="1422021286"/>
               </p:ext>
             </p:extLst>
           </p:nvPr>
         </p:nvGraphicFramePr>
         <p:xfrm>
-          <a:off x="1471061" y="304532"/>
-          <a:ext cx="6096000" cy="4064000"/>
+          <a:off x="1471061" y="1013790"/>
+          <a:ext cx="6096000" cy="3354741"/>
         </p:xfrm>
         <a:graphic>
           <a:graphicData uri="http://schemas.openxmlformats.org/drawingml/2006/chart">
@@ -29017,7 +32620,7 @@
         </p:nvSpPr>
         <p:spPr>
           <a:xfrm rot="1342915">
-            <a:off x="5760720" y="3451726"/>
+            <a:off x="6451489" y="3231917"/>
             <a:ext cx="1299411" cy="1101024"/>
           </a:xfrm>
           <a:prstGeom prst="triangle">

--- a/pptxjs/Sample_12.pptx
+++ b/pptxjs/Sample_12.pptx
@@ -6,7 +6,7 @@
     <p:sldMasterId id="2147484257" r:id="rId2"/>
   </p:sldMasterIdLst>
   <p:notesMasterIdLst>
-    <p:notesMasterId r:id="rId14"/>
+    <p:notesMasterId r:id="rId12"/>
   </p:notesMasterIdLst>
   <p:sldIdLst>
     <p:sldId id="256" r:id="rId3"/>
@@ -17,9 +17,7 @@
     <p:sldId id="260" r:id="rId8"/>
     <p:sldId id="265" r:id="rId9"/>
     <p:sldId id="261" r:id="rId10"/>
-    <p:sldId id="262" r:id="rId11"/>
-    <p:sldId id="263" r:id="rId12"/>
-    <p:sldId id="266" r:id="rId13"/>
+    <p:sldId id="263" r:id="rId11"/>
   </p:sldIdLst>
   <p:sldSz cx="9144000" cy="6858000" type="screen4x3"/>
   <p:notesSz cx="6858000" cy="9144000"/>
@@ -167,7 +165,71 @@
     </mc:Fallback>
   </mc:AlternateContent>
   <c:chart>
-    <c:autoTitleDeleted val="1"/>
+    <c:title>
+      <c:tx>
+        <c:rich>
+          <a:bodyPr rot="0" spcFirstLastPara="1" vertOverflow="ellipsis" vert="horz" wrap="square" anchor="ctr" anchorCtr="1"/>
+          <a:lstStyle/>
+          <a:p>
+            <a:pPr>
+              <a:defRPr sz="1862" b="0" i="0" u="none" strike="noStrike" kern="1200" spc="0" baseline="0">
+                <a:solidFill>
+                  <a:schemeClr val="tx1">
+                    <a:lumMod val="65000"/>
+                    <a:lumOff val="35000"/>
+                  </a:schemeClr>
+                </a:solidFill>
+                <a:latin typeface="+mn-lt"/>
+                <a:ea typeface="+mn-ea"/>
+                <a:cs typeface="+mn-cs"/>
+              </a:defRPr>
+            </a:pPr>
+            <a:r>
+              <a:rPr lang="en-US" dirty="0">
+                <a:solidFill>
+                  <a:srgbClr val="FFFF00"/>
+                </a:solidFill>
+              </a:rPr>
+              <a:t>Chart</a:t>
+            </a:r>
+            <a:endParaRPr lang="he-IL" dirty="0">
+              <a:solidFill>
+                <a:srgbClr val="FFFF00"/>
+              </a:solidFill>
+            </a:endParaRPr>
+          </a:p>
+        </c:rich>
+      </c:tx>
+      <c:overlay val="0"/>
+      <c:spPr>
+        <a:noFill/>
+        <a:ln>
+          <a:noFill/>
+        </a:ln>
+        <a:effectLst/>
+      </c:spPr>
+      <c:txPr>
+        <a:bodyPr rot="0" spcFirstLastPara="1" vertOverflow="ellipsis" vert="horz" wrap="square" anchor="ctr" anchorCtr="1"/>
+        <a:lstStyle/>
+        <a:p>
+          <a:pPr>
+            <a:defRPr sz="1862" b="0" i="0" u="none" strike="noStrike" kern="1200" spc="0" baseline="0">
+              <a:solidFill>
+                <a:schemeClr val="tx1">
+                  <a:lumMod val="65000"/>
+                  <a:lumOff val="35000"/>
+                </a:schemeClr>
+              </a:solidFill>
+              <a:latin typeface="+mn-lt"/>
+              <a:ea typeface="+mn-ea"/>
+              <a:cs typeface="+mn-cs"/>
+            </a:defRPr>
+          </a:pPr>
+          <a:endParaRPr lang="he-IL"/>
+        </a:p>
+      </c:txPr>
+    </c:title>
+    <c:autoTitleDeleted val="0"/>
     <c:plotArea>
       <c:layout/>
       <c:barChart>
@@ -601,22 +663,16 @@
         <a:lstStyle/>
         <a:p>
           <a:pPr>
-            <a:defRPr sz="2128" b="1" i="0" u="none" strike="noStrike" kern="1200" spc="100" baseline="0">
+            <a:defRPr sz="2128" b="1" i="0" u="none" strike="noStrike" kern="1200" spc="0" normalizeH="0" baseline="0">
               <a:solidFill>
-                <a:schemeClr val="lt1">
-                  <a:lumMod val="95000"/>
+                <a:schemeClr val="dk1">
+                  <a:lumMod val="50000"/>
+                  <a:lumOff val="50000"/>
                 </a:schemeClr>
               </a:solidFill>
-              <a:effectLst>
-                <a:outerShdw blurRad="50800" dist="38100" dir="5400000" algn="t" rotWithShape="0">
-                  <a:prstClr val="black">
-                    <a:alpha val="40000"/>
-                  </a:prstClr>
-                </a:outerShdw>
-              </a:effectLst>
-              <a:latin typeface="+mn-lt"/>
-              <a:ea typeface="+mn-ea"/>
-              <a:cs typeface="+mn-cs"/>
+              <a:latin typeface="+mj-lt"/>
+              <a:ea typeface="+mj-ea"/>
+              <a:cs typeface="+mj-cs"/>
             </a:defRPr>
           </a:pPr>
           <a:endParaRPr lang="he-IL"/>
@@ -629,6 +685,7 @@
       <c:rotY val="0"/>
       <c:depthPercent val="100"/>
       <c:rAngAx val="0"/>
+      <c:perspective val="50"/>
     </c:view3D>
     <c:floor>
       <c:thickness val="0"/>
@@ -685,60 +742,35 @@
             <c:idx val="0"/>
             <c:bubble3D val="0"/>
             <c:spPr>
-              <a:gradFill rotWithShape="1">
+              <a:gradFill>
                 <a:gsLst>
-                  <a:gs pos="0">
+                  <a:gs pos="100000">
                     <a:schemeClr val="accent1">
-                      <a:tint val="100000"/>
-                      <a:shade val="85000"/>
-                      <a:satMod val="100000"/>
-                      <a:lumMod val="100000"/>
+                      <a:lumMod val="60000"/>
+                      <a:lumOff val="40000"/>
                     </a:schemeClr>
                   </a:gs>
-                  <a:gs pos="100000">
-                    <a:schemeClr val="accent1">
-                      <a:tint val="90000"/>
-                      <a:shade val="100000"/>
-                      <a:satMod val="150000"/>
-                      <a:lumMod val="100000"/>
-                    </a:schemeClr>
+                  <a:gs pos="0">
+                    <a:schemeClr val="accent1"/>
                   </a:gs>
                 </a:gsLst>
-                <a:path path="circle">
-                  <a:fillToRect l="100000" t="100000" r="100000" b="100000"/>
-                </a:path>
+                <a:lin ang="5400000" scaled="0"/>
               </a:gradFill>
-              <a:ln>
-                <a:noFill/>
+              <a:ln w="50800">
+                <a:solidFill>
+                  <a:schemeClr val="lt1"/>
+                </a:solidFill>
               </a:ln>
-              <a:effectLst>
-                <a:outerShdw blurRad="76200" dist="25400" dir="5400000" algn="ctr" rotWithShape="0">
-                  <a:srgbClr val="000000">
-                    <a:alpha val="60000"/>
-                  </a:srgbClr>
-                </a:outerShdw>
-              </a:effectLst>
-              <a:scene3d>
-                <a:camera prst="orthographicFront">
-                  <a:rot lat="0" lon="0" rev="0"/>
-                </a:camera>
-                <a:lightRig rig="flat" dir="t">
-                  <a:rot lat="0" lon="0" rev="3600000"/>
-                </a:lightRig>
-              </a:scene3d>
-              <a:sp3d prstMaterial="flat">
-                <a:bevelT w="38100" h="44450" prst="angle"/>
+              <a:effectLst/>
+              <a:sp3d contourW="50800">
                 <a:contourClr>
-                  <a:scrgbClr r="0" g="0" b="0">
-                    <a:shade val="35000"/>
-                    <a:satMod val="160000"/>
-                  </a:scrgbClr>
+                  <a:schemeClr val="lt1"/>
                 </a:contourClr>
               </a:sp3d>
             </c:spPr>
             <c:extLst>
               <c:ext xmlns:c16="http://schemas.microsoft.com/office/drawing/2014/chart" uri="{C3380CC4-5D6E-409C-BE32-E72D297353CC}">
-                <c16:uniqueId val="{00000001-47B9-464D-912F-BA408810DB5E}"/>
+                <c16:uniqueId val="{00000001-0792-4085-A8D3-BC7A12B52AE7}"/>
               </c:ext>
             </c:extLst>
           </c:dPt>
@@ -746,60 +778,35 @@
             <c:idx val="1"/>
             <c:bubble3D val="0"/>
             <c:spPr>
-              <a:gradFill rotWithShape="1">
+              <a:gradFill>
                 <a:gsLst>
-                  <a:gs pos="0">
+                  <a:gs pos="100000">
                     <a:schemeClr val="accent2">
-                      <a:tint val="100000"/>
-                      <a:shade val="85000"/>
-                      <a:satMod val="100000"/>
-                      <a:lumMod val="100000"/>
+                      <a:lumMod val="60000"/>
+                      <a:lumOff val="40000"/>
                     </a:schemeClr>
                   </a:gs>
-                  <a:gs pos="100000">
-                    <a:schemeClr val="accent2">
-                      <a:tint val="90000"/>
-                      <a:shade val="100000"/>
-                      <a:satMod val="150000"/>
-                      <a:lumMod val="100000"/>
-                    </a:schemeClr>
+                  <a:gs pos="0">
+                    <a:schemeClr val="accent2"/>
                   </a:gs>
                 </a:gsLst>
-                <a:path path="circle">
-                  <a:fillToRect l="100000" t="100000" r="100000" b="100000"/>
-                </a:path>
+                <a:lin ang="5400000" scaled="0"/>
               </a:gradFill>
-              <a:ln>
-                <a:noFill/>
+              <a:ln w="50800">
+                <a:solidFill>
+                  <a:schemeClr val="lt1"/>
+                </a:solidFill>
               </a:ln>
-              <a:effectLst>
-                <a:outerShdw blurRad="76200" dist="25400" dir="5400000" algn="ctr" rotWithShape="0">
-                  <a:srgbClr val="000000">
-                    <a:alpha val="60000"/>
-                  </a:srgbClr>
-                </a:outerShdw>
-              </a:effectLst>
-              <a:scene3d>
-                <a:camera prst="orthographicFront">
-                  <a:rot lat="0" lon="0" rev="0"/>
-                </a:camera>
-                <a:lightRig rig="flat" dir="t">
-                  <a:rot lat="0" lon="0" rev="3600000"/>
-                </a:lightRig>
-              </a:scene3d>
-              <a:sp3d prstMaterial="flat">
-                <a:bevelT w="38100" h="44450" prst="angle"/>
+              <a:effectLst/>
+              <a:sp3d contourW="50800">
                 <a:contourClr>
-                  <a:scrgbClr r="0" g="0" b="0">
-                    <a:shade val="35000"/>
-                    <a:satMod val="160000"/>
-                  </a:scrgbClr>
+                  <a:schemeClr val="lt1"/>
                 </a:contourClr>
               </a:sp3d>
             </c:spPr>
             <c:extLst>
               <c:ext xmlns:c16="http://schemas.microsoft.com/office/drawing/2014/chart" uri="{C3380CC4-5D6E-409C-BE32-E72D297353CC}">
-                <c16:uniqueId val="{00000003-47B9-464D-912F-BA408810DB5E}"/>
+                <c16:uniqueId val="{00000003-0792-4085-A8D3-BC7A12B52AE7}"/>
               </c:ext>
             </c:extLst>
           </c:dPt>
@@ -807,60 +814,35 @@
             <c:idx val="2"/>
             <c:bubble3D val="0"/>
             <c:spPr>
-              <a:gradFill rotWithShape="1">
+              <a:gradFill>
                 <a:gsLst>
-                  <a:gs pos="0">
+                  <a:gs pos="100000">
                     <a:schemeClr val="accent3">
-                      <a:tint val="100000"/>
-                      <a:shade val="85000"/>
-                      <a:satMod val="100000"/>
-                      <a:lumMod val="100000"/>
+                      <a:lumMod val="60000"/>
+                      <a:lumOff val="40000"/>
                     </a:schemeClr>
                   </a:gs>
-                  <a:gs pos="100000">
-                    <a:schemeClr val="accent3">
-                      <a:tint val="90000"/>
-                      <a:shade val="100000"/>
-                      <a:satMod val="150000"/>
-                      <a:lumMod val="100000"/>
-                    </a:schemeClr>
+                  <a:gs pos="0">
+                    <a:schemeClr val="accent3"/>
                   </a:gs>
                 </a:gsLst>
-                <a:path path="circle">
-                  <a:fillToRect l="100000" t="100000" r="100000" b="100000"/>
-                </a:path>
+                <a:lin ang="5400000" scaled="0"/>
               </a:gradFill>
-              <a:ln>
-                <a:noFill/>
+              <a:ln w="50800">
+                <a:solidFill>
+                  <a:schemeClr val="lt1"/>
+                </a:solidFill>
               </a:ln>
-              <a:effectLst>
-                <a:outerShdw blurRad="76200" dist="25400" dir="5400000" algn="ctr" rotWithShape="0">
-                  <a:srgbClr val="000000">
-                    <a:alpha val="60000"/>
-                  </a:srgbClr>
-                </a:outerShdw>
-              </a:effectLst>
-              <a:scene3d>
-                <a:camera prst="orthographicFront">
-                  <a:rot lat="0" lon="0" rev="0"/>
-                </a:camera>
-                <a:lightRig rig="flat" dir="t">
-                  <a:rot lat="0" lon="0" rev="3600000"/>
-                </a:lightRig>
-              </a:scene3d>
-              <a:sp3d prstMaterial="flat">
-                <a:bevelT w="38100" h="44450" prst="angle"/>
+              <a:effectLst/>
+              <a:sp3d contourW="50800">
                 <a:contourClr>
-                  <a:scrgbClr r="0" g="0" b="0">
-                    <a:shade val="35000"/>
-                    <a:satMod val="160000"/>
-                  </a:scrgbClr>
+                  <a:schemeClr val="lt1"/>
                 </a:contourClr>
               </a:sp3d>
             </c:spPr>
             <c:extLst>
               <c:ext xmlns:c16="http://schemas.microsoft.com/office/drawing/2014/chart" uri="{C3380CC4-5D6E-409C-BE32-E72D297353CC}">
-                <c16:uniqueId val="{00000005-47B9-464D-912F-BA408810DB5E}"/>
+                <c16:uniqueId val="{00000005-0792-4085-A8D3-BC7A12B52AE7}"/>
               </c:ext>
             </c:extLst>
           </c:dPt>
@@ -868,60 +850,35 @@
             <c:idx val="3"/>
             <c:bubble3D val="0"/>
             <c:spPr>
-              <a:gradFill rotWithShape="1">
+              <a:gradFill>
                 <a:gsLst>
-                  <a:gs pos="0">
+                  <a:gs pos="100000">
                     <a:schemeClr val="accent4">
-                      <a:tint val="100000"/>
-                      <a:shade val="85000"/>
-                      <a:satMod val="100000"/>
-                      <a:lumMod val="100000"/>
+                      <a:lumMod val="60000"/>
+                      <a:lumOff val="40000"/>
                     </a:schemeClr>
                   </a:gs>
-                  <a:gs pos="100000">
-                    <a:schemeClr val="accent4">
-                      <a:tint val="90000"/>
-                      <a:shade val="100000"/>
-                      <a:satMod val="150000"/>
-                      <a:lumMod val="100000"/>
-                    </a:schemeClr>
+                  <a:gs pos="0">
+                    <a:schemeClr val="accent4"/>
                   </a:gs>
                 </a:gsLst>
-                <a:path path="circle">
-                  <a:fillToRect l="100000" t="100000" r="100000" b="100000"/>
-                </a:path>
+                <a:lin ang="5400000" scaled="0"/>
               </a:gradFill>
-              <a:ln>
-                <a:noFill/>
+              <a:ln w="50800">
+                <a:solidFill>
+                  <a:schemeClr val="lt1"/>
+                </a:solidFill>
               </a:ln>
-              <a:effectLst>
-                <a:outerShdw blurRad="76200" dist="25400" dir="5400000" algn="ctr" rotWithShape="0">
-                  <a:srgbClr val="000000">
-                    <a:alpha val="60000"/>
-                  </a:srgbClr>
-                </a:outerShdw>
-              </a:effectLst>
-              <a:scene3d>
-                <a:camera prst="orthographicFront">
-                  <a:rot lat="0" lon="0" rev="0"/>
-                </a:camera>
-                <a:lightRig rig="flat" dir="t">
-                  <a:rot lat="0" lon="0" rev="3600000"/>
-                </a:lightRig>
-              </a:scene3d>
-              <a:sp3d prstMaterial="flat">
-                <a:bevelT w="38100" h="44450" prst="angle"/>
+              <a:effectLst/>
+              <a:sp3d contourW="50800">
                 <a:contourClr>
-                  <a:scrgbClr r="0" g="0" b="0">
-                    <a:shade val="35000"/>
-                    <a:satMod val="160000"/>
-                  </a:scrgbClr>
+                  <a:schemeClr val="lt1"/>
                 </a:contourClr>
               </a:sp3d>
             </c:spPr>
             <c:extLst>
               <c:ext xmlns:c16="http://schemas.microsoft.com/office/drawing/2014/chart" uri="{C3380CC4-5D6E-409C-BE32-E72D297353CC}">
-                <c16:uniqueId val="{00000007-47B9-464D-912F-BA408810DB5E}"/>
+                <c16:uniqueId val="{00000007-0792-4085-A8D3-BC7A12B52AE7}"/>
               </c:ext>
             </c:extLst>
           </c:dPt>
@@ -968,7 +925,7 @@
           </c:val>
           <c:extLst>
             <c:ext xmlns:c16="http://schemas.microsoft.com/office/drawing/2014/chart" uri="{C3380CC4-5D6E-409C-BE32-E72D297353CC}">
-              <c16:uniqueId val="{00000000-DA17-4A2D-8329-5584DBCE0AD1}"/>
+              <c16:uniqueId val="{00000008-0792-4085-A8D3-BC7A12B52AE7}"/>
             </c:ext>
           </c:extLst>
         </c:ser>
@@ -991,10 +948,14 @@
       </c:spPr>
     </c:plotArea>
     <c:legend>
-      <c:legendPos val="b"/>
+      <c:legendPos val="r"/>
       <c:overlay val="0"/>
       <c:spPr>
-        <a:noFill/>
+        <a:solidFill>
+          <a:schemeClr val="lt1">
+            <a:alpha val="50000"/>
+          </a:schemeClr>
+        </a:solidFill>
         <a:ln>
           <a:noFill/>
         </a:ln>
@@ -1007,8 +968,9 @@
           <a:pPr>
             <a:defRPr sz="1197" b="0" i="0" u="none" strike="noStrike" kern="1200" baseline="0">
               <a:solidFill>
-                <a:schemeClr val="lt1">
-                  <a:lumMod val="85000"/>
+                <a:schemeClr val="dk1">
+                  <a:lumMod val="65000"/>
+                  <a:lumOff val="35000"/>
                 </a:schemeClr>
               </a:solidFill>
               <a:latin typeface="+mn-lt"/>
@@ -1025,28 +987,25 @@
     <c:showDLblsOverMax val="0"/>
   </c:chart>
   <c:spPr>
-    <a:gradFill flip="none" rotWithShape="1">
-      <a:gsLst>
-        <a:gs pos="0">
-          <a:schemeClr val="dk1">
-            <a:lumMod val="65000"/>
-            <a:lumOff val="35000"/>
-          </a:schemeClr>
-        </a:gs>
-        <a:gs pos="100000">
-          <a:schemeClr val="dk1">
-            <a:lumMod val="85000"/>
-            <a:lumOff val="15000"/>
-          </a:schemeClr>
-        </a:gs>
-      </a:gsLst>
-      <a:path path="circle">
-        <a:fillToRect l="50000" t="50000" r="50000" b="50000"/>
-      </a:path>
-      <a:tileRect/>
-    </a:gradFill>
-    <a:ln>
-      <a:noFill/>
+    <a:pattFill prst="dkDnDiag">
+      <a:fgClr>
+        <a:schemeClr val="lt1"/>
+      </a:fgClr>
+      <a:bgClr>
+        <a:schemeClr val="dk1">
+          <a:lumMod val="10000"/>
+          <a:lumOff val="90000"/>
+        </a:schemeClr>
+      </a:bgClr>
+    </a:pattFill>
+    <a:ln w="9525" cap="flat" cmpd="sng" algn="ctr">
+      <a:solidFill>
+        <a:schemeClr val="dk1">
+          <a:lumMod val="15000"/>
+          <a:lumOff val="85000"/>
+        </a:schemeClr>
+      </a:solidFill>
+      <a:round/>
     </a:ln>
     <a:effectLst/>
   </c:spPr>
@@ -1182,7 +1141,7 @@
           </c:val>
           <c:extLst>
             <c:ext xmlns:c16="http://schemas.microsoft.com/office/drawing/2014/chart" uri="{C3380CC4-5D6E-409C-BE32-E72D297353CC}">
-              <c16:uniqueId val="{00000000-5D40-40B5-9378-2E5CFA8B8A22}"/>
+              <c16:uniqueId val="{00000000-14EC-41BD-9E7F-1853AD3DE56D}"/>
             </c:ext>
           </c:extLst>
         </c:ser>
@@ -1252,7 +1211,7 @@
           </c:val>
           <c:extLst>
             <c:ext xmlns:c16="http://schemas.microsoft.com/office/drawing/2014/chart" uri="{C3380CC4-5D6E-409C-BE32-E72D297353CC}">
-              <c16:uniqueId val="{00000001-5D40-40B5-9378-2E5CFA8B8A22}"/>
+              <c16:uniqueId val="{00000001-14EC-41BD-9E7F-1853AD3DE56D}"/>
             </c:ext>
           </c:extLst>
         </c:ser>
@@ -1322,7 +1281,7 @@
           </c:val>
           <c:extLst>
             <c:ext xmlns:c16="http://schemas.microsoft.com/office/drawing/2014/chart" uri="{C3380CC4-5D6E-409C-BE32-E72D297353CC}">
-              <c16:uniqueId val="{00000002-5D40-40B5-9378-2E5CFA8B8A22}"/>
+              <c16:uniqueId val="{00000002-14EC-41BD-9E7F-1853AD3DE56D}"/>
             </c:ext>
           </c:extLst>
         </c:ser>
@@ -2166,39 +2125,30 @@
 </file>
 
 <file path=ppt/charts/style2.xml><?xml version="1.0" encoding="utf-8"?>
-<cs:chartStyle xmlns:cs="http://schemas.microsoft.com/office/drawing/2012/chartStyle" xmlns:a="http://schemas.openxmlformats.org/drawingml/2006/main" id="268">
+<cs:chartStyle xmlns:cs="http://schemas.microsoft.com/office/drawing/2012/chartStyle" xmlns:a="http://schemas.openxmlformats.org/drawingml/2006/main" id="267">
   <cs:axisTitle>
     <cs:lnRef idx="0"/>
     <cs:fillRef idx="0"/>
     <cs:effectRef idx="0"/>
     <cs:fontRef idx="minor">
-      <a:schemeClr val="lt1">
-        <a:lumMod val="85000"/>
+      <a:schemeClr val="dk1">
+        <a:lumMod val="65000"/>
+        <a:lumOff val="35000"/>
       </a:schemeClr>
     </cs:fontRef>
-    <cs:defRPr sz="1197" b="1" kern="1200" cap="all"/>
+    <cs:defRPr sz="1197" b="1" kern="1200"/>
   </cs:axisTitle>
   <cs:categoryAxis>
     <cs:lnRef idx="0"/>
     <cs:fillRef idx="0"/>
     <cs:effectRef idx="0"/>
     <cs:fontRef idx="minor">
-      <a:schemeClr val="lt1">
-        <a:lumMod val="85000"/>
+      <a:schemeClr val="dk1">
+        <a:lumMod val="65000"/>
+        <a:lumOff val="35000"/>
       </a:schemeClr>
     </cs:fontRef>
-    <cs:spPr>
-      <a:ln w="12700" cap="flat" cmpd="sng" algn="ctr">
-        <a:solidFill>
-          <a:schemeClr val="lt1">
-            <a:lumMod val="95000"/>
-            <a:alpha val="54000"/>
-          </a:schemeClr>
-        </a:solidFill>
-        <a:round/>
-      </a:ln>
-    </cs:spPr>
-    <cs:defRPr sz="1197" kern="1200"/>
+    <cs:defRPr sz="1197" kern="1200" cap="none" spc="0" normalizeH="0" baseline="0"/>
   </cs:categoryAxis>
   <cs:chartArea>
     <cs:lnRef idx="0"/>
@@ -2208,36 +2158,37 @@
       <a:schemeClr val="dk1"/>
     </cs:fontRef>
     <cs:spPr>
-      <a:gradFill flip="none" rotWithShape="1">
-        <a:gsLst>
-          <a:gs pos="0">
-            <a:schemeClr val="dk1">
-              <a:lumMod val="65000"/>
-              <a:lumOff val="35000"/>
-            </a:schemeClr>
-          </a:gs>
-          <a:gs pos="100000">
-            <a:schemeClr val="dk1">
-              <a:lumMod val="85000"/>
-              <a:lumOff val="15000"/>
-            </a:schemeClr>
-          </a:gs>
-        </a:gsLst>
-        <a:path path="circle">
-          <a:fillToRect l="50000" t="50000" r="50000" b="50000"/>
-        </a:path>
-        <a:tileRect/>
-      </a:gradFill>
+      <a:pattFill prst="dkDnDiag">
+        <a:fgClr>
+          <a:schemeClr val="lt1"/>
+        </a:fgClr>
+        <a:bgClr>
+          <a:schemeClr val="dk1">
+            <a:lumMod val="10000"/>
+            <a:lumOff val="90000"/>
+          </a:schemeClr>
+        </a:bgClr>
+      </a:pattFill>
+      <a:ln w="9525" cap="flat" cmpd="sng" algn="ctr">
+        <a:solidFill>
+          <a:schemeClr val="dk1">
+            <a:lumMod val="15000"/>
+            <a:lumOff val="85000"/>
+          </a:schemeClr>
+        </a:solidFill>
+        <a:round/>
+      </a:ln>
     </cs:spPr>
-    <cs:defRPr sz="1330" kern="1200"/>
+    <cs:defRPr sz="1197" kern="1200"/>
   </cs:chartArea>
   <cs:dataLabel>
     <cs:lnRef idx="0"/>
     <cs:fillRef idx="0"/>
     <cs:effectRef idx="0"/>
     <cs:fontRef idx="minor">
-      <a:schemeClr val="lt1">
-        <a:lumMod val="85000"/>
+      <a:schemeClr val="dk1">
+        <a:lumMod val="75000"/>
+        <a:lumOff val="25000"/>
       </a:schemeClr>
     </cs:fontRef>
     <cs:defRPr sz="1197" kern="1200"/>
@@ -2254,8 +2205,18 @@
     </cs:fontRef>
     <cs:spPr>
       <a:solidFill>
-        <a:schemeClr val="lt1"/>
+        <a:schemeClr val="lt1">
+          <a:alpha val="75000"/>
+        </a:schemeClr>
       </a:solidFill>
+      <a:ln w="9525">
+        <a:solidFill>
+          <a:schemeClr val="dk1">
+            <a:lumMod val="25000"/>
+            <a:lumOff val="75000"/>
+          </a:schemeClr>
+        </a:solidFill>
+      </a:ln>
     </cs:spPr>
     <cs:defRPr sz="1197" kern="1200"/>
     <cs:bodyPr rot="0" spcFirstLastPara="1" vertOverflow="clip" horzOverflow="clip" vert="horz" wrap="square" lIns="36576" tIns="18288" rIns="36576" bIns="18288" anchor="ctr" anchorCtr="1">
@@ -2264,35 +2225,77 @@
   </cs:dataLabelCallout>
   <cs:dataPoint>
     <cs:lnRef idx="0"/>
-    <cs:fillRef idx="3">
+    <cs:fillRef idx="0">
       <cs:styleClr val="auto"/>
     </cs:fillRef>
-    <cs:effectRef idx="3"/>
+    <cs:effectRef idx="0"/>
     <cs:fontRef idx="minor">
       <a:schemeClr val="tx1"/>
     </cs:fontRef>
+    <cs:spPr>
+      <a:gradFill>
+        <a:gsLst>
+          <a:gs pos="100000">
+            <a:schemeClr val="phClr">
+              <a:lumMod val="60000"/>
+              <a:lumOff val="40000"/>
+            </a:schemeClr>
+          </a:gs>
+          <a:gs pos="0">
+            <a:schemeClr val="phClr"/>
+          </a:gs>
+        </a:gsLst>
+        <a:lin ang="5400000" scaled="0"/>
+      </a:gradFill>
+      <a:ln w="19050">
+        <a:solidFill>
+          <a:schemeClr val="lt1"/>
+        </a:solidFill>
+      </a:ln>
+    </cs:spPr>
   </cs:dataPoint>
   <cs:dataPoint3D>
     <cs:lnRef idx="0"/>
-    <cs:fillRef idx="3">
+    <cs:fillRef idx="0">
       <cs:styleClr val="auto"/>
     </cs:fillRef>
-    <cs:effectRef idx="3"/>
+    <cs:effectRef idx="0"/>
     <cs:fontRef idx="minor">
       <a:schemeClr val="tx1"/>
     </cs:fontRef>
+    <cs:spPr>
+      <a:gradFill>
+        <a:gsLst>
+          <a:gs pos="100000">
+            <a:schemeClr val="phClr">
+              <a:lumMod val="60000"/>
+              <a:lumOff val="40000"/>
+            </a:schemeClr>
+          </a:gs>
+          <a:gs pos="0">
+            <a:schemeClr val="phClr"/>
+          </a:gs>
+        </a:gsLst>
+        <a:lin ang="5400000" scaled="0"/>
+      </a:gradFill>
+      <a:ln w="50800">
+        <a:solidFill>
+          <a:schemeClr val="lt1"/>
+        </a:solidFill>
+      </a:ln>
+    </cs:spPr>
   </cs:dataPoint3D>
   <cs:dataPointLine>
     <cs:lnRef idx="0">
       <cs:styleClr val="auto"/>
     </cs:lnRef>
-    <cs:fillRef idx="3"/>
-    <cs:effectRef idx="3"/>
+    <cs:fillRef idx="0"/>
+    <cs:effectRef idx="0"/>
     <cs:fontRef idx="minor">
-      <a:schemeClr val="tx1"/>
+      <a:schemeClr val="dk1"/>
     </cs:fontRef>
     <cs:spPr>
-      <a:ln w="34925" cap="rnd">
+      <a:ln w="22225" cap="rnd">
         <a:solidFill>
           <a:schemeClr val="phClr"/>
         </a:solidFill>
@@ -2304,15 +2307,18 @@
     <cs:lnRef idx="0">
       <cs:styleClr val="auto"/>
     </cs:lnRef>
-    <cs:fillRef idx="3">
+    <cs:fillRef idx="0">
       <cs:styleClr val="auto"/>
     </cs:fillRef>
-    <cs:effectRef idx="3"/>
+    <cs:effectRef idx="0"/>
     <cs:fontRef idx="minor">
-      <a:schemeClr val="tx1"/>
+      <a:schemeClr val="dk1"/>
     </cs:fontRef>
     <cs:spPr>
-      <a:ln w="9525">
+      <a:solidFill>
+        <a:schemeClr val="lt1"/>
+      </a:solidFill>
+      <a:ln w="15875">
         <a:solidFill>
           <a:schemeClr val="phClr"/>
         </a:solidFill>
@@ -2325,10 +2331,10 @@
     <cs:lnRef idx="0">
       <cs:styleClr val="auto"/>
     </cs:lnRef>
-    <cs:fillRef idx="3"/>
-    <cs:effectRef idx="3"/>
+    <cs:fillRef idx="0"/>
+    <cs:effectRef idx="0"/>
     <cs:fontRef idx="minor">
-      <a:schemeClr val="tx1"/>
+      <a:schemeClr val="dk1"/>
     </cs:fontRef>
     <cs:spPr>
       <a:ln w="9525" cap="rnd">
@@ -2344,28 +2350,30 @@
     <cs:fillRef idx="0"/>
     <cs:effectRef idx="0"/>
     <cs:fontRef idx="minor">
-      <a:schemeClr val="lt1">
-        <a:lumMod val="85000"/>
+      <a:schemeClr val="dk1">
+        <a:lumMod val="65000"/>
+        <a:lumOff val="35000"/>
       </a:schemeClr>
     </cs:fontRef>
     <cs:spPr>
-      <a:ln w="9525">
+      <a:ln w="9525" cap="flat" cmpd="sng" algn="ctr">
         <a:solidFill>
-          <a:schemeClr val="lt1">
-            <a:lumMod val="95000"/>
-            <a:alpha val="54000"/>
+          <a:schemeClr val="dk1">
+            <a:lumMod val="15000"/>
+            <a:lumOff val="85000"/>
           </a:schemeClr>
         </a:solidFill>
+        <a:round/>
       </a:ln>
     </cs:spPr>
-    <cs:defRPr sz="1197" kern="1200"/>
+    <cs:defRPr sz="1064" kern="1200"/>
   </cs:dataTable>
   <cs:downBar>
     <cs:lnRef idx="0"/>
     <cs:fillRef idx="0"/>
     <cs:effectRef idx="0"/>
     <cs:fontRef idx="minor">
-      <a:schemeClr val="tx1"/>
+      <a:schemeClr val="dk1"/>
     </cs:fontRef>
     <cs:spPr>
       <a:solidFill>
@@ -2374,13 +2382,14 @@
           <a:lumOff val="25000"/>
         </a:schemeClr>
       </a:solidFill>
-      <a:ln w="9525">
+      <a:ln w="9525" cap="flat" cmpd="sng" algn="ctr">
         <a:solidFill>
-          <a:schemeClr val="lt1">
-            <a:lumMod val="95000"/>
-            <a:alpha val="54000"/>
+          <a:schemeClr val="dk1">
+            <a:lumMod val="50000"/>
+            <a:lumOff val="50000"/>
           </a:schemeClr>
         </a:solidFill>
+        <a:round/>
       </a:ln>
     </cs:spPr>
   </cs:downBar>
@@ -2389,17 +2398,17 @@
     <cs:fillRef idx="0"/>
     <cs:effectRef idx="0"/>
     <cs:fontRef idx="minor">
-      <a:schemeClr val="tx1"/>
+      <a:schemeClr val="dk1"/>
     </cs:fontRef>
     <cs:spPr>
-      <a:ln w="9525">
+      <a:ln w="9525" cap="flat" cmpd="sng" algn="ctr">
         <a:solidFill>
-          <a:schemeClr val="lt1">
-            <a:lumMod val="95000"/>
-            <a:alpha val="54000"/>
+          <a:schemeClr val="dk1">
+            <a:lumMod val="35000"/>
+            <a:lumOff val="65000"/>
           </a:schemeClr>
         </a:solidFill>
-        <a:prstDash val="dash"/>
+        <a:round/>
       </a:ln>
     </cs:spPr>
   </cs:dropLine>
@@ -2408,13 +2417,14 @@
     <cs:fillRef idx="0"/>
     <cs:effectRef idx="0"/>
     <cs:fontRef idx="minor">
-      <a:schemeClr val="tx1"/>
+      <a:schemeClr val="dk1"/>
     </cs:fontRef>
     <cs:spPr>
       <a:ln w="9525" cap="flat" cmpd="sng" algn="ctr">
         <a:solidFill>
-          <a:schemeClr val="lt1">
-            <a:lumMod val="95000"/>
+          <a:schemeClr val="dk1">
+            <a:lumMod val="50000"/>
+            <a:lumOff val="50000"/>
           </a:schemeClr>
         </a:solidFill>
         <a:round/>
@@ -2426,7 +2436,7 @@
     <cs:fillRef idx="0"/>
     <cs:effectRef idx="0"/>
     <cs:fontRef idx="minor">
-      <a:schemeClr val="tx1"/>
+      <a:schemeClr val="dk1"/>
     </cs:fontRef>
   </cs:floor>
   <cs:gridlineMajor>
@@ -2434,14 +2444,14 @@
     <cs:fillRef idx="0"/>
     <cs:effectRef idx="0"/>
     <cs:fontRef idx="minor">
-      <a:schemeClr val="tx1"/>
+      <a:schemeClr val="dk1"/>
     </cs:fontRef>
     <cs:spPr>
       <a:ln w="9525" cap="flat" cmpd="sng" algn="ctr">
         <a:solidFill>
-          <a:schemeClr val="lt1">
-            <a:lumMod val="95000"/>
-            <a:alpha val="10000"/>
+          <a:schemeClr val="dk1">
+            <a:lumMod val="15000"/>
+            <a:lumOff val="85000"/>
           </a:schemeClr>
         </a:solidFill>
         <a:round/>
@@ -2453,16 +2463,17 @@
     <cs:fillRef idx="0"/>
     <cs:effectRef idx="0"/>
     <cs:fontRef idx="minor">
-      <a:schemeClr val="tx1"/>
+      <a:schemeClr val="dk1"/>
     </cs:fontRef>
     <cs:spPr>
-      <a:ln>
+      <a:ln w="9525" cap="flat" cmpd="sng" algn="ctr">
         <a:solidFill>
-          <a:schemeClr val="lt1">
-            <a:lumMod val="95000"/>
-            <a:alpha val="5000"/>
+          <a:schemeClr val="dk1">
+            <a:lumMod val="5000"/>
+            <a:lumOff val="95000"/>
           </a:schemeClr>
         </a:solidFill>
+        <a:round/>
       </a:ln>
     </cs:spPr>
   </cs:gridlineMinor>
@@ -2471,17 +2482,17 @@
     <cs:fillRef idx="0"/>
     <cs:effectRef idx="0"/>
     <cs:fontRef idx="minor">
-      <a:schemeClr val="tx1"/>
+      <a:schemeClr val="dk1"/>
     </cs:fontRef>
     <cs:spPr>
-      <a:ln w="9525">
+      <a:ln w="9525" cap="flat" cmpd="sng" algn="ctr">
         <a:solidFill>
-          <a:schemeClr val="lt1">
-            <a:lumMod val="95000"/>
-            <a:alpha val="54000"/>
+          <a:schemeClr val="dk1">
+            <a:lumMod val="35000"/>
+            <a:lumOff val="65000"/>
           </a:schemeClr>
         </a:solidFill>
-        <a:prstDash val="dash"/>
+        <a:round/>
       </a:ln>
     </cs:spPr>
   </cs:hiLoLine>
@@ -2490,16 +2501,17 @@
     <cs:fillRef idx="0"/>
     <cs:effectRef idx="0"/>
     <cs:fontRef idx="minor">
-      <a:schemeClr val="tx1"/>
+      <a:schemeClr val="dk1"/>
     </cs:fontRef>
     <cs:spPr>
-      <a:ln w="9525">
+      <a:ln w="9525" cap="flat" cmpd="sng" algn="ctr">
         <a:solidFill>
-          <a:schemeClr val="lt1">
-            <a:lumMod val="95000"/>
-            <a:alpha val="54000"/>
+          <a:schemeClr val="dk1">
+            <a:lumMod val="35000"/>
+            <a:lumOff val="65000"/>
           </a:schemeClr>
         </a:solidFill>
+        <a:round/>
       </a:ln>
     </cs:spPr>
   </cs:leaderLine>
@@ -2508,10 +2520,18 @@
     <cs:fillRef idx="0"/>
     <cs:effectRef idx="0"/>
     <cs:fontRef idx="minor">
-      <a:schemeClr val="lt1">
-        <a:lumMod val="85000"/>
+      <a:schemeClr val="dk1">
+        <a:lumMod val="65000"/>
+        <a:lumOff val="35000"/>
       </a:schemeClr>
     </cs:fontRef>
+    <cs:spPr>
+      <a:solidFill>
+        <a:schemeClr val="lt1">
+          <a:alpha val="50000"/>
+        </a:schemeClr>
+      </a:solidFill>
+    </cs:spPr>
     <cs:defRPr sz="1197" kern="1200"/>
   </cs:legend>
   <cs:plotArea>
@@ -2519,7 +2539,7 @@
     <cs:fillRef idx="0"/>
     <cs:effectRef idx="0"/>
     <cs:fontRef idx="minor">
-      <a:schemeClr val="tx1"/>
+      <a:schemeClr val="dk1"/>
     </cs:fontRef>
   </cs:plotArea>
   <cs:plotArea3D>
@@ -2527,7 +2547,7 @@
     <cs:fillRef idx="0"/>
     <cs:effectRef idx="0"/>
     <cs:fontRef idx="minor">
-      <a:schemeClr val="tx1"/>
+      <a:schemeClr val="dk1"/>
     </cs:fontRef>
   </cs:plotArea3D>
   <cs:seriesAxis>
@@ -2535,21 +2555,11 @@
     <cs:fillRef idx="0"/>
     <cs:effectRef idx="0"/>
     <cs:fontRef idx="minor">
-      <a:schemeClr val="lt1">
-        <a:lumMod val="85000"/>
+      <a:schemeClr val="dk1">
+        <a:lumMod val="65000"/>
+        <a:lumOff val="35000"/>
       </a:schemeClr>
     </cs:fontRef>
-    <cs:spPr>
-      <a:ln w="12700" cap="flat" cmpd="sng" algn="ctr">
-        <a:solidFill>
-          <a:schemeClr val="lt1">
-            <a:lumMod val="95000"/>
-            <a:alpha val="54000"/>
-          </a:schemeClr>
-        </a:solidFill>
-        <a:round/>
-      </a:ln>
-    </cs:spPr>
     <cs:defRPr sz="1197" kern="1200"/>
   </cs:seriesAxis>
   <cs:seriesLine>
@@ -2557,14 +2567,14 @@
     <cs:fillRef idx="0"/>
     <cs:effectRef idx="0"/>
     <cs:fontRef idx="minor">
-      <a:schemeClr val="lt1"/>
+      <a:schemeClr val="dk1"/>
     </cs:fontRef>
     <cs:spPr>
       <a:ln w="9525" cap="flat" cmpd="sng" algn="ctr">
         <a:solidFill>
-          <a:schemeClr val="lt1">
-            <a:lumMod val="95000"/>
-            <a:alpha val="54000"/>
+          <a:schemeClr val="dk1">
+            <a:lumMod val="35000"/>
+            <a:lumOff val="65000"/>
           </a:schemeClr>
         </a:solidFill>
         <a:round/>
@@ -2575,20 +2585,13 @@
     <cs:lnRef idx="0"/>
     <cs:fillRef idx="0"/>
     <cs:effectRef idx="0"/>
-    <cs:fontRef idx="minor">
-      <a:schemeClr val="lt1">
-        <a:lumMod val="95000"/>
+    <cs:fontRef idx="major">
+      <a:schemeClr val="dk1">
+        <a:lumMod val="50000"/>
+        <a:lumOff val="50000"/>
       </a:schemeClr>
     </cs:fontRef>
-    <cs:defRPr sz="2128" b="1" kern="1200" spc="100" baseline="0">
-      <a:effectLst>
-        <a:outerShdw blurRad="50800" dist="38100" dir="5400000" algn="t" rotWithShape="0">
-          <a:prstClr val="black">
-            <a:alpha val="40000"/>
-          </a:prstClr>
-        </a:outerShdw>
-      </a:effectLst>
-    </cs:defRPr>
+    <cs:defRPr sz="2128" b="1" kern="1200" spc="0" normalizeH="0" baseline="0"/>
   </cs:title>
   <cs:trendline>
     <cs:lnRef idx="0">
@@ -2597,7 +2600,7 @@
     <cs:fillRef idx="0"/>
     <cs:effectRef idx="0"/>
     <cs:fontRef idx="minor">
-      <a:schemeClr val="tx1"/>
+      <a:schemeClr val="dk1"/>
     </cs:fontRef>
     <cs:spPr>
       <a:ln w="19050" cap="rnd">
@@ -2612,8 +2615,9 @@
     <cs:fillRef idx="0"/>
     <cs:effectRef idx="0"/>
     <cs:fontRef idx="minor">
-      <a:schemeClr val="lt1">
-        <a:lumMod val="85000"/>
+      <a:schemeClr val="dk1">
+        <a:lumMod val="65000"/>
+        <a:lumOff val="35000"/>
       </a:schemeClr>
     </cs:fontRef>
     <cs:defRPr sz="1197" kern="1200"/>
@@ -2623,19 +2627,20 @@
     <cs:fillRef idx="0"/>
     <cs:effectRef idx="0"/>
     <cs:fontRef idx="minor">
-      <a:schemeClr val="tx1"/>
+      <a:schemeClr val="dk1"/>
     </cs:fontRef>
     <cs:spPr>
       <a:solidFill>
         <a:schemeClr val="lt1"/>
       </a:solidFill>
-      <a:ln w="9525">
+      <a:ln w="9525" cap="flat" cmpd="sng" algn="ctr">
         <a:solidFill>
-          <a:schemeClr val="lt1">
-            <a:lumMod val="95000"/>
-            <a:alpha val="54000"/>
+          <a:schemeClr val="dk1">
+            <a:lumMod val="50000"/>
+            <a:lumOff val="50000"/>
           </a:schemeClr>
         </a:solidFill>
+        <a:round/>
       </a:ln>
     </cs:spPr>
   </cs:upBar>
@@ -2644,8 +2649,9 @@
     <cs:fillRef idx="0"/>
     <cs:effectRef idx="0"/>
     <cs:fontRef idx="minor">
-      <a:schemeClr val="lt1">
-        <a:lumMod val="85000"/>
+      <a:schemeClr val="dk1">
+        <a:lumMod val="65000"/>
+        <a:lumOff val="35000"/>
       </a:schemeClr>
     </cs:fontRef>
     <cs:defRPr sz="1197" kern="1200"/>
@@ -2655,7 +2661,7 @@
     <cs:fillRef idx="0"/>
     <cs:effectRef idx="0"/>
     <cs:fontRef idx="minor">
-      <a:schemeClr val="tx1"/>
+      <a:schemeClr val="dk1"/>
     </cs:fontRef>
   </cs:wall>
 </cs:chartStyle>
@@ -3961,7 +3967,7 @@
 <dgm:dataModel xmlns:dgm="http://schemas.openxmlformats.org/drawingml/2006/diagram" xmlns:a="http://schemas.openxmlformats.org/drawingml/2006/main">
   <dgm:ptLst>
     <dgm:pt modelId="{2B2DEDEA-5E81-4B72-9397-1061132DA5DA}" type="doc">
-      <dgm:prSet loTypeId="urn:microsoft.com/office/officeart/2005/8/layout/target2" loCatId="relationship" qsTypeId="urn:microsoft.com/office/officeart/2005/8/quickstyle/simple1" qsCatId="simple" csTypeId="urn:microsoft.com/office/officeart/2005/8/colors/accent1_2" csCatId="accent1" phldr="1"/>
+      <dgm:prSet loTypeId="urn:microsoft.com/office/officeart/2005/8/layout/hierarchy3" loCatId="relationship" qsTypeId="urn:microsoft.com/office/officeart/2005/8/quickstyle/simple1" qsCatId="simple" csTypeId="urn:microsoft.com/office/officeart/2005/8/colors/accent1_2" csCatId="accent1" phldr="1"/>
       <dgm:spPr/>
       <dgm:t>
         <a:bodyPr/>
@@ -4215,6 +4221,18 @@
     <dgm:pt modelId="{C3A96F2F-4BD5-4B44-B692-1A5F5C56127D}">
       <dgm:prSet phldrT="[טקסט]"/>
       <dgm:spPr/>
+      <dgm:t>
+        <a:bodyPr/>
+        <a:lstStyle/>
+        <a:p>
+          <a:pPr rtl="1"/>
+          <a:r>
+            <a:rPr lang="en-US" dirty="0" err="1"/>
+            <a:t>jkl</a:t>
+          </a:r>
+          <a:endParaRPr lang="he-IL" dirty="0"/>
+        </a:p>
+      </dgm:t>
     </dgm:pt>
     <dgm:pt modelId="{3B3FE2E5-20D4-44CF-80E0-F4B67AC64E08}" type="parTrans" cxnId="{23325C3B-D51A-4ABC-A861-ED05CB2BE782}">
       <dgm:prSet/>
@@ -4243,6 +4261,18 @@
     <dgm:pt modelId="{FD68BB2B-BC85-4F19-9CD3-9E68C92D0208}">
       <dgm:prSet phldrT="[טקסט]"/>
       <dgm:spPr/>
+      <dgm:t>
+        <a:bodyPr/>
+        <a:lstStyle/>
+        <a:p>
+          <a:pPr rtl="1"/>
+          <a:r>
+            <a:rPr lang="en-US" dirty="0"/>
+            <a:t>JKL</a:t>
+          </a:r>
+          <a:endParaRPr lang="he-IL" dirty="0"/>
+        </a:p>
+      </dgm:t>
     </dgm:pt>
     <dgm:pt modelId="{1F5DE0BA-5E56-4A9B-8600-05EC07C4B186}" type="sibTrans" cxnId="{58629D30-6882-4D1B-A62F-332A28EEECE1}">
       <dgm:prSet/>
@@ -4268,72 +4298,140 @@
         </a:p>
       </dgm:t>
     </dgm:pt>
-    <dgm:pt modelId="{40515642-798D-4B35-96BB-C867600EC2F4}" type="pres">
-      <dgm:prSet presAssocID="{2B2DEDEA-5E81-4B72-9397-1061132DA5DA}" presName="Name0" presStyleCnt="0">
+    <dgm:pt modelId="{8BAFB517-E3BF-49FE-B672-3BADD30AB96D}" type="pres">
+      <dgm:prSet presAssocID="{2B2DEDEA-5E81-4B72-9397-1061132DA5DA}" presName="diagram" presStyleCnt="0">
         <dgm:presLayoutVars>
-          <dgm:chMax val="3"/>
           <dgm:chPref val="1"/>
           <dgm:dir/>
+          <dgm:animOne val="branch"/>
           <dgm:animLvl val="lvl"/>
           <dgm:resizeHandles/>
         </dgm:presLayoutVars>
       </dgm:prSet>
       <dgm:spPr/>
     </dgm:pt>
-    <dgm:pt modelId="{A47225D5-E3E6-4335-BC76-3627C550A7BB}" type="pres">
-      <dgm:prSet presAssocID="{2B2DEDEA-5E81-4B72-9397-1061132DA5DA}" presName="outerBox" presStyleCnt="0"/>
+    <dgm:pt modelId="{A1D82D7E-6732-4EEB-A05E-4F4C07F7B11E}" type="pres">
+      <dgm:prSet presAssocID="{6F093327-FBF9-4204-AA5F-DF0F2E359F29}" presName="root" presStyleCnt="0"/>
       <dgm:spPr/>
     </dgm:pt>
-    <dgm:pt modelId="{7D80CBB9-26F1-4BC7-A53C-313BFEA84526}" type="pres">
-      <dgm:prSet presAssocID="{2B2DEDEA-5E81-4B72-9397-1061132DA5DA}" presName="outerBoxParent" presStyleLbl="node1" presStyleIdx="0" presStyleCnt="3"/>
+    <dgm:pt modelId="{A97699B4-14A9-4389-8BF3-20A8B6FD30E5}" type="pres">
+      <dgm:prSet presAssocID="{6F093327-FBF9-4204-AA5F-DF0F2E359F29}" presName="rootComposite" presStyleCnt="0"/>
       <dgm:spPr/>
     </dgm:pt>
-    <dgm:pt modelId="{DD1C9DFC-5038-4EDF-B899-06537B9F42C9}" type="pres">
-      <dgm:prSet presAssocID="{2B2DEDEA-5E81-4B72-9397-1061132DA5DA}" presName="outerBoxChildren" presStyleCnt="0"/>
+    <dgm:pt modelId="{1B4C8FB6-5901-4503-985F-B76E1712D1F4}" type="pres">
+      <dgm:prSet presAssocID="{6F093327-FBF9-4204-AA5F-DF0F2E359F29}" presName="rootText" presStyleLbl="node1" presStyleIdx="0" presStyleCnt="4"/>
       <dgm:spPr/>
     </dgm:pt>
-    <dgm:pt modelId="{820489D0-F712-438C-8956-6F003DB58CA3}" type="pres">
-      <dgm:prSet presAssocID="{9B84F408-E824-4EF2-9E65-7C71ED0B62C0}" presName="oChild" presStyleLbl="fgAcc1" presStyleIdx="0" presStyleCnt="3">
+    <dgm:pt modelId="{5120FE10-68A7-4854-9399-A3169BD587C1}" type="pres">
+      <dgm:prSet presAssocID="{6F093327-FBF9-4204-AA5F-DF0F2E359F29}" presName="rootConnector" presStyleLbl="node1" presStyleIdx="0" presStyleCnt="4"/>
+      <dgm:spPr/>
+    </dgm:pt>
+    <dgm:pt modelId="{340D2194-69F5-4EC1-A45B-E384B74C081E}" type="pres">
+      <dgm:prSet presAssocID="{6F093327-FBF9-4204-AA5F-DF0F2E359F29}" presName="childShape" presStyleCnt="0"/>
+      <dgm:spPr/>
+    </dgm:pt>
+    <dgm:pt modelId="{9D811468-BCD2-4317-8FCB-4A96D49A33C8}" type="pres">
+      <dgm:prSet presAssocID="{001D46AC-D93F-4BD8-BE41-AAED3DE7022F}" presName="Name13" presStyleLbl="parChTrans1D2" presStyleIdx="0" presStyleCnt="4"/>
+      <dgm:spPr/>
+    </dgm:pt>
+    <dgm:pt modelId="{05FB1409-0853-4358-91CE-AAD9213B46A5}" type="pres">
+      <dgm:prSet presAssocID="{9B84F408-E824-4EF2-9E65-7C71ED0B62C0}" presName="childText" presStyleLbl="bgAcc1" presStyleIdx="0" presStyleCnt="4">
         <dgm:presLayoutVars>
           <dgm:bulletEnabled val="1"/>
         </dgm:presLayoutVars>
       </dgm:prSet>
       <dgm:spPr/>
     </dgm:pt>
-    <dgm:pt modelId="{687E571E-A528-4DEE-B05E-43D7BC1C9A31}" type="pres">
-      <dgm:prSet presAssocID="{2B2DEDEA-5E81-4B72-9397-1061132DA5DA}" presName="middleBox" presStyleCnt="0"/>
+    <dgm:pt modelId="{F8B078FB-7921-4FA9-8CDD-B34566127AE9}" type="pres">
+      <dgm:prSet presAssocID="{98684F13-29CD-4062-A3A5-FCDC18E22F81}" presName="root" presStyleCnt="0"/>
       <dgm:spPr/>
     </dgm:pt>
-    <dgm:pt modelId="{C75AF8DB-E523-4F1D-84CD-CEA4DE8F5D6B}" type="pres">
-      <dgm:prSet presAssocID="{2B2DEDEA-5E81-4B72-9397-1061132DA5DA}" presName="middleBoxParent" presStyleLbl="node1" presStyleIdx="1" presStyleCnt="3"/>
+    <dgm:pt modelId="{2381147E-1608-4F7A-BD8F-B4B88E7388A2}" type="pres">
+      <dgm:prSet presAssocID="{98684F13-29CD-4062-A3A5-FCDC18E22F81}" presName="rootComposite" presStyleCnt="0"/>
       <dgm:spPr/>
     </dgm:pt>
-    <dgm:pt modelId="{BE0FD1B2-FD32-4C63-826B-E0366B628194}" type="pres">
-      <dgm:prSet presAssocID="{2B2DEDEA-5E81-4B72-9397-1061132DA5DA}" presName="middleBoxChildren" presStyleCnt="0"/>
+    <dgm:pt modelId="{4026E131-8822-4559-ABBB-37BD12BEA3F8}" type="pres">
+      <dgm:prSet presAssocID="{98684F13-29CD-4062-A3A5-FCDC18E22F81}" presName="rootText" presStyleLbl="node1" presStyleIdx="1" presStyleCnt="4"/>
       <dgm:spPr/>
     </dgm:pt>
-    <dgm:pt modelId="{E3AF89EB-D784-4829-BFCA-B3D056799E58}" type="pres">
-      <dgm:prSet presAssocID="{9034340D-39FC-4F19-99AC-4A5B50CEF7AC}" presName="mChild" presStyleLbl="fgAcc1" presStyleIdx="1" presStyleCnt="3">
+    <dgm:pt modelId="{21624866-24DE-4A08-B6BD-E0116073D14D}" type="pres">
+      <dgm:prSet presAssocID="{98684F13-29CD-4062-A3A5-FCDC18E22F81}" presName="rootConnector" presStyleLbl="node1" presStyleIdx="1" presStyleCnt="4"/>
+      <dgm:spPr/>
+    </dgm:pt>
+    <dgm:pt modelId="{0EEC13E3-9863-448E-B523-50D1E2874427}" type="pres">
+      <dgm:prSet presAssocID="{98684F13-29CD-4062-A3A5-FCDC18E22F81}" presName="childShape" presStyleCnt="0"/>
+      <dgm:spPr/>
+    </dgm:pt>
+    <dgm:pt modelId="{A95E4AF8-B9CA-4D62-A8B1-3737D17BAA69}" type="pres">
+      <dgm:prSet presAssocID="{F2EA01CC-F965-4889-AC4D-500AC90815C4}" presName="Name13" presStyleLbl="parChTrans1D2" presStyleIdx="1" presStyleCnt="4"/>
+      <dgm:spPr/>
+    </dgm:pt>
+    <dgm:pt modelId="{E5039CAD-FE40-453B-8210-B6B58372766B}" type="pres">
+      <dgm:prSet presAssocID="{9034340D-39FC-4F19-99AC-4A5B50CEF7AC}" presName="childText" presStyleLbl="bgAcc1" presStyleIdx="1" presStyleCnt="4">
         <dgm:presLayoutVars>
           <dgm:bulletEnabled val="1"/>
         </dgm:presLayoutVars>
       </dgm:prSet>
       <dgm:spPr/>
     </dgm:pt>
-    <dgm:pt modelId="{38758E47-0116-4818-BB09-4DA977F0EC4B}" type="pres">
-      <dgm:prSet presAssocID="{2B2DEDEA-5E81-4B72-9397-1061132DA5DA}" presName="centerBox" presStyleCnt="0"/>
+    <dgm:pt modelId="{7AED572A-6F25-4647-9D5A-5F74AEAE35BB}" type="pres">
+      <dgm:prSet presAssocID="{DF0EFF98-7B92-4F25-9718-138B5BCBBD26}" presName="root" presStyleCnt="0"/>
       <dgm:spPr/>
     </dgm:pt>
-    <dgm:pt modelId="{51B241C7-CB37-4504-91B5-D28D15811FBA}" type="pres">
-      <dgm:prSet presAssocID="{2B2DEDEA-5E81-4B72-9397-1061132DA5DA}" presName="centerBoxParent" presStyleLbl="node1" presStyleIdx="2" presStyleCnt="3"/>
+    <dgm:pt modelId="{218AD3EE-F2B6-4C87-B873-AE9EA4B4F37A}" type="pres">
+      <dgm:prSet presAssocID="{DF0EFF98-7B92-4F25-9718-138B5BCBBD26}" presName="rootComposite" presStyleCnt="0"/>
       <dgm:spPr/>
     </dgm:pt>
-    <dgm:pt modelId="{8ACC5604-7650-4810-B2A8-B40849739F1E}" type="pres">
-      <dgm:prSet presAssocID="{2B2DEDEA-5E81-4B72-9397-1061132DA5DA}" presName="centerBoxChildren" presStyleCnt="0"/>
+    <dgm:pt modelId="{E79BA209-35AE-488E-92EB-F60F4EEF6BC2}" type="pres">
+      <dgm:prSet presAssocID="{DF0EFF98-7B92-4F25-9718-138B5BCBBD26}" presName="rootText" presStyleLbl="node1" presStyleIdx="2" presStyleCnt="4"/>
       <dgm:spPr/>
     </dgm:pt>
-    <dgm:pt modelId="{DC4C0267-EBFE-4793-A7A5-CE1C28B7D83B}" type="pres">
-      <dgm:prSet presAssocID="{2DE45EF7-710F-42B7-A358-F20F5D8FAC00}" presName="cChild" presStyleLbl="fgAcc1" presStyleIdx="2" presStyleCnt="3">
+    <dgm:pt modelId="{E110F2BC-A7E9-4F30-B59F-067A1312BA67}" type="pres">
+      <dgm:prSet presAssocID="{DF0EFF98-7B92-4F25-9718-138B5BCBBD26}" presName="rootConnector" presStyleLbl="node1" presStyleIdx="2" presStyleCnt="4"/>
+      <dgm:spPr/>
+    </dgm:pt>
+    <dgm:pt modelId="{8B3994E1-C202-4AFB-9298-5063D7D53900}" type="pres">
+      <dgm:prSet presAssocID="{DF0EFF98-7B92-4F25-9718-138B5BCBBD26}" presName="childShape" presStyleCnt="0"/>
+      <dgm:spPr/>
+    </dgm:pt>
+    <dgm:pt modelId="{6E353759-39DA-4FBA-9451-3B56252BB5C1}" type="pres">
+      <dgm:prSet presAssocID="{2DCAB7FD-A5FC-4E7D-B9E8-46E5CF518D32}" presName="Name13" presStyleLbl="parChTrans1D2" presStyleIdx="2" presStyleCnt="4"/>
+      <dgm:spPr/>
+    </dgm:pt>
+    <dgm:pt modelId="{99B79FF0-FBD9-4516-B486-8B9E0F4C5A28}" type="pres">
+      <dgm:prSet presAssocID="{2DE45EF7-710F-42B7-A358-F20F5D8FAC00}" presName="childText" presStyleLbl="bgAcc1" presStyleIdx="2" presStyleCnt="4">
+        <dgm:presLayoutVars>
+          <dgm:bulletEnabled val="1"/>
+        </dgm:presLayoutVars>
+      </dgm:prSet>
+      <dgm:spPr/>
+    </dgm:pt>
+    <dgm:pt modelId="{1D79F29F-7932-49D2-8912-A1C49721E3FF}" type="pres">
+      <dgm:prSet presAssocID="{FD68BB2B-BC85-4F19-9CD3-9E68C92D0208}" presName="root" presStyleCnt="0"/>
+      <dgm:spPr/>
+    </dgm:pt>
+    <dgm:pt modelId="{975E13B5-AFD0-43A0-B11D-6873D8144586}" type="pres">
+      <dgm:prSet presAssocID="{FD68BB2B-BC85-4F19-9CD3-9E68C92D0208}" presName="rootComposite" presStyleCnt="0"/>
+      <dgm:spPr/>
+    </dgm:pt>
+    <dgm:pt modelId="{F8C73767-DF3E-4263-8A43-1558C1BD7C47}" type="pres">
+      <dgm:prSet presAssocID="{FD68BB2B-BC85-4F19-9CD3-9E68C92D0208}" presName="rootText" presStyleLbl="node1" presStyleIdx="3" presStyleCnt="4"/>
+      <dgm:spPr/>
+    </dgm:pt>
+    <dgm:pt modelId="{593991C4-AAAC-4411-A61A-2A29E9D7FEF4}" type="pres">
+      <dgm:prSet presAssocID="{FD68BB2B-BC85-4F19-9CD3-9E68C92D0208}" presName="rootConnector" presStyleLbl="node1" presStyleIdx="3" presStyleCnt="4"/>
+      <dgm:spPr/>
+    </dgm:pt>
+    <dgm:pt modelId="{60774A53-C3F7-494A-8EC3-FCE621F8F712}" type="pres">
+      <dgm:prSet presAssocID="{FD68BB2B-BC85-4F19-9CD3-9E68C92D0208}" presName="childShape" presStyleCnt="0"/>
+      <dgm:spPr/>
+    </dgm:pt>
+    <dgm:pt modelId="{5E9A812D-FEFE-49D9-92CE-6CF80A109BA0}" type="pres">
+      <dgm:prSet presAssocID="{3B3FE2E5-20D4-44CF-80E0-F4B67AC64E08}" presName="Name13" presStyleLbl="parChTrans1D2" presStyleIdx="3" presStyleCnt="4"/>
+      <dgm:spPr/>
+    </dgm:pt>
+    <dgm:pt modelId="{C0B18583-EC8E-4CFD-B616-AA74FA377414}" type="pres">
+      <dgm:prSet presAssocID="{C3A96F2F-4BD5-4B44-B692-1A5F5C56127D}" presName="childText" presStyleLbl="bgAcc1" presStyleIdx="3" presStyleCnt="4">
         <dgm:presLayoutVars>
           <dgm:bulletEnabled val="1"/>
         </dgm:presLayoutVars>
@@ -4342,39 +4440,65 @@
     </dgm:pt>
   </dgm:ptLst>
   <dgm:cxnLst>
-    <dgm:cxn modelId="{A3EBF01D-B05C-4174-972F-5A8E0E948056}" type="presOf" srcId="{98684F13-29CD-4062-A3A5-FCDC18E22F81}" destId="{C75AF8DB-E523-4F1D-84CD-CEA4DE8F5D6B}" srcOrd="0" destOrd="0" presId="urn:microsoft.com/office/officeart/2005/8/layout/target2"/>
+    <dgm:cxn modelId="{E727A003-233B-4E03-B392-DAA2A9E50E6B}" type="presOf" srcId="{FD68BB2B-BC85-4F19-9CD3-9E68C92D0208}" destId="{593991C4-AAAC-4411-A61A-2A29E9D7FEF4}" srcOrd="1" destOrd="0" presId="urn:microsoft.com/office/officeart/2005/8/layout/hierarchy3"/>
+    <dgm:cxn modelId="{27F90D08-C91B-4D94-A614-3A185233AAE6}" type="presOf" srcId="{6F093327-FBF9-4204-AA5F-DF0F2E359F29}" destId="{1B4C8FB6-5901-4503-985F-B76E1712D1F4}" srcOrd="0" destOrd="0" presId="urn:microsoft.com/office/officeart/2005/8/layout/hierarchy3"/>
     <dgm:cxn modelId="{19E53A22-4A19-47E6-8456-6CC6E2296E46}" srcId="{DF0EFF98-7B92-4F25-9718-138B5BCBBD26}" destId="{2DE45EF7-710F-42B7-A358-F20F5D8FAC00}" srcOrd="0" destOrd="0" parTransId="{2DCAB7FD-A5FC-4E7D-B9E8-46E5CF518D32}" sibTransId="{010B1C22-521A-4C8E-8258-D321E893EB05}"/>
+    <dgm:cxn modelId="{F1538325-0FDC-464A-BB76-F80237501E47}" type="presOf" srcId="{6F093327-FBF9-4204-AA5F-DF0F2E359F29}" destId="{5120FE10-68A7-4854-9399-A3169BD587C1}" srcOrd="1" destOrd="0" presId="urn:microsoft.com/office/officeart/2005/8/layout/hierarchy3"/>
     <dgm:cxn modelId="{58629D30-6882-4D1B-A62F-332A28EEECE1}" srcId="{2B2DEDEA-5E81-4B72-9397-1061132DA5DA}" destId="{FD68BB2B-BC85-4F19-9CD3-9E68C92D0208}" srcOrd="3" destOrd="0" parTransId="{07CFBB69-E0D7-480F-BC9E-7ACED261A18C}" sibTransId="{1F5DE0BA-5E56-4A9B-8600-05EC07C4B186}"/>
-    <dgm:cxn modelId="{02DF8F36-D16D-4F25-9FC1-A8F1FF752F63}" type="presOf" srcId="{9B84F408-E824-4EF2-9E65-7C71ED0B62C0}" destId="{820489D0-F712-438C-8956-6F003DB58CA3}" srcOrd="0" destOrd="0" presId="urn:microsoft.com/office/officeart/2005/8/layout/target2"/>
-    <dgm:cxn modelId="{CA8BB638-0196-4543-A14A-F5A02C6AE235}" type="presOf" srcId="{2DE45EF7-710F-42B7-A358-F20F5D8FAC00}" destId="{DC4C0267-EBFE-4793-A7A5-CE1C28B7D83B}" srcOrd="0" destOrd="0" presId="urn:microsoft.com/office/officeart/2005/8/layout/target2"/>
     <dgm:cxn modelId="{23325C3B-D51A-4ABC-A861-ED05CB2BE782}" srcId="{FD68BB2B-BC85-4F19-9CD3-9E68C92D0208}" destId="{C3A96F2F-4BD5-4B44-B692-1A5F5C56127D}" srcOrd="0" destOrd="0" parTransId="{3B3FE2E5-20D4-44CF-80E0-F4B67AC64E08}" sibTransId="{C84D3DFF-0230-4F18-808C-DDEAF1F06B56}"/>
+    <dgm:cxn modelId="{FE4DF964-3EAC-4543-B66D-B18495B77021}" type="presOf" srcId="{9034340D-39FC-4F19-99AC-4A5B50CEF7AC}" destId="{E5039CAD-FE40-453B-8210-B6B58372766B}" srcOrd="0" destOrd="0" presId="urn:microsoft.com/office/officeart/2005/8/layout/hierarchy3"/>
+    <dgm:cxn modelId="{EE6E934C-C3CE-42D8-9029-5C9CC226F081}" type="presOf" srcId="{98684F13-29CD-4062-A3A5-FCDC18E22F81}" destId="{21624866-24DE-4A08-B6BD-E0116073D14D}" srcOrd="1" destOrd="0" presId="urn:microsoft.com/office/officeart/2005/8/layout/hierarchy3"/>
     <dgm:cxn modelId="{B4043F6D-8585-491C-810E-4D3489262E94}" srcId="{2B2DEDEA-5E81-4B72-9397-1061132DA5DA}" destId="{98684F13-29CD-4062-A3A5-FCDC18E22F81}" srcOrd="1" destOrd="0" parTransId="{8BD53D59-9DFD-4D24-B451-048DA67BA87B}" sibTransId="{7A2C8410-285A-4CD4-AA97-A5189B444C8B}"/>
     <dgm:cxn modelId="{C1B8C170-E4FF-4C4B-A453-59F1A2AAFF96}" srcId="{6F093327-FBF9-4204-AA5F-DF0F2E359F29}" destId="{9B84F408-E824-4EF2-9E65-7C71ED0B62C0}" srcOrd="0" destOrd="0" parTransId="{001D46AC-D93F-4BD8-BE41-AAED3DE7022F}" sibTransId="{F0F9170D-0A85-4D5A-B460-1BE1B80A4E0E}"/>
-    <dgm:cxn modelId="{58EBEE51-F305-4D6A-BC7F-F0C6275D165D}" type="presOf" srcId="{9034340D-39FC-4F19-99AC-4A5B50CEF7AC}" destId="{E3AF89EB-D784-4829-BFCA-B3D056799E58}" srcOrd="0" destOrd="0" presId="urn:microsoft.com/office/officeart/2005/8/layout/target2"/>
-    <dgm:cxn modelId="{47F44E73-9296-4A8D-8876-931C8C93A3FD}" type="presOf" srcId="{DF0EFF98-7B92-4F25-9718-138B5BCBBD26}" destId="{51B241C7-CB37-4504-91B5-D28D15811FBA}" srcOrd="0" destOrd="0" presId="urn:microsoft.com/office/officeart/2005/8/layout/target2"/>
+    <dgm:cxn modelId="{7A08CF77-CF13-43A8-901C-42EB2C21037D}" type="presOf" srcId="{98684F13-29CD-4062-A3A5-FCDC18E22F81}" destId="{4026E131-8822-4559-ABBB-37BD12BEA3F8}" srcOrd="0" destOrd="0" presId="urn:microsoft.com/office/officeart/2005/8/layout/hierarchy3"/>
+    <dgm:cxn modelId="{6721BD84-12F8-4FC0-9164-09C2E772B084}" type="presOf" srcId="{C3A96F2F-4BD5-4B44-B692-1A5F5C56127D}" destId="{C0B18583-EC8E-4CFD-B616-AA74FA377414}" srcOrd="0" destOrd="0" presId="urn:microsoft.com/office/officeart/2005/8/layout/hierarchy3"/>
     <dgm:cxn modelId="{9C415A8B-8674-4D2F-8CDF-84BD9A4B7773}" srcId="{2B2DEDEA-5E81-4B72-9397-1061132DA5DA}" destId="{6F093327-FBF9-4204-AA5F-DF0F2E359F29}" srcOrd="0" destOrd="0" parTransId="{272C718F-D9C1-41CD-ABDE-534981BEE9A7}" sibTransId="{CD1AD266-7C00-48F8-8E2F-8423A65C8994}"/>
+    <dgm:cxn modelId="{314AD48D-9FFB-4801-9F22-87B65C1985E1}" type="presOf" srcId="{FD68BB2B-BC85-4F19-9CD3-9E68C92D0208}" destId="{F8C73767-DF3E-4263-8A43-1558C1BD7C47}" srcOrd="0" destOrd="0" presId="urn:microsoft.com/office/officeart/2005/8/layout/hierarchy3"/>
     <dgm:cxn modelId="{6284A68E-2FBA-4193-B920-7655EA1215F7}" srcId="{2B2DEDEA-5E81-4B72-9397-1061132DA5DA}" destId="{DF0EFF98-7B92-4F25-9718-138B5BCBBD26}" srcOrd="2" destOrd="0" parTransId="{7C43DA07-6030-4F98-963E-CAC7DBB2198C}" sibTransId="{239D60B8-8812-477A-A500-1D28AEF55368}"/>
-    <dgm:cxn modelId="{641CD2B5-EFB1-4ACC-AEF8-02DB14655839}" type="presOf" srcId="{2B2DEDEA-5E81-4B72-9397-1061132DA5DA}" destId="{40515642-798D-4B35-96BB-C867600EC2F4}" srcOrd="0" destOrd="0" presId="urn:microsoft.com/office/officeart/2005/8/layout/target2"/>
-    <dgm:cxn modelId="{8D8CE5CA-6F2E-4180-A90D-B582619AFA46}" type="presOf" srcId="{6F093327-FBF9-4204-AA5F-DF0F2E359F29}" destId="{7D80CBB9-26F1-4BC7-A53C-313BFEA84526}" srcOrd="0" destOrd="0" presId="urn:microsoft.com/office/officeart/2005/8/layout/target2"/>
+    <dgm:cxn modelId="{BE98A09E-C326-40BB-AB68-9899547FA6F3}" type="presOf" srcId="{3B3FE2E5-20D4-44CF-80E0-F4B67AC64E08}" destId="{5E9A812D-FEFE-49D9-92CE-6CF80A109BA0}" srcOrd="0" destOrd="0" presId="urn:microsoft.com/office/officeart/2005/8/layout/hierarchy3"/>
+    <dgm:cxn modelId="{F7FDD2AF-3DBA-483A-B3F6-1120F50CBA2A}" type="presOf" srcId="{9B84F408-E824-4EF2-9E65-7C71ED0B62C0}" destId="{05FB1409-0853-4358-91CE-AAD9213B46A5}" srcOrd="0" destOrd="0" presId="urn:microsoft.com/office/officeart/2005/8/layout/hierarchy3"/>
+    <dgm:cxn modelId="{D839E3B4-9678-430B-8032-329B6C23276E}" type="presOf" srcId="{001D46AC-D93F-4BD8-BE41-AAED3DE7022F}" destId="{9D811468-BCD2-4317-8FCB-4A96D49A33C8}" srcOrd="0" destOrd="0" presId="urn:microsoft.com/office/officeart/2005/8/layout/hierarchy3"/>
+    <dgm:cxn modelId="{D0D461BB-01F9-4C9D-B3B1-13EBAB2A563F}" type="presOf" srcId="{2DCAB7FD-A5FC-4E7D-B9E8-46E5CF518D32}" destId="{6E353759-39DA-4FBA-9451-3B56252BB5C1}" srcOrd="0" destOrd="0" presId="urn:microsoft.com/office/officeart/2005/8/layout/hierarchy3"/>
+    <dgm:cxn modelId="{8F0D06C1-2611-4A1E-A0B3-DD1EFE4341F5}" type="presOf" srcId="{F2EA01CC-F965-4889-AC4D-500AC90815C4}" destId="{A95E4AF8-B9CA-4D62-A8B1-3737D17BAA69}" srcOrd="0" destOrd="0" presId="urn:microsoft.com/office/officeart/2005/8/layout/hierarchy3"/>
+    <dgm:cxn modelId="{5913E5C8-5157-4921-ACEC-F967DD9CF908}" type="presOf" srcId="{DF0EFF98-7B92-4F25-9718-138B5BCBBD26}" destId="{E79BA209-35AE-488E-92EB-F60F4EEF6BC2}" srcOrd="0" destOrd="0" presId="urn:microsoft.com/office/officeart/2005/8/layout/hierarchy3"/>
     <dgm:cxn modelId="{4BF12ED8-9FD9-487C-8054-28D8BC6FE10F}" srcId="{98684F13-29CD-4062-A3A5-FCDC18E22F81}" destId="{9034340D-39FC-4F19-99AC-4A5B50CEF7AC}" srcOrd="0" destOrd="0" parTransId="{F2EA01CC-F965-4889-AC4D-500AC90815C4}" sibTransId="{ADC87C39-DBB9-4A73-8E71-016F53EA6A7C}"/>
-    <dgm:cxn modelId="{88EDCDD3-791A-4A63-977A-7AEC1A59982B}" type="presParOf" srcId="{40515642-798D-4B35-96BB-C867600EC2F4}" destId="{A47225D5-E3E6-4335-BC76-3627C550A7BB}" srcOrd="0" destOrd="0" presId="urn:microsoft.com/office/officeart/2005/8/layout/target2"/>
-    <dgm:cxn modelId="{6A5AFCED-7FA7-4DA7-BE3E-95D2D17D94E3}" type="presParOf" srcId="{A47225D5-E3E6-4335-BC76-3627C550A7BB}" destId="{7D80CBB9-26F1-4BC7-A53C-313BFEA84526}" srcOrd="0" destOrd="0" presId="urn:microsoft.com/office/officeart/2005/8/layout/target2"/>
-    <dgm:cxn modelId="{711FB211-9234-4C1C-8341-F0730BEE61BB}" type="presParOf" srcId="{A47225D5-E3E6-4335-BC76-3627C550A7BB}" destId="{DD1C9DFC-5038-4EDF-B899-06537B9F42C9}" srcOrd="1" destOrd="0" presId="urn:microsoft.com/office/officeart/2005/8/layout/target2"/>
-    <dgm:cxn modelId="{02430CA1-4951-4522-B8E1-958D8AC97FA8}" type="presParOf" srcId="{DD1C9DFC-5038-4EDF-B899-06537B9F42C9}" destId="{820489D0-F712-438C-8956-6F003DB58CA3}" srcOrd="0" destOrd="0" presId="urn:microsoft.com/office/officeart/2005/8/layout/target2"/>
-    <dgm:cxn modelId="{6C10F6B8-40D4-43E1-B83D-B7FC939532E8}" type="presParOf" srcId="{40515642-798D-4B35-96BB-C867600EC2F4}" destId="{687E571E-A528-4DEE-B05E-43D7BC1C9A31}" srcOrd="1" destOrd="0" presId="urn:microsoft.com/office/officeart/2005/8/layout/target2"/>
-    <dgm:cxn modelId="{49FB2BEA-0CF0-4D2D-82E6-9197F5233F43}" type="presParOf" srcId="{687E571E-A528-4DEE-B05E-43D7BC1C9A31}" destId="{C75AF8DB-E523-4F1D-84CD-CEA4DE8F5D6B}" srcOrd="0" destOrd="0" presId="urn:microsoft.com/office/officeart/2005/8/layout/target2"/>
-    <dgm:cxn modelId="{93F5D6FE-7D47-41C2-938E-A29F9429410D}" type="presParOf" srcId="{687E571E-A528-4DEE-B05E-43D7BC1C9A31}" destId="{BE0FD1B2-FD32-4C63-826B-E0366B628194}" srcOrd="1" destOrd="0" presId="urn:microsoft.com/office/officeart/2005/8/layout/target2"/>
-    <dgm:cxn modelId="{3C54ACAD-A060-4A96-8321-344B8524A98F}" type="presParOf" srcId="{BE0FD1B2-FD32-4C63-826B-E0366B628194}" destId="{E3AF89EB-D784-4829-BFCA-B3D056799E58}" srcOrd="0" destOrd="0" presId="urn:microsoft.com/office/officeart/2005/8/layout/target2"/>
-    <dgm:cxn modelId="{C2029117-E3C2-4215-A865-66E9CCE3AAAD}" type="presParOf" srcId="{40515642-798D-4B35-96BB-C867600EC2F4}" destId="{38758E47-0116-4818-BB09-4DA977F0EC4B}" srcOrd="2" destOrd="0" presId="urn:microsoft.com/office/officeart/2005/8/layout/target2"/>
-    <dgm:cxn modelId="{0147EC05-45A0-4AAF-8998-9B2F5D91A05E}" type="presParOf" srcId="{38758E47-0116-4818-BB09-4DA977F0EC4B}" destId="{51B241C7-CB37-4504-91B5-D28D15811FBA}" srcOrd="0" destOrd="0" presId="urn:microsoft.com/office/officeart/2005/8/layout/target2"/>
-    <dgm:cxn modelId="{3B322925-FBB7-40C7-B148-F5DFB491D3B2}" type="presParOf" srcId="{38758E47-0116-4818-BB09-4DA977F0EC4B}" destId="{8ACC5604-7650-4810-B2A8-B40849739F1E}" srcOrd="1" destOrd="0" presId="urn:microsoft.com/office/officeart/2005/8/layout/target2"/>
-    <dgm:cxn modelId="{EC369C04-57EB-46F8-BC96-A94966343172}" type="presParOf" srcId="{8ACC5604-7650-4810-B2A8-B40849739F1E}" destId="{DC4C0267-EBFE-4793-A7A5-CE1C28B7D83B}" srcOrd="0" destOrd="0" presId="urn:microsoft.com/office/officeart/2005/8/layout/target2"/>
+    <dgm:cxn modelId="{75FEA9E5-0C72-413F-BBF4-D9D52FDEC24A}" type="presOf" srcId="{2DE45EF7-710F-42B7-A358-F20F5D8FAC00}" destId="{99B79FF0-FBD9-4516-B486-8B9E0F4C5A28}" srcOrd="0" destOrd="0" presId="urn:microsoft.com/office/officeart/2005/8/layout/hierarchy3"/>
+    <dgm:cxn modelId="{94C2F8E8-685B-406F-A452-319AA06DA32B}" type="presOf" srcId="{DF0EFF98-7B92-4F25-9718-138B5BCBBD26}" destId="{E110F2BC-A7E9-4F30-B59F-067A1312BA67}" srcOrd="1" destOrd="0" presId="urn:microsoft.com/office/officeart/2005/8/layout/hierarchy3"/>
+    <dgm:cxn modelId="{F8A77EFE-9F91-4D36-9DB2-97235DB78792}" type="presOf" srcId="{2B2DEDEA-5E81-4B72-9397-1061132DA5DA}" destId="{8BAFB517-E3BF-49FE-B672-3BADD30AB96D}" srcOrd="0" destOrd="0" presId="urn:microsoft.com/office/officeart/2005/8/layout/hierarchy3"/>
+    <dgm:cxn modelId="{B06174F8-1A1E-4177-9B84-1908F02F25AF}" type="presParOf" srcId="{8BAFB517-E3BF-49FE-B672-3BADD30AB96D}" destId="{A1D82D7E-6732-4EEB-A05E-4F4C07F7B11E}" srcOrd="0" destOrd="0" presId="urn:microsoft.com/office/officeart/2005/8/layout/hierarchy3"/>
+    <dgm:cxn modelId="{66825740-30FC-4DA3-9190-5A7CF9377E2C}" type="presParOf" srcId="{A1D82D7E-6732-4EEB-A05E-4F4C07F7B11E}" destId="{A97699B4-14A9-4389-8BF3-20A8B6FD30E5}" srcOrd="0" destOrd="0" presId="urn:microsoft.com/office/officeart/2005/8/layout/hierarchy3"/>
+    <dgm:cxn modelId="{68485373-C9C8-4F02-BF96-E8EE24A02195}" type="presParOf" srcId="{A97699B4-14A9-4389-8BF3-20A8B6FD30E5}" destId="{1B4C8FB6-5901-4503-985F-B76E1712D1F4}" srcOrd="0" destOrd="0" presId="urn:microsoft.com/office/officeart/2005/8/layout/hierarchy3"/>
+    <dgm:cxn modelId="{D66BD1FD-F324-4262-A72C-B0973F6748F6}" type="presParOf" srcId="{A97699B4-14A9-4389-8BF3-20A8B6FD30E5}" destId="{5120FE10-68A7-4854-9399-A3169BD587C1}" srcOrd="1" destOrd="0" presId="urn:microsoft.com/office/officeart/2005/8/layout/hierarchy3"/>
+    <dgm:cxn modelId="{6467308E-29F0-48F8-8584-CB727104E5B9}" type="presParOf" srcId="{A1D82D7E-6732-4EEB-A05E-4F4C07F7B11E}" destId="{340D2194-69F5-4EC1-A45B-E384B74C081E}" srcOrd="1" destOrd="0" presId="urn:microsoft.com/office/officeart/2005/8/layout/hierarchy3"/>
+    <dgm:cxn modelId="{6B96CB29-C128-40CA-8A83-782BCF1541EB}" type="presParOf" srcId="{340D2194-69F5-4EC1-A45B-E384B74C081E}" destId="{9D811468-BCD2-4317-8FCB-4A96D49A33C8}" srcOrd="0" destOrd="0" presId="urn:microsoft.com/office/officeart/2005/8/layout/hierarchy3"/>
+    <dgm:cxn modelId="{36DF9356-7A74-49D4-9E45-93520F778E5F}" type="presParOf" srcId="{340D2194-69F5-4EC1-A45B-E384B74C081E}" destId="{05FB1409-0853-4358-91CE-AAD9213B46A5}" srcOrd="1" destOrd="0" presId="urn:microsoft.com/office/officeart/2005/8/layout/hierarchy3"/>
+    <dgm:cxn modelId="{264A53CE-9CC6-4ACE-8D04-07FBD41816C1}" type="presParOf" srcId="{8BAFB517-E3BF-49FE-B672-3BADD30AB96D}" destId="{F8B078FB-7921-4FA9-8CDD-B34566127AE9}" srcOrd="1" destOrd="0" presId="urn:microsoft.com/office/officeart/2005/8/layout/hierarchy3"/>
+    <dgm:cxn modelId="{8A0DFA3B-4383-4056-9C9A-F34159C4C365}" type="presParOf" srcId="{F8B078FB-7921-4FA9-8CDD-B34566127AE9}" destId="{2381147E-1608-4F7A-BD8F-B4B88E7388A2}" srcOrd="0" destOrd="0" presId="urn:microsoft.com/office/officeart/2005/8/layout/hierarchy3"/>
+    <dgm:cxn modelId="{B54A9F1E-B524-4191-A29E-AC36932C7855}" type="presParOf" srcId="{2381147E-1608-4F7A-BD8F-B4B88E7388A2}" destId="{4026E131-8822-4559-ABBB-37BD12BEA3F8}" srcOrd="0" destOrd="0" presId="urn:microsoft.com/office/officeart/2005/8/layout/hierarchy3"/>
+    <dgm:cxn modelId="{9770F31D-6B5E-44C4-A3CF-1B48FFDFFBFA}" type="presParOf" srcId="{2381147E-1608-4F7A-BD8F-B4B88E7388A2}" destId="{21624866-24DE-4A08-B6BD-E0116073D14D}" srcOrd="1" destOrd="0" presId="urn:microsoft.com/office/officeart/2005/8/layout/hierarchy3"/>
+    <dgm:cxn modelId="{6F03E4A4-9B2F-4622-A759-3A2E24B9C58A}" type="presParOf" srcId="{F8B078FB-7921-4FA9-8CDD-B34566127AE9}" destId="{0EEC13E3-9863-448E-B523-50D1E2874427}" srcOrd="1" destOrd="0" presId="urn:microsoft.com/office/officeart/2005/8/layout/hierarchy3"/>
+    <dgm:cxn modelId="{345D62ED-B0EE-43F3-A4E1-B5E42499B08F}" type="presParOf" srcId="{0EEC13E3-9863-448E-B523-50D1E2874427}" destId="{A95E4AF8-B9CA-4D62-A8B1-3737D17BAA69}" srcOrd="0" destOrd="0" presId="urn:microsoft.com/office/officeart/2005/8/layout/hierarchy3"/>
+    <dgm:cxn modelId="{F6FA0A79-A009-4254-A375-F0A1A18E6C91}" type="presParOf" srcId="{0EEC13E3-9863-448E-B523-50D1E2874427}" destId="{E5039CAD-FE40-453B-8210-B6B58372766B}" srcOrd="1" destOrd="0" presId="urn:microsoft.com/office/officeart/2005/8/layout/hierarchy3"/>
+    <dgm:cxn modelId="{B63FAD35-C4D5-4D53-BB2D-9B091DB80DCD}" type="presParOf" srcId="{8BAFB517-E3BF-49FE-B672-3BADD30AB96D}" destId="{7AED572A-6F25-4647-9D5A-5F74AEAE35BB}" srcOrd="2" destOrd="0" presId="urn:microsoft.com/office/officeart/2005/8/layout/hierarchy3"/>
+    <dgm:cxn modelId="{3523F504-EE1B-4C5F-9F67-0027860BD57D}" type="presParOf" srcId="{7AED572A-6F25-4647-9D5A-5F74AEAE35BB}" destId="{218AD3EE-F2B6-4C87-B873-AE9EA4B4F37A}" srcOrd="0" destOrd="0" presId="urn:microsoft.com/office/officeart/2005/8/layout/hierarchy3"/>
+    <dgm:cxn modelId="{7D5A3A6B-7C79-4796-9840-A017658E17FC}" type="presParOf" srcId="{218AD3EE-F2B6-4C87-B873-AE9EA4B4F37A}" destId="{E79BA209-35AE-488E-92EB-F60F4EEF6BC2}" srcOrd="0" destOrd="0" presId="urn:microsoft.com/office/officeart/2005/8/layout/hierarchy3"/>
+    <dgm:cxn modelId="{1BF10AAE-DD46-42A0-8E46-40317B7D9813}" type="presParOf" srcId="{218AD3EE-F2B6-4C87-B873-AE9EA4B4F37A}" destId="{E110F2BC-A7E9-4F30-B59F-067A1312BA67}" srcOrd="1" destOrd="0" presId="urn:microsoft.com/office/officeart/2005/8/layout/hierarchy3"/>
+    <dgm:cxn modelId="{808E4788-DC67-426A-A9BA-C23219996C67}" type="presParOf" srcId="{7AED572A-6F25-4647-9D5A-5F74AEAE35BB}" destId="{8B3994E1-C202-4AFB-9298-5063D7D53900}" srcOrd="1" destOrd="0" presId="urn:microsoft.com/office/officeart/2005/8/layout/hierarchy3"/>
+    <dgm:cxn modelId="{1C68FCEA-2010-4D79-9FA0-D3B4C341870E}" type="presParOf" srcId="{8B3994E1-C202-4AFB-9298-5063D7D53900}" destId="{6E353759-39DA-4FBA-9451-3B56252BB5C1}" srcOrd="0" destOrd="0" presId="urn:microsoft.com/office/officeart/2005/8/layout/hierarchy3"/>
+    <dgm:cxn modelId="{559447DA-17F2-4AAA-B846-66EEA9F98CAA}" type="presParOf" srcId="{8B3994E1-C202-4AFB-9298-5063D7D53900}" destId="{99B79FF0-FBD9-4516-B486-8B9E0F4C5A28}" srcOrd="1" destOrd="0" presId="urn:microsoft.com/office/officeart/2005/8/layout/hierarchy3"/>
+    <dgm:cxn modelId="{A182FAC5-41EA-4BDE-B919-597A101C3C73}" type="presParOf" srcId="{8BAFB517-E3BF-49FE-B672-3BADD30AB96D}" destId="{1D79F29F-7932-49D2-8912-A1C49721E3FF}" srcOrd="3" destOrd="0" presId="urn:microsoft.com/office/officeart/2005/8/layout/hierarchy3"/>
+    <dgm:cxn modelId="{BDE4B531-8150-4204-B1D7-D14D86449F47}" type="presParOf" srcId="{1D79F29F-7932-49D2-8912-A1C49721E3FF}" destId="{975E13B5-AFD0-43A0-B11D-6873D8144586}" srcOrd="0" destOrd="0" presId="urn:microsoft.com/office/officeart/2005/8/layout/hierarchy3"/>
+    <dgm:cxn modelId="{1550496B-D027-4307-A7D0-4DB1721AC92E}" type="presParOf" srcId="{975E13B5-AFD0-43A0-B11D-6873D8144586}" destId="{F8C73767-DF3E-4263-8A43-1558C1BD7C47}" srcOrd="0" destOrd="0" presId="urn:microsoft.com/office/officeart/2005/8/layout/hierarchy3"/>
+    <dgm:cxn modelId="{3C14C6FB-903C-4330-AE53-909445E1B0ED}" type="presParOf" srcId="{975E13B5-AFD0-43A0-B11D-6873D8144586}" destId="{593991C4-AAAC-4411-A61A-2A29E9D7FEF4}" srcOrd="1" destOrd="0" presId="urn:microsoft.com/office/officeart/2005/8/layout/hierarchy3"/>
+    <dgm:cxn modelId="{A0864703-5A64-4E07-99B3-E543BDD66027}" type="presParOf" srcId="{1D79F29F-7932-49D2-8912-A1C49721E3FF}" destId="{60774A53-C3F7-494A-8EC3-FCE621F8F712}" srcOrd="1" destOrd="0" presId="urn:microsoft.com/office/officeart/2005/8/layout/hierarchy3"/>
+    <dgm:cxn modelId="{3413FF7D-2197-45DC-A388-4A263A6EC221}" type="presParOf" srcId="{60774A53-C3F7-494A-8EC3-FCE621F8F712}" destId="{5E9A812D-FEFE-49D9-92CE-6CF80A109BA0}" srcOrd="0" destOrd="0" presId="urn:microsoft.com/office/officeart/2005/8/layout/hierarchy3"/>
+    <dgm:cxn modelId="{FDCAB976-BA8A-49CD-95A4-9B0225D9A875}" type="presParOf" srcId="{60774A53-C3F7-494A-8EC3-FCE621F8F712}" destId="{C0B18583-EC8E-4CFD-B616-AA74FA377414}" srcOrd="1" destOrd="0" presId="urn:microsoft.com/office/officeart/2005/8/layout/hierarchy3"/>
   </dgm:cxnLst>
   <dgm:bg/>
   <dgm:whole/>
   <dgm:extLst>
     <a:ext uri="http://schemas.microsoft.com/office/drawing/2008/diagram">
-      <dsp:dataModelExt xmlns:dsp="http://schemas.microsoft.com/office/drawing/2008/diagram" relId="rId7" minVer="http://schemas.openxmlformats.org/drawingml/2006/diagram"/>
+      <dsp:dataModelExt xmlns:dsp="http://schemas.microsoft.com/office/drawing/2008/diagram" relId="rId10" minVer="http://schemas.openxmlformats.org/drawingml/2006/diagram"/>
     </a:ext>
   </dgm:extLst>
 </dgm:dataModel>
@@ -4388,19 +4512,19 @@
       <dsp:cNvGrpSpPr/>
     </dsp:nvGrpSpPr>
     <dsp:grpSpPr/>
-    <dsp:sp modelId="{7D80CBB9-26F1-4BC7-A53C-313BFEA84526}">
+    <dsp:sp modelId="{1B4C8FB6-5901-4503-985F-B76E1712D1F4}">
       <dsp:nvSpPr>
         <dsp:cNvPr id="0" name=""/>
         <dsp:cNvSpPr/>
       </dsp:nvSpPr>
       <dsp:spPr>
         <a:xfrm>
-          <a:off x="0" y="0"/>
-          <a:ext cx="6096000" cy="4064000"/>
+          <a:off x="1116" y="1310369"/>
+          <a:ext cx="1282898" cy="641449"/>
         </a:xfrm>
         <a:prstGeom prst="roundRect">
           <a:avLst>
-            <a:gd name="adj" fmla="val 8500"/>
+            <a:gd name="adj" fmla="val 10000"/>
           </a:avLst>
         </a:prstGeom>
         <a:solidFill>
@@ -4439,12 +4563,12 @@
         </a:fontRef>
       </dsp:style>
       <dsp:txBody>
-        <a:bodyPr spcFirstLastPara="0" vert="horz" wrap="square" lIns="114300" tIns="114300" rIns="114300" bIns="3154116" numCol="1" spcCol="1270" anchor="t" anchorCtr="0">
+        <a:bodyPr spcFirstLastPara="0" vert="horz" wrap="square" lIns="59055" tIns="39370" rIns="59055" bIns="39370" numCol="1" spcCol="1270" anchor="ctr" anchorCtr="0">
           <a:noAutofit/>
         </a:bodyPr>
         <a:lstStyle/>
         <a:p>
-          <a:pPr marL="0" lvl="0" indent="0" algn="r" defTabSz="1333500" rtl="1">
+          <a:pPr marL="0" lvl="0" indent="0" algn="ctr" defTabSz="1377950" rtl="1">
             <a:lnSpc>
               <a:spcPct val="90000"/>
             </a:lnSpc>
@@ -4457,30 +4581,88 @@
             <a:buNone/>
           </a:pPr>
           <a:r>
-            <a:rPr lang="en-US" sz="3000" kern="1200" dirty="0"/>
+            <a:rPr lang="en-US" sz="3100" kern="1200" dirty="0"/>
             <a:t>ABC</a:t>
           </a:r>
-          <a:endParaRPr lang="he-IL" sz="3000" kern="1200" dirty="0"/>
+          <a:endParaRPr lang="he-IL" sz="3100" kern="1200" dirty="0"/>
         </a:p>
       </dsp:txBody>
       <dsp:txXfrm>
-        <a:off x="101176" y="101176"/>
-        <a:ext cx="5893648" cy="3861648"/>
+        <a:off x="19903" y="1329156"/>
+        <a:ext cx="1245324" cy="603875"/>
       </dsp:txXfrm>
     </dsp:sp>
-    <dsp:sp modelId="{820489D0-F712-438C-8956-6F003DB58CA3}">
+    <dsp:sp modelId="{9D811468-BCD2-4317-8FCB-4A96D49A33C8}">
       <dsp:nvSpPr>
         <dsp:cNvPr id="0" name=""/>
         <dsp:cNvSpPr/>
       </dsp:nvSpPr>
       <dsp:spPr>
         <a:xfrm>
-          <a:off x="152400" y="1016000"/>
-          <a:ext cx="914400" cy="2844800"/>
+          <a:off x="129406" y="1951818"/>
+          <a:ext cx="128289" cy="481086"/>
+        </a:xfrm>
+        <a:custGeom>
+          <a:avLst/>
+          <a:gdLst/>
+          <a:ahLst/>
+          <a:cxnLst/>
+          <a:rect l="0" t="0" r="0" b="0"/>
+          <a:pathLst>
+            <a:path>
+              <a:moveTo>
+                <a:pt x="0" y="0"/>
+              </a:moveTo>
+              <a:lnTo>
+                <a:pt x="0" y="481086"/>
+              </a:lnTo>
+              <a:lnTo>
+                <a:pt x="128289" y="481086"/>
+              </a:lnTo>
+            </a:path>
+          </a:pathLst>
+        </a:custGeom>
+        <a:noFill/>
+        <a:ln w="15875" cap="flat" cmpd="sng" algn="ctr">
+          <a:solidFill>
+            <a:schemeClr val="accent1">
+              <a:shade val="60000"/>
+              <a:hueOff val="0"/>
+              <a:satOff val="0"/>
+              <a:lumOff val="0"/>
+              <a:alphaOff val="0"/>
+            </a:schemeClr>
+          </a:solidFill>
+          <a:prstDash val="solid"/>
+        </a:ln>
+        <a:effectLst/>
+      </dsp:spPr>
+      <dsp:style>
+        <a:lnRef idx="2">
+          <a:scrgbClr r="0" g="0" b="0"/>
+        </a:lnRef>
+        <a:fillRef idx="0">
+          <a:scrgbClr r="0" g="0" b="0"/>
+        </a:fillRef>
+        <a:effectRef idx="0">
+          <a:scrgbClr r="0" g="0" b="0"/>
+        </a:effectRef>
+        <a:fontRef idx="minor"/>
+      </dsp:style>
+    </dsp:sp>
+    <dsp:sp modelId="{05FB1409-0853-4358-91CE-AAD9213B46A5}">
+      <dsp:nvSpPr>
+        <dsp:cNvPr id="0" name=""/>
+        <dsp:cNvSpPr/>
+      </dsp:nvSpPr>
+      <dsp:spPr>
+        <a:xfrm>
+          <a:off x="257695" y="2112181"/>
+          <a:ext cx="1026318" cy="641449"/>
         </a:xfrm>
         <a:prstGeom prst="roundRect">
           <a:avLst>
-            <a:gd name="adj" fmla="val 10500"/>
+            <a:gd name="adj" fmla="val 10000"/>
           </a:avLst>
         </a:prstGeom>
         <a:solidFill>
@@ -4518,12 +4700,12 @@
         <a:fontRef idx="minor"/>
       </dsp:style>
       <dsp:txBody>
-        <a:bodyPr spcFirstLastPara="0" vert="horz" wrap="square" lIns="106680" tIns="106680" rIns="106680" bIns="106680" numCol="1" spcCol="1270" anchor="ctr" anchorCtr="0">
+        <a:bodyPr spcFirstLastPara="0" vert="horz" wrap="square" lIns="59055" tIns="39370" rIns="59055" bIns="39370" numCol="1" spcCol="1270" anchor="ctr" anchorCtr="0">
           <a:noAutofit/>
         </a:bodyPr>
         <a:lstStyle/>
         <a:p>
-          <a:pPr marL="0" lvl="0" indent="0" algn="ctr" defTabSz="1244600" rtl="1">
+          <a:pPr marL="0" lvl="0" indent="0" algn="ctr" defTabSz="1377950" rtl="1">
             <a:lnSpc>
               <a:spcPct val="90000"/>
             </a:lnSpc>
@@ -4536,30 +4718,30 @@
             <a:buNone/>
           </a:pPr>
           <a:r>
-            <a:rPr lang="en-US" sz="2800" kern="1200" dirty="0" err="1"/>
+            <a:rPr lang="en-US" sz="3100" kern="1200" dirty="0" err="1"/>
             <a:t>abc</a:t>
           </a:r>
-          <a:endParaRPr lang="he-IL" sz="2800" kern="1200" dirty="0"/>
+          <a:endParaRPr lang="he-IL" sz="3100" kern="1200" dirty="0"/>
         </a:p>
       </dsp:txBody>
       <dsp:txXfrm>
-        <a:off x="180521" y="1044121"/>
-        <a:ext cx="858158" cy="2788558"/>
+        <a:off x="276482" y="2130968"/>
+        <a:ext cx="988744" cy="603875"/>
       </dsp:txXfrm>
     </dsp:sp>
-    <dsp:sp modelId="{C75AF8DB-E523-4F1D-84CD-CEA4DE8F5D6B}">
+    <dsp:sp modelId="{4026E131-8822-4559-ABBB-37BD12BEA3F8}">
       <dsp:nvSpPr>
         <dsp:cNvPr id="0" name=""/>
         <dsp:cNvSpPr/>
       </dsp:nvSpPr>
       <dsp:spPr>
         <a:xfrm>
-          <a:off x="1219200" y="1016000"/>
-          <a:ext cx="4724400" cy="2844800"/>
+          <a:off x="1604739" y="1310369"/>
+          <a:ext cx="1282898" cy="641449"/>
         </a:xfrm>
         <a:prstGeom prst="roundRect">
           <a:avLst>
-            <a:gd name="adj" fmla="val 10500"/>
+            <a:gd name="adj" fmla="val 10000"/>
           </a:avLst>
         </a:prstGeom>
         <a:solidFill>
@@ -4598,12 +4780,12 @@
         </a:fontRef>
       </dsp:style>
       <dsp:txBody>
-        <a:bodyPr spcFirstLastPara="0" vert="horz" wrap="square" lIns="114300" tIns="114300" rIns="114300" bIns="1806448" numCol="1" spcCol="1270" anchor="t" anchorCtr="0">
+        <a:bodyPr spcFirstLastPara="0" vert="horz" wrap="square" lIns="59055" tIns="39370" rIns="59055" bIns="39370" numCol="1" spcCol="1270" anchor="ctr" anchorCtr="0">
           <a:noAutofit/>
         </a:bodyPr>
         <a:lstStyle/>
         <a:p>
-          <a:pPr marL="0" lvl="0" indent="0" algn="r" defTabSz="1333500" rtl="1">
+          <a:pPr marL="0" lvl="0" indent="0" algn="ctr" defTabSz="1377950" rtl="1">
             <a:lnSpc>
               <a:spcPct val="90000"/>
             </a:lnSpc>
@@ -4616,30 +4798,88 @@
             <a:buNone/>
           </a:pPr>
           <a:r>
-            <a:rPr lang="en-US" sz="3000" kern="1200" dirty="0"/>
+            <a:rPr lang="en-US" sz="3100" kern="1200" dirty="0"/>
             <a:t>DEF</a:t>
           </a:r>
-          <a:endParaRPr lang="he-IL" sz="3000" kern="1200" dirty="0"/>
+          <a:endParaRPr lang="he-IL" sz="3100" kern="1200" dirty="0"/>
         </a:p>
       </dsp:txBody>
       <dsp:txXfrm>
-        <a:off x="1306687" y="1103487"/>
-        <a:ext cx="4549426" cy="2669826"/>
+        <a:off x="1623526" y="1329156"/>
+        <a:ext cx="1245324" cy="603875"/>
       </dsp:txXfrm>
     </dsp:sp>
-    <dsp:sp modelId="{E3AF89EB-D784-4829-BFCA-B3D056799E58}">
+    <dsp:sp modelId="{A95E4AF8-B9CA-4D62-A8B1-3737D17BAA69}">
       <dsp:nvSpPr>
         <dsp:cNvPr id="0" name=""/>
         <dsp:cNvSpPr/>
       </dsp:nvSpPr>
       <dsp:spPr>
         <a:xfrm>
-          <a:off x="1337310" y="2011680"/>
-          <a:ext cx="944880" cy="1635760"/>
+          <a:off x="1733029" y="1951818"/>
+          <a:ext cx="128289" cy="481086"/>
+        </a:xfrm>
+        <a:custGeom>
+          <a:avLst/>
+          <a:gdLst/>
+          <a:ahLst/>
+          <a:cxnLst/>
+          <a:rect l="0" t="0" r="0" b="0"/>
+          <a:pathLst>
+            <a:path>
+              <a:moveTo>
+                <a:pt x="0" y="0"/>
+              </a:moveTo>
+              <a:lnTo>
+                <a:pt x="0" y="481086"/>
+              </a:lnTo>
+              <a:lnTo>
+                <a:pt x="128289" y="481086"/>
+              </a:lnTo>
+            </a:path>
+          </a:pathLst>
+        </a:custGeom>
+        <a:noFill/>
+        <a:ln w="15875" cap="flat" cmpd="sng" algn="ctr">
+          <a:solidFill>
+            <a:schemeClr val="accent1">
+              <a:shade val="60000"/>
+              <a:hueOff val="0"/>
+              <a:satOff val="0"/>
+              <a:lumOff val="0"/>
+              <a:alphaOff val="0"/>
+            </a:schemeClr>
+          </a:solidFill>
+          <a:prstDash val="solid"/>
+        </a:ln>
+        <a:effectLst/>
+      </dsp:spPr>
+      <dsp:style>
+        <a:lnRef idx="2">
+          <a:scrgbClr r="0" g="0" b="0"/>
+        </a:lnRef>
+        <a:fillRef idx="0">
+          <a:scrgbClr r="0" g="0" b="0"/>
+        </a:fillRef>
+        <a:effectRef idx="0">
+          <a:scrgbClr r="0" g="0" b="0"/>
+        </a:effectRef>
+        <a:fontRef idx="minor"/>
+      </dsp:style>
+    </dsp:sp>
+    <dsp:sp modelId="{E5039CAD-FE40-453B-8210-B6B58372766B}">
+      <dsp:nvSpPr>
+        <dsp:cNvPr id="0" name=""/>
+        <dsp:cNvSpPr/>
+      </dsp:nvSpPr>
+      <dsp:spPr>
+        <a:xfrm>
+          <a:off x="1861318" y="2112181"/>
+          <a:ext cx="1026318" cy="641449"/>
         </a:xfrm>
         <a:prstGeom prst="roundRect">
           <a:avLst>
-            <a:gd name="adj" fmla="val 10500"/>
+            <a:gd name="adj" fmla="val 10000"/>
           </a:avLst>
         </a:prstGeom>
         <a:solidFill>
@@ -4677,12 +4917,12 @@
         <a:fontRef idx="minor"/>
       </dsp:style>
       <dsp:txBody>
-        <a:bodyPr spcFirstLastPara="0" vert="horz" wrap="square" lIns="106680" tIns="106680" rIns="106680" bIns="106680" numCol="1" spcCol="1270" anchor="ctr" anchorCtr="0">
+        <a:bodyPr spcFirstLastPara="0" vert="horz" wrap="square" lIns="59055" tIns="39370" rIns="59055" bIns="39370" numCol="1" spcCol="1270" anchor="ctr" anchorCtr="0">
           <a:noAutofit/>
         </a:bodyPr>
         <a:lstStyle/>
         <a:p>
-          <a:pPr marL="0" lvl="0" indent="0" algn="ctr" defTabSz="1244600" rtl="1">
+          <a:pPr marL="0" lvl="0" indent="0" algn="ctr" defTabSz="1377950" rtl="1">
             <a:lnSpc>
               <a:spcPct val="90000"/>
             </a:lnSpc>
@@ -4695,30 +4935,30 @@
             <a:buNone/>
           </a:pPr>
           <a:r>
-            <a:rPr lang="en-US" sz="2800" kern="1200" dirty="0"/>
+            <a:rPr lang="en-US" sz="3100" kern="1200" dirty="0"/>
             <a:t>def</a:t>
           </a:r>
-          <a:endParaRPr lang="he-IL" sz="2800" kern="1200" dirty="0"/>
+          <a:endParaRPr lang="he-IL" sz="3100" kern="1200" dirty="0"/>
         </a:p>
       </dsp:txBody>
       <dsp:txXfrm>
-        <a:off x="1366368" y="2040738"/>
-        <a:ext cx="886764" cy="1577644"/>
+        <a:off x="1880105" y="2130968"/>
+        <a:ext cx="988744" cy="603875"/>
       </dsp:txXfrm>
     </dsp:sp>
-    <dsp:sp modelId="{51B241C7-CB37-4504-91B5-D28D15811FBA}">
+    <dsp:sp modelId="{E79BA209-35AE-488E-92EB-F60F4EEF6BC2}">
       <dsp:nvSpPr>
         <dsp:cNvPr id="0" name=""/>
         <dsp:cNvSpPr/>
       </dsp:nvSpPr>
       <dsp:spPr>
         <a:xfrm>
-          <a:off x="2407920" y="2032000"/>
-          <a:ext cx="3383280" cy="1625600"/>
+          <a:off x="3208362" y="1310369"/>
+          <a:ext cx="1282898" cy="641449"/>
         </a:xfrm>
         <a:prstGeom prst="roundRect">
           <a:avLst>
-            <a:gd name="adj" fmla="val 10500"/>
+            <a:gd name="adj" fmla="val 10000"/>
           </a:avLst>
         </a:prstGeom>
         <a:solidFill>
@@ -4757,12 +4997,12 @@
         </a:fontRef>
       </dsp:style>
       <dsp:txBody>
-        <a:bodyPr spcFirstLastPara="0" vert="horz" wrap="square" lIns="114300" tIns="114300" rIns="114300" bIns="917561" numCol="1" spcCol="1270" anchor="t" anchorCtr="0">
+        <a:bodyPr spcFirstLastPara="0" vert="horz" wrap="square" lIns="59055" tIns="39370" rIns="59055" bIns="39370" numCol="1" spcCol="1270" anchor="ctr" anchorCtr="0">
           <a:noAutofit/>
         </a:bodyPr>
         <a:lstStyle/>
         <a:p>
-          <a:pPr marL="0" lvl="0" indent="0" algn="r" defTabSz="1333500" rtl="1">
+          <a:pPr marL="0" lvl="0" indent="0" algn="ctr" defTabSz="1377950" rtl="1">
             <a:lnSpc>
               <a:spcPct val="90000"/>
             </a:lnSpc>
@@ -4775,30 +5015,88 @@
             <a:buNone/>
           </a:pPr>
           <a:r>
-            <a:rPr lang="en-US" sz="3000" kern="1200" dirty="0"/>
+            <a:rPr lang="en-US" sz="3100" kern="1200" dirty="0"/>
             <a:t>GHI</a:t>
           </a:r>
-          <a:endParaRPr lang="he-IL" sz="3000" kern="1200" dirty="0"/>
+          <a:endParaRPr lang="he-IL" sz="3100" kern="1200" dirty="0"/>
         </a:p>
       </dsp:txBody>
       <dsp:txXfrm>
-        <a:off x="2457913" y="2081993"/>
-        <a:ext cx="3283294" cy="1525614"/>
+        <a:off x="3227149" y="1329156"/>
+        <a:ext cx="1245324" cy="603875"/>
       </dsp:txXfrm>
     </dsp:sp>
-    <dsp:sp modelId="{DC4C0267-EBFE-4793-A7A5-CE1C28B7D83B}">
+    <dsp:sp modelId="{6E353759-39DA-4FBA-9451-3B56252BB5C1}">
       <dsp:nvSpPr>
         <dsp:cNvPr id="0" name=""/>
         <dsp:cNvSpPr/>
       </dsp:nvSpPr>
       <dsp:spPr>
         <a:xfrm>
-          <a:off x="2492502" y="2763520"/>
-          <a:ext cx="3214116" cy="731520"/>
+          <a:off x="3336652" y="1951818"/>
+          <a:ext cx="128289" cy="481086"/>
+        </a:xfrm>
+        <a:custGeom>
+          <a:avLst/>
+          <a:gdLst/>
+          <a:ahLst/>
+          <a:cxnLst/>
+          <a:rect l="0" t="0" r="0" b="0"/>
+          <a:pathLst>
+            <a:path>
+              <a:moveTo>
+                <a:pt x="0" y="0"/>
+              </a:moveTo>
+              <a:lnTo>
+                <a:pt x="0" y="481086"/>
+              </a:lnTo>
+              <a:lnTo>
+                <a:pt x="128289" y="481086"/>
+              </a:lnTo>
+            </a:path>
+          </a:pathLst>
+        </a:custGeom>
+        <a:noFill/>
+        <a:ln w="15875" cap="flat" cmpd="sng" algn="ctr">
+          <a:solidFill>
+            <a:schemeClr val="accent1">
+              <a:shade val="60000"/>
+              <a:hueOff val="0"/>
+              <a:satOff val="0"/>
+              <a:lumOff val="0"/>
+              <a:alphaOff val="0"/>
+            </a:schemeClr>
+          </a:solidFill>
+          <a:prstDash val="solid"/>
+        </a:ln>
+        <a:effectLst/>
+      </dsp:spPr>
+      <dsp:style>
+        <a:lnRef idx="2">
+          <a:scrgbClr r="0" g="0" b="0"/>
+        </a:lnRef>
+        <a:fillRef idx="0">
+          <a:scrgbClr r="0" g="0" b="0"/>
+        </a:fillRef>
+        <a:effectRef idx="0">
+          <a:scrgbClr r="0" g="0" b="0"/>
+        </a:effectRef>
+        <a:fontRef idx="minor"/>
+      </dsp:style>
+    </dsp:sp>
+    <dsp:sp modelId="{99B79FF0-FBD9-4516-B486-8B9E0F4C5A28}">
+      <dsp:nvSpPr>
+        <dsp:cNvPr id="0" name=""/>
+        <dsp:cNvSpPr/>
+      </dsp:nvSpPr>
+      <dsp:spPr>
+        <a:xfrm>
+          <a:off x="3464941" y="2112181"/>
+          <a:ext cx="1026318" cy="641449"/>
         </a:xfrm>
         <a:prstGeom prst="roundRect">
           <a:avLst>
-            <a:gd name="adj" fmla="val 10500"/>
+            <a:gd name="adj" fmla="val 10000"/>
           </a:avLst>
         </a:prstGeom>
         <a:solidFill>
@@ -4836,12 +5134,12 @@
         <a:fontRef idx="minor"/>
       </dsp:style>
       <dsp:txBody>
-        <a:bodyPr spcFirstLastPara="0" vert="horz" wrap="square" lIns="106680" tIns="106680" rIns="106680" bIns="106680" numCol="1" spcCol="1270" anchor="ctr" anchorCtr="0">
+        <a:bodyPr spcFirstLastPara="0" vert="horz" wrap="square" lIns="59055" tIns="39370" rIns="59055" bIns="39370" numCol="1" spcCol="1270" anchor="ctr" anchorCtr="0">
           <a:noAutofit/>
         </a:bodyPr>
         <a:lstStyle/>
         <a:p>
-          <a:pPr marL="0" lvl="0" indent="0" algn="ctr" defTabSz="1244600" rtl="1">
+          <a:pPr marL="0" lvl="0" indent="0" algn="ctr" defTabSz="1377950" rtl="1">
             <a:lnSpc>
               <a:spcPct val="90000"/>
             </a:lnSpc>
@@ -4854,15 +5152,232 @@
             <a:buNone/>
           </a:pPr>
           <a:r>
-            <a:rPr lang="en-US" sz="2800" kern="1200" dirty="0" err="1"/>
+            <a:rPr lang="en-US" sz="3100" kern="1200" dirty="0" err="1"/>
             <a:t>ghi</a:t>
           </a:r>
-          <a:endParaRPr lang="he-IL" sz="2800" kern="1200" dirty="0"/>
+          <a:endParaRPr lang="he-IL" sz="3100" kern="1200" dirty="0"/>
         </a:p>
       </dsp:txBody>
       <dsp:txXfrm>
-        <a:off x="2514999" y="2786017"/>
-        <a:ext cx="3169122" cy="686526"/>
+        <a:off x="3483728" y="2130968"/>
+        <a:ext cx="988744" cy="603875"/>
+      </dsp:txXfrm>
+    </dsp:sp>
+    <dsp:sp modelId="{F8C73767-DF3E-4263-8A43-1558C1BD7C47}">
+      <dsp:nvSpPr>
+        <dsp:cNvPr id="0" name=""/>
+        <dsp:cNvSpPr/>
+      </dsp:nvSpPr>
+      <dsp:spPr>
+        <a:xfrm>
+          <a:off x="4811985" y="1310369"/>
+          <a:ext cx="1282898" cy="641449"/>
+        </a:xfrm>
+        <a:prstGeom prst="roundRect">
+          <a:avLst>
+            <a:gd name="adj" fmla="val 10000"/>
+          </a:avLst>
+        </a:prstGeom>
+        <a:solidFill>
+          <a:schemeClr val="accent1">
+            <a:hueOff val="0"/>
+            <a:satOff val="0"/>
+            <a:lumOff val="0"/>
+            <a:alphaOff val="0"/>
+          </a:schemeClr>
+        </a:solidFill>
+        <a:ln w="15875" cap="flat" cmpd="sng" algn="ctr">
+          <a:solidFill>
+            <a:schemeClr val="lt1">
+              <a:hueOff val="0"/>
+              <a:satOff val="0"/>
+              <a:lumOff val="0"/>
+              <a:alphaOff val="0"/>
+            </a:schemeClr>
+          </a:solidFill>
+          <a:prstDash val="solid"/>
+        </a:ln>
+        <a:effectLst/>
+      </dsp:spPr>
+      <dsp:style>
+        <a:lnRef idx="2">
+          <a:scrgbClr r="0" g="0" b="0"/>
+        </a:lnRef>
+        <a:fillRef idx="1">
+          <a:scrgbClr r="0" g="0" b="0"/>
+        </a:fillRef>
+        <a:effectRef idx="0">
+          <a:scrgbClr r="0" g="0" b="0"/>
+        </a:effectRef>
+        <a:fontRef idx="minor">
+          <a:schemeClr val="lt1"/>
+        </a:fontRef>
+      </dsp:style>
+      <dsp:txBody>
+        <a:bodyPr spcFirstLastPara="0" vert="horz" wrap="square" lIns="59055" tIns="39370" rIns="59055" bIns="39370" numCol="1" spcCol="1270" anchor="ctr" anchorCtr="0">
+          <a:noAutofit/>
+        </a:bodyPr>
+        <a:lstStyle/>
+        <a:p>
+          <a:pPr marL="0" lvl="0" indent="0" algn="ctr" defTabSz="1377950" rtl="1">
+            <a:lnSpc>
+              <a:spcPct val="90000"/>
+            </a:lnSpc>
+            <a:spcBef>
+              <a:spcPct val="0"/>
+            </a:spcBef>
+            <a:spcAft>
+              <a:spcPct val="35000"/>
+            </a:spcAft>
+            <a:buNone/>
+          </a:pPr>
+          <a:r>
+            <a:rPr lang="en-US" sz="3100" kern="1200" dirty="0"/>
+            <a:t>JKL</a:t>
+          </a:r>
+          <a:endParaRPr lang="he-IL" sz="3100" kern="1200" dirty="0"/>
+        </a:p>
+      </dsp:txBody>
+      <dsp:txXfrm>
+        <a:off x="4830772" y="1329156"/>
+        <a:ext cx="1245324" cy="603875"/>
+      </dsp:txXfrm>
+    </dsp:sp>
+    <dsp:sp modelId="{5E9A812D-FEFE-49D9-92CE-6CF80A109BA0}">
+      <dsp:nvSpPr>
+        <dsp:cNvPr id="0" name=""/>
+        <dsp:cNvSpPr/>
+      </dsp:nvSpPr>
+      <dsp:spPr>
+        <a:xfrm>
+          <a:off x="4940275" y="1951818"/>
+          <a:ext cx="128289" cy="481086"/>
+        </a:xfrm>
+        <a:custGeom>
+          <a:avLst/>
+          <a:gdLst/>
+          <a:ahLst/>
+          <a:cxnLst/>
+          <a:rect l="0" t="0" r="0" b="0"/>
+          <a:pathLst>
+            <a:path>
+              <a:moveTo>
+                <a:pt x="0" y="0"/>
+              </a:moveTo>
+              <a:lnTo>
+                <a:pt x="0" y="481086"/>
+              </a:lnTo>
+              <a:lnTo>
+                <a:pt x="128289" y="481086"/>
+              </a:lnTo>
+            </a:path>
+          </a:pathLst>
+        </a:custGeom>
+        <a:noFill/>
+        <a:ln w="15875" cap="flat" cmpd="sng" algn="ctr">
+          <a:solidFill>
+            <a:schemeClr val="accent1">
+              <a:shade val="60000"/>
+              <a:hueOff val="0"/>
+              <a:satOff val="0"/>
+              <a:lumOff val="0"/>
+              <a:alphaOff val="0"/>
+            </a:schemeClr>
+          </a:solidFill>
+          <a:prstDash val="solid"/>
+        </a:ln>
+        <a:effectLst/>
+      </dsp:spPr>
+      <dsp:style>
+        <a:lnRef idx="2">
+          <a:scrgbClr r="0" g="0" b="0"/>
+        </a:lnRef>
+        <a:fillRef idx="0">
+          <a:scrgbClr r="0" g="0" b="0"/>
+        </a:fillRef>
+        <a:effectRef idx="0">
+          <a:scrgbClr r="0" g="0" b="0"/>
+        </a:effectRef>
+        <a:fontRef idx="minor"/>
+      </dsp:style>
+    </dsp:sp>
+    <dsp:sp modelId="{C0B18583-EC8E-4CFD-B616-AA74FA377414}">
+      <dsp:nvSpPr>
+        <dsp:cNvPr id="0" name=""/>
+        <dsp:cNvSpPr/>
+      </dsp:nvSpPr>
+      <dsp:spPr>
+        <a:xfrm>
+          <a:off x="5068565" y="2112181"/>
+          <a:ext cx="1026318" cy="641449"/>
+        </a:xfrm>
+        <a:prstGeom prst="roundRect">
+          <a:avLst>
+            <a:gd name="adj" fmla="val 10000"/>
+          </a:avLst>
+        </a:prstGeom>
+        <a:solidFill>
+          <a:schemeClr val="lt1">
+            <a:alpha val="90000"/>
+            <a:hueOff val="0"/>
+            <a:satOff val="0"/>
+            <a:lumOff val="0"/>
+            <a:alphaOff val="0"/>
+          </a:schemeClr>
+        </a:solidFill>
+        <a:ln w="15875" cap="flat" cmpd="sng" algn="ctr">
+          <a:solidFill>
+            <a:schemeClr val="accent1">
+              <a:hueOff val="0"/>
+              <a:satOff val="0"/>
+              <a:lumOff val="0"/>
+              <a:alphaOff val="0"/>
+            </a:schemeClr>
+          </a:solidFill>
+          <a:prstDash val="solid"/>
+        </a:ln>
+        <a:effectLst/>
+      </dsp:spPr>
+      <dsp:style>
+        <a:lnRef idx="2">
+          <a:scrgbClr r="0" g="0" b="0"/>
+        </a:lnRef>
+        <a:fillRef idx="1">
+          <a:scrgbClr r="0" g="0" b="0"/>
+        </a:fillRef>
+        <a:effectRef idx="0">
+          <a:scrgbClr r="0" g="0" b="0"/>
+        </a:effectRef>
+        <a:fontRef idx="minor"/>
+      </dsp:style>
+      <dsp:txBody>
+        <a:bodyPr spcFirstLastPara="0" vert="horz" wrap="square" lIns="59055" tIns="39370" rIns="59055" bIns="39370" numCol="1" spcCol="1270" anchor="ctr" anchorCtr="0">
+          <a:noAutofit/>
+        </a:bodyPr>
+        <a:lstStyle/>
+        <a:p>
+          <a:pPr marL="0" lvl="0" indent="0" algn="ctr" defTabSz="1377950" rtl="1">
+            <a:lnSpc>
+              <a:spcPct val="90000"/>
+            </a:lnSpc>
+            <a:spcBef>
+              <a:spcPct val="0"/>
+            </a:spcBef>
+            <a:spcAft>
+              <a:spcPct val="35000"/>
+            </a:spcAft>
+            <a:buNone/>
+          </a:pPr>
+          <a:r>
+            <a:rPr lang="en-US" sz="3100" kern="1200" dirty="0" err="1"/>
+            <a:t>jkl</a:t>
+          </a:r>
+          <a:endParaRPr lang="he-IL" sz="3100" kern="1200" dirty="0"/>
+        </a:p>
+      </dsp:txBody>
+      <dsp:txXfrm>
+        <a:off x="5087352" y="2130968"/>
+        <a:ext cx="988744" cy="603875"/>
       </dsp:txXfrm>
     </dsp:sp>
   </dsp:spTree>
@@ -4870,11 +5385,14 @@
 </file>
 
 <file path=ppt/diagrams/layout1.xml><?xml version="1.0" encoding="utf-8"?>
-<dgm:layoutDef xmlns:dgm="http://schemas.openxmlformats.org/drawingml/2006/diagram" xmlns:a="http://schemas.openxmlformats.org/drawingml/2006/main" uniqueId="urn:microsoft.com/office/officeart/2005/8/layout/target2">
+<dgm:layoutDef xmlns:dgm="http://schemas.openxmlformats.org/drawingml/2006/diagram" xmlns:a="http://schemas.openxmlformats.org/drawingml/2006/main" uniqueId="urn:microsoft.com/office/officeart/2005/8/layout/hierarchy3">
   <dgm:title val=""/>
   <dgm:desc val=""/>
   <dgm:catLst>
-    <dgm:cat type="relationship" pri="12000"/>
+    <dgm:cat type="hierarchy" pri="7000"/>
+    <dgm:cat type="list" pri="23000"/>
+    <dgm:cat type="relationship" pri="15000"/>
+    <dgm:cat type="convert" pri="7000"/>
   </dgm:catLst>
   <dgm:sampData>
     <dgm:dataModel>
@@ -4898,26 +5416,14 @@
         <dgm:pt modelId="22">
           <dgm:prSet phldr="1"/>
         </dgm:pt>
-        <dgm:pt modelId="3">
-          <dgm:prSet phldr="1"/>
-        </dgm:pt>
-        <dgm:pt modelId="31">
-          <dgm:prSet phldr="1"/>
-        </dgm:pt>
-        <dgm:pt modelId="32">
-          <dgm:prSet phldr="1"/>
-        </dgm:pt>
       </dgm:ptLst>
       <dgm:cxnLst>
         <dgm:cxn modelId="4" srcId="0" destId="1" srcOrd="0" destOrd="0"/>
-        <dgm:cxn modelId="5" srcId="0" destId="2" srcOrd="1" destOrd="0"/>
-        <dgm:cxn modelId="6" srcId="0" destId="3" srcOrd="2" destOrd="0"/>
-        <dgm:cxn modelId="13" srcId="1" destId="11" srcOrd="0" destOrd="0"/>
-        <dgm:cxn modelId="14" srcId="1" destId="12" srcOrd="1" destOrd="0"/>
-        <dgm:cxn modelId="23" srcId="2" destId="21" srcOrd="0" destOrd="0"/>
-        <dgm:cxn modelId="24" srcId="2" destId="22" srcOrd="1" destOrd="0"/>
-        <dgm:cxn modelId="33" srcId="3" destId="31" srcOrd="0" destOrd="0"/>
-        <dgm:cxn modelId="34" srcId="3" destId="32" srcOrd="1" destOrd="0"/>
+        <dgm:cxn modelId="5" srcId="1" destId="11" srcOrd="0" destOrd="0"/>
+        <dgm:cxn modelId="6" srcId="1" destId="12" srcOrd="1" destOrd="0"/>
+        <dgm:cxn modelId="7" srcId="0" destId="2" srcOrd="1" destOrd="0"/>
+        <dgm:cxn modelId="8" srcId="2" destId="21" srcOrd="0" destOrd="0"/>
+        <dgm:cxn modelId="9" srcId="2" destId="22" srcOrd="1" destOrd="0"/>
       </dgm:cxnLst>
       <dgm:bg/>
       <dgm:whole/>
@@ -4969,684 +5475,203 @@
       <dgm:whole/>
     </dgm:dataModel>
   </dgm:clrData>
-  <dgm:layoutNode name="Name0">
+  <dgm:layoutNode name="diagram">
     <dgm:varLst>
-      <dgm:chMax val="3"/>
       <dgm:chPref val="1"/>
       <dgm:dir/>
+      <dgm:animOne val="branch"/>
       <dgm:animLvl val="lvl"/>
       <dgm:resizeHandles/>
     </dgm:varLst>
-    <dgm:alg type="composite">
-      <dgm:param type="horzAlign" val="none"/>
-      <dgm:param type="vertAlign" val="none"/>
-    </dgm:alg>
+    <dgm:choose name="Name0">
+      <dgm:if name="Name1" func="var" arg="dir" op="equ" val="norm">
+        <dgm:alg type="hierChild">
+          <dgm:param type="linDir" val="fromL"/>
+        </dgm:alg>
+      </dgm:if>
+      <dgm:else name="Name2">
+        <dgm:alg type="hierChild">
+          <dgm:param type="linDir" val="fromR"/>
+        </dgm:alg>
+      </dgm:else>
+    </dgm:choose>
     <dgm:shape xmlns:r="http://schemas.openxmlformats.org/officeDocument/2006/relationships" r:blip="">
       <dgm:adjLst/>
     </dgm:shape>
     <dgm:presOf/>
-    <dgm:choose name="Name1">
-      <dgm:if name="Name2" func="var" arg="dir" op="equ" val="norm">
-        <dgm:choose name="Name3">
-          <dgm:if name="Name4" axis="ch ch" ptType="node node" st="1 1" cnt="1 0" func="cnt" op="gt" val="0">
-            <dgm:choose name="Name5">
-              <dgm:if name="Name6" axis="ch ch" ptType="node node" st="2 1" cnt="1 0" func="cnt" op="gt" val="0">
-                <dgm:constrLst>
-                  <dgm:constr type="primFontSz" for="des" forName="middleBoxParent" val="65"/>
-                  <dgm:constr type="primFontSz" for="des" forName="mChild" val="65"/>
-                  <dgm:constr type="primFontSz" for="des" forName="outerBoxParent" refType="primFontSz" refFor="des" refForName="middleBoxParent" op="equ"/>
-                  <dgm:constr type="primFontSz" for="des" forName="centerBoxParent" refType="primFontSz" refFor="des" refForName="middleBoxParent" op="equ"/>
-                  <dgm:constr type="primFontSz" for="des" forName="oChild" refType="primFontSz" refFor="des" refForName="mChild" op="equ"/>
-                  <dgm:constr type="primFontSz" for="des" forName="cChild" refType="primFontSz" refFor="des" refForName="mChild" op="equ"/>
-                  <dgm:constr type="l" for="ch" forName="outerBox"/>
-                  <dgm:constr type="t" for="ch" forName="outerBox"/>
-                  <dgm:constr type="w" for="ch" forName="outerBox" refType="w"/>
-                  <dgm:constr type="h" for="ch" forName="outerBox" refType="h"/>
-                  <dgm:constr type="l" for="ch" forName="middleBox" refType="w" fact="0.2"/>
-                  <dgm:constr type="t" for="ch" forName="middleBox" refType="h" fact="0.25"/>
-                  <dgm:constr type="w" for="ch" forName="middleBox" refType="w" fact="0.775"/>
-                  <dgm:constr type="h" for="ch" forName="middleBox" refType="h" fact="0.7"/>
-                  <dgm:constr type="l" for="ch" forName="centerBox" refType="w" fact="0.395"/>
-                  <dgm:constr type="t" for="ch" forName="centerBox" refType="h" fact="0.5"/>
-                  <dgm:constr type="w" for="ch" forName="centerBox" refType="w" fact="0.555"/>
-                  <dgm:constr type="h" for="ch" forName="centerBox" refType="h" fact="0.4"/>
-                  <dgm:constr type="userA" for="des" forName="outerSibTrans" refType="w"/>
-                  <dgm:constr type="userA" for="des" forName="middleSibTrans" refType="w"/>
-                  <dgm:constr type="userA" for="des" forName="centerSibTrans" refType="w"/>
-                </dgm:constrLst>
-              </dgm:if>
-              <dgm:else name="Name7">
-                <dgm:constrLst>
-                  <dgm:constr type="primFontSz" for="des" forName="middleBoxParent" val="65"/>
-                  <dgm:constr type="primFontSz" for="des" forName="mChild" val="65"/>
-                  <dgm:constr type="primFontSz" for="des" forName="outerBoxParent" refType="primFontSz" refFor="des" refForName="middleBoxParent" op="equ"/>
-                  <dgm:constr type="primFontSz" for="des" forName="centerBoxParent" refType="primFontSz" refFor="des" refForName="middleBoxParent" op="equ"/>
-                  <dgm:constr type="primFontSz" for="des" forName="oChild" refType="primFontSz" refFor="des" refForName="mChild" op="equ"/>
-                  <dgm:constr type="primFontSz" for="des" forName="cChild" refType="primFontSz" refFor="des" refForName="mChild" op="equ"/>
-                  <dgm:constr type="l" for="ch" forName="outerBox"/>
-                  <dgm:constr type="t" for="ch" forName="outerBox"/>
-                  <dgm:constr type="w" for="ch" forName="outerBox" refType="w"/>
-                  <dgm:constr type="h" for="ch" forName="outerBox" refType="h"/>
-                  <dgm:constr type="l" for="ch" forName="middleBox" refType="w" fact="0.2"/>
-                  <dgm:constr type="t" for="ch" forName="middleBox" refType="h" fact="0.25"/>
-                  <dgm:constr type="w" for="ch" forName="middleBox" refType="w" fact="0.775"/>
-                  <dgm:constr type="h" for="ch" forName="middleBox" refType="h" fact="0.7"/>
-                  <dgm:constr type="l" for="ch" forName="centerBox" refType="w" fact="0.225"/>
-                  <dgm:constr type="t" for="ch" forName="centerBox" refType="h" fact="0.5"/>
-                  <dgm:constr type="w" for="ch" forName="centerBox" refType="w" fact="0.725"/>
-                  <dgm:constr type="h" for="ch" forName="centerBox" refType="h" fact="0.4"/>
-                  <dgm:constr type="userA" for="des" forName="outerSibTrans" refType="w"/>
-                  <dgm:constr type="userA" for="des" forName="middleSibTrans" refType="w"/>
-                  <dgm:constr type="userA" for="des" forName="centerSibTrans" refType="w"/>
-                </dgm:constrLst>
-              </dgm:else>
-            </dgm:choose>
-          </dgm:if>
-          <dgm:else name="Name8">
-            <dgm:choose name="Name9">
-              <dgm:if name="Name10" axis="ch ch" ptType="node node" st="2 1" cnt="1 0" func="cnt" op="gt" val="0">
-                <dgm:constrLst>
-                  <dgm:constr type="primFontSz" for="des" forName="middleBoxParent" val="65"/>
-                  <dgm:constr type="primFontSz" for="des" forName="mChild" val="65"/>
-                  <dgm:constr type="primFontSz" for="des" forName="outerBoxParent" refType="primFontSz" refFor="des" refForName="middleBoxParent" op="equ"/>
-                  <dgm:constr type="primFontSz" for="des" forName="centerBoxParent" refType="primFontSz" refFor="des" refForName="middleBoxParent" op="equ"/>
-                  <dgm:constr type="primFontSz" for="des" forName="oChild" refType="primFontSz" refFor="des" refForName="mChild" op="equ"/>
-                  <dgm:constr type="primFontSz" for="des" forName="cChild" refType="primFontSz" refFor="des" refForName="mChild" op="equ"/>
-                  <dgm:constr type="l" for="ch" forName="outerBox"/>
-                  <dgm:constr type="t" for="ch" forName="outerBox"/>
-                  <dgm:constr type="w" for="ch" forName="outerBox" refType="w"/>
-                  <dgm:constr type="h" for="ch" forName="outerBox" refType="h"/>
-                  <dgm:constr type="l" for="ch" forName="middleBox" refType="w" fact="0.025"/>
-                  <dgm:constr type="t" for="ch" forName="middleBox" refType="h" fact="0.25"/>
-                  <dgm:constr type="w" for="ch" forName="middleBox" refType="w" fact="0.95"/>
-                  <dgm:constr type="h" for="ch" forName="middleBox" refType="h" fact="0.7"/>
-                  <dgm:constr type="l" for="ch" forName="centerBox" refType="w" fact="0.26"/>
-                  <dgm:constr type="t" for="ch" forName="centerBox" refType="h" fact="0.5"/>
-                  <dgm:constr type="w" for="ch" forName="centerBox" refType="w" fact="0.69"/>
-                  <dgm:constr type="h" for="ch" forName="centerBox" refType="h" fact="0.4"/>
-                  <dgm:constr type="userA" for="des" forName="outerSibTrans" refType="w"/>
-                  <dgm:constr type="userA" for="des" forName="middleSibTrans" refType="w"/>
-                  <dgm:constr type="userA" for="des" forName="centerSibTrans" refType="w"/>
-                </dgm:constrLst>
-              </dgm:if>
-              <dgm:else name="Name11">
-                <dgm:constrLst>
-                  <dgm:constr type="primFontSz" for="des" forName="middleBoxParent" val="65"/>
-                  <dgm:constr type="primFontSz" for="des" forName="mChild" val="65"/>
-                  <dgm:constr type="primFontSz" for="des" forName="outerBoxParent" refType="primFontSz" refFor="des" refForName="middleBoxParent" op="equ"/>
-                  <dgm:constr type="primFontSz" for="des" forName="centerBoxParent" refType="primFontSz" refFor="des" refForName="middleBoxParent" op="equ"/>
-                  <dgm:constr type="primFontSz" for="des" forName="oChild" refType="primFontSz" refFor="des" refForName="mChild" op="equ"/>
-                  <dgm:constr type="primFontSz" for="des" forName="cChild" refType="primFontSz" refFor="des" refForName="mChild" op="equ"/>
-                  <dgm:constr type="l" for="ch" forName="outerBox"/>
-                  <dgm:constr type="t" for="ch" forName="outerBox"/>
-                  <dgm:constr type="w" for="ch" forName="outerBox" refType="w"/>
-                  <dgm:constr type="h" for="ch" forName="outerBox" refType="h"/>
-                  <dgm:constr type="l" for="ch" forName="middleBox" refType="w" fact="0.025"/>
-                  <dgm:constr type="t" for="ch" forName="middleBox" refType="h" fact="0.25"/>
-                  <dgm:constr type="w" for="ch" forName="middleBox" refType="w" fact="0.95"/>
-                  <dgm:constr type="h" for="ch" forName="middleBox" refType="h" fact="0.7"/>
-                  <dgm:constr type="l" for="ch" forName="centerBox" refType="w" fact="0.05"/>
-                  <dgm:constr type="t" for="ch" forName="centerBox" refType="h" fact="0.5"/>
-                  <dgm:constr type="w" for="ch" forName="centerBox" refType="w" fact="0.9"/>
-                  <dgm:constr type="h" for="ch" forName="centerBox" refType="h" fact="0.4"/>
-                  <dgm:constr type="userA" for="des" forName="outerSibTrans" refType="w"/>
-                  <dgm:constr type="userA" for="des" forName="middleSibTrans" refType="w"/>
-                  <dgm:constr type="userA" for="des" forName="centerSibTrans" refType="w"/>
-                </dgm:constrLst>
-              </dgm:else>
-            </dgm:choose>
-          </dgm:else>
-        </dgm:choose>
-      </dgm:if>
-      <dgm:else name="Name12">
-        <dgm:choose name="Name13">
-          <dgm:if name="Name14" axis="ch ch" ptType="node node" st="1 1" cnt="1 0" func="cnt" op="gt" val="0">
-            <dgm:choose name="Name15">
-              <dgm:if name="Name16" axis="ch ch" ptType="node node" st="2 1" cnt="1 0" func="cnt" op="gt" val="0">
-                <dgm:constrLst>
-                  <dgm:constr type="primFontSz" for="des" forName="middleBoxParent" val="65"/>
-                  <dgm:constr type="primFontSz" for="des" forName="mChild" val="65"/>
-                  <dgm:constr type="primFontSz" for="des" forName="outerBoxParent" refType="primFontSz" refFor="des" refForName="middleBoxParent" op="equ"/>
-                  <dgm:constr type="primFontSz" for="des" forName="centerBoxParent" refType="primFontSz" refFor="des" refForName="middleBoxParent" op="equ"/>
-                  <dgm:constr type="primFontSz" for="des" forName="oChild" refType="primFontSz" refFor="des" refForName="mChild" op="equ"/>
-                  <dgm:constr type="primFontSz" for="des" forName="cChild" refType="primFontSz" refFor="des" refForName="mChild" op="equ"/>
-                  <dgm:constr type="l" for="ch" forName="outerBox"/>
-                  <dgm:constr type="t" for="ch" forName="outerBox"/>
-                  <dgm:constr type="w" for="ch" forName="outerBox" refType="w"/>
-                  <dgm:constr type="h" for="ch" forName="outerBox" refType="h"/>
-                  <dgm:constr type="l" for="ch" forName="middleBox" refType="w" fact="0.025"/>
-                  <dgm:constr type="t" for="ch" forName="middleBox" refType="h" fact="0.25"/>
-                  <dgm:constr type="w" for="ch" forName="middleBox" refType="w" fact="0.775"/>
-                  <dgm:constr type="h" for="ch" forName="middleBox" refType="h" fact="0.7"/>
-                  <dgm:constr type="l" for="ch" forName="centerBox" refType="w" fact="0.05"/>
-                  <dgm:constr type="t" for="ch" forName="centerBox" refType="h" fact="0.5"/>
-                  <dgm:constr type="w" for="ch" forName="centerBox" refType="w" fact="0.55"/>
-                  <dgm:constr type="h" for="ch" forName="centerBox" refType="h" fact="0.4"/>
-                  <dgm:constr type="userA" for="des" forName="outerSibTrans" refType="w"/>
-                  <dgm:constr type="userA" for="des" forName="middleSibTrans" refType="w"/>
-                  <dgm:constr type="userA" for="des" forName="centerSibTrans" refType="w"/>
-                </dgm:constrLst>
-              </dgm:if>
-              <dgm:else name="Name17">
-                <dgm:constrLst>
-                  <dgm:constr type="primFontSz" for="des" forName="middleBoxParent" val="65"/>
-                  <dgm:constr type="primFontSz" for="des" forName="mChild" val="65"/>
-                  <dgm:constr type="primFontSz" for="des" forName="outerBoxParent" refType="primFontSz" refFor="des" refForName="middleBoxParent" op="equ"/>
-                  <dgm:constr type="primFontSz" for="des" forName="centerBoxParent" refType="primFontSz" refFor="des" refForName="middleBoxParent" op="equ"/>
-                  <dgm:constr type="primFontSz" for="des" forName="oChild" refType="primFontSz" refFor="des" refForName="mChild" op="equ"/>
-                  <dgm:constr type="primFontSz" for="des" forName="cChild" refType="primFontSz" refFor="des" refForName="mChild" op="equ"/>
-                  <dgm:constr type="l" for="ch" forName="outerBox"/>
-                  <dgm:constr type="t" for="ch" forName="outerBox"/>
-                  <dgm:constr type="w" for="ch" forName="outerBox" refType="w"/>
-                  <dgm:constr type="h" for="ch" forName="outerBox" refType="h"/>
-                  <dgm:constr type="l" for="ch" forName="middleBox" refType="w" fact="0.025"/>
-                  <dgm:constr type="t" for="ch" forName="middleBox" refType="h" fact="0.25"/>
-                  <dgm:constr type="w" for="ch" forName="middleBox" refType="w" fact="0.775"/>
-                  <dgm:constr type="h" for="ch" forName="middleBox" refType="h" fact="0.7"/>
-                  <dgm:constr type="l" for="ch" forName="centerBox" refType="w" fact="0.05"/>
-                  <dgm:constr type="t" for="ch" forName="centerBox" refType="h" fact="0.5"/>
-                  <dgm:constr type="w" for="ch" forName="centerBox" refType="w" fact="0.725"/>
-                  <dgm:constr type="h" for="ch" forName="centerBox" refType="h" fact="0.4"/>
-                  <dgm:constr type="userA" for="des" forName="outerSibTrans" refType="w"/>
-                  <dgm:constr type="userA" for="des" forName="middleSibTrans" refType="w"/>
-                  <dgm:constr type="userA" for="des" forName="centerSibTrans" refType="w"/>
-                </dgm:constrLst>
-              </dgm:else>
-            </dgm:choose>
-          </dgm:if>
-          <dgm:else name="Name18">
-            <dgm:choose name="Name19">
-              <dgm:if name="Name20" axis="ch ch" ptType="node node" st="2 1" cnt="1 0" func="cnt" op="gt" val="0">
-                <dgm:constrLst>
-                  <dgm:constr type="primFontSz" for="des" forName="middleBoxParent" val="65"/>
-                  <dgm:constr type="primFontSz" for="des" forName="mChild" val="65"/>
-                  <dgm:constr type="primFontSz" for="des" forName="outerBoxParent" refType="primFontSz" refFor="des" refForName="middleBoxParent" op="equ"/>
-                  <dgm:constr type="primFontSz" for="des" forName="centerBoxParent" refType="primFontSz" refFor="des" refForName="middleBoxParent" op="equ"/>
-                  <dgm:constr type="primFontSz" for="des" forName="oChild" refType="primFontSz" refFor="des" refForName="mChild" op="equ"/>
-                  <dgm:constr type="primFontSz" for="des" forName="cChild" refType="primFontSz" refFor="des" refForName="mChild" op="equ"/>
-                  <dgm:constr type="l" for="ch" forName="outerBox"/>
-                  <dgm:constr type="t" for="ch" forName="outerBox"/>
-                  <dgm:constr type="w" for="ch" forName="outerBox" refType="w"/>
-                  <dgm:constr type="h" for="ch" forName="outerBox" refType="h"/>
-                  <dgm:constr type="l" for="ch" forName="middleBox" refType="w" fact="0.025"/>
-                  <dgm:constr type="t" for="ch" forName="middleBox" refType="h" fact="0.25"/>
-                  <dgm:constr type="w" for="ch" forName="middleBox" refType="w" fact="0.95"/>
-                  <dgm:constr type="h" for="ch" forName="middleBox" refType="h" fact="0.7"/>
-                  <dgm:constr type="l" for="ch" forName="centerBox" refType="w" fact="0.05"/>
-                  <dgm:constr type="t" for="ch" forName="centerBox" refType="h" fact="0.5"/>
-                  <dgm:constr type="w" for="ch" forName="centerBox" refType="w" fact="0.69"/>
-                  <dgm:constr type="h" for="ch" forName="centerBox" refType="h" fact="0.4"/>
-                  <dgm:constr type="userA" for="des" forName="outerSibTrans" refType="w"/>
-                  <dgm:constr type="userA" for="des" forName="middleSibTrans" refType="w"/>
-                  <dgm:constr type="userA" for="des" forName="centerSibTrans" refType="w"/>
-                </dgm:constrLst>
-              </dgm:if>
-              <dgm:else name="Name21">
-                <dgm:constrLst>
-                  <dgm:constr type="primFontSz" for="des" forName="middleBoxParent" val="65"/>
-                  <dgm:constr type="primFontSz" for="des" forName="mChild" val="65"/>
-                  <dgm:constr type="primFontSz" for="des" forName="outerBoxParent" refType="primFontSz" refFor="des" refForName="middleBoxParent" op="equ"/>
-                  <dgm:constr type="primFontSz" for="des" forName="centerBoxParent" refType="primFontSz" refFor="des" refForName="middleBoxParent" op="equ"/>
-                  <dgm:constr type="primFontSz" for="des" forName="oChild" refType="primFontSz" refFor="des" refForName="mChild" op="equ"/>
-                  <dgm:constr type="primFontSz" for="des" forName="cChild" refType="primFontSz" refFor="des" refForName="mChild" op="equ"/>
-                  <dgm:constr type="l" for="ch" forName="outerBox"/>
-                  <dgm:constr type="t" for="ch" forName="outerBox"/>
-                  <dgm:constr type="w" for="ch" forName="outerBox" refType="w"/>
-                  <dgm:constr type="h" for="ch" forName="outerBox" refType="h"/>
-                  <dgm:constr type="l" for="ch" forName="middleBox" refType="w" fact="0.025"/>
-                  <dgm:constr type="t" for="ch" forName="middleBox" refType="h" fact="0.25"/>
-                  <dgm:constr type="w" for="ch" forName="middleBox" refType="w" fact="0.95"/>
-                  <dgm:constr type="h" for="ch" forName="middleBox" refType="h" fact="0.7"/>
-                  <dgm:constr type="l" for="ch" forName="centerBox" refType="w" fact="0.05"/>
-                  <dgm:constr type="t" for="ch" forName="centerBox" refType="h" fact="0.5"/>
-                  <dgm:constr type="w" for="ch" forName="centerBox" refType="w" fact="0.9"/>
-                  <dgm:constr type="h" for="ch" forName="centerBox" refType="h" fact="0.4"/>
-                  <dgm:constr type="userA" for="des" forName="outerSibTrans" refType="w"/>
-                  <dgm:constr type="userA" for="des" forName="middleSibTrans" refType="w"/>
-                  <dgm:constr type="userA" for="des" forName="centerSibTrans" refType="w"/>
-                </dgm:constrLst>
-              </dgm:else>
-            </dgm:choose>
-          </dgm:else>
-        </dgm:choose>
-      </dgm:else>
-    </dgm:choose>
+    <dgm:constrLst>
+      <dgm:constr type="primFontSz" for="des" forName="rootText" op="equ" val="65"/>
+      <dgm:constr type="primFontSz" for="des" forName="childText" op="equ" val="65"/>
+      <dgm:constr type="w" for="des" forName="rootComposite" refType="w"/>
+      <dgm:constr type="h" for="des" forName="rootComposite" refType="w" fact="0.5"/>
+      <dgm:constr type="w" for="des" forName="childText" refType="w" refFor="des" refForName="rootComposite" fact="0.8"/>
+      <dgm:constr type="h" for="des" forName="childText" refType="h" refFor="des" refForName="rootComposite"/>
+      <dgm:constr type="sibSp" refType="w" refFor="des" refForName="rootComposite" fact="0.25"/>
+      <dgm:constr type="sibSp" for="des" forName="childShape" refType="h" refFor="des" refForName="childText" fact="0.25"/>
+      <dgm:constr type="sp" for="des" forName="root" refType="h" refFor="des" refForName="childText" fact="0.25"/>
+    </dgm:constrLst>
     <dgm:ruleLst/>
-    <dgm:choose name="Name22">
-      <dgm:if name="Name23" axis="root ch" ptType="all node" st="1 1" cnt="0 0" func="cnt" op="gte" val="1">
-        <dgm:layoutNode name="outerBox" styleLbl="node1">
-          <dgm:alg type="composite">
-            <dgm:param type="horzAlign" val="none"/>
-            <dgm:param type="vertAlign" val="none"/>
-          </dgm:alg>
+    <dgm:forEach name="Name3" axis="ch">
+      <dgm:forEach name="Name4" axis="self" ptType="node" cnt="1">
+        <dgm:layoutNode name="root">
+          <dgm:choose name="Name5">
+            <dgm:if name="Name6" func="var" arg="dir" op="equ" val="norm">
+              <dgm:alg type="hierRoot">
+                <dgm:param type="hierAlign" val="tL"/>
+              </dgm:alg>
+            </dgm:if>
+            <dgm:else name="Name7">
+              <dgm:alg type="hierRoot">
+                <dgm:param type="hierAlign" val="tR"/>
+              </dgm:alg>
+            </dgm:else>
+          </dgm:choose>
           <dgm:shape xmlns:r="http://schemas.openxmlformats.org/officeDocument/2006/relationships" r:blip="">
             <dgm:adjLst/>
           </dgm:shape>
           <dgm:presOf/>
-          <dgm:choose name="Name24">
-            <dgm:if name="Name25" axis="root ch" ptType="all node" st="1 1" cnt="0 0" func="cnt" op="gt" val="1">
-              <dgm:choose name="Name26">
-                <dgm:if name="Name27" func="var" arg="dir" op="equ" val="norm">
-                  <dgm:constrLst>
-                    <dgm:constr type="l" for="ch" forName="outerBoxParent"/>
-                    <dgm:constr type="t" for="ch" forName="outerBoxParent"/>
-                    <dgm:constr type="w" for="ch" forName="outerBoxParent" refType="w"/>
-                    <dgm:constr type="h" for="ch" forName="outerBoxParent" refType="h"/>
-                    <dgm:constr type="bMarg" for="ch" forName="outerBoxParent" refType="h" fact="2.2"/>
-                    <dgm:constr type="l" for="ch" forName="outerBoxChildren" refType="w" fact="0.025"/>
-                    <dgm:constr type="t" for="ch" forName="outerBoxChildren" refType="h" fact="0.25"/>
-                    <dgm:constr type="w" for="ch" forName="outerBoxChildren" refType="w" fact="0.15"/>
-                    <dgm:constr type="h" for="ch" forName="outerBoxChildren" refType="h" fact="0.7"/>
-                  </dgm:constrLst>
-                </dgm:if>
-                <dgm:else name="Name28">
-                  <dgm:constrLst>
-                    <dgm:constr type="l" for="ch" forName="outerBoxParent"/>
-                    <dgm:constr type="t" for="ch" forName="outerBoxParent"/>
-                    <dgm:constr type="w" for="ch" forName="outerBoxParent" refType="w"/>
-                    <dgm:constr type="h" for="ch" forName="outerBoxParent" refType="h"/>
-                    <dgm:constr type="bMarg" for="ch" forName="outerBoxParent" refType="h" fact="2.2"/>
-                    <dgm:constr type="l" for="ch" forName="outerBoxChildren" refType="w" fact="0.825"/>
-                    <dgm:constr type="t" for="ch" forName="outerBoxChildren" refType="h" fact="0.25"/>
-                    <dgm:constr type="w" for="ch" forName="outerBoxChildren" refType="w" fact="0.15"/>
-                    <dgm:constr type="h" for="ch" forName="outerBoxChildren" refType="h" fact="0.7"/>
-                  </dgm:constrLst>
-                </dgm:else>
-              </dgm:choose>
-            </dgm:if>
-            <dgm:else name="Name29">
-              <dgm:constrLst>
-                <dgm:constr type="l" for="ch" forName="outerBoxParent"/>
-                <dgm:constr type="t" for="ch" forName="outerBoxParent"/>
-                <dgm:constr type="w" for="ch" forName="outerBoxParent" refType="w"/>
-                <dgm:constr type="h" for="ch" forName="outerBoxParent" refType="h"/>
-                <dgm:constr type="bMarg" for="ch" forName="outerBoxParent" refType="h" fact="1.75"/>
-                <dgm:constr type="l" for="ch" forName="outerBoxChildren" refType="w" fact="0.025"/>
-                <dgm:constr type="t" for="ch" forName="outerBoxChildren" refType="h" fact="0.45"/>
-                <dgm:constr type="w" for="ch" forName="outerBoxChildren" refType="w" fact="0.95"/>
-                <dgm:constr type="h" for="ch" forName="outerBoxChildren" refType="h" fact="0.45"/>
-              </dgm:constrLst>
-            </dgm:else>
-          </dgm:choose>
+          <dgm:constrLst>
+            <dgm:constr type="alignOff" val="0.2"/>
+          </dgm:constrLst>
           <dgm:ruleLst/>
-          <dgm:layoutNode name="outerBoxParent" styleLbl="node1">
-            <dgm:alg type="tx">
-              <dgm:param type="txAnchorVert" val="t"/>
-              <dgm:param type="parTxLTRAlign" val="l"/>
-              <dgm:param type="parTxRTLAlign" val="r"/>
-            </dgm:alg>
-            <dgm:shape xmlns:r="http://schemas.openxmlformats.org/officeDocument/2006/relationships" type="roundRect" r:blip="">
-              <dgm:adjLst>
-                <dgm:adj idx="1" val="0.085"/>
-              </dgm:adjLst>
+          <dgm:layoutNode name="rootComposite">
+            <dgm:alg type="composite"/>
+            <dgm:shape xmlns:r="http://schemas.openxmlformats.org/officeDocument/2006/relationships" r:blip="">
+              <dgm:adjLst/>
             </dgm:shape>
-            <dgm:presOf axis="ch" ptType="node" cnt="1"/>
-            <dgm:constrLst>
-              <dgm:constr type="tMarg" refType="primFontSz" fact="0.3"/>
-              <dgm:constr type="lMarg" refType="primFontSz" fact="0.3"/>
-              <dgm:constr type="rMarg" refType="primFontSz" fact="0.3"/>
-            </dgm:constrLst>
-            <dgm:ruleLst>
-              <dgm:rule type="primFontSz" val="5" fact="NaN" max="NaN"/>
-            </dgm:ruleLst>
-          </dgm:layoutNode>
-          <dgm:layoutNode name="outerBoxChildren">
-            <dgm:choose name="Name30">
-              <dgm:if name="Name31" axis="root ch" ptType="all node" st="1 1" cnt="0 0" func="cnt" op="gt" val="1">
-                <dgm:alg type="lin">
-                  <dgm:param type="linDir" val="fromT"/>
-                  <dgm:param type="vertAlign" val="t"/>
-                </dgm:alg>
+            <dgm:presOf axis="self" ptType="node" cnt="1"/>
+            <dgm:choose name="Name8">
+              <dgm:if name="Name9" func="var" arg="dir" op="equ" val="norm">
+                <dgm:constrLst>
+                  <dgm:constr type="l" for="ch" forName="rootText"/>
+                  <dgm:constr type="t" for="ch" forName="rootText"/>
+                  <dgm:constr type="w" for="ch" forName="rootText" refType="w"/>
+                  <dgm:constr type="h" for="ch" forName="rootText" refType="h"/>
+                  <dgm:constr type="l" for="ch" forName="rootConnector"/>
+                  <dgm:constr type="t" for="ch" forName="rootConnector"/>
+                  <dgm:constr type="w" for="ch" forName="rootConnector" refType="w" refFor="ch" refForName="rootText" fact="0.2"/>
+                  <dgm:constr type="h" for="ch" forName="rootConnector" refType="h" refFor="ch" refForName="rootText"/>
+                </dgm:constrLst>
               </dgm:if>
-              <dgm:else name="Name32">
-                <dgm:choose name="Name33">
-                  <dgm:if name="Name34" func="var" arg="dir" op="equ" val="norm">
-                    <dgm:alg type="lin">
-                      <dgm:param type="horzAlign" val="l"/>
-                    </dgm:alg>
-                  </dgm:if>
-                  <dgm:else name="Name35">
-                    <dgm:alg type="lin">
-                      <dgm:param type="linDir" val="fromR"/>
-                      <dgm:param type="horzAlign" val="r"/>
-                    </dgm:alg>
-                  </dgm:else>
-                </dgm:choose>
+              <dgm:else name="Name10">
+                <dgm:constrLst>
+                  <dgm:constr type="l" for="ch" forName="rootText"/>
+                  <dgm:constr type="t" for="ch" forName="rootText"/>
+                  <dgm:constr type="w" for="ch" forName="rootText" refType="w"/>
+                  <dgm:constr type="h" for="ch" forName="rootText" refType="h"/>
+                  <dgm:constr type="r" for="ch" forName="rootConnector" refType="w"/>
+                  <dgm:constr type="t" for="ch" forName="rootConnector"/>
+                  <dgm:constr type="w" for="ch" forName="rootConnector" refType="w" refFor="ch" refForName="rootText" fact="0.2"/>
+                  <dgm:constr type="h" for="ch" forName="rootConnector" refType="h" refFor="ch" refForName="rootText"/>
+                </dgm:constrLst>
               </dgm:else>
             </dgm:choose>
+            <dgm:ruleLst/>
+            <dgm:layoutNode name="rootText" styleLbl="node1">
+              <dgm:alg type="tx"/>
+              <dgm:shape xmlns:r="http://schemas.openxmlformats.org/officeDocument/2006/relationships" type="roundRect" r:blip="">
+                <dgm:adjLst>
+                  <dgm:adj idx="1" val="0.1"/>
+                </dgm:adjLst>
+              </dgm:shape>
+              <dgm:presOf axis="self" ptType="node" cnt="1"/>
+              <dgm:constrLst>
+                <dgm:constr type="tMarg" refType="primFontSz" fact="0.1"/>
+                <dgm:constr type="bMarg" refType="primFontSz" fact="0.1"/>
+                <dgm:constr type="lMarg" refType="primFontSz" fact="0.15"/>
+                <dgm:constr type="rMarg" refType="primFontSz" fact="0.15"/>
+              </dgm:constrLst>
+              <dgm:ruleLst>
+                <dgm:rule type="primFontSz" val="5" fact="NaN" max="NaN"/>
+              </dgm:ruleLst>
+            </dgm:layoutNode>
+            <dgm:layoutNode name="rootConnector" moveWith="rootText">
+              <dgm:alg type="sp"/>
+              <dgm:shape xmlns:r="http://schemas.openxmlformats.org/officeDocument/2006/relationships" type="roundRect" r:blip="" hideGeom="1">
+                <dgm:adjLst>
+                  <dgm:adj idx="1" val="0.1"/>
+                </dgm:adjLst>
+              </dgm:shape>
+              <dgm:presOf axis="self" ptType="node" cnt="1"/>
+              <dgm:constrLst/>
+              <dgm:ruleLst/>
+            </dgm:layoutNode>
+          </dgm:layoutNode>
+          <dgm:layoutNode name="childShape">
+            <dgm:alg type="hierChild">
+              <dgm:param type="chAlign" val="l"/>
+              <dgm:param type="linDir" val="fromT"/>
+            </dgm:alg>
             <dgm:shape xmlns:r="http://schemas.openxmlformats.org/officeDocument/2006/relationships" r:blip="">
               <dgm:adjLst/>
             </dgm:shape>
             <dgm:presOf/>
-            <dgm:constrLst>
-              <dgm:constr type="w" for="ch" forName="oChild" refType="w"/>
-              <dgm:constr type="h" for="ch" forName="oChild" refType="h"/>
-            </dgm:constrLst>
+            <dgm:constrLst/>
             <dgm:ruleLst/>
-            <dgm:forEach name="Name36" axis="ch ch" ptType="node node" st="1 1" cnt="1 0">
-              <dgm:layoutNode name="oChild" styleLbl="fgAcc1">
-                <dgm:varLst>
-                  <dgm:bulletEnabled val="1"/>
-                </dgm:varLst>
-                <dgm:alg type="tx"/>
-                <dgm:shape xmlns:r="http://schemas.openxmlformats.org/officeDocument/2006/relationships" type="roundRect" r:blip="">
-                  <dgm:adjLst>
-                    <dgm:adj idx="1" val="0.105"/>
-                  </dgm:adjLst>
-                </dgm:shape>
-                <dgm:presOf axis="desOrSelf" ptType="node"/>
-                <dgm:constrLst>
-                  <dgm:constr type="tMarg" refType="primFontSz" fact="0.3"/>
-                  <dgm:constr type="bMarg" refType="primFontSz" fact="0.3"/>
-                  <dgm:constr type="lMarg" refType="primFontSz" fact="0.3"/>
-                  <dgm:constr type="rMarg" refType="primFontSz" fact="0.3"/>
-                </dgm:constrLst>
-                <dgm:ruleLst>
-                  <dgm:rule type="primFontSz" val="5" fact="NaN" max="NaN"/>
-                </dgm:ruleLst>
-              </dgm:layoutNode>
-              <dgm:forEach name="Name37" axis="followSib" ptType="sibTrans" cnt="1">
-                <dgm:layoutNode name="outerSibTrans">
-                  <dgm:alg type="sp"/>
-                  <dgm:shape xmlns:r="http://schemas.openxmlformats.org/officeDocument/2006/relationships" r:blip="">
+            <dgm:forEach name="Name11" axis="ch">
+              <dgm:forEach name="Name12" axis="self" ptType="parTrans" cnt="1">
+                <dgm:layoutNode name="Name13">
+                  <dgm:choose name="Name14">
+                    <dgm:if name="Name15" func="var" arg="dir" op="equ" val="norm">
+                      <dgm:alg type="conn">
+                        <dgm:param type="dim" val="1D"/>
+                        <dgm:param type="endSty" val="noArr"/>
+                        <dgm:param type="connRout" val="bend"/>
+                        <dgm:param type="srcNode" val="rootConnector"/>
+                        <dgm:param type="begPts" val="bCtr"/>
+                        <dgm:param type="endPts" val="midL"/>
+                      </dgm:alg>
+                    </dgm:if>
+                    <dgm:else name="Name16">
+                      <dgm:alg type="conn">
+                        <dgm:param type="dim" val="1D"/>
+                        <dgm:param type="endSty" val="noArr"/>
+                        <dgm:param type="connRout" val="bend"/>
+                        <dgm:param type="srcNode" val="rootConnector"/>
+                        <dgm:param type="begPts" val="bCtr"/>
+                        <dgm:param type="endPts" val="midR"/>
+                      </dgm:alg>
+                    </dgm:else>
+                  </dgm:choose>
+                  <dgm:shape xmlns:r="http://schemas.openxmlformats.org/officeDocument/2006/relationships" type="conn" r:blip="">
                     <dgm:adjLst/>
                   </dgm:shape>
-                  <dgm:presOf/>
+                  <dgm:presOf axis="self"/>
                   <dgm:constrLst>
-                    <dgm:constr type="userA"/>
-                    <dgm:constr type="w" refType="userA" fact="0.015"/>
-                    <dgm:constr type="h" refType="userA" fact="0.015"/>
+                    <dgm:constr type="begPad"/>
+                    <dgm:constr type="endPad"/>
                   </dgm:constrLst>
                   <dgm:ruleLst/>
+                </dgm:layoutNode>
+              </dgm:forEach>
+              <dgm:forEach name="Name17" axis="self" ptType="node">
+                <dgm:layoutNode name="childText" styleLbl="bgAcc1">
+                  <dgm:varLst>
+                    <dgm:bulletEnabled val="1"/>
+                  </dgm:varLst>
+                  <dgm:alg type="tx"/>
+                  <dgm:shape xmlns:r="http://schemas.openxmlformats.org/officeDocument/2006/relationships" type="roundRect" r:blip="">
+                    <dgm:adjLst>
+                      <dgm:adj idx="1" val="0.1"/>
+                    </dgm:adjLst>
+                  </dgm:shape>
+                  <dgm:presOf axis="self desOrSelf" ptType="node node" st="1 1" cnt="1 0"/>
+                  <dgm:constrLst>
+                    <dgm:constr type="tMarg" refType="primFontSz" fact="0.1"/>
+                    <dgm:constr type="bMarg" refType="primFontSz" fact="0.1"/>
+                    <dgm:constr type="lMarg" refType="primFontSz" fact="0.15"/>
+                    <dgm:constr type="rMarg" refType="primFontSz" fact="0.15"/>
+                  </dgm:constrLst>
+                  <dgm:ruleLst>
+                    <dgm:rule type="primFontSz" val="5" fact="NaN" max="NaN"/>
+                  </dgm:ruleLst>
                 </dgm:layoutNode>
               </dgm:forEach>
             </dgm:forEach>
           </dgm:layoutNode>
         </dgm:layoutNode>
-      </dgm:if>
-      <dgm:else name="Name38"/>
-    </dgm:choose>
-    <dgm:choose name="Name39">
-      <dgm:if name="Name40" axis="root ch" ptType="all node" st="1 1" cnt="0 0" func="cnt" op="gte" val="2">
-        <dgm:layoutNode name="middleBox">
-          <dgm:alg type="composite">
-            <dgm:param type="horzAlign" val="none"/>
-            <dgm:param type="vertAlign" val="none"/>
-          </dgm:alg>
-          <dgm:shape xmlns:r="http://schemas.openxmlformats.org/officeDocument/2006/relationships" r:blip="">
-            <dgm:adjLst/>
-          </dgm:shape>
-          <dgm:presOf/>
-          <dgm:choose name="Name41">
-            <dgm:if name="Name42" axis="root ch" ptType="all node" st="1 1" cnt="0 0" func="cnt" op="gt" val="2">
-              <dgm:choose name="Name43">
-                <dgm:if name="Name44" func="var" arg="dir" op="equ" val="norm">
-                  <dgm:constrLst>
-                    <dgm:constr type="l" for="ch" forName="middleBoxParent"/>
-                    <dgm:constr type="t" for="ch" forName="middleBoxParent"/>
-                    <dgm:constr type="w" for="ch" forName="middleBoxParent" refType="w"/>
-                    <dgm:constr type="h" for="ch" forName="middleBoxParent" refType="h"/>
-                    <dgm:constr type="bMarg" for="ch" forName="middleBoxParent" refType="h" fact="1.8"/>
-                    <dgm:constr type="l" for="ch" forName="middleBoxChildren" refType="w" fact="0.025"/>
-                    <dgm:constr type="t" for="ch" forName="middleBoxChildren" refType="h" fact="0.35"/>
-                    <dgm:constr type="w" for="ch" forName="middleBoxChildren" refType="w" fact="0.2"/>
-                    <dgm:constr type="h" for="ch" forName="middleBoxChildren" refType="h" fact="0.575"/>
-                  </dgm:constrLst>
-                </dgm:if>
-                <dgm:else name="Name45">
-                  <dgm:constrLst>
-                    <dgm:constr type="l" for="ch" forName="middleBoxParent"/>
-                    <dgm:constr type="t" for="ch" forName="middleBoxParent"/>
-                    <dgm:constr type="w" for="ch" forName="middleBoxParent" refType="w"/>
-                    <dgm:constr type="h" for="ch" forName="middleBoxParent" refType="h"/>
-                    <dgm:constr type="bMarg" for="ch" forName="middleBoxParent" refType="h" fact="1.8"/>
-                    <dgm:constr type="l" for="ch" forName="middleBoxChildren" refType="w" fact="0.775"/>
-                    <dgm:constr type="t" for="ch" forName="middleBoxChildren" refType="h" fact="0.35"/>
-                    <dgm:constr type="w" for="ch" forName="middleBoxChildren" refType="w" fact="0.2"/>
-                    <dgm:constr type="h" for="ch" forName="middleBoxChildren" refType="h" fact="0.575"/>
-                  </dgm:constrLst>
-                </dgm:else>
-              </dgm:choose>
-            </dgm:if>
-            <dgm:else name="Name46">
-              <dgm:constrLst>
-                <dgm:constr type="l" for="ch" forName="middleBoxParent"/>
-                <dgm:constr type="t" for="ch" forName="middleBoxParent"/>
-                <dgm:constr type="w" for="ch" forName="middleBoxParent" refType="w"/>
-                <dgm:constr type="h" for="ch" forName="middleBoxParent" refType="h"/>
-                <dgm:constr type="bMarg" for="ch" forName="middleBoxParent" refType="h" fact="1.8"/>
-                <dgm:constr type="l" for="ch" forName="middleBoxChildren" refType="w" fact="0.025"/>
-                <dgm:constr type="t" for="ch" forName="middleBoxChildren" refType="h" fact="0.45"/>
-                <dgm:constr type="w" for="ch" forName="middleBoxChildren" refType="w" fact="0.95"/>
-                <dgm:constr type="h" for="ch" forName="middleBoxChildren" refType="h" fact="0.45"/>
-              </dgm:constrLst>
-            </dgm:else>
-          </dgm:choose>
-          <dgm:ruleLst/>
-          <dgm:layoutNode name="middleBoxParent" styleLbl="node1">
-            <dgm:alg type="tx">
-              <dgm:param type="txAnchorVert" val="t"/>
-              <dgm:param type="parTxLTRAlign" val="l"/>
-              <dgm:param type="parTxRTLAlign" val="r"/>
-            </dgm:alg>
-            <dgm:shape xmlns:r="http://schemas.openxmlformats.org/officeDocument/2006/relationships" type="roundRect" r:blip="">
-              <dgm:adjLst>
-                <dgm:adj idx="1" val="0.105"/>
-              </dgm:adjLst>
-            </dgm:shape>
-            <dgm:presOf axis="ch" ptType="node" st="2" cnt="1"/>
-            <dgm:constrLst>
-              <dgm:constr type="tMarg" refType="primFontSz" fact="0.3"/>
-              <dgm:constr type="lMarg" refType="primFontSz" fact="0.3"/>
-              <dgm:constr type="rMarg" refType="primFontSz" fact="0.3"/>
-            </dgm:constrLst>
-            <dgm:ruleLst>
-              <dgm:rule type="primFontSz" val="5" fact="NaN" max="NaN"/>
-            </dgm:ruleLst>
-          </dgm:layoutNode>
-          <dgm:layoutNode name="middleBoxChildren">
-            <dgm:choose name="Name47">
-              <dgm:if name="Name48" axis="root ch" ptType="all node" st="1 1" cnt="0 0" func="cnt" op="gt" val="2">
-                <dgm:alg type="lin">
-                  <dgm:param type="linDir" val="fromT"/>
-                  <dgm:param type="vertAlign" val="t"/>
-                </dgm:alg>
-              </dgm:if>
-              <dgm:else name="Name49">
-                <dgm:choose name="Name50">
-                  <dgm:if name="Name51" func="var" arg="dir" op="equ" val="norm">
-                    <dgm:alg type="lin">
-                      <dgm:param type="horzAlign" val="l"/>
-                    </dgm:alg>
-                  </dgm:if>
-                  <dgm:else name="Name52">
-                    <dgm:alg type="lin">
-                      <dgm:param type="linDir" val="fromR"/>
-                      <dgm:param type="horzAlign" val="r"/>
-                    </dgm:alg>
-                  </dgm:else>
-                </dgm:choose>
-              </dgm:else>
-            </dgm:choose>
-            <dgm:shape xmlns:r="http://schemas.openxmlformats.org/officeDocument/2006/relationships" r:blip="">
-              <dgm:adjLst/>
-            </dgm:shape>
-            <dgm:presOf/>
-            <dgm:constrLst>
-              <dgm:constr type="w" for="ch" forName="mChild" refType="w"/>
-              <dgm:constr type="h" for="ch" forName="mChild" refType="h"/>
-            </dgm:constrLst>
-            <dgm:ruleLst/>
-            <dgm:forEach name="Name53" axis="ch ch" ptType="node node" st="2 1" cnt="1 0">
-              <dgm:layoutNode name="mChild" styleLbl="fgAcc1">
-                <dgm:varLst>
-                  <dgm:bulletEnabled val="1"/>
-                </dgm:varLst>
-                <dgm:alg type="tx"/>
-                <dgm:shape xmlns:r="http://schemas.openxmlformats.org/officeDocument/2006/relationships" type="roundRect" r:blip="">
-                  <dgm:adjLst>
-                    <dgm:adj idx="1" val="0.105"/>
-                  </dgm:adjLst>
-                </dgm:shape>
-                <dgm:presOf axis="desOrSelf" ptType="node"/>
-                <dgm:constrLst>
-                  <dgm:constr type="tMarg" refType="primFontSz" fact="0.3"/>
-                  <dgm:constr type="bMarg" refType="primFontSz" fact="0.3"/>
-                  <dgm:constr type="lMarg" refType="primFontSz" fact="0.3"/>
-                  <dgm:constr type="rMarg" refType="primFontSz" fact="0.3"/>
-                </dgm:constrLst>
-                <dgm:ruleLst>
-                  <dgm:rule type="primFontSz" val="5" fact="NaN" max="NaN"/>
-                </dgm:ruleLst>
-              </dgm:layoutNode>
-              <dgm:forEach name="Name54" axis="followSib" ptType="sibTrans" cnt="1">
-                <dgm:layoutNode name="middleSibTrans">
-                  <dgm:alg type="sp"/>
-                  <dgm:shape xmlns:r="http://schemas.openxmlformats.org/officeDocument/2006/relationships" r:blip="">
-                    <dgm:adjLst/>
-                  </dgm:shape>
-                  <dgm:presOf/>
-                  <dgm:constrLst>
-                    <dgm:constr type="userA"/>
-                    <dgm:constr type="w" refType="userA" fact="0.015"/>
-                    <dgm:constr type="h" refType="userA" fact="0.015"/>
-                  </dgm:constrLst>
-                  <dgm:ruleLst/>
-                </dgm:layoutNode>
-              </dgm:forEach>
-            </dgm:forEach>
-          </dgm:layoutNode>
-        </dgm:layoutNode>
-      </dgm:if>
-      <dgm:else name="Name55"/>
-    </dgm:choose>
-    <dgm:choose name="Name56">
-      <dgm:if name="Name57" axis="root ch" ptType="all node" st="1 1" cnt="0 0" func="cnt" op="gte" val="3">
-        <dgm:layoutNode name="centerBox">
-          <dgm:alg type="composite">
-            <dgm:param type="horzAlign" val="none"/>
-            <dgm:param type="vertAlign" val="none"/>
-          </dgm:alg>
-          <dgm:shape xmlns:r="http://schemas.openxmlformats.org/officeDocument/2006/relationships" r:blip="">
-            <dgm:adjLst/>
-          </dgm:shape>
-          <dgm:presOf/>
-          <dgm:choose name="Name58">
-            <dgm:if name="Name59" axis="ch ch" ptType="node node" st="3 1" cnt="1 0" func="cnt" op="gt" val="0">
-              <dgm:constrLst>
-                <dgm:constr type="l" for="ch" forName="centerBoxParent"/>
-                <dgm:constr type="t" for="ch" forName="centerBoxParent"/>
-                <dgm:constr type="w" for="ch" forName="centerBoxParent" refType="w"/>
-                <dgm:constr type="h" for="ch" forName="centerBoxParent" refType="h"/>
-                <dgm:constr type="bMarg" for="ch" forName="centerBoxParent" refType="h" fact="1.6"/>
-                <dgm:constr type="l" for="ch" forName="centerBoxChildren" refType="w" fact="0.025"/>
-                <dgm:constr type="t" for="ch" forName="centerBoxChildren" refType="h" fact="0.45"/>
-                <dgm:constr type="w" for="ch" forName="centerBoxChildren" refType="w" fact="0.95"/>
-                <dgm:constr type="h" for="ch" forName="centerBoxChildren" refType="h" fact="0.45"/>
-              </dgm:constrLst>
-            </dgm:if>
-            <dgm:else name="Name60">
-              <dgm:constrLst>
-                <dgm:constr type="l" for="ch" forName="centerBoxParent"/>
-                <dgm:constr type="t" for="ch" forName="centerBoxParent"/>
-                <dgm:constr type="w" for="ch" forName="centerBoxParent" refType="w"/>
-                <dgm:constr type="h" for="ch" forName="centerBoxParent" refType="h"/>
-              </dgm:constrLst>
-            </dgm:else>
-          </dgm:choose>
-          <dgm:ruleLst/>
-          <dgm:layoutNode name="centerBoxParent" styleLbl="node1">
-            <dgm:alg type="tx">
-              <dgm:param type="txAnchorVert" val="t"/>
-              <dgm:param type="parTxLTRAlign" val="l"/>
-              <dgm:param type="parTxRTLAlign" val="r"/>
-            </dgm:alg>
-            <dgm:shape xmlns:r="http://schemas.openxmlformats.org/officeDocument/2006/relationships" type="roundRect" r:blip="">
-              <dgm:adjLst>
-                <dgm:adj idx="1" val="0.105"/>
-              </dgm:adjLst>
-            </dgm:shape>
-            <dgm:presOf axis="ch" ptType="node" st="3" cnt="1"/>
-            <dgm:constrLst>
-              <dgm:constr type="tMarg" refType="primFontSz" fact="0.3"/>
-              <dgm:constr type="lMarg" refType="primFontSz" fact="0.3"/>
-              <dgm:constr type="rMarg" refType="primFontSz" fact="0.3"/>
-            </dgm:constrLst>
-            <dgm:ruleLst>
-              <dgm:rule type="primFontSz" val="5" fact="NaN" max="NaN"/>
-            </dgm:ruleLst>
-          </dgm:layoutNode>
-          <dgm:choose name="Name61">
-            <dgm:if name="Name62" axis="ch ch" ptType="node node" st="3 1" cnt="1 0" func="cnt" op="gt" val="0">
-              <dgm:layoutNode name="centerBoxChildren">
-                <dgm:choose name="Name63">
-                  <dgm:if name="Name64" func="var" arg="dir" op="equ" val="norm">
-                    <dgm:alg type="lin">
-                      <dgm:param type="horzAlign" val="l"/>
-                    </dgm:alg>
-                  </dgm:if>
-                  <dgm:else name="Name65">
-                    <dgm:alg type="lin">
-                      <dgm:param type="linDir" val="fromR"/>
-                      <dgm:param type="horzAlign" val="r"/>
-                    </dgm:alg>
-                  </dgm:else>
-                </dgm:choose>
-                <dgm:shape xmlns:r="http://schemas.openxmlformats.org/officeDocument/2006/relationships" r:blip="">
-                  <dgm:adjLst/>
-                </dgm:shape>
-                <dgm:presOf/>
-                <dgm:constrLst>
-                  <dgm:constr type="w" for="ch" forName="cChild" refType="w"/>
-                  <dgm:constr type="h" for="ch" forName="cChild" refType="h"/>
-                </dgm:constrLst>
-                <dgm:ruleLst/>
-                <dgm:forEach name="Name66" axis="ch ch" ptType="node node" st="3 1" cnt="1 0">
-                  <dgm:layoutNode name="cChild" styleLbl="fgAcc1">
-                    <dgm:varLst>
-                      <dgm:bulletEnabled val="1"/>
-                    </dgm:varLst>
-                    <dgm:alg type="tx"/>
-                    <dgm:shape xmlns:r="http://schemas.openxmlformats.org/officeDocument/2006/relationships" type="roundRect" r:blip="">
-                      <dgm:adjLst>
-                        <dgm:adj idx="1" val="0.105"/>
-                      </dgm:adjLst>
-                    </dgm:shape>
-                    <dgm:presOf axis="desOrSelf" ptType="node"/>
-                    <dgm:constrLst>
-                      <dgm:constr type="tMarg" refType="primFontSz" fact="0.3"/>
-                      <dgm:constr type="bMarg" refType="primFontSz" fact="0.3"/>
-                      <dgm:constr type="lMarg" refType="primFontSz" fact="0.3"/>
-                      <dgm:constr type="rMarg" refType="primFontSz" fact="0.3"/>
-                    </dgm:constrLst>
-                    <dgm:ruleLst>
-                      <dgm:rule type="primFontSz" val="5" fact="NaN" max="NaN"/>
-                    </dgm:ruleLst>
-                  </dgm:layoutNode>
-                  <dgm:forEach name="Name67" axis="followSib" ptType="sibTrans" cnt="1">
-                    <dgm:layoutNode name="centerSibTrans">
-                      <dgm:alg type="sp"/>
-                      <dgm:shape xmlns:r="http://schemas.openxmlformats.org/officeDocument/2006/relationships" r:blip="">
-                        <dgm:adjLst/>
-                      </dgm:shape>
-                      <dgm:presOf/>
-                      <dgm:constrLst>
-                        <dgm:constr type="userA"/>
-                        <dgm:constr type="w" refType="userA" fact="0.015"/>
-                        <dgm:constr type="h" refType="userA" fact="0.015"/>
-                      </dgm:constrLst>
-                      <dgm:ruleLst/>
-                    </dgm:layoutNode>
-                  </dgm:forEach>
-                </dgm:forEach>
-              </dgm:layoutNode>
-            </dgm:if>
-            <dgm:else name="Name68"/>
-          </dgm:choose>
-        </dgm:layoutNode>
-      </dgm:if>
-      <dgm:else name="Name69"/>
-    </dgm:choose>
+      </dgm:forEach>
+    </dgm:forEach>
   </dgm:layoutNode>
 </dgm:layoutDef>
 </file>
@@ -26922,615 +26947,6 @@
 </p:sld>
 </file>
 
-<file path=ppt/slides/slide10.xml><?xml version="1.0" encoding="utf-8"?>
-<p:sld xmlns:a="http://schemas.openxmlformats.org/drawingml/2006/main" xmlns:r="http://schemas.openxmlformats.org/officeDocument/2006/relationships" xmlns:p="http://schemas.openxmlformats.org/presentationml/2006/main">
-  <p:cSld>
-    <p:spTree>
-      <p:nvGrpSpPr>
-        <p:cNvPr id="1" name=""/>
-        <p:cNvGrpSpPr/>
-        <p:nvPr/>
-      </p:nvGrpSpPr>
-      <p:grpSpPr>
-        <a:xfrm>
-          <a:off x="0" y="0"/>
-          <a:ext cx="0" cy="0"/>
-          <a:chOff x="0" y="0"/>
-          <a:chExt cx="0" cy="0"/>
-        </a:xfrm>
-      </p:grpSpPr>
-      <p:sp>
-        <p:nvSpPr>
-          <p:cNvPr id="8" name="TextBox 7">
-            <a:extLst>
-              <a:ext uri="{FF2B5EF4-FFF2-40B4-BE49-F238E27FC236}">
-                <a16:creationId xmlns:a16="http://schemas.microsoft.com/office/drawing/2014/main" id="{785A35D2-C256-489C-BD94-0E0C10F01B8D}"/>
-              </a:ext>
-            </a:extLst>
-          </p:cNvPr>
-          <p:cNvSpPr txBox="1"/>
-          <p:nvPr/>
-        </p:nvSpPr>
-        <p:spPr>
-          <a:xfrm>
-            <a:off x="6400800" y="3869355"/>
-            <a:ext cx="2266750" cy="923330"/>
-          </a:xfrm>
-          <a:prstGeom prst="rect">
-            <a:avLst/>
-          </a:prstGeom>
-          <a:noFill/>
-        </p:spPr>
-        <p:txBody>
-          <a:bodyPr wrap="square" rtlCol="1">
-            <a:spAutoFit/>
-          </a:bodyPr>
-          <a:lstStyle/>
-          <a:p>
-            <a:pPr marL="447675" indent="-447675">
-              <a:buSzPct val="120000"/>
-              <a:buFont typeface="Wingdings" panose="05000000000000000000" pitchFamily="2" charset="2"/>
-              <a:buChar char="v"/>
-            </a:pPr>
-            <a:r>
-              <a:rPr lang="en-US" dirty="0">
-                <a:solidFill>
-                  <a:srgbClr val="FF0000"/>
-                </a:solidFill>
-              </a:rPr>
-              <a:t>Bullets-1</a:t>
-            </a:r>
-            <a:endParaRPr lang="he-IL" dirty="0">
-              <a:solidFill>
-                <a:srgbClr val="FF0000"/>
-              </a:solidFill>
-            </a:endParaRPr>
-          </a:p>
-          <a:p>
-            <a:pPr marL="447675" indent="-447675">
-              <a:buFont typeface="Wingdings" panose="05000000000000000000" pitchFamily="2" charset="2"/>
-              <a:buChar char="v"/>
-            </a:pPr>
-            <a:r>
-              <a:rPr lang="en-US" dirty="0">
-                <a:solidFill>
-                  <a:srgbClr val="FF0000"/>
-                </a:solidFill>
-              </a:rPr>
-              <a:t>Bullets-1</a:t>
-            </a:r>
-          </a:p>
-          <a:p>
-            <a:pPr marL="447675" indent="-447675">
-              <a:buFont typeface="Wingdings" panose="05000000000000000000" pitchFamily="2" charset="2"/>
-              <a:buChar char="v"/>
-            </a:pPr>
-            <a:r>
-              <a:rPr lang="en-US" dirty="0">
-                <a:solidFill>
-                  <a:srgbClr val="FF0000"/>
-                </a:solidFill>
-              </a:rPr>
-              <a:t>Bullets-1</a:t>
-            </a:r>
-            <a:endParaRPr lang="he-IL" dirty="0">
-              <a:solidFill>
-                <a:srgbClr val="FF0000"/>
-              </a:solidFill>
-            </a:endParaRPr>
-          </a:p>
-        </p:txBody>
-      </p:sp>
-      <p:sp>
-        <p:nvSpPr>
-          <p:cNvPr id="12" name="TextBox 11">
-            <a:extLst>
-              <a:ext uri="{FF2B5EF4-FFF2-40B4-BE49-F238E27FC236}">
-                <a16:creationId xmlns:a16="http://schemas.microsoft.com/office/drawing/2014/main" id="{E0257B45-1EBF-4DD9-AD46-A2E8ED9D98D8}"/>
-              </a:ext>
-            </a:extLst>
-          </p:cNvPr>
-          <p:cNvSpPr txBox="1"/>
-          <p:nvPr/>
-        </p:nvSpPr>
-        <p:spPr>
-          <a:xfrm>
-            <a:off x="6655981" y="5565248"/>
-            <a:ext cx="2254102" cy="923330"/>
-          </a:xfrm>
-          <a:prstGeom prst="rect">
-            <a:avLst/>
-          </a:prstGeom>
-          <a:noFill/>
-        </p:spPr>
-        <p:txBody>
-          <a:bodyPr wrap="square" rtlCol="1">
-            <a:spAutoFit/>
-          </a:bodyPr>
-          <a:lstStyle/>
-          <a:p>
-            <a:pPr marL="342900" indent="-342900" algn="r" rtl="1">
-              <a:buSzPct val="100000"/>
-              <a:buBlip>
-                <a:blip r:embed="rId2"/>
-              </a:buBlip>
-            </a:pPr>
-            <a:r>
-              <a:rPr lang="en-US" dirty="0">
-                <a:solidFill>
-                  <a:srgbClr val="7030A0"/>
-                </a:solidFill>
-              </a:rPr>
-              <a:t>IMAGE BULLET</a:t>
-            </a:r>
-            <a:r>
-              <a:rPr lang="he-IL" dirty="0">
-                <a:solidFill>
-                  <a:srgbClr val="7030A0"/>
-                </a:solidFill>
-              </a:rPr>
-              <a:t>-1</a:t>
-            </a:r>
-          </a:p>
-          <a:p>
-            <a:pPr marL="342900" indent="-342900" algn="r" rtl="1">
-              <a:buBlip>
-                <a:blip r:embed="rId2"/>
-              </a:buBlip>
-            </a:pPr>
-            <a:r>
-              <a:rPr lang="en-US" dirty="0">
-                <a:solidFill>
-                  <a:srgbClr val="7030A0"/>
-                </a:solidFill>
-              </a:rPr>
-              <a:t>IMAGE BULLET </a:t>
-            </a:r>
-            <a:r>
-              <a:rPr lang="he-IL" dirty="0">
-                <a:solidFill>
-                  <a:srgbClr val="7030A0"/>
-                </a:solidFill>
-              </a:rPr>
-              <a:t>-2</a:t>
-            </a:r>
-          </a:p>
-          <a:p>
-            <a:pPr marL="342900" indent="-342900" algn="r" rtl="1">
-              <a:buBlip>
-                <a:blip r:embed="rId2"/>
-              </a:buBlip>
-            </a:pPr>
-            <a:r>
-              <a:rPr lang="en-US" dirty="0">
-                <a:solidFill>
-                  <a:srgbClr val="7030A0"/>
-                </a:solidFill>
-              </a:rPr>
-              <a:t>IMAGE BULLET </a:t>
-            </a:r>
-            <a:r>
-              <a:rPr lang="he-IL" dirty="0">
-                <a:solidFill>
-                  <a:srgbClr val="7030A0"/>
-                </a:solidFill>
-              </a:rPr>
-              <a:t>-3</a:t>
-            </a:r>
-          </a:p>
-        </p:txBody>
-      </p:sp>
-      <p:sp>
-        <p:nvSpPr>
-          <p:cNvPr id="13" name="TextBox 12">
-            <a:extLst>
-              <a:ext uri="{FF2B5EF4-FFF2-40B4-BE49-F238E27FC236}">
-                <a16:creationId xmlns:a16="http://schemas.microsoft.com/office/drawing/2014/main" id="{DC675811-0B63-4A0E-A22B-224BCBC610F9}"/>
-              </a:ext>
-            </a:extLst>
-          </p:cNvPr>
-          <p:cNvSpPr txBox="1"/>
-          <p:nvPr/>
-        </p:nvSpPr>
-        <p:spPr>
-          <a:xfrm>
-            <a:off x="4711248" y="2098079"/>
-            <a:ext cx="3274623" cy="923330"/>
-          </a:xfrm>
-          <a:prstGeom prst="rect">
-            <a:avLst/>
-          </a:prstGeom>
-          <a:noFill/>
-        </p:spPr>
-        <p:txBody>
-          <a:bodyPr wrap="square" rtlCol="1">
-            <a:spAutoFit/>
-          </a:bodyPr>
-          <a:lstStyle/>
-          <a:p>
-            <a:pPr marL="447675" indent="-447675" algn="l" rtl="0">
-              <a:buSzPct val="120000"/>
-              <a:buBlip>
-                <a:blip r:embed="rId3">
-                  <a:extLst>
-                    <a:ext uri="{96DAC541-7B7A-43D3-8B79-37D633B846F1}">
-                      <asvg:svgBlip xmlns:asvg="http://schemas.microsoft.com/office/drawing/2016/SVG/main" r:embed="rId4"/>
-                    </a:ext>
-                  </a:extLst>
-                </a:blip>
-              </a:buBlip>
-            </a:pPr>
-            <a:r>
-              <a:rPr lang="en-US" dirty="0">
-                <a:solidFill>
-                  <a:srgbClr val="7AEFF2"/>
-                </a:solidFill>
-              </a:rPr>
-              <a:t>Bullets-1</a:t>
-            </a:r>
-            <a:endParaRPr lang="he-IL" dirty="0">
-              <a:solidFill>
-                <a:srgbClr val="7AEFF2"/>
-              </a:solidFill>
-            </a:endParaRPr>
-          </a:p>
-          <a:p>
-            <a:pPr marL="447675" indent="-447675">
-              <a:buBlip>
-                <a:blip r:embed="rId3">
-                  <a:extLst>
-                    <a:ext uri="{96DAC541-7B7A-43D3-8B79-37D633B846F1}">
-                      <asvg:svgBlip xmlns:asvg="http://schemas.microsoft.com/office/drawing/2016/SVG/main" r:embed="rId4"/>
-                    </a:ext>
-                  </a:extLst>
-                </a:blip>
-              </a:buBlip>
-            </a:pPr>
-            <a:r>
-              <a:rPr lang="en-US" dirty="0">
-                <a:solidFill>
-                  <a:srgbClr val="7AEFF2"/>
-                </a:solidFill>
-              </a:rPr>
-              <a:t>Bullets-1</a:t>
-            </a:r>
-          </a:p>
-          <a:p>
-            <a:pPr marL="447675" indent="-447675">
-              <a:buBlip>
-                <a:blip r:embed="rId3">
-                  <a:extLst>
-                    <a:ext uri="{96DAC541-7B7A-43D3-8B79-37D633B846F1}">
-                      <asvg:svgBlip xmlns:asvg="http://schemas.microsoft.com/office/drawing/2016/SVG/main" r:embed="rId4"/>
-                    </a:ext>
-                  </a:extLst>
-                </a:blip>
-              </a:buBlip>
-            </a:pPr>
-            <a:r>
-              <a:rPr lang="en-US" dirty="0">
-                <a:solidFill>
-                  <a:srgbClr val="7AEFF2"/>
-                </a:solidFill>
-              </a:rPr>
-              <a:t>Bullets-1</a:t>
-            </a:r>
-            <a:endParaRPr lang="he-IL" dirty="0">
-              <a:solidFill>
-                <a:srgbClr val="7AEFF2"/>
-              </a:solidFill>
-            </a:endParaRPr>
-          </a:p>
-        </p:txBody>
-      </p:sp>
-      <p:sp>
-        <p:nvSpPr>
-          <p:cNvPr id="14" name="TextBox 13">
-            <a:extLst>
-              <a:ext uri="{FF2B5EF4-FFF2-40B4-BE49-F238E27FC236}">
-                <a16:creationId xmlns:a16="http://schemas.microsoft.com/office/drawing/2014/main" id="{D9234699-B538-4255-BEEA-944EC32A4E5E}"/>
-              </a:ext>
-            </a:extLst>
-          </p:cNvPr>
-          <p:cNvSpPr txBox="1"/>
-          <p:nvPr/>
-        </p:nvSpPr>
-        <p:spPr>
-          <a:xfrm>
-            <a:off x="1110266" y="2156871"/>
-            <a:ext cx="3187637" cy="923330"/>
-          </a:xfrm>
-          <a:prstGeom prst="rect">
-            <a:avLst/>
-          </a:prstGeom>
-          <a:noFill/>
-        </p:spPr>
-        <p:txBody>
-          <a:bodyPr wrap="square" rtlCol="1">
-            <a:spAutoFit/>
-          </a:bodyPr>
-          <a:lstStyle/>
-          <a:p>
-            <a:pPr marL="447675" indent="-447675">
-              <a:buSzPct val="120000"/>
-              <a:buBlip>
-                <a:blip r:embed="rId5">
-                  <a:extLst>
-                    <a:ext uri="{96DAC541-7B7A-43D3-8B79-37D633B846F1}">
-                      <asvg:svgBlip xmlns:asvg="http://schemas.microsoft.com/office/drawing/2016/SVG/main" r:embed="rId6"/>
-                    </a:ext>
-                  </a:extLst>
-                </a:blip>
-              </a:buBlip>
-            </a:pPr>
-            <a:r>
-              <a:rPr lang="en-US" dirty="0">
-                <a:solidFill>
-                  <a:srgbClr val="FFFF00"/>
-                </a:solidFill>
-              </a:rPr>
-              <a:t>IMAGE BULLET</a:t>
-            </a:r>
-            <a:endParaRPr lang="he-IL" dirty="0">
-              <a:solidFill>
-                <a:srgbClr val="FFFF00"/>
-              </a:solidFill>
-            </a:endParaRPr>
-          </a:p>
-          <a:p>
-            <a:pPr marL="447675" indent="-447675">
-              <a:buBlip>
-                <a:blip r:embed="rId5">
-                  <a:extLst>
-                    <a:ext uri="{96DAC541-7B7A-43D3-8B79-37D633B846F1}">
-                      <asvg:svgBlip xmlns:asvg="http://schemas.microsoft.com/office/drawing/2016/SVG/main" r:embed="rId6"/>
-                    </a:ext>
-                  </a:extLst>
-                </a:blip>
-              </a:buBlip>
-            </a:pPr>
-            <a:r>
-              <a:rPr lang="en-US" dirty="0">
-                <a:solidFill>
-                  <a:srgbClr val="FFFF00"/>
-                </a:solidFill>
-              </a:rPr>
-              <a:t>IMAGE BULLET </a:t>
-            </a:r>
-            <a:endParaRPr lang="he-IL" dirty="0">
-              <a:solidFill>
-                <a:srgbClr val="FFFF00"/>
-              </a:solidFill>
-            </a:endParaRPr>
-          </a:p>
-          <a:p>
-            <a:pPr marL="447675" indent="-447675">
-              <a:buBlip>
-                <a:blip r:embed="rId5">
-                  <a:extLst>
-                    <a:ext uri="{96DAC541-7B7A-43D3-8B79-37D633B846F1}">
-                      <asvg:svgBlip xmlns:asvg="http://schemas.microsoft.com/office/drawing/2016/SVG/main" r:embed="rId6"/>
-                    </a:ext>
-                  </a:extLst>
-                </a:blip>
-              </a:buBlip>
-            </a:pPr>
-            <a:r>
-              <a:rPr lang="he-IL" dirty="0">
-                <a:solidFill>
-                  <a:srgbClr val="FFFF00"/>
-                </a:solidFill>
-              </a:rPr>
-              <a:t> </a:t>
-            </a:r>
-            <a:r>
-              <a:rPr lang="en-US" dirty="0">
-                <a:solidFill>
-                  <a:srgbClr val="FFFF00"/>
-                </a:solidFill>
-              </a:rPr>
-              <a:t>IMAGE BULLET</a:t>
-            </a:r>
-            <a:endParaRPr lang="he-IL" dirty="0">
-              <a:solidFill>
-                <a:srgbClr val="FFFF00"/>
-              </a:solidFill>
-            </a:endParaRPr>
-          </a:p>
-        </p:txBody>
-      </p:sp>
-      <p:pic>
-        <p:nvPicPr>
-          <p:cNvPr id="6" name="תמונה 5">
-            <a:extLst>
-              <a:ext uri="{FF2B5EF4-FFF2-40B4-BE49-F238E27FC236}">
-                <a16:creationId xmlns:a16="http://schemas.microsoft.com/office/drawing/2014/main" id="{8089C325-43C6-4564-BFC5-6465277345C6}"/>
-              </a:ext>
-            </a:extLst>
-          </p:cNvPr>
-          <p:cNvPicPr>
-            <a:picLocks noChangeAspect="1"/>
-          </p:cNvPicPr>
-          <p:nvPr/>
-        </p:nvPicPr>
-        <p:blipFill>
-          <a:blip r:embed="rId7">
-            <a:extLst>
-              <a:ext uri="{28A0092B-C50C-407E-A947-70E740481C1C}">
-                <a14:useLocalDpi xmlns:a14="http://schemas.microsoft.com/office/drawing/2010/main" val="0"/>
-              </a:ext>
-            </a:extLst>
-          </a:blip>
-          <a:stretch>
-            <a:fillRect/>
-          </a:stretch>
-        </p:blipFill>
-        <p:spPr>
-          <a:xfrm>
-            <a:off x="-81747" y="39942"/>
-            <a:ext cx="2692524" cy="659026"/>
-          </a:xfrm>
-          <a:prstGeom prst="rect">
-            <a:avLst/>
-          </a:prstGeom>
-        </p:spPr>
-      </p:pic>
-    </p:spTree>
-    <p:extLst>
-      <p:ext uri="{BB962C8B-B14F-4D97-AF65-F5344CB8AC3E}">
-        <p14:creationId xmlns:p14="http://schemas.microsoft.com/office/powerpoint/2010/main" val="3078218580"/>
-      </p:ext>
-    </p:extLst>
-  </p:cSld>
-  <p:clrMapOvr>
-    <a:masterClrMapping/>
-  </p:clrMapOvr>
-</p:sld>
-</file>
-
-<file path=ppt/slides/slide11.xml><?xml version="1.0" encoding="utf-8"?>
-<p:sld xmlns:a="http://schemas.openxmlformats.org/drawingml/2006/main" xmlns:r="http://schemas.openxmlformats.org/officeDocument/2006/relationships" xmlns:p="http://schemas.openxmlformats.org/presentationml/2006/main">
-  <p:cSld>
-    <p:spTree>
-      <p:nvGrpSpPr>
-        <p:cNvPr id="1" name=""/>
-        <p:cNvGrpSpPr/>
-        <p:nvPr/>
-      </p:nvGrpSpPr>
-      <p:grpSpPr>
-        <a:xfrm>
-          <a:off x="0" y="0"/>
-          <a:ext cx="0" cy="0"/>
-          <a:chOff x="0" y="0"/>
-          <a:chExt cx="0" cy="0"/>
-        </a:xfrm>
-      </p:grpSpPr>
-      <p:pic>
-        <p:nvPicPr>
-          <p:cNvPr id="6" name="תמונה 5">
-            <a:extLst>
-              <a:ext uri="{FF2B5EF4-FFF2-40B4-BE49-F238E27FC236}">
-                <a16:creationId xmlns:a16="http://schemas.microsoft.com/office/drawing/2014/main" id="{8089C325-43C6-4564-BFC5-6465277345C6}"/>
-              </a:ext>
-            </a:extLst>
-          </p:cNvPr>
-          <p:cNvPicPr>
-            <a:picLocks noChangeAspect="1"/>
-          </p:cNvPicPr>
-          <p:nvPr/>
-        </p:nvPicPr>
-        <p:blipFill>
-          <a:blip r:embed="rId2">
-            <a:extLst>
-              <a:ext uri="{28A0092B-C50C-407E-A947-70E740481C1C}">
-                <a14:useLocalDpi xmlns:a14="http://schemas.microsoft.com/office/drawing/2010/main" val="0"/>
-              </a:ext>
-            </a:extLst>
-          </a:blip>
-          <a:stretch>
-            <a:fillRect/>
-          </a:stretch>
-        </p:blipFill>
-        <p:spPr>
-          <a:xfrm>
-            <a:off x="-81747" y="39942"/>
-            <a:ext cx="2692524" cy="659026"/>
-          </a:xfrm>
-          <a:prstGeom prst="rect">
-            <a:avLst/>
-          </a:prstGeom>
-        </p:spPr>
-      </p:pic>
-      <p:graphicFrame>
-        <p:nvGraphicFramePr>
-          <p:cNvPr id="9" name="דיאגרמה 8">
-            <a:extLst>
-              <a:ext uri="{FF2B5EF4-FFF2-40B4-BE49-F238E27FC236}">
-                <a16:creationId xmlns:a16="http://schemas.microsoft.com/office/drawing/2014/main" id="{44F904DD-5852-4EBA-8AE0-CA41203AC3C6}"/>
-              </a:ext>
-            </a:extLst>
-          </p:cNvPr>
-          <p:cNvGraphicFramePr/>
-          <p:nvPr>
-            <p:extLst>
-              <p:ext uri="{D42A27DB-BD31-4B8C-83A1-F6EECF244321}">
-                <p14:modId xmlns:p14="http://schemas.microsoft.com/office/powerpoint/2010/main" val="1366574821"/>
-              </p:ext>
-            </p:extLst>
-          </p:nvPr>
-        </p:nvGraphicFramePr>
-        <p:xfrm>
-          <a:off x="1524000" y="1397000"/>
-          <a:ext cx="6096000" cy="4064000"/>
-        </p:xfrm>
-        <a:graphic>
-          <a:graphicData uri="http://schemas.openxmlformats.org/drawingml/2006/diagram">
-            <dgm:relIds xmlns:dgm="http://schemas.openxmlformats.org/drawingml/2006/diagram" xmlns:r="http://schemas.openxmlformats.org/officeDocument/2006/relationships" r:dm="rId3" r:lo="rId4" r:qs="rId5" r:cs="rId6"/>
-          </a:graphicData>
-        </a:graphic>
-      </p:graphicFrame>
-      <p:sp>
-        <p:nvSpPr>
-          <p:cNvPr id="3" name="TextBox 2">
-            <a:extLst>
-              <a:ext uri="{FF2B5EF4-FFF2-40B4-BE49-F238E27FC236}">
-                <a16:creationId xmlns:a16="http://schemas.microsoft.com/office/drawing/2014/main" id="{4EB29123-5244-4231-8219-92B2CAF87147}"/>
-              </a:ext>
-            </a:extLst>
-          </p:cNvPr>
-          <p:cNvSpPr txBox="1"/>
-          <p:nvPr/>
-        </p:nvSpPr>
-        <p:spPr>
-          <a:xfrm>
-            <a:off x="2912166" y="223630"/>
-            <a:ext cx="3781838" cy="646331"/>
-          </a:xfrm>
-          <a:prstGeom prst="rect">
-            <a:avLst/>
-          </a:prstGeom>
-        </p:spPr>
-        <p:style>
-          <a:lnRef idx="0">
-            <a:schemeClr val="accent2"/>
-          </a:lnRef>
-          <a:fillRef idx="3">
-            <a:schemeClr val="accent2"/>
-          </a:fillRef>
-          <a:effectRef idx="3">
-            <a:schemeClr val="accent2"/>
-          </a:effectRef>
-          <a:fontRef idx="minor">
-            <a:schemeClr val="lt1"/>
-          </a:fontRef>
-        </p:style>
-        <p:txBody>
-          <a:bodyPr wrap="square" rtlCol="1">
-            <a:spAutoFit/>
-          </a:bodyPr>
-          <a:lstStyle/>
-          <a:p>
-            <a:r>
-              <a:rPr lang="en-US" sz="3600" dirty="0"/>
-              <a:t>SmartArt Diagram</a:t>
-            </a:r>
-            <a:endParaRPr lang="he-IL" sz="3600" dirty="0"/>
-          </a:p>
-        </p:txBody>
-      </p:sp>
-    </p:spTree>
-    <p:extLst>
-      <p:ext uri="{BB962C8B-B14F-4D97-AF65-F5344CB8AC3E}">
-        <p14:creationId xmlns:p14="http://schemas.microsoft.com/office/powerpoint/2010/main" val="2478922967"/>
-      </p:ext>
-    </p:extLst>
-  </p:cSld>
-  <p:clrMapOvr>
-    <a:masterClrMapping/>
-  </p:clrMapOvr>
-</p:sld>
-</file>
-
 <file path=ppt/slides/slide2.xml><?xml version="1.0" encoding="utf-8"?>
 <p:sld xmlns:a="http://schemas.openxmlformats.org/drawingml/2006/main" xmlns:r="http://schemas.openxmlformats.org/officeDocument/2006/relationships" xmlns:p="http://schemas.openxmlformats.org/presentationml/2006/main">
   <p:cSld>
@@ -31017,14 +30433,14 @@
           <p:nvPr>
             <p:extLst>
               <p:ext uri="{D42A27DB-BD31-4B8C-83A1-F6EECF244321}">
-                <p14:modId xmlns:p14="http://schemas.microsoft.com/office/powerpoint/2010/main" val="1186318832"/>
+                <p14:modId xmlns:p14="http://schemas.microsoft.com/office/powerpoint/2010/main" val="3112507060"/>
               </p:ext>
             </p:extLst>
           </p:nvPr>
         </p:nvGraphicFramePr>
         <p:xfrm>
-          <a:off x="770860" y="1412696"/>
-          <a:ext cx="6765236" cy="3108960"/>
+          <a:off x="1028699" y="1138376"/>
+          <a:ext cx="6507397" cy="3543905"/>
         </p:xfrm>
         <a:graphic>
           <a:graphicData uri="http://schemas.openxmlformats.org/drawingml/2006/table">
@@ -31033,28 +30449,28 @@
                 <a:tableStyleId>{5940675A-B579-460E-94D1-54222C63F5DA}</a:tableStyleId>
               </a:tblPr>
               <a:tblGrid>
-                <a:gridCol w="683751">
+                <a:gridCol w="657692">
                   <a:extLst>
                     <a:ext uri="{9D8B030D-6E8A-4147-A177-3AD203B41FA5}">
                       <a16:colId xmlns:a16="http://schemas.microsoft.com/office/drawing/2014/main" val="710496070"/>
                     </a:ext>
                   </a:extLst>
                 </a:gridCol>
-                <a:gridCol w="3442436">
+                <a:gridCol w="3311237">
                   <a:extLst>
                     <a:ext uri="{9D8B030D-6E8A-4147-A177-3AD203B41FA5}">
                       <a16:colId xmlns:a16="http://schemas.microsoft.com/office/drawing/2014/main" val="1732577030"/>
                     </a:ext>
                   </a:extLst>
                 </a:gridCol>
-                <a:gridCol w="1190932">
+                <a:gridCol w="1145542">
                   <a:extLst>
                     <a:ext uri="{9D8B030D-6E8A-4147-A177-3AD203B41FA5}">
                       <a16:colId xmlns:a16="http://schemas.microsoft.com/office/drawing/2014/main" val="3128281396"/>
                     </a:ext>
                   </a:extLst>
                 </a:gridCol>
-                <a:gridCol w="1448117">
+                <a:gridCol w="1392926">
                   <a:extLst>
                     <a:ext uri="{9D8B030D-6E8A-4147-A177-3AD203B41FA5}">
                       <a16:colId xmlns:a16="http://schemas.microsoft.com/office/drawing/2014/main" val="4262469077"/>
@@ -31062,7 +30478,7 @@
                   </a:extLst>
                 </a:gridCol>
               </a:tblGrid>
-              <a:tr h="359781">
+              <a:tr h="452749">
                 <a:tc>
                   <a:txBody>
                     <a:bodyPr/>
@@ -31145,7 +30561,7 @@
                   </a:ext>
                 </a:extLst>
               </a:tr>
-              <a:tr h="227937">
+              <a:tr h="452749">
                 <a:tc>
                   <a:txBody>
                     <a:bodyPr/>
@@ -31210,7 +30626,7 @@
                   </a:ext>
                 </a:extLst>
               </a:tr>
-              <a:tr h="251373">
+              <a:tr h="452749">
                 <a:tc>
                   <a:txBody>
                     <a:bodyPr/>
@@ -31303,7 +30719,7 @@
                   </a:ext>
                 </a:extLst>
               </a:tr>
-              <a:tr h="227937">
+              <a:tr h="452749">
                 <a:tc>
                   <a:txBody>
                     <a:bodyPr/>
@@ -31396,7 +30812,7 @@
                   </a:ext>
                 </a:extLst>
               </a:tr>
-              <a:tr h="364779">
+              <a:tr h="452749">
                 <a:tc>
                   <a:txBody>
                     <a:bodyPr/>
@@ -31461,7 +30877,7 @@
                   </a:ext>
                 </a:extLst>
               </a:tr>
-              <a:tr h="364779">
+              <a:tr h="258714">
                 <a:tc>
                   <a:txBody>
                     <a:bodyPr/>
@@ -31558,7 +30974,7 @@
                   </a:ext>
                 </a:extLst>
               </a:tr>
-              <a:tr h="740794">
+              <a:tr h="646784">
                 <a:tc>
                   <a:txBody>
                     <a:bodyPr/>
@@ -32490,14 +31906,14 @@
           <p:nvPr>
             <p:extLst>
               <p:ext uri="{D42A27DB-BD31-4B8C-83A1-F6EECF244321}">
-                <p14:modId xmlns:p14="http://schemas.microsoft.com/office/powerpoint/2010/main" val="1422021286"/>
+                <p14:modId xmlns:p14="http://schemas.microsoft.com/office/powerpoint/2010/main" val="2463138980"/>
               </p:ext>
             </p:extLst>
           </p:nvPr>
         </p:nvGraphicFramePr>
         <p:xfrm>
-          <a:off x="1471061" y="1013790"/>
-          <a:ext cx="6096000" cy="3354741"/>
+          <a:off x="1471061" y="304532"/>
+          <a:ext cx="4820409" cy="3030046"/>
         </p:xfrm>
         <a:graphic>
           <a:graphicData uri="http://schemas.openxmlformats.org/drawingml/2006/chart">
@@ -32519,8 +31935,8 @@
         </p:nvSpPr>
         <p:spPr>
           <a:xfrm rot="908287">
-            <a:off x="880712" y="4930541"/>
-            <a:ext cx="3946358" cy="1304223"/>
+            <a:off x="191676" y="3169389"/>
+            <a:ext cx="2558769" cy="575612"/>
           </a:xfrm>
           <a:prstGeom prst="rect">
             <a:avLst/>
@@ -32574,13 +31990,14 @@
           </p:cNvPr>
           <p:cNvCxnSpPr>
             <a:cxnSpLocks/>
+            <a:endCxn id="2" idx="1"/>
           </p:cNvCxnSpPr>
           <p:nvPr/>
         </p:nvCxnSpPr>
         <p:spPr>
           <a:xfrm>
-            <a:off x="1410101" y="4220678"/>
-            <a:ext cx="4624939" cy="635268"/>
+            <a:off x="1634987" y="69574"/>
+            <a:ext cx="6613181" cy="499239"/>
           </a:xfrm>
           <a:prstGeom prst="line">
             <a:avLst/>
@@ -32620,7 +32037,7 @@
         </p:nvSpPr>
         <p:spPr>
           <a:xfrm rot="1342915">
-            <a:off x="6451489" y="3231917"/>
+            <a:off x="7898843" y="141998"/>
             <a:ext cx="1299411" cy="1101024"/>
           </a:xfrm>
           <a:prstGeom prst="triangle">
@@ -32687,8 +32104,8 @@
         </p:nvSpPr>
         <p:spPr>
           <a:xfrm rot="1398202">
-            <a:off x="5079840" y="5077517"/>
-            <a:ext cx="2507381" cy="1280160"/>
+            <a:off x="482544" y="4244084"/>
+            <a:ext cx="1563508" cy="781769"/>
           </a:xfrm>
           <a:custGeom>
             <a:avLst/>
@@ -32842,6 +32259,101 @@
           </a:prstGeom>
         </p:spPr>
       </p:pic>
+      <p:graphicFrame>
+        <p:nvGraphicFramePr>
+          <p:cNvPr id="10" name="תרשים 9">
+            <a:extLst>
+              <a:ext uri="{FF2B5EF4-FFF2-40B4-BE49-F238E27FC236}">
+                <a16:creationId xmlns:a16="http://schemas.microsoft.com/office/drawing/2014/main" id="{DE787088-D3D0-4EB4-8487-AEE5455BE756}"/>
+              </a:ext>
+            </a:extLst>
+          </p:cNvPr>
+          <p:cNvGraphicFramePr/>
+          <p:nvPr>
+            <p:extLst>
+              <p:ext uri="{D42A27DB-BD31-4B8C-83A1-F6EECF244321}">
+                <p14:modId xmlns:p14="http://schemas.microsoft.com/office/powerpoint/2010/main" val="1381135131"/>
+              </p:ext>
+            </p:extLst>
+          </p:nvPr>
+        </p:nvGraphicFramePr>
+        <p:xfrm>
+          <a:off x="6291470" y="1376570"/>
+          <a:ext cx="2806494" cy="1934856"/>
+        </p:xfrm>
+        <a:graphic>
+          <a:graphicData uri="http://schemas.openxmlformats.org/drawingml/2006/chart">
+            <c:chart xmlns:c="http://schemas.openxmlformats.org/drawingml/2006/chart" xmlns:r="http://schemas.openxmlformats.org/officeDocument/2006/relationships" r:id="rId4"/>
+          </a:graphicData>
+        </a:graphic>
+      </p:graphicFrame>
+      <p:graphicFrame>
+        <p:nvGraphicFramePr>
+          <p:cNvPr id="13" name="תרשים 12">
+            <a:extLst>
+              <a:ext uri="{FF2B5EF4-FFF2-40B4-BE49-F238E27FC236}">
+                <a16:creationId xmlns:a16="http://schemas.microsoft.com/office/drawing/2014/main" id="{9D5A5B2A-F5E6-4FFB-8EB9-BF91F1CE3447}"/>
+              </a:ext>
+            </a:extLst>
+          </p:cNvPr>
+          <p:cNvGraphicFramePr/>
+          <p:nvPr>
+            <p:extLst>
+              <p:ext uri="{D42A27DB-BD31-4B8C-83A1-F6EECF244321}">
+                <p14:modId xmlns:p14="http://schemas.microsoft.com/office/powerpoint/2010/main" val="1571005736"/>
+              </p:ext>
+            </p:extLst>
+          </p:nvPr>
+        </p:nvGraphicFramePr>
+        <p:xfrm>
+          <a:off x="4701209" y="3537488"/>
+          <a:ext cx="4234070" cy="2952763"/>
+        </p:xfrm>
+        <a:graphic>
+          <a:graphicData uri="http://schemas.openxmlformats.org/drawingml/2006/chart">
+            <c:chart xmlns:c="http://schemas.openxmlformats.org/drawingml/2006/chart" xmlns:r="http://schemas.openxmlformats.org/officeDocument/2006/relationships" r:id="rId5"/>
+          </a:graphicData>
+        </a:graphic>
+      </p:graphicFrame>
+      <p:pic>
+        <p:nvPicPr>
+          <p:cNvPr id="15" name="גרפיקה 14" descr="קבוצה">
+            <a:extLst>
+              <a:ext uri="{FF2B5EF4-FFF2-40B4-BE49-F238E27FC236}">
+                <a16:creationId xmlns:a16="http://schemas.microsoft.com/office/drawing/2014/main" id="{5750946B-9879-4AA5-95F3-8B7008E57F51}"/>
+              </a:ext>
+            </a:extLst>
+          </p:cNvPr>
+          <p:cNvPicPr>
+            <a:picLocks noChangeAspect="1"/>
+          </p:cNvPicPr>
+          <p:nvPr/>
+        </p:nvPicPr>
+        <p:blipFill>
+          <a:blip r:embed="rId6">
+            <a:extLst>
+              <a:ext uri="{28A0092B-C50C-407E-A947-70E740481C1C}">
+                <a14:useLocalDpi xmlns:a14="http://schemas.microsoft.com/office/drawing/2010/main" val="0"/>
+              </a:ext>
+              <a:ext uri="{96DAC541-7B7A-43D3-8B79-37D633B846F1}">
+                <asvg:svgBlip xmlns:asvg="http://schemas.microsoft.com/office/drawing/2016/SVG/main" r:embed="rId7"/>
+              </a:ext>
+            </a:extLst>
+          </a:blip>
+          <a:stretch>
+            <a:fillRect/>
+          </a:stretch>
+        </p:blipFill>
+        <p:spPr>
+          <a:xfrm>
+            <a:off x="1471060" y="4568684"/>
+            <a:ext cx="2195623" cy="2195623"/>
+          </a:xfrm>
+          <a:prstGeom prst="rect">
+            <a:avLst/>
+          </a:prstGeom>
+        </p:spPr>
+      </p:pic>
     </p:spTree>
     <p:extLst>
       <p:ext uri="{BB962C8B-B14F-4D97-AF65-F5344CB8AC3E}">
@@ -32872,68 +32384,214 @@
           <a:chExt cx="0" cy="0"/>
         </a:xfrm>
       </p:grpSpPr>
-      <p:graphicFrame>
-        <p:nvGraphicFramePr>
-          <p:cNvPr id="7" name="תרשים 6">
+      <p:sp>
+        <p:nvSpPr>
+          <p:cNvPr id="12" name="TextBox 11">
             <a:extLst>
               <a:ext uri="{FF2B5EF4-FFF2-40B4-BE49-F238E27FC236}">
-                <a16:creationId xmlns:a16="http://schemas.microsoft.com/office/drawing/2014/main" id="{5F859E0A-2C9A-4AA9-8903-6C30DC4BF84C}"/>
+                <a16:creationId xmlns:a16="http://schemas.microsoft.com/office/drawing/2014/main" id="{E0257B45-1EBF-4DD9-AD46-A2E8ED9D98D8}"/>
               </a:ext>
             </a:extLst>
           </p:cNvPr>
-          <p:cNvGraphicFramePr/>
-          <p:nvPr>
-            <p:extLst>
-              <p:ext uri="{D42A27DB-BD31-4B8C-83A1-F6EECF244321}">
-                <p14:modId xmlns:p14="http://schemas.microsoft.com/office/powerpoint/2010/main" val="2299142475"/>
-              </p:ext>
-            </p:extLst>
-          </p:nvPr>
-        </p:nvGraphicFramePr>
-        <p:xfrm>
-          <a:off x="5404583" y="290094"/>
-          <a:ext cx="3418573" cy="2164347"/>
-        </p:xfrm>
-        <a:graphic>
-          <a:graphicData uri="http://schemas.openxmlformats.org/drawingml/2006/chart">
-            <c:chart xmlns:c="http://schemas.openxmlformats.org/drawingml/2006/chart" xmlns:r="http://schemas.openxmlformats.org/officeDocument/2006/relationships" r:id="rId2"/>
-          </a:graphicData>
-        </a:graphic>
-      </p:graphicFrame>
-      <p:graphicFrame>
-        <p:nvGraphicFramePr>
-          <p:cNvPr id="11" name="תרשים 10">
+          <p:cNvSpPr txBox="1"/>
+          <p:nvPr/>
+        </p:nvSpPr>
+        <p:spPr>
+          <a:xfrm>
+            <a:off x="6318051" y="461504"/>
+            <a:ext cx="2254102" cy="923330"/>
+          </a:xfrm>
+          <a:prstGeom prst="rect">
+            <a:avLst/>
+          </a:prstGeom>
+          <a:noFill/>
+        </p:spPr>
+        <p:txBody>
+          <a:bodyPr wrap="square" rtlCol="1">
+            <a:spAutoFit/>
+          </a:bodyPr>
+          <a:lstStyle/>
+          <a:p>
+            <a:pPr marL="342900" indent="-342900" algn="r" rtl="1">
+              <a:buSzPct val="100000"/>
+              <a:buBlip>
+                <a:blip r:embed="rId2"/>
+              </a:buBlip>
+            </a:pPr>
+            <a:r>
+              <a:rPr lang="en-US" dirty="0">
+                <a:solidFill>
+                  <a:srgbClr val="7030A0"/>
+                </a:solidFill>
+              </a:rPr>
+              <a:t>IMAGE BULLET</a:t>
+            </a:r>
+            <a:r>
+              <a:rPr lang="he-IL" dirty="0">
+                <a:solidFill>
+                  <a:srgbClr val="7030A0"/>
+                </a:solidFill>
+              </a:rPr>
+              <a:t>-1</a:t>
+            </a:r>
+          </a:p>
+          <a:p>
+            <a:pPr marL="342900" indent="-342900" algn="r" rtl="1">
+              <a:buBlip>
+                <a:blip r:embed="rId2"/>
+              </a:buBlip>
+            </a:pPr>
+            <a:r>
+              <a:rPr lang="en-US" dirty="0">
+                <a:solidFill>
+                  <a:srgbClr val="7030A0"/>
+                </a:solidFill>
+              </a:rPr>
+              <a:t>IMAGE BULLET </a:t>
+            </a:r>
+            <a:r>
+              <a:rPr lang="he-IL" dirty="0">
+                <a:solidFill>
+                  <a:srgbClr val="7030A0"/>
+                </a:solidFill>
+              </a:rPr>
+              <a:t>-2</a:t>
+            </a:r>
+          </a:p>
+          <a:p>
+            <a:pPr marL="342900" indent="-342900" algn="r" rtl="1">
+              <a:buBlip>
+                <a:blip r:embed="rId2"/>
+              </a:buBlip>
+            </a:pPr>
+            <a:r>
+              <a:rPr lang="en-US" dirty="0">
+                <a:solidFill>
+                  <a:srgbClr val="7030A0"/>
+                </a:solidFill>
+              </a:rPr>
+              <a:t>IMAGE BULLET </a:t>
+            </a:r>
+            <a:r>
+              <a:rPr lang="he-IL" dirty="0">
+                <a:solidFill>
+                  <a:srgbClr val="7030A0"/>
+                </a:solidFill>
+              </a:rPr>
+              <a:t>-3</a:t>
+            </a:r>
+          </a:p>
+        </p:txBody>
+      </p:sp>
+      <p:sp>
+        <p:nvSpPr>
+          <p:cNvPr id="13" name="TextBox 12">
             <a:extLst>
               <a:ext uri="{FF2B5EF4-FFF2-40B4-BE49-F238E27FC236}">
-                <a16:creationId xmlns:a16="http://schemas.microsoft.com/office/drawing/2014/main" id="{355216AE-5B81-4200-BE32-346ECBF44113}"/>
+                <a16:creationId xmlns:a16="http://schemas.microsoft.com/office/drawing/2014/main" id="{DC675811-0B63-4A0E-A22B-224BCBC610F9}"/>
               </a:ext>
             </a:extLst>
           </p:cNvPr>
-          <p:cNvGraphicFramePr/>
-          <p:nvPr>
-            <p:extLst>
-              <p:ext uri="{D42A27DB-BD31-4B8C-83A1-F6EECF244321}">
-                <p14:modId xmlns:p14="http://schemas.microsoft.com/office/powerpoint/2010/main" val="681422640"/>
-              </p:ext>
-            </p:extLst>
-          </p:nvPr>
-        </p:nvGraphicFramePr>
-        <p:xfrm>
-          <a:off x="503723" y="1660356"/>
-          <a:ext cx="4857986" cy="3119461"/>
-        </p:xfrm>
-        <a:graphic>
-          <a:graphicData uri="http://schemas.openxmlformats.org/drawingml/2006/chart">
-            <c:chart xmlns:c="http://schemas.openxmlformats.org/drawingml/2006/chart" xmlns:r="http://schemas.openxmlformats.org/officeDocument/2006/relationships" r:id="rId3"/>
-          </a:graphicData>
-        </a:graphic>
-      </p:graphicFrame>
+          <p:cNvSpPr txBox="1"/>
+          <p:nvPr/>
+        </p:nvSpPr>
+        <p:spPr>
+          <a:xfrm>
+            <a:off x="6654990" y="1760788"/>
+            <a:ext cx="1580223" cy="923330"/>
+          </a:xfrm>
+          <a:prstGeom prst="rect">
+            <a:avLst/>
+          </a:prstGeom>
+          <a:noFill/>
+        </p:spPr>
+        <p:txBody>
+          <a:bodyPr wrap="square" rtlCol="1">
+            <a:spAutoFit/>
+          </a:bodyPr>
+          <a:lstStyle/>
+          <a:p>
+            <a:pPr marL="447675" indent="-447675" algn="l" rtl="0">
+              <a:buSzPct val="120000"/>
+              <a:buBlip>
+                <a:blip r:embed="rId3">
+                  <a:extLst>
+                    <a:ext uri="{96DAC541-7B7A-43D3-8B79-37D633B846F1}">
+                      <asvg:svgBlip xmlns:asvg="http://schemas.microsoft.com/office/drawing/2016/SVG/main" r:embed="rId4"/>
+                    </a:ext>
+                  </a:extLst>
+                </a:blip>
+              </a:buBlip>
+            </a:pPr>
+            <a:r>
+              <a:rPr lang="en-US" dirty="0">
+                <a:solidFill>
+                  <a:srgbClr val="7AEFF2"/>
+                </a:solidFill>
+              </a:rPr>
+              <a:t>Bullets-1</a:t>
+            </a:r>
+            <a:endParaRPr lang="he-IL" dirty="0">
+              <a:solidFill>
+                <a:srgbClr val="7AEFF2"/>
+              </a:solidFill>
+            </a:endParaRPr>
+          </a:p>
+          <a:p>
+            <a:pPr marL="447675" indent="-447675">
+              <a:buBlip>
+                <a:blip r:embed="rId3">
+                  <a:extLst>
+                    <a:ext uri="{96DAC541-7B7A-43D3-8B79-37D633B846F1}">
+                      <asvg:svgBlip xmlns:asvg="http://schemas.microsoft.com/office/drawing/2016/SVG/main" r:embed="rId4"/>
+                    </a:ext>
+                  </a:extLst>
+                </a:blip>
+              </a:buBlip>
+            </a:pPr>
+            <a:r>
+              <a:rPr lang="en-US" dirty="0">
+                <a:solidFill>
+                  <a:srgbClr val="7AEFF2"/>
+                </a:solidFill>
+              </a:rPr>
+              <a:t>Bullets-1</a:t>
+            </a:r>
+          </a:p>
+          <a:p>
+            <a:pPr marL="447675" indent="-447675">
+              <a:buBlip>
+                <a:blip r:embed="rId3">
+                  <a:extLst>
+                    <a:ext uri="{96DAC541-7B7A-43D3-8B79-37D633B846F1}">
+                      <asvg:svgBlip xmlns:asvg="http://schemas.microsoft.com/office/drawing/2016/SVG/main" r:embed="rId4"/>
+                    </a:ext>
+                  </a:extLst>
+                </a:blip>
+              </a:buBlip>
+            </a:pPr>
+            <a:r>
+              <a:rPr lang="en-US" dirty="0">
+                <a:solidFill>
+                  <a:srgbClr val="7AEFF2"/>
+                </a:solidFill>
+              </a:rPr>
+              <a:t>Bullets-1</a:t>
+            </a:r>
+            <a:endParaRPr lang="he-IL" dirty="0">
+              <a:solidFill>
+                <a:srgbClr val="7AEFF2"/>
+              </a:solidFill>
+            </a:endParaRPr>
+          </a:p>
+        </p:txBody>
+      </p:sp>
       <p:pic>
         <p:nvPicPr>
-          <p:cNvPr id="4" name="גרפיקה 3" descr="קבוצה">
+          <p:cNvPr id="6" name="תמונה 5">
             <a:extLst>
               <a:ext uri="{FF2B5EF4-FFF2-40B4-BE49-F238E27FC236}">
-                <a16:creationId xmlns:a16="http://schemas.microsoft.com/office/drawing/2014/main" id="{9A31590B-6BE9-4B6D-A68A-6A8148BCDD6B}"/>
+                <a16:creationId xmlns:a16="http://schemas.microsoft.com/office/drawing/2014/main" id="{8089C325-43C6-4564-BFC5-6465277345C6}"/>
               </a:ext>
             </a:extLst>
           </p:cNvPr>
@@ -32943,46 +32601,7 @@
           <p:nvPr/>
         </p:nvPicPr>
         <p:blipFill>
-          <a:blip r:embed="rId4">
-            <a:extLst>
-              <a:ext uri="{28A0092B-C50C-407E-A947-70E740481C1C}">
-                <a14:useLocalDpi xmlns:a14="http://schemas.microsoft.com/office/drawing/2010/main" val="0"/>
-              </a:ext>
-              <a:ext uri="{96DAC541-7B7A-43D3-8B79-37D633B846F1}">
-                <asvg:svgBlip xmlns:asvg="http://schemas.microsoft.com/office/drawing/2016/SVG/main" r:embed="rId5"/>
-              </a:ext>
-            </a:extLst>
-          </a:blip>
-          <a:stretch>
-            <a:fillRect/>
-          </a:stretch>
-        </p:blipFill>
-        <p:spPr>
-          <a:xfrm>
-            <a:off x="5980814" y="2997573"/>
-            <a:ext cx="2195623" cy="2195623"/>
-          </a:xfrm>
-          <a:prstGeom prst="rect">
-            <a:avLst/>
-          </a:prstGeom>
-        </p:spPr>
-      </p:pic>
-      <p:pic>
-        <p:nvPicPr>
-          <p:cNvPr id="8" name="תמונה 7">
-            <a:extLst>
-              <a:ext uri="{FF2B5EF4-FFF2-40B4-BE49-F238E27FC236}">
-                <a16:creationId xmlns:a16="http://schemas.microsoft.com/office/drawing/2014/main" id="{9FC65FD1-8725-4524-AE50-A91E137E0BD5}"/>
-              </a:ext>
-            </a:extLst>
-          </p:cNvPr>
-          <p:cNvPicPr>
-            <a:picLocks noChangeAspect="1"/>
-          </p:cNvPicPr>
-          <p:nvPr/>
-        </p:nvPicPr>
-        <p:blipFill>
-          <a:blip r:embed="rId6">
+          <a:blip r:embed="rId5">
             <a:extLst>
               <a:ext uri="{28A0092B-C50C-407E-A947-70E740481C1C}">
                 <a14:useLocalDpi xmlns:a14="http://schemas.microsoft.com/office/drawing/2010/main" val="0"/>
@@ -33003,10 +32622,87 @@
           </a:prstGeom>
         </p:spPr>
       </p:pic>
+      <p:graphicFrame>
+        <p:nvGraphicFramePr>
+          <p:cNvPr id="7" name="דיאגרמה 6">
+            <a:extLst>
+              <a:ext uri="{FF2B5EF4-FFF2-40B4-BE49-F238E27FC236}">
+                <a16:creationId xmlns:a16="http://schemas.microsoft.com/office/drawing/2014/main" id="{6388008A-8627-4EBC-B25F-7241F7FB92EC}"/>
+              </a:ext>
+            </a:extLst>
+          </p:cNvPr>
+          <p:cNvGraphicFramePr/>
+          <p:nvPr>
+            <p:extLst>
+              <p:ext uri="{D42A27DB-BD31-4B8C-83A1-F6EECF244321}">
+                <p14:modId xmlns:p14="http://schemas.microsoft.com/office/powerpoint/2010/main" val="1267788528"/>
+              </p:ext>
+            </p:extLst>
+          </p:nvPr>
+        </p:nvGraphicFramePr>
+        <p:xfrm>
+          <a:off x="113997" y="1749392"/>
+          <a:ext cx="6096000" cy="4064000"/>
+        </p:xfrm>
+        <a:graphic>
+          <a:graphicData uri="http://schemas.openxmlformats.org/drawingml/2006/diagram">
+            <dgm:relIds xmlns:dgm="http://schemas.openxmlformats.org/drawingml/2006/diagram" xmlns:r="http://schemas.openxmlformats.org/officeDocument/2006/relationships" r:dm="rId6" r:lo="rId7" r:qs="rId8" r:cs="rId9"/>
+          </a:graphicData>
+        </a:graphic>
+      </p:graphicFrame>
+      <p:sp>
+        <p:nvSpPr>
+          <p:cNvPr id="9" name="TextBox 8">
+            <a:extLst>
+              <a:ext uri="{FF2B5EF4-FFF2-40B4-BE49-F238E27FC236}">
+                <a16:creationId xmlns:a16="http://schemas.microsoft.com/office/drawing/2014/main" id="{B79038CA-9B05-4731-A5AC-D4F68672E18C}"/>
+              </a:ext>
+            </a:extLst>
+          </p:cNvPr>
+          <p:cNvSpPr txBox="1"/>
+          <p:nvPr/>
+        </p:nvSpPr>
+        <p:spPr>
+          <a:xfrm>
+            <a:off x="1353076" y="1987643"/>
+            <a:ext cx="3781838" cy="646331"/>
+          </a:xfrm>
+          <a:prstGeom prst="rect">
+            <a:avLst/>
+          </a:prstGeom>
+        </p:spPr>
+        <p:style>
+          <a:lnRef idx="0">
+            <a:schemeClr val="accent2"/>
+          </a:lnRef>
+          <a:fillRef idx="3">
+            <a:schemeClr val="accent2"/>
+          </a:fillRef>
+          <a:effectRef idx="3">
+            <a:schemeClr val="accent2"/>
+          </a:effectRef>
+          <a:fontRef idx="minor">
+            <a:schemeClr val="lt1"/>
+          </a:fontRef>
+        </p:style>
+        <p:txBody>
+          <a:bodyPr wrap="square" rtlCol="1">
+            <a:spAutoFit/>
+          </a:bodyPr>
+          <a:lstStyle/>
+          <a:p>
+            <a:r>
+              <a:rPr lang="en-US" sz="3600" dirty="0"/>
+              <a:t>SmartArt Diagram</a:t>
+            </a:r>
+            <a:endParaRPr lang="he-IL" sz="3600" dirty="0"/>
+          </a:p>
+        </p:txBody>
+      </p:sp>
     </p:spTree>
     <p:extLst>
       <p:ext uri="{BB962C8B-B14F-4D97-AF65-F5344CB8AC3E}">
-        <p14:creationId xmlns:p14="http://schemas.microsoft.com/office/powerpoint/2010/main" val="3195756233"/>
+        <p14:creationId xmlns:p14="http://schemas.microsoft.com/office/powerpoint/2010/main" val="3078218580"/>
       </p:ext>
     </p:extLst>
   </p:cSld>

--- a/pptxjs/Sample_12.pptx
+++ b/pptxjs/Sample_12.pptx
@@ -6,18 +6,15 @@
     <p:sldMasterId id="2147484257" r:id="rId2"/>
   </p:sldMasterIdLst>
   <p:notesMasterIdLst>
-    <p:notesMasterId r:id="rId12"/>
+    <p:notesMasterId r:id="rId9"/>
   </p:notesMasterIdLst>
   <p:sldIdLst>
     <p:sldId id="256" r:id="rId3"/>
-    <p:sldId id="264" r:id="rId4"/>
-    <p:sldId id="257" r:id="rId5"/>
-    <p:sldId id="258" r:id="rId6"/>
-    <p:sldId id="259" r:id="rId7"/>
-    <p:sldId id="260" r:id="rId8"/>
-    <p:sldId id="265" r:id="rId9"/>
-    <p:sldId id="261" r:id="rId10"/>
-    <p:sldId id="263" r:id="rId11"/>
+    <p:sldId id="257" r:id="rId4"/>
+    <p:sldId id="259" r:id="rId5"/>
+    <p:sldId id="265" r:id="rId6"/>
+    <p:sldId id="261" r:id="rId7"/>
+    <p:sldId id="263" r:id="rId8"/>
   </p:sldIdLst>
   <p:sldSz cx="9144000" cy="6858000" type="screen4x3"/>
   <p:notesSz cx="6858000" cy="9144000"/>
@@ -7124,7 +7121,7 @@
           <a:p>
             <a:fld id="{6C163BB3-A164-4ED4-B6B9-9CFBBD1C8AA2}" type="slidenum">
               <a:rPr lang="he-IL" smtClean="0"/>
-              <a:t>5</a:t>
+              <a:t>3</a:t>
             </a:fld>
             <a:endParaRPr lang="he-IL"/>
           </a:p>
@@ -26893,7 +26890,18 @@
                   <a:srgbClr val="FFFF00"/>
                 </a:solidFill>
               </a:rPr>
-              <a:t>Shape with image background</a:t>
+              <a:t>By</a:t>
+            </a:r>
+          </a:p>
+          <a:p>
+            <a:pPr algn="ctr"/>
+            <a:r>
+              <a:rPr lang="en-US" sz="2000" dirty="0">
+                <a:solidFill>
+                  <a:srgbClr val="FFFF00"/>
+                </a:solidFill>
+              </a:rPr>
+              <a:t>Meshesha</a:t>
             </a:r>
             <a:endParaRPr lang="he-IL" sz="2000" dirty="0">
               <a:solidFill>
@@ -26958,18 +26966,388 @@
       </p:nvGrpSpPr>
       <p:grpSpPr>
         <a:xfrm>
-          <a:off x="0" y="0"/>
-          <a:ext cx="0" cy="0"/>
-          <a:chOff x="0" y="0"/>
-          <a:chExt cx="0" cy="0"/>
+          <a:off x="95250" y="95250"/>
+          <a:ext cx="8953500" cy="6953250"/>
+          <a:chOff x="95250" y="95250"/>
+          <a:chExt cx="8953500" cy="6953250"/>
         </a:xfrm>
       </p:grpSpPr>
+      <p:pic>
+        <p:nvPicPr>
+          <p:cNvPr id="7" name="תמונה 6">
+            <a:extLst>
+              <a:ext uri="{FF2B5EF4-FFF2-40B4-BE49-F238E27FC236}">
+                <a16:creationId xmlns:a16="http://schemas.microsoft.com/office/drawing/2014/main" id="{0EA0546F-49A2-4CC0-8438-426A2BBCB0D7}"/>
+              </a:ext>
+            </a:extLst>
+          </p:cNvPr>
+          <p:cNvPicPr>
+            <a:picLocks noChangeAspect="1"/>
+          </p:cNvPicPr>
+          <p:nvPr/>
+        </p:nvPicPr>
+        <p:blipFill>
+          <a:blip r:embed="rId2">
+            <a:extLst>
+              <a:ext uri="{28A0092B-C50C-407E-A947-70E740481C1C}">
+                <a14:useLocalDpi xmlns:a14="http://schemas.microsoft.com/office/drawing/2010/main" val="0"/>
+              </a:ext>
+            </a:extLst>
+          </a:blip>
+          <a:stretch>
+            <a:fillRect/>
+          </a:stretch>
+        </p:blipFill>
+        <p:spPr>
+          <a:xfrm>
+            <a:off x="4628482" y="1047626"/>
+            <a:ext cx="4515517" cy="1576304"/>
+          </a:xfrm>
+          <a:prstGeom prst="rect">
+            <a:avLst/>
+          </a:prstGeom>
+        </p:spPr>
+      </p:pic>
       <p:sp>
         <p:nvSpPr>
-          <p:cNvPr id="4" name="צורה חופשית: צורה 3">
+          <p:cNvPr id="2" name="TextBox 1"/>
+          <p:cNvSpPr txBox="1"/>
+          <p:nvPr/>
+        </p:nvSpPr>
+        <p:spPr>
+          <a:xfrm>
+            <a:off x="95250" y="476250"/>
+            <a:ext cx="8858250" cy="830997"/>
+          </a:xfrm>
+          <a:prstGeom prst="rect">
+            <a:avLst/>
+          </a:prstGeom>
+        </p:spPr>
+        <p:txBody>
+          <a:bodyPr lIns="91440" tIns="45720" rIns="91440" bIns="45720" rtlCol="0">
+            <a:spAutoFit/>
+          </a:bodyPr>
+          <a:lstStyle/>
+          <a:p>
+            <a:pPr marL="0" marR="0" lvl="0" indent="0" rtl="0" fontAlgn="base"/>
+            <a:r>
+              <a:rPr sz="4800" b="1" i="0" u="none" strike="noStrike" dirty="0">
+                <a:solidFill>
+                  <a:srgbClr val="FF0000"/>
+                </a:solidFill>
+                <a:latin typeface="Calibri"/>
+              </a:rPr>
+              <a:t>What is </a:t>
+            </a:r>
+            <a:r>
+              <a:rPr lang="en-US" sz="4800" b="1" i="0" u="none" strike="noStrike" dirty="0" err="1">
+                <a:solidFill>
+                  <a:srgbClr val="FF0000"/>
+                </a:solidFill>
+                <a:latin typeface="Calibri"/>
+              </a:rPr>
+              <a:t>PPTXjs</a:t>
+            </a:r>
+            <a:r>
+              <a:rPr sz="4800" b="1" i="0" u="none" strike="noStrike" dirty="0">
+                <a:solidFill>
+                  <a:srgbClr val="FF0000"/>
+                </a:solidFill>
+                <a:latin typeface="Calibri"/>
+              </a:rPr>
+              <a:t>?</a:t>
+            </a:r>
+          </a:p>
+        </p:txBody>
+      </p:sp>
+      <p:sp>
+        <p:nvSpPr>
+          <p:cNvPr id="3" name="TextBox 2"/>
+          <p:cNvSpPr txBox="1"/>
+          <p:nvPr/>
+        </p:nvSpPr>
+        <p:spPr>
+          <a:xfrm>
+            <a:off x="95250" y="1238250"/>
+            <a:ext cx="4372389" cy="1323439"/>
+          </a:xfrm>
+          <a:prstGeom prst="rect">
+            <a:avLst/>
+          </a:prstGeom>
+          <a:ln>
+            <a:solidFill>
+              <a:schemeClr val="accent1"/>
+            </a:solidFill>
+          </a:ln>
+        </p:spPr>
+        <p:txBody>
+          <a:bodyPr wrap="square" lIns="91440" tIns="45720" rIns="91440" bIns="45720" rtlCol="0">
+            <a:spAutoFit/>
+          </a:bodyPr>
+          <a:lstStyle/>
+          <a:p>
+            <a:pPr marL="857250" marR="0" lvl="0" indent="-857250" fontAlgn="base">
+              <a:buFont typeface="+mj-lt"/>
+              <a:buAutoNum type="romanUcPeriod"/>
+            </a:pPr>
+            <a:r>
+              <a:rPr lang="en-US" sz="2000" b="0" i="0" u="none" strike="noStrike" dirty="0">
+                <a:solidFill>
+                  <a:srgbClr val="00B050"/>
+                </a:solidFill>
+                <a:latin typeface="Arial" panose="020B0604020202020204" pitchFamily="34" charset="0"/>
+                <a:cs typeface="Arial" panose="020B0604020202020204" pitchFamily="34" charset="0"/>
+              </a:rPr>
+              <a:t>jQuery plugin</a:t>
+            </a:r>
+            <a:endParaRPr sz="2000" b="0" i="0" u="none" strike="noStrike" dirty="0">
+              <a:solidFill>
+                <a:srgbClr val="00B050"/>
+              </a:solidFill>
+              <a:latin typeface="Arial" panose="020B0604020202020204" pitchFamily="34" charset="0"/>
+              <a:cs typeface="Arial" panose="020B0604020202020204" pitchFamily="34" charset="0"/>
+            </a:endParaRPr>
+          </a:p>
+          <a:p>
+            <a:pPr marL="857250" indent="-857250" fontAlgn="base">
+              <a:buFont typeface="+mj-lt"/>
+              <a:buAutoNum type="romanUcPeriod"/>
+            </a:pPr>
+            <a:r>
+              <a:rPr sz="2000" dirty="0">
+                <a:solidFill>
+                  <a:srgbClr val="00B050"/>
+                </a:solidFill>
+                <a:latin typeface="Arial" panose="020B0604020202020204" pitchFamily="34" charset="0"/>
+                <a:cs typeface="Arial" panose="020B0604020202020204" pitchFamily="34" charset="0"/>
+              </a:rPr>
+              <a:t>Written in </a:t>
+            </a:r>
+            <a:r>
+              <a:rPr lang="en-US" sz="2000" dirty="0" err="1">
+                <a:solidFill>
+                  <a:srgbClr val="00B050"/>
+                </a:solidFill>
+                <a:latin typeface="Arial" panose="020B0604020202020204" pitchFamily="34" charset="0"/>
+                <a:cs typeface="Arial" panose="020B0604020202020204" pitchFamily="34" charset="0"/>
+              </a:rPr>
+              <a:t>javascript</a:t>
+            </a:r>
+            <a:endParaRPr sz="2000" dirty="0">
+              <a:solidFill>
+                <a:srgbClr val="00B050"/>
+              </a:solidFill>
+              <a:latin typeface="Arial" panose="020B0604020202020204" pitchFamily="34" charset="0"/>
+              <a:cs typeface="Arial" panose="020B0604020202020204" pitchFamily="34" charset="0"/>
+            </a:endParaRPr>
+          </a:p>
+          <a:p>
+            <a:pPr marL="857250" indent="-857250" fontAlgn="base">
+              <a:buFont typeface="+mj-lt"/>
+              <a:buAutoNum type="romanUcPeriod"/>
+            </a:pPr>
+            <a:r>
+              <a:rPr sz="2000" dirty="0">
+                <a:solidFill>
+                  <a:srgbClr val="00B050"/>
+                </a:solidFill>
+                <a:latin typeface="Arial" panose="020B0604020202020204" pitchFamily="34" charset="0"/>
+                <a:cs typeface="Arial" panose="020B0604020202020204" pitchFamily="34" charset="0"/>
+              </a:rPr>
+              <a:t>Representing a presentation</a:t>
+            </a:r>
+          </a:p>
+          <a:p>
+            <a:pPr marL="857250" indent="-857250" fontAlgn="base">
+              <a:buFont typeface="+mj-lt"/>
+              <a:buAutoNum type="romanUcPeriod"/>
+            </a:pPr>
+            <a:r>
+              <a:rPr sz="2000" dirty="0">
+                <a:solidFill>
+                  <a:srgbClr val="00B050"/>
+                </a:solidFill>
+                <a:latin typeface="Arial" panose="020B0604020202020204" pitchFamily="34" charset="0"/>
+                <a:cs typeface="Arial" panose="020B0604020202020204" pitchFamily="34" charset="0"/>
+              </a:rPr>
+              <a:t>Supports writing to </a:t>
+            </a:r>
+            <a:r>
+              <a:rPr lang="en-US" sz="2000" dirty="0">
+                <a:solidFill>
+                  <a:srgbClr val="00B050"/>
+                </a:solidFill>
+                <a:latin typeface="Arial" panose="020B0604020202020204" pitchFamily="34" charset="0"/>
+                <a:cs typeface="Arial" panose="020B0604020202020204" pitchFamily="34" charset="0"/>
+              </a:rPr>
+              <a:t>html</a:t>
+            </a:r>
+            <a:endParaRPr sz="2000" dirty="0">
+              <a:solidFill>
+                <a:srgbClr val="00B050"/>
+              </a:solidFill>
+              <a:latin typeface="Arial" panose="020B0604020202020204" pitchFamily="34" charset="0"/>
+              <a:cs typeface="Arial" panose="020B0604020202020204" pitchFamily="34" charset="0"/>
+            </a:endParaRPr>
+          </a:p>
+        </p:txBody>
+      </p:sp>
+      <p:sp>
+        <p:nvSpPr>
+          <p:cNvPr id="6" name="TextBox 5">
             <a:extLst>
               <a:ext uri="{FF2B5EF4-FFF2-40B4-BE49-F238E27FC236}">
-                <a16:creationId xmlns:a16="http://schemas.microsoft.com/office/drawing/2014/main" id="{610A4019-0683-4ADA-AD45-1F755BD28957}"/>
+                <a16:creationId xmlns:a16="http://schemas.microsoft.com/office/drawing/2014/main" id="{56E1C927-64CA-43DF-B72A-E72CAA318889}"/>
+              </a:ext>
+            </a:extLst>
+          </p:cNvPr>
+          <p:cNvSpPr txBox="1"/>
+          <p:nvPr/>
+        </p:nvSpPr>
+        <p:spPr>
+          <a:xfrm>
+            <a:off x="4729585" y="1238249"/>
+            <a:ext cx="4362451" cy="1323439"/>
+          </a:xfrm>
+          <a:prstGeom prst="rect">
+            <a:avLst/>
+          </a:prstGeom>
+          <a:ln>
+            <a:solidFill>
+              <a:schemeClr val="accent1"/>
+            </a:solidFill>
+          </a:ln>
+        </p:spPr>
+        <p:txBody>
+          <a:bodyPr wrap="square" lIns="91440" tIns="45720" rIns="91440" bIns="45720" rtlCol="0">
+            <a:spAutoFit/>
+          </a:bodyPr>
+          <a:lstStyle/>
+          <a:p>
+            <a:pPr marL="857250" indent="-857250" fontAlgn="base">
+              <a:buFont typeface="+mj-lt"/>
+              <a:buAutoNum type="alphaUcPeriod"/>
+            </a:pPr>
+            <a:r>
+              <a:rPr lang="en-US" sz="2000" dirty="0">
+                <a:solidFill>
+                  <a:srgbClr val="FFFF00"/>
+                </a:solidFill>
+                <a:latin typeface="Arial" panose="020B0604020202020204" pitchFamily="34" charset="0"/>
+                <a:cs typeface="Arial" panose="020B0604020202020204" pitchFamily="34" charset="0"/>
+              </a:rPr>
+              <a:t>jQuery plugin</a:t>
+            </a:r>
+          </a:p>
+          <a:p>
+            <a:pPr marL="857250" indent="-857250" fontAlgn="base">
+              <a:buFont typeface="+mj-lt"/>
+              <a:buAutoNum type="alphaUcPeriod"/>
+            </a:pPr>
+            <a:r>
+              <a:rPr lang="en-US" sz="2000" dirty="0">
+                <a:solidFill>
+                  <a:srgbClr val="FFFF00"/>
+                </a:solidFill>
+                <a:latin typeface="Arial" panose="020B0604020202020204" pitchFamily="34" charset="0"/>
+                <a:cs typeface="Arial" panose="020B0604020202020204" pitchFamily="34" charset="0"/>
+              </a:rPr>
+              <a:t>Written in </a:t>
+            </a:r>
+            <a:r>
+              <a:rPr lang="en-US" sz="2000" dirty="0" err="1">
+                <a:solidFill>
+                  <a:srgbClr val="FFFF00"/>
+                </a:solidFill>
+                <a:latin typeface="Arial" panose="020B0604020202020204" pitchFamily="34" charset="0"/>
+                <a:cs typeface="Arial" panose="020B0604020202020204" pitchFamily="34" charset="0"/>
+              </a:rPr>
+              <a:t>javascript</a:t>
+            </a:r>
+            <a:endParaRPr lang="en-US" sz="2000" dirty="0">
+              <a:solidFill>
+                <a:srgbClr val="FFFF00"/>
+              </a:solidFill>
+              <a:latin typeface="Arial" panose="020B0604020202020204" pitchFamily="34" charset="0"/>
+              <a:cs typeface="Arial" panose="020B0604020202020204" pitchFamily="34" charset="0"/>
+            </a:endParaRPr>
+          </a:p>
+          <a:p>
+            <a:pPr marL="857250" indent="-857250" fontAlgn="base">
+              <a:buFont typeface="+mj-lt"/>
+              <a:buAutoNum type="alphaUcPeriod"/>
+            </a:pPr>
+            <a:r>
+              <a:rPr lang="en-US" sz="2000" dirty="0">
+                <a:solidFill>
+                  <a:srgbClr val="FFFF00"/>
+                </a:solidFill>
+                <a:latin typeface="Arial" panose="020B0604020202020204" pitchFamily="34" charset="0"/>
+                <a:cs typeface="Arial" panose="020B0604020202020204" pitchFamily="34" charset="0"/>
+              </a:rPr>
+              <a:t>Representing a presentation</a:t>
+            </a:r>
+          </a:p>
+          <a:p>
+            <a:pPr marL="857250" indent="-857250" fontAlgn="base">
+              <a:buFont typeface="+mj-lt"/>
+              <a:buAutoNum type="alphaUcPeriod"/>
+            </a:pPr>
+            <a:r>
+              <a:rPr lang="en-US" sz="2000" dirty="0">
+                <a:solidFill>
+                  <a:srgbClr val="FFFF00"/>
+                </a:solidFill>
+                <a:latin typeface="Arial" panose="020B0604020202020204" pitchFamily="34" charset="0"/>
+                <a:cs typeface="Arial" panose="020B0604020202020204" pitchFamily="34" charset="0"/>
+              </a:rPr>
+              <a:t>Supports writing to html</a:t>
+            </a:r>
+          </a:p>
+        </p:txBody>
+      </p:sp>
+      <p:pic>
+        <p:nvPicPr>
+          <p:cNvPr id="8" name="תמונה 7">
+            <a:extLst>
+              <a:ext uri="{FF2B5EF4-FFF2-40B4-BE49-F238E27FC236}">
+                <a16:creationId xmlns:a16="http://schemas.microsoft.com/office/drawing/2014/main" id="{B1A6C5EF-2150-454C-A31F-3B342DE7DAC0}"/>
+              </a:ext>
+            </a:extLst>
+          </p:cNvPr>
+          <p:cNvPicPr>
+            <a:picLocks noChangeAspect="1"/>
+          </p:cNvPicPr>
+          <p:nvPr/>
+        </p:nvPicPr>
+        <p:blipFill>
+          <a:blip r:embed="rId3">
+            <a:extLst>
+              <a:ext uri="{28A0092B-C50C-407E-A947-70E740481C1C}">
+                <a14:useLocalDpi xmlns:a14="http://schemas.microsoft.com/office/drawing/2010/main" val="0"/>
+              </a:ext>
+            </a:extLst>
+          </a:blip>
+          <a:stretch>
+            <a:fillRect/>
+          </a:stretch>
+        </p:blipFill>
+        <p:spPr>
+          <a:xfrm>
+            <a:off x="6538048" y="-3343"/>
+            <a:ext cx="2692524" cy="659026"/>
+          </a:xfrm>
+          <a:prstGeom prst="rect">
+            <a:avLst/>
+          </a:prstGeom>
+        </p:spPr>
+      </p:pic>
+      <p:sp>
+        <p:nvSpPr>
+          <p:cNvPr id="9" name="צורה חופשית: צורה 8">
+            <a:extLst>
+              <a:ext uri="{FF2B5EF4-FFF2-40B4-BE49-F238E27FC236}">
+                <a16:creationId xmlns:a16="http://schemas.microsoft.com/office/drawing/2014/main" id="{3C3E7974-89D6-48E5-9808-454F8DF04790}"/>
               </a:ext>
             </a:extLst>
           </p:cNvPr>
@@ -26978,8 +27356,8 @@
         </p:nvSpPr>
         <p:spPr>
           <a:xfrm>
-            <a:off x="2806995" y="324170"/>
-            <a:ext cx="2908005" cy="3854425"/>
+            <a:off x="1947571" y="3697089"/>
+            <a:ext cx="1565912" cy="1743903"/>
           </a:xfrm>
           <a:custGeom>
             <a:avLst/>
@@ -28887,10 +29265,10 @@
       </p:sp>
       <p:cxnSp>
         <p:nvCxnSpPr>
-          <p:cNvPr id="3" name="מחבר: מרפקי 2">
+          <p:cNvPr id="10" name="מחבר: מרפקי 9">
             <a:extLst>
               <a:ext uri="{FF2B5EF4-FFF2-40B4-BE49-F238E27FC236}">
-                <a16:creationId xmlns:a16="http://schemas.microsoft.com/office/drawing/2014/main" id="{BD942AAD-53A3-4947-AFDA-7E30A2864DDD}"/>
+                <a16:creationId xmlns:a16="http://schemas.microsoft.com/office/drawing/2014/main" id="{546B6F68-EA64-4BDE-9E3B-AB77F339E748}"/>
               </a:ext>
             </a:extLst>
           </p:cNvPr>
@@ -28901,12 +29279,12 @@
         </p:nvCxnSpPr>
         <p:spPr>
           <a:xfrm>
-            <a:off x="1505778" y="4094922"/>
-            <a:ext cx="2186609" cy="1873525"/>
+            <a:off x="899826" y="4900750"/>
+            <a:ext cx="1177452" cy="847661"/>
           </a:xfrm>
           <a:prstGeom prst="bentConnector3">
             <a:avLst>
-              <a:gd name="adj1" fmla="val 49091"/>
+              <a:gd name="adj1" fmla="val 50000"/>
             </a:avLst>
           </a:prstGeom>
           <a:ln w="76200">
@@ -28934,24 +29312,26 @@
       </p:cxnSp>
       <p:cxnSp>
         <p:nvCxnSpPr>
-          <p:cNvPr id="9" name="מחבר: מרפקי 8">
+          <p:cNvPr id="11" name="מחבר: מרפקי 10">
             <a:extLst>
               <a:ext uri="{FF2B5EF4-FFF2-40B4-BE49-F238E27FC236}">
-                <a16:creationId xmlns:a16="http://schemas.microsoft.com/office/drawing/2014/main" id="{B42CF66B-0B61-4AAB-BC3F-AE16B9D47634}"/>
+                <a16:creationId xmlns:a16="http://schemas.microsoft.com/office/drawing/2014/main" id="{6CDBE370-F06D-4DBF-A3A2-3BF011D2C8E0}"/>
               </a:ext>
             </a:extLst>
           </p:cNvPr>
-          <p:cNvCxnSpPr/>
+          <p:cNvCxnSpPr>
+            <a:cxnSpLocks/>
+          </p:cNvCxnSpPr>
           <p:nvPr/>
         </p:nvCxnSpPr>
         <p:spPr>
           <a:xfrm flipV="1">
-            <a:off x="1838738" y="4241119"/>
-            <a:ext cx="1719470" cy="1446143"/>
+            <a:off x="967091" y="3697089"/>
+            <a:ext cx="925906" cy="791846"/>
           </a:xfrm>
           <a:prstGeom prst="bentConnector3">
             <a:avLst>
-              <a:gd name="adj1" fmla="val 60694"/>
+              <a:gd name="adj1" fmla="val 50000"/>
             </a:avLst>
           </a:prstGeom>
           <a:ln w="76200">
@@ -28979,10 +29359,10 @@
       </p:cxnSp>
       <p:sp>
         <p:nvSpPr>
-          <p:cNvPr id="2" name="מלבן: פינות מעוגלות 1">
+          <p:cNvPr id="12" name="מלבן: פינות מעוגלות 11">
             <a:extLst>
               <a:ext uri="{FF2B5EF4-FFF2-40B4-BE49-F238E27FC236}">
-                <a16:creationId xmlns:a16="http://schemas.microsoft.com/office/drawing/2014/main" id="{8967D5B8-DE32-4A4F-891E-43310DD85995}"/>
+                <a16:creationId xmlns:a16="http://schemas.microsoft.com/office/drawing/2014/main" id="{89272012-6A7E-4BAB-877B-95711639413A}"/>
               </a:ext>
             </a:extLst>
           </p:cNvPr>
@@ -28991,8 +29371,8 @@
         </p:nvSpPr>
         <p:spPr>
           <a:xfrm>
-            <a:off x="6705600" y="324170"/>
-            <a:ext cx="1168400" cy="1162885"/>
+            <a:off x="3513483" y="2942012"/>
+            <a:ext cx="629164" cy="526138"/>
           </a:xfrm>
           <a:prstGeom prst="roundRect">
             <a:avLst/>
@@ -29025,10 +29405,10 @@
       </p:sp>
       <p:sp>
         <p:nvSpPr>
-          <p:cNvPr id="5" name="משולש שווה-שוקיים 4">
+          <p:cNvPr id="13" name="משולש שווה-שוקיים 12">
             <a:extLst>
               <a:ext uri="{FF2B5EF4-FFF2-40B4-BE49-F238E27FC236}">
-                <a16:creationId xmlns:a16="http://schemas.microsoft.com/office/drawing/2014/main" id="{2277EC14-AEF2-4246-B386-A79644ABF26C}"/>
+                <a16:creationId xmlns:a16="http://schemas.microsoft.com/office/drawing/2014/main" id="{A4C98DC7-D6E6-422C-B9D3-2FA4F2D365DA}"/>
               </a:ext>
             </a:extLst>
           </p:cNvPr>
@@ -29037,8 +29417,8 @@
         </p:nvSpPr>
         <p:spPr>
           <a:xfrm>
-            <a:off x="6308436" y="1796473"/>
-            <a:ext cx="1565564" cy="1542472"/>
+            <a:off x="4308070" y="3348149"/>
+            <a:ext cx="843030" cy="697879"/>
           </a:xfrm>
           <a:prstGeom prst="triangle">
             <a:avLst/>
@@ -29071,10 +29451,10 @@
       </p:sp>
       <p:sp>
         <p:nvSpPr>
-          <p:cNvPr id="6" name="חץ: ימינה 5">
+          <p:cNvPr id="14" name="חץ: ימינה 13">
             <a:extLst>
               <a:ext uri="{FF2B5EF4-FFF2-40B4-BE49-F238E27FC236}">
-                <a16:creationId xmlns:a16="http://schemas.microsoft.com/office/drawing/2014/main" id="{D4CFFCB5-8139-46E9-8A1D-B69CFB2C5843}"/>
+                <a16:creationId xmlns:a16="http://schemas.microsoft.com/office/drawing/2014/main" id="{C2E04D4F-DA1C-4567-A9C1-1DC3281C0BEE}"/>
               </a:ext>
             </a:extLst>
           </p:cNvPr>
@@ -29083,8 +29463,8 @@
         </p:nvSpPr>
         <p:spPr>
           <a:xfrm>
-            <a:off x="7462982" y="3917312"/>
-            <a:ext cx="1108363" cy="945634"/>
+            <a:off x="6886240" y="4830061"/>
+            <a:ext cx="596835" cy="427844"/>
           </a:xfrm>
           <a:prstGeom prst="rightArrow">
             <a:avLst>
@@ -29120,10 +29500,10 @@
       </p:sp>
       <p:sp>
         <p:nvSpPr>
-          <p:cNvPr id="7" name="חץ: למטה 6">
+          <p:cNvPr id="15" name="חץ: למטה 14">
             <a:extLst>
               <a:ext uri="{FF2B5EF4-FFF2-40B4-BE49-F238E27FC236}">
-                <a16:creationId xmlns:a16="http://schemas.microsoft.com/office/drawing/2014/main" id="{E5AB1FEF-1AE4-4B68-BECE-986B9BB7810C}"/>
+                <a16:creationId xmlns:a16="http://schemas.microsoft.com/office/drawing/2014/main" id="{D6689D66-73A6-4646-B088-81FACEC88DBA}"/>
               </a:ext>
             </a:extLst>
           </p:cNvPr>
@@ -29132,8 +29512,8 @@
         </p:nvSpPr>
         <p:spPr>
           <a:xfrm>
-            <a:off x="6622473" y="5033818"/>
-            <a:ext cx="1025236" cy="1330037"/>
+            <a:off x="4841714" y="4656141"/>
+            <a:ext cx="552072" cy="601764"/>
           </a:xfrm>
           <a:prstGeom prst="downArrow">
             <a:avLst>
@@ -29169,10 +29549,10 @@
       </p:sp>
       <p:sp>
         <p:nvSpPr>
-          <p:cNvPr id="8" name="כוכב: 5 פינות 7">
+          <p:cNvPr id="16" name="כוכב: 5 פינות 15">
             <a:extLst>
               <a:ext uri="{FF2B5EF4-FFF2-40B4-BE49-F238E27FC236}">
-                <a16:creationId xmlns:a16="http://schemas.microsoft.com/office/drawing/2014/main" id="{7201082F-BF45-41BF-9864-284C5E9D8631}"/>
+                <a16:creationId xmlns:a16="http://schemas.microsoft.com/office/drawing/2014/main" id="{2D62B313-9DB9-489E-8C77-1091BC2E3D5B}"/>
               </a:ext>
             </a:extLst>
           </p:cNvPr>
@@ -29181,8 +29561,8 @@
         </p:nvSpPr>
         <p:spPr>
           <a:xfrm>
-            <a:off x="3219336" y="4324572"/>
-            <a:ext cx="3029965" cy="2238548"/>
+            <a:off x="5546123" y="3404643"/>
+            <a:ext cx="1062497" cy="683403"/>
           </a:xfrm>
           <a:prstGeom prst="star5">
             <a:avLst/>
@@ -29215,10 +29595,10 @@
       </p:sp>
       <p:sp>
         <p:nvSpPr>
-          <p:cNvPr id="10" name="יהלום 9">
+          <p:cNvPr id="17" name="יהלום 16">
             <a:extLst>
               <a:ext uri="{FF2B5EF4-FFF2-40B4-BE49-F238E27FC236}">
-                <a16:creationId xmlns:a16="http://schemas.microsoft.com/office/drawing/2014/main" id="{285A6C4D-1C5E-4269-A0AC-5BF5E6B1A726}"/>
+                <a16:creationId xmlns:a16="http://schemas.microsoft.com/office/drawing/2014/main" id="{B2CA5251-27B6-402A-9F93-64B45A7AF836}"/>
               </a:ext>
             </a:extLst>
           </p:cNvPr>
@@ -29227,8 +29607,8 @@
         </p:nvSpPr>
         <p:spPr>
           <a:xfrm>
-            <a:off x="5803538" y="3733975"/>
-            <a:ext cx="1048327" cy="1297709"/>
+            <a:off x="2166434" y="2787910"/>
+            <a:ext cx="564507" cy="587138"/>
           </a:xfrm>
           <a:prstGeom prst="diamond">
             <a:avLst/>
@@ -29259,48 +29639,12 @@
           </a:p>
         </p:txBody>
       </p:sp>
-      <p:pic>
-        <p:nvPicPr>
-          <p:cNvPr id="11" name="תמונה 10">
+      <p:sp>
+        <p:nvSpPr>
+          <p:cNvPr id="18" name="לוחית 17">
             <a:extLst>
               <a:ext uri="{FF2B5EF4-FFF2-40B4-BE49-F238E27FC236}">
-                <a16:creationId xmlns:a16="http://schemas.microsoft.com/office/drawing/2014/main" id="{3DC0929D-A7EB-491A-860A-5A4315BDC225}"/>
-              </a:ext>
-            </a:extLst>
-          </p:cNvPr>
-          <p:cNvPicPr>
-            <a:picLocks noChangeAspect="1"/>
-          </p:cNvPicPr>
-          <p:nvPr/>
-        </p:nvPicPr>
-        <p:blipFill>
-          <a:blip r:embed="rId2">
-            <a:extLst>
-              <a:ext uri="{28A0092B-C50C-407E-A947-70E740481C1C}">
-                <a14:useLocalDpi xmlns:a14="http://schemas.microsoft.com/office/drawing/2010/main" val="0"/>
-              </a:ext>
-            </a:extLst>
-          </a:blip>
-          <a:stretch>
-            <a:fillRect/>
-          </a:stretch>
-        </p:blipFill>
-        <p:spPr>
-          <a:xfrm>
-            <a:off x="-81747" y="39942"/>
-            <a:ext cx="2692524" cy="659026"/>
-          </a:xfrm>
-          <a:prstGeom prst="rect">
-            <a:avLst/>
-          </a:prstGeom>
-        </p:spPr>
-      </p:pic>
-      <p:sp>
-        <p:nvSpPr>
-          <p:cNvPr id="12" name="לוחית 11">
-            <a:extLst>
-              <a:ext uri="{FF2B5EF4-FFF2-40B4-BE49-F238E27FC236}">
-                <a16:creationId xmlns:a16="http://schemas.microsoft.com/office/drawing/2014/main" id="{F3E287CF-B68E-4A8F-918E-EA3C0A5FC283}"/>
+                <a16:creationId xmlns:a16="http://schemas.microsoft.com/office/drawing/2014/main" id="{4859C9A7-A5E0-474A-9E00-D6E898B1AF61}"/>
               </a:ext>
             </a:extLst>
           </p:cNvPr>
@@ -29309,8 +29653,8 @@
         </p:nvSpPr>
         <p:spPr>
           <a:xfrm>
-            <a:off x="521804" y="1446143"/>
-            <a:ext cx="2088973" cy="1933161"/>
+            <a:off x="5117750" y="5552164"/>
+            <a:ext cx="1340801" cy="874643"/>
           </a:xfrm>
           <a:prstGeom prst="plaque">
             <a:avLst/>
@@ -29338,19 +29682,14 @@
           <a:p>
             <a:pPr algn="ctr"/>
             <a:r>
-              <a:rPr lang="en-US"/>
+              <a:rPr lang="en-US" sz="1600" dirty="0"/>
               <a:t>Not supported shape</a:t>
             </a:r>
-            <a:endParaRPr lang="he-IL" dirty="0"/>
+            <a:endParaRPr lang="he-IL" sz="1600" dirty="0"/>
           </a:p>
         </p:txBody>
       </p:sp>
     </p:spTree>
-    <p:extLst>
-      <p:ext uri="{BB962C8B-B14F-4D97-AF65-F5344CB8AC3E}">
-        <p14:creationId xmlns:p14="http://schemas.microsoft.com/office/powerpoint/2010/main" val="2212739239"/>
-      </p:ext>
-    </p:extLst>
   </p:cSld>
   <p:clrMapOvr>
     <a:masterClrMapping/>
@@ -29359,776 +29698,6 @@
 </file>
 
 <file path=ppt/slides/slide3.xml><?xml version="1.0" encoding="utf-8"?>
-<p:sld xmlns:a="http://schemas.openxmlformats.org/drawingml/2006/main" xmlns:r="http://schemas.openxmlformats.org/officeDocument/2006/relationships" xmlns:p="http://schemas.openxmlformats.org/presentationml/2006/main">
-  <p:cSld>
-    <p:spTree>
-      <p:nvGrpSpPr>
-        <p:cNvPr id="1" name=""/>
-        <p:cNvGrpSpPr/>
-        <p:nvPr/>
-      </p:nvGrpSpPr>
-      <p:grpSpPr>
-        <a:xfrm>
-          <a:off x="95250" y="95250"/>
-          <a:ext cx="8953500" cy="6953250"/>
-          <a:chOff x="95250" y="95250"/>
-          <a:chExt cx="8953500" cy="6953250"/>
-        </a:xfrm>
-      </p:grpSpPr>
-      <p:pic>
-        <p:nvPicPr>
-          <p:cNvPr id="7" name="תמונה 6">
-            <a:extLst>
-              <a:ext uri="{FF2B5EF4-FFF2-40B4-BE49-F238E27FC236}">
-                <a16:creationId xmlns:a16="http://schemas.microsoft.com/office/drawing/2014/main" id="{0EA0546F-49A2-4CC0-8438-426A2BBCB0D7}"/>
-              </a:ext>
-            </a:extLst>
-          </p:cNvPr>
-          <p:cNvPicPr>
-            <a:picLocks noChangeAspect="1"/>
-          </p:cNvPicPr>
-          <p:nvPr/>
-        </p:nvPicPr>
-        <p:blipFill>
-          <a:blip r:embed="rId2">
-            <a:extLst>
-              <a:ext uri="{28A0092B-C50C-407E-A947-70E740481C1C}">
-                <a14:useLocalDpi xmlns:a14="http://schemas.microsoft.com/office/drawing/2010/main" val="0"/>
-              </a:ext>
-            </a:extLst>
-          </a:blip>
-          <a:stretch>
-            <a:fillRect/>
-          </a:stretch>
-        </p:blipFill>
-        <p:spPr>
-          <a:xfrm>
-            <a:off x="-36947" y="3492494"/>
-            <a:ext cx="9180947" cy="3411221"/>
-          </a:xfrm>
-          <a:prstGeom prst="rect">
-            <a:avLst/>
-          </a:prstGeom>
-        </p:spPr>
-      </p:pic>
-      <p:sp>
-        <p:nvSpPr>
-          <p:cNvPr id="2" name="TextBox 1"/>
-          <p:cNvSpPr txBox="1"/>
-          <p:nvPr/>
-        </p:nvSpPr>
-        <p:spPr>
-          <a:xfrm>
-            <a:off x="95250" y="476250"/>
-            <a:ext cx="8858250" cy="830997"/>
-          </a:xfrm>
-          <a:prstGeom prst="rect">
-            <a:avLst/>
-          </a:prstGeom>
-        </p:spPr>
-        <p:txBody>
-          <a:bodyPr lIns="91440" tIns="45720" rIns="91440" bIns="45720" rtlCol="0">
-            <a:spAutoFit/>
-          </a:bodyPr>
-          <a:lstStyle/>
-          <a:p>
-            <a:pPr marL="0" marR="0" lvl="0" indent="0" rtl="0" fontAlgn="base"/>
-            <a:r>
-              <a:rPr sz="4800" b="1" i="0" u="none" strike="noStrike" dirty="0">
-                <a:solidFill>
-                  <a:srgbClr val="FF0000"/>
-                </a:solidFill>
-                <a:latin typeface="Calibri"/>
-              </a:rPr>
-              <a:t>What is </a:t>
-            </a:r>
-            <a:r>
-              <a:rPr lang="en-US" sz="4800" b="1" i="0" u="none" strike="noStrike" dirty="0" err="1">
-                <a:solidFill>
-                  <a:srgbClr val="FF0000"/>
-                </a:solidFill>
-                <a:latin typeface="Calibri"/>
-              </a:rPr>
-              <a:t>PPTXjs</a:t>
-            </a:r>
-            <a:r>
-              <a:rPr sz="4800" b="1" i="0" u="none" strike="noStrike" dirty="0">
-                <a:solidFill>
-                  <a:srgbClr val="FF0000"/>
-                </a:solidFill>
-                <a:latin typeface="Calibri"/>
-              </a:rPr>
-              <a:t>?</a:t>
-            </a:r>
-          </a:p>
-        </p:txBody>
-      </p:sp>
-      <p:sp>
-        <p:nvSpPr>
-          <p:cNvPr id="3" name="TextBox 2"/>
-          <p:cNvSpPr txBox="1"/>
-          <p:nvPr/>
-        </p:nvSpPr>
-        <p:spPr>
-          <a:xfrm>
-            <a:off x="95250" y="1238250"/>
-            <a:ext cx="8858250" cy="2308324"/>
-          </a:xfrm>
-          <a:prstGeom prst="rect">
-            <a:avLst/>
-          </a:prstGeom>
-          <a:ln>
-            <a:solidFill>
-              <a:schemeClr val="accent1"/>
-            </a:solidFill>
-          </a:ln>
-        </p:spPr>
-        <p:txBody>
-          <a:bodyPr lIns="91440" tIns="45720" rIns="91440" bIns="45720" rtlCol="0">
-            <a:spAutoFit/>
-          </a:bodyPr>
-          <a:lstStyle/>
-          <a:p>
-            <a:pPr marL="857250" marR="0" lvl="0" indent="-857250" fontAlgn="base">
-              <a:buFont typeface="+mj-lt"/>
-              <a:buAutoNum type="romanUcPeriod"/>
-            </a:pPr>
-            <a:r>
-              <a:rPr lang="en-US" sz="3600" b="0" i="0" u="none" strike="noStrike" dirty="0">
-                <a:solidFill>
-                  <a:srgbClr val="00B050"/>
-                </a:solidFill>
-                <a:latin typeface="Arial" panose="020B0604020202020204" pitchFamily="34" charset="0"/>
-                <a:cs typeface="Arial" panose="020B0604020202020204" pitchFamily="34" charset="0"/>
-              </a:rPr>
-              <a:t>jQuery plugin</a:t>
-            </a:r>
-            <a:endParaRPr sz="3600" b="0" i="0" u="none" strike="noStrike" dirty="0">
-              <a:solidFill>
-                <a:srgbClr val="00B050"/>
-              </a:solidFill>
-              <a:latin typeface="Arial" panose="020B0604020202020204" pitchFamily="34" charset="0"/>
-              <a:cs typeface="Arial" panose="020B0604020202020204" pitchFamily="34" charset="0"/>
-            </a:endParaRPr>
-          </a:p>
-          <a:p>
-            <a:pPr marL="857250" indent="-857250" fontAlgn="base">
-              <a:buFont typeface="+mj-lt"/>
-              <a:buAutoNum type="romanUcPeriod"/>
-            </a:pPr>
-            <a:r>
-              <a:rPr sz="3600" dirty="0">
-                <a:solidFill>
-                  <a:srgbClr val="00B050"/>
-                </a:solidFill>
-                <a:latin typeface="Arial" panose="020B0604020202020204" pitchFamily="34" charset="0"/>
-                <a:cs typeface="Arial" panose="020B0604020202020204" pitchFamily="34" charset="0"/>
-              </a:rPr>
-              <a:t>Written in </a:t>
-            </a:r>
-            <a:r>
-              <a:rPr lang="en-US" sz="3600" dirty="0" err="1">
-                <a:solidFill>
-                  <a:srgbClr val="00B050"/>
-                </a:solidFill>
-                <a:latin typeface="Arial" panose="020B0604020202020204" pitchFamily="34" charset="0"/>
-                <a:cs typeface="Arial" panose="020B0604020202020204" pitchFamily="34" charset="0"/>
-              </a:rPr>
-              <a:t>javascript</a:t>
-            </a:r>
-            <a:endParaRPr sz="3600" dirty="0">
-              <a:solidFill>
-                <a:srgbClr val="00B050"/>
-              </a:solidFill>
-              <a:latin typeface="Arial" panose="020B0604020202020204" pitchFamily="34" charset="0"/>
-              <a:cs typeface="Arial" panose="020B0604020202020204" pitchFamily="34" charset="0"/>
-            </a:endParaRPr>
-          </a:p>
-          <a:p>
-            <a:pPr marL="857250" indent="-857250" fontAlgn="base">
-              <a:buFont typeface="+mj-lt"/>
-              <a:buAutoNum type="romanUcPeriod"/>
-            </a:pPr>
-            <a:r>
-              <a:rPr sz="3600" dirty="0">
-                <a:solidFill>
-                  <a:srgbClr val="00B050"/>
-                </a:solidFill>
-                <a:latin typeface="Arial" panose="020B0604020202020204" pitchFamily="34" charset="0"/>
-                <a:cs typeface="Arial" panose="020B0604020202020204" pitchFamily="34" charset="0"/>
-              </a:rPr>
-              <a:t>Representing a presentation</a:t>
-            </a:r>
-          </a:p>
-          <a:p>
-            <a:pPr marL="857250" indent="-857250" fontAlgn="base">
-              <a:buFont typeface="+mj-lt"/>
-              <a:buAutoNum type="romanUcPeriod"/>
-            </a:pPr>
-            <a:r>
-              <a:rPr sz="3600" dirty="0">
-                <a:solidFill>
-                  <a:srgbClr val="00B050"/>
-                </a:solidFill>
-                <a:latin typeface="Arial" panose="020B0604020202020204" pitchFamily="34" charset="0"/>
-                <a:cs typeface="Arial" panose="020B0604020202020204" pitchFamily="34" charset="0"/>
-              </a:rPr>
-              <a:t>Supports writing to </a:t>
-            </a:r>
-            <a:r>
-              <a:rPr lang="en-US" sz="3600" dirty="0">
-                <a:solidFill>
-                  <a:srgbClr val="00B050"/>
-                </a:solidFill>
-                <a:latin typeface="Arial" panose="020B0604020202020204" pitchFamily="34" charset="0"/>
-                <a:cs typeface="Arial" panose="020B0604020202020204" pitchFamily="34" charset="0"/>
-              </a:rPr>
-              <a:t>html</a:t>
-            </a:r>
-            <a:endParaRPr sz="3600" dirty="0">
-              <a:solidFill>
-                <a:srgbClr val="00B050"/>
-              </a:solidFill>
-              <a:latin typeface="Arial" panose="020B0604020202020204" pitchFamily="34" charset="0"/>
-              <a:cs typeface="Arial" panose="020B0604020202020204" pitchFamily="34" charset="0"/>
-            </a:endParaRPr>
-          </a:p>
-        </p:txBody>
-      </p:sp>
-      <p:sp>
-        <p:nvSpPr>
-          <p:cNvPr id="6" name="TextBox 5">
-            <a:extLst>
-              <a:ext uri="{FF2B5EF4-FFF2-40B4-BE49-F238E27FC236}">
-                <a16:creationId xmlns:a16="http://schemas.microsoft.com/office/drawing/2014/main" id="{56E1C927-64CA-43DF-B72A-E72CAA318889}"/>
-              </a:ext>
-            </a:extLst>
-          </p:cNvPr>
-          <p:cNvSpPr txBox="1"/>
-          <p:nvPr/>
-        </p:nvSpPr>
-        <p:spPr>
-          <a:xfrm>
-            <a:off x="45554" y="4445311"/>
-            <a:ext cx="8858250" cy="2308324"/>
-          </a:xfrm>
-          <a:prstGeom prst="rect">
-            <a:avLst/>
-          </a:prstGeom>
-          <a:ln>
-            <a:solidFill>
-              <a:schemeClr val="accent1"/>
-            </a:solidFill>
-          </a:ln>
-        </p:spPr>
-        <p:txBody>
-          <a:bodyPr lIns="91440" tIns="45720" rIns="91440" bIns="45720" rtlCol="0">
-            <a:spAutoFit/>
-          </a:bodyPr>
-          <a:lstStyle/>
-          <a:p>
-            <a:pPr marL="857250" indent="-857250" fontAlgn="base">
-              <a:buFont typeface="+mj-lt"/>
-              <a:buAutoNum type="alphaUcPeriod"/>
-            </a:pPr>
-            <a:r>
-              <a:rPr lang="en-US" sz="3600" dirty="0">
-                <a:solidFill>
-                  <a:srgbClr val="FFFF00"/>
-                </a:solidFill>
-                <a:latin typeface="Arial" panose="020B0604020202020204" pitchFamily="34" charset="0"/>
-                <a:cs typeface="Arial" panose="020B0604020202020204" pitchFamily="34" charset="0"/>
-              </a:rPr>
-              <a:t>jQuery plugin</a:t>
-            </a:r>
-          </a:p>
-          <a:p>
-            <a:pPr marL="857250" indent="-857250" fontAlgn="base">
-              <a:buFont typeface="+mj-lt"/>
-              <a:buAutoNum type="alphaUcPeriod"/>
-            </a:pPr>
-            <a:r>
-              <a:rPr lang="en-US" sz="3600" dirty="0">
-                <a:solidFill>
-                  <a:srgbClr val="FFFF00"/>
-                </a:solidFill>
-                <a:latin typeface="Arial" panose="020B0604020202020204" pitchFamily="34" charset="0"/>
-                <a:cs typeface="Arial" panose="020B0604020202020204" pitchFamily="34" charset="0"/>
-              </a:rPr>
-              <a:t>Written in </a:t>
-            </a:r>
-            <a:r>
-              <a:rPr lang="en-US" sz="3600" dirty="0" err="1">
-                <a:solidFill>
-                  <a:srgbClr val="FFFF00"/>
-                </a:solidFill>
-                <a:latin typeface="Arial" panose="020B0604020202020204" pitchFamily="34" charset="0"/>
-                <a:cs typeface="Arial" panose="020B0604020202020204" pitchFamily="34" charset="0"/>
-              </a:rPr>
-              <a:t>javascript</a:t>
-            </a:r>
-            <a:endParaRPr lang="en-US" sz="3600" dirty="0">
-              <a:solidFill>
-                <a:srgbClr val="FFFF00"/>
-              </a:solidFill>
-              <a:latin typeface="Arial" panose="020B0604020202020204" pitchFamily="34" charset="0"/>
-              <a:cs typeface="Arial" panose="020B0604020202020204" pitchFamily="34" charset="0"/>
-            </a:endParaRPr>
-          </a:p>
-          <a:p>
-            <a:pPr marL="857250" indent="-857250" fontAlgn="base">
-              <a:buFont typeface="+mj-lt"/>
-              <a:buAutoNum type="alphaUcPeriod"/>
-            </a:pPr>
-            <a:r>
-              <a:rPr lang="en-US" sz="3600" dirty="0">
-                <a:solidFill>
-                  <a:srgbClr val="FFFF00"/>
-                </a:solidFill>
-                <a:latin typeface="Arial" panose="020B0604020202020204" pitchFamily="34" charset="0"/>
-                <a:cs typeface="Arial" panose="020B0604020202020204" pitchFamily="34" charset="0"/>
-              </a:rPr>
-              <a:t>Representing a presentation</a:t>
-            </a:r>
-          </a:p>
-          <a:p>
-            <a:pPr marL="857250" indent="-857250" fontAlgn="base">
-              <a:buFont typeface="+mj-lt"/>
-              <a:buAutoNum type="alphaUcPeriod"/>
-            </a:pPr>
-            <a:r>
-              <a:rPr lang="en-US" sz="3600" dirty="0">
-                <a:solidFill>
-                  <a:srgbClr val="FFFF00"/>
-                </a:solidFill>
-                <a:latin typeface="Arial" panose="020B0604020202020204" pitchFamily="34" charset="0"/>
-                <a:cs typeface="Arial" panose="020B0604020202020204" pitchFamily="34" charset="0"/>
-              </a:rPr>
-              <a:t>Supports writing to html</a:t>
-            </a:r>
-          </a:p>
-        </p:txBody>
-      </p:sp>
-      <p:pic>
-        <p:nvPicPr>
-          <p:cNvPr id="8" name="תמונה 7">
-            <a:extLst>
-              <a:ext uri="{FF2B5EF4-FFF2-40B4-BE49-F238E27FC236}">
-                <a16:creationId xmlns:a16="http://schemas.microsoft.com/office/drawing/2014/main" id="{B1A6C5EF-2150-454C-A31F-3B342DE7DAC0}"/>
-              </a:ext>
-            </a:extLst>
-          </p:cNvPr>
-          <p:cNvPicPr>
-            <a:picLocks noChangeAspect="1"/>
-          </p:cNvPicPr>
-          <p:nvPr/>
-        </p:nvPicPr>
-        <p:blipFill>
-          <a:blip r:embed="rId3">
-            <a:extLst>
-              <a:ext uri="{28A0092B-C50C-407E-A947-70E740481C1C}">
-                <a14:useLocalDpi xmlns:a14="http://schemas.microsoft.com/office/drawing/2010/main" val="0"/>
-              </a:ext>
-            </a:extLst>
-          </a:blip>
-          <a:stretch>
-            <a:fillRect/>
-          </a:stretch>
-        </p:blipFill>
-        <p:spPr>
-          <a:xfrm>
-            <a:off x="6538048" y="-3343"/>
-            <a:ext cx="2692524" cy="659026"/>
-          </a:xfrm>
-          <a:prstGeom prst="rect">
-            <a:avLst/>
-          </a:prstGeom>
-        </p:spPr>
-      </p:pic>
-    </p:spTree>
-  </p:cSld>
-  <p:clrMapOvr>
-    <a:masterClrMapping/>
-  </p:clrMapOvr>
-</p:sld>
-</file>
-
-<file path=ppt/slides/slide4.xml><?xml version="1.0" encoding="utf-8"?>
-<p:sld xmlns:a="http://schemas.openxmlformats.org/drawingml/2006/main" xmlns:r="http://schemas.openxmlformats.org/officeDocument/2006/relationships" xmlns:p="http://schemas.openxmlformats.org/presentationml/2006/main">
-  <p:cSld>
-    <p:bg>
-      <p:bgPr>
-        <a:gradFill flip="none" rotWithShape="1">
-          <a:gsLst>
-            <a:gs pos="0">
-              <a:srgbClr val="92D050"/>
-            </a:gs>
-            <a:gs pos="100000">
-              <a:srgbClr val="00B050"/>
-            </a:gs>
-          </a:gsLst>
-          <a:lin ang="2700000" scaled="1"/>
-          <a:tileRect/>
-        </a:gradFill>
-        <a:effectLst/>
-      </p:bgPr>
-    </p:bg>
-    <p:spTree>
-      <p:nvGrpSpPr>
-        <p:cNvPr id="1" name=""/>
-        <p:cNvGrpSpPr/>
-        <p:nvPr/>
-      </p:nvGrpSpPr>
-      <p:grpSpPr>
-        <a:xfrm>
-          <a:off x="95250" y="95250"/>
-          <a:ext cx="8953500" cy="6953250"/>
-          <a:chOff x="95250" y="95250"/>
-          <a:chExt cx="8953500" cy="6953250"/>
-        </a:xfrm>
-      </p:grpSpPr>
-      <p:sp>
-        <p:nvSpPr>
-          <p:cNvPr id="2" name="TextBox 1"/>
-          <p:cNvSpPr txBox="1"/>
-          <p:nvPr/>
-        </p:nvSpPr>
-        <p:spPr>
-          <a:xfrm>
-            <a:off x="0" y="19055"/>
-            <a:ext cx="4794384" cy="830997"/>
-          </a:xfrm>
-          <a:prstGeom prst="rect">
-            <a:avLst/>
-          </a:prstGeom>
-        </p:spPr>
-        <p:txBody>
-          <a:bodyPr wrap="square" lIns="91440" tIns="45720" rIns="91440" bIns="45720" rtlCol="0">
-            <a:spAutoFit/>
-          </a:bodyPr>
-          <a:lstStyle/>
-          <a:p>
-            <a:pPr marL="0" marR="0" lvl="0" indent="0" algn="l" fontAlgn="base"/>
-            <a:r>
-              <a:rPr sz="4800" b="1" i="0" u="none" strike="noStrike" dirty="0">
-                <a:solidFill>
-                  <a:srgbClr val="000000"/>
-                </a:solidFill>
-                <a:latin typeface="Calibri"/>
-              </a:rPr>
-              <a:t>What's the point?</a:t>
-            </a:r>
-          </a:p>
-        </p:txBody>
-      </p:sp>
-      <p:sp>
-        <p:nvSpPr>
-          <p:cNvPr id="3" name="TextBox 2"/>
-          <p:cNvSpPr txBox="1"/>
-          <p:nvPr/>
-        </p:nvSpPr>
-        <p:spPr>
-          <a:xfrm>
-            <a:off x="95250" y="723300"/>
-            <a:ext cx="8858250" cy="6001643"/>
-          </a:xfrm>
-          <a:prstGeom prst="rect">
-            <a:avLst/>
-          </a:prstGeom>
-        </p:spPr>
-        <p:txBody>
-          <a:bodyPr lIns="91440" tIns="45720" rIns="91440" bIns="45720" rtlCol="0">
-            <a:spAutoFit/>
-          </a:bodyPr>
-          <a:lstStyle/>
-          <a:p>
-            <a:pPr marR="0" lvl="0" algn="l" fontAlgn="base"/>
-            <a:r>
-              <a:rPr sz="3200" b="0" i="0" u="none" strike="noStrike" dirty="0">
-                <a:solidFill>
-                  <a:srgbClr val="000000"/>
-                </a:solidFill>
-                <a:latin typeface="Calibri"/>
-              </a:rPr>
-              <a:t>Generate slide decks</a:t>
-            </a:r>
-          </a:p>
-          <a:p>
-            <a:pPr marL="1219200" lvl="1" indent="-742950" algn="l" fontAlgn="base">
-              <a:buFont typeface="+mj-lt"/>
-              <a:buAutoNum type="arabicPeriod"/>
-            </a:pPr>
-            <a:r>
-              <a:rPr sz="3200" b="0" i="0" u="none" strike="noStrike" dirty="0">
-                <a:solidFill>
-                  <a:srgbClr val="000000"/>
-                </a:solidFill>
-                <a:latin typeface="Calibri"/>
-              </a:rPr>
-              <a:t>Represent business data</a:t>
-            </a:r>
-          </a:p>
-          <a:p>
-            <a:pPr marL="1219200" lvl="1" indent="-742950" algn="l" fontAlgn="base">
-              <a:buFont typeface="+mj-lt"/>
-              <a:buAutoNum type="arabicPeriod"/>
-            </a:pPr>
-            <a:r>
-              <a:rPr sz="3200" b="0" i="0" u="none" strike="noStrike" dirty="0">
-                <a:solidFill>
-                  <a:srgbClr val="000000"/>
-                </a:solidFill>
-                <a:latin typeface="Calibri"/>
-              </a:rPr>
-              <a:t>Show a family slide show</a:t>
-            </a:r>
-          </a:p>
-          <a:p>
-            <a:pPr marL="1219200" lvl="1" indent="-742950" algn="l" fontAlgn="base">
-              <a:buFont typeface="+mj-lt"/>
-              <a:buAutoNum type="arabicPeriod"/>
-            </a:pPr>
-            <a:r>
-              <a:rPr sz="3200" b="0" i="0" u="none" strike="noStrike" dirty="0">
-                <a:solidFill>
-                  <a:srgbClr val="000000"/>
-                </a:solidFill>
-                <a:latin typeface="Calibri"/>
-              </a:rPr>
-              <a:t>...</a:t>
-            </a:r>
-          </a:p>
-          <a:p>
-            <a:pPr algn="l" fontAlgn="base"/>
-            <a:r>
-              <a:rPr sz="3200" b="0" i="0" u="none" strike="noStrike" dirty="0">
-                <a:solidFill>
-                  <a:srgbClr val="000000"/>
-                </a:solidFill>
-                <a:latin typeface="Calibri"/>
-              </a:rPr>
-              <a:t>Export these to </a:t>
-            </a:r>
-            <a:r>
-              <a:rPr lang="en-US" sz="3200" b="0" i="0" u="none" strike="noStrike" dirty="0">
-                <a:solidFill>
-                  <a:srgbClr val="000000"/>
-                </a:solidFill>
-                <a:latin typeface="Calibri"/>
-              </a:rPr>
-              <a:t>HTML</a:t>
-            </a:r>
-            <a:r>
-              <a:rPr sz="3200" b="0" i="0" u="none" strike="noStrike" dirty="0">
-                <a:solidFill>
-                  <a:srgbClr val="000000"/>
-                </a:solidFill>
-                <a:latin typeface="Calibri"/>
-              </a:rPr>
-              <a:t> formats</a:t>
-            </a:r>
-          </a:p>
-          <a:p>
-            <a:pPr marL="1219200" lvl="1" indent="-742950" algn="l" fontAlgn="base">
-              <a:buClr>
-                <a:srgbClr val="E6B51A"/>
-              </a:buClr>
-              <a:buSzPct val="100000"/>
-              <a:buFont typeface="+mj-lt"/>
-              <a:buAutoNum type="alphaLcParenR"/>
-            </a:pPr>
-            <a:r>
-              <a:rPr sz="3200" b="0" i="0" u="none" strike="noStrike" dirty="0">
-                <a:solidFill>
-                  <a:srgbClr val="000000"/>
-                </a:solidFill>
-                <a:latin typeface="Calibri"/>
-              </a:rPr>
-              <a:t>Presentation 2007</a:t>
-            </a:r>
-            <a:r>
-              <a:rPr lang="he-IL" sz="3200" b="0" i="0" u="none" strike="noStrike" dirty="0">
-                <a:solidFill>
-                  <a:srgbClr val="000000"/>
-                </a:solidFill>
-                <a:latin typeface="Calibri"/>
-              </a:rPr>
-              <a:t> </a:t>
-            </a:r>
-            <a:r>
-              <a:rPr lang="en-US" sz="3200" b="0" i="0" u="none" strike="noStrike" dirty="0">
-                <a:solidFill>
-                  <a:srgbClr val="000000"/>
-                </a:solidFill>
-                <a:latin typeface="Calibri"/>
-              </a:rPr>
-              <a:t> slides</a:t>
-            </a:r>
-            <a:endParaRPr sz="3200" b="0" i="0" u="none" strike="noStrike" dirty="0">
-              <a:solidFill>
-                <a:srgbClr val="000000"/>
-              </a:solidFill>
-              <a:latin typeface="Calibri"/>
-            </a:endParaRPr>
-          </a:p>
-          <a:p>
-            <a:pPr marL="1219200" lvl="1" indent="-742950" algn="l" fontAlgn="base">
-              <a:buClr>
-                <a:schemeClr val="accent5"/>
-              </a:buClr>
-              <a:buFont typeface="+mj-lt"/>
-              <a:buAutoNum type="alphaLcParenR"/>
-            </a:pPr>
-            <a:r>
-              <a:rPr sz="3200" b="0" i="0" u="none" strike="noStrike" dirty="0">
-                <a:solidFill>
-                  <a:srgbClr val="000000"/>
-                </a:solidFill>
-                <a:latin typeface="Calibri"/>
-              </a:rPr>
-              <a:t>Serialized</a:t>
-            </a:r>
-          </a:p>
-          <a:p>
-            <a:pPr marL="1676400" lvl="2" indent="-742950" fontAlgn="base">
-              <a:buFont typeface="+mj-cs"/>
-              <a:buAutoNum type="hebrew2Minus"/>
-            </a:pPr>
-            <a:r>
-              <a:rPr lang="he-IL" sz="3200" dirty="0">
-                <a:solidFill>
-                  <a:srgbClr val="000000"/>
-                </a:solidFill>
-                <a:latin typeface="Calibri"/>
-              </a:rPr>
-              <a:t>כמה דברים בעברית</a:t>
-            </a:r>
-            <a:endParaRPr lang="he-IL" sz="3200" b="0" i="0" u="none" strike="noStrike" dirty="0">
-              <a:solidFill>
-                <a:srgbClr val="000000"/>
-              </a:solidFill>
-              <a:latin typeface="Calibri"/>
-            </a:endParaRPr>
-          </a:p>
-          <a:p>
-            <a:pPr marL="1676400" lvl="2" indent="-742950" fontAlgn="base">
-              <a:buFont typeface="+mj-cs"/>
-              <a:buAutoNum type="hebrew2Minus"/>
-            </a:pPr>
-            <a:r>
-              <a:rPr lang="he-IL" sz="3200" dirty="0">
-                <a:solidFill>
-                  <a:srgbClr val="000000"/>
-                </a:solidFill>
-                <a:latin typeface="Calibri"/>
-              </a:rPr>
-              <a:t>עוד דברים בעברית</a:t>
-            </a:r>
-          </a:p>
-          <a:p>
-            <a:pPr marL="1676400" lvl="2" indent="-742950" fontAlgn="base">
-              <a:buFont typeface="+mj-cs"/>
-              <a:buAutoNum type="hebrew2Minus"/>
-            </a:pPr>
-            <a:r>
-              <a:rPr lang="he-IL" sz="3200" dirty="0">
-                <a:solidFill>
-                  <a:srgbClr val="000000"/>
-                </a:solidFill>
-                <a:latin typeface="Calibri"/>
-              </a:rPr>
-              <a:t>ועוד</a:t>
-            </a:r>
-            <a:endParaRPr lang="en-US" sz="3200" dirty="0">
-              <a:solidFill>
-                <a:srgbClr val="000000"/>
-              </a:solidFill>
-              <a:latin typeface="Calibri"/>
-            </a:endParaRPr>
-          </a:p>
-          <a:p>
-            <a:pPr marL="1219200" lvl="1" indent="-742950" algn="l" fontAlgn="base">
-              <a:buFont typeface="+mj-lt"/>
-              <a:buAutoNum type="alphaLcParenR"/>
-            </a:pPr>
-            <a:r>
-              <a:rPr lang="en-US" sz="3200" dirty="0">
-                <a:solidFill>
-                  <a:srgbClr val="000000"/>
-                </a:solidFill>
-                <a:latin typeface="Calibri"/>
-              </a:rPr>
-              <a:t>Not yet 100% support yet</a:t>
-            </a:r>
-          </a:p>
-          <a:p>
-            <a:pPr marL="1219200" lvl="1" indent="-742950" algn="l" fontAlgn="base">
-              <a:buFont typeface="+mj-lt"/>
-              <a:buAutoNum type="alphaLcParenR"/>
-            </a:pPr>
-            <a:r>
-              <a:rPr lang="en-US" sz="3200" b="0" i="0" u="none" strike="noStrike" dirty="0">
-                <a:solidFill>
-                  <a:srgbClr val="000000"/>
-                </a:solidFill>
-                <a:latin typeface="Calibri"/>
-              </a:rPr>
-              <a:t>…..</a:t>
-            </a:r>
-            <a:endParaRPr sz="3200" b="0" i="0" u="none" strike="noStrike" dirty="0">
-              <a:solidFill>
-                <a:srgbClr val="000000"/>
-              </a:solidFill>
-              <a:latin typeface="Calibri"/>
-            </a:endParaRPr>
-          </a:p>
-        </p:txBody>
-      </p:sp>
-      <p:pic>
-        <p:nvPicPr>
-          <p:cNvPr id="5" name="תמונה 4">
-            <a:extLst>
-              <a:ext uri="{FF2B5EF4-FFF2-40B4-BE49-F238E27FC236}">
-                <a16:creationId xmlns:a16="http://schemas.microsoft.com/office/drawing/2014/main" id="{279798A2-A40E-46F2-9459-B6CA4C6A5234}"/>
-              </a:ext>
-            </a:extLst>
-          </p:cNvPr>
-          <p:cNvPicPr>
-            <a:picLocks noChangeAspect="1"/>
-          </p:cNvPicPr>
-          <p:nvPr/>
-        </p:nvPicPr>
-        <p:blipFill>
-          <a:blip r:embed="rId2">
-            <a:extLst>
-              <a:ext uri="{28A0092B-C50C-407E-A947-70E740481C1C}">
-                <a14:useLocalDpi xmlns:a14="http://schemas.microsoft.com/office/drawing/2010/main" val="0"/>
-              </a:ext>
-            </a:extLst>
-          </a:blip>
-          <a:stretch>
-            <a:fillRect/>
-          </a:stretch>
-        </p:blipFill>
-        <p:spPr>
-          <a:xfrm>
-            <a:off x="6451476" y="0"/>
-            <a:ext cx="2692524" cy="659026"/>
-          </a:xfrm>
-          <a:prstGeom prst="rect">
-            <a:avLst/>
-          </a:prstGeom>
-        </p:spPr>
-      </p:pic>
-    </p:spTree>
-  </p:cSld>
-  <p:clrMapOvr>
-    <a:masterClrMapping/>
-  </p:clrMapOvr>
-</p:sld>
-</file>
-
-<file path=ppt/slides/slide5.xml><?xml version="1.0" encoding="utf-8"?>
 <p:sld xmlns:a="http://schemas.openxmlformats.org/drawingml/2006/main" xmlns:r="http://schemas.openxmlformats.org/officeDocument/2006/relationships" xmlns:p="http://schemas.openxmlformats.org/presentationml/2006/main">
   <p:cSld>
     <p:bg>
@@ -30166,21 +29735,27 @@
       </p:grpSpPr>
       <p:sp>
         <p:nvSpPr>
-          <p:cNvPr id="2" name="TextBox 1"/>
+          <p:cNvPr id="8" name="TextBox 7">
+            <a:extLst>
+              <a:ext uri="{FF2B5EF4-FFF2-40B4-BE49-F238E27FC236}">
+                <a16:creationId xmlns:a16="http://schemas.microsoft.com/office/drawing/2014/main" id="{15C81CAC-105F-49DE-83F3-B082518AB7F3}"/>
+              </a:ext>
+            </a:extLst>
+          </p:cNvPr>
           <p:cNvSpPr txBox="1"/>
           <p:nvPr/>
         </p:nvSpPr>
         <p:spPr>
           <a:xfrm>
-            <a:off x="95250" y="476250"/>
-            <a:ext cx="8858250" cy="952500"/>
+            <a:off x="0" y="19055"/>
+            <a:ext cx="4794384" cy="830997"/>
           </a:xfrm>
           <a:prstGeom prst="rect">
             <a:avLst/>
           </a:prstGeom>
         </p:spPr>
         <p:txBody>
-          <a:bodyPr lIns="91440" tIns="45720" rIns="91440" bIns="45720" rtlCol="0">
+          <a:bodyPr wrap="square" lIns="91440" tIns="45720" rIns="91440" bIns="45720" rtlCol="0">
             <a:spAutoFit/>
           </a:bodyPr>
           <a:lstStyle/>
@@ -30193,21 +29768,27 @@
                 </a:solidFill>
                 <a:latin typeface="Calibri"/>
               </a:rPr>
-              <a:t>Need more info?</a:t>
+              <a:t>What's the point?</a:t>
             </a:r>
           </a:p>
         </p:txBody>
       </p:sp>
       <p:sp>
         <p:nvSpPr>
-          <p:cNvPr id="3" name="TextBox 2"/>
+          <p:cNvPr id="9" name="TextBox 8">
+            <a:extLst>
+              <a:ext uri="{FF2B5EF4-FFF2-40B4-BE49-F238E27FC236}">
+                <a16:creationId xmlns:a16="http://schemas.microsoft.com/office/drawing/2014/main" id="{F71AA64F-4A48-4B44-A67D-D97F26AC4C38}"/>
+              </a:ext>
+            </a:extLst>
+          </p:cNvPr>
           <p:cNvSpPr txBox="1"/>
           <p:nvPr/>
         </p:nvSpPr>
         <p:spPr>
           <a:xfrm>
-            <a:off x="95250" y="1238250"/>
-            <a:ext cx="8858250" cy="1138773"/>
+            <a:off x="95250" y="723300"/>
+            <a:ext cx="8858250" cy="3785652"/>
           </a:xfrm>
           <a:prstGeom prst="rect">
             <a:avLst/>
@@ -30219,46 +29800,291 @@
           </a:bodyPr>
           <a:lstStyle/>
           <a:p>
-            <a:pPr lvl="0" fontAlgn="base"/>
+            <a:pPr marR="0" lvl="0" algn="l" fontAlgn="base"/>
             <a:r>
-              <a:rPr sz="3600" b="0" i="0" u="none" strike="noStrike" dirty="0">
+              <a:rPr sz="2000" b="0" i="0" u="none" strike="noStrike" dirty="0">
                 <a:solidFill>
                   <a:srgbClr val="000000"/>
                 </a:solidFill>
                 <a:latin typeface="Calibri"/>
               </a:rPr>
-              <a:t>Check the project site on GitHub:</a:t>
+              <a:t>Generate slide decks</a:t>
             </a:r>
-            <a:br>
-              <a:rPr dirty="0"/>
-            </a:br>
+          </a:p>
+          <a:p>
+            <a:pPr marL="1219200" lvl="1" indent="-742950" algn="l" fontAlgn="base">
+              <a:buFont typeface="+mj-lt"/>
+              <a:buAutoNum type="arabicPeriod"/>
+            </a:pPr>
             <a:r>
-              <a:rPr lang="en-US" sz="3200" dirty="0">
+              <a:rPr sz="2000" b="0" i="0" u="none" strike="noStrike" dirty="0">
                 <a:solidFill>
                   <a:srgbClr val="000000"/>
                 </a:solidFill>
                 <a:latin typeface="Calibri"/>
-                <a:hlinkClick r:id="rId3" tooltip="PHPPresentation"/>
               </a:rPr>
-              <a:t>https://github.com/meshesha/PPTX2HTML</a:t>
+              <a:t>Represent business data</a:t>
             </a:r>
-            <a:endParaRPr sz="3200" b="0" i="0" u="none" strike="noStrike" dirty="0">
+          </a:p>
+          <a:p>
+            <a:pPr marL="1219200" lvl="1" indent="-742950" algn="l" fontAlgn="base">
+              <a:buFont typeface="+mj-lt"/>
+              <a:buAutoNum type="arabicPeriod"/>
+            </a:pPr>
+            <a:r>
+              <a:rPr sz="2000" b="0" i="0" u="none" strike="noStrike" dirty="0">
+                <a:solidFill>
+                  <a:srgbClr val="000000"/>
+                </a:solidFill>
+                <a:latin typeface="Calibri"/>
+              </a:rPr>
+              <a:t>Show a family slide show</a:t>
+            </a:r>
+          </a:p>
+          <a:p>
+            <a:pPr marL="1219200" lvl="1" indent="-742950" algn="l" fontAlgn="base">
+              <a:buFont typeface="+mj-lt"/>
+              <a:buAutoNum type="arabicPeriod"/>
+            </a:pPr>
+            <a:r>
+              <a:rPr sz="2000" b="0" i="0" u="none" strike="noStrike" dirty="0">
+                <a:solidFill>
+                  <a:srgbClr val="000000"/>
+                </a:solidFill>
+                <a:latin typeface="Calibri"/>
+              </a:rPr>
+              <a:t>...</a:t>
+            </a:r>
+          </a:p>
+          <a:p>
+            <a:pPr algn="l" fontAlgn="base"/>
+            <a:r>
+              <a:rPr sz="2000" b="0" i="0" u="none" strike="noStrike" dirty="0">
+                <a:solidFill>
+                  <a:srgbClr val="000000"/>
+                </a:solidFill>
+                <a:latin typeface="Calibri"/>
+              </a:rPr>
+              <a:t>Export these to </a:t>
+            </a:r>
+            <a:r>
+              <a:rPr lang="en-US" sz="2000" b="0" i="0" u="none" strike="noStrike" dirty="0">
+                <a:solidFill>
+                  <a:srgbClr val="000000"/>
+                </a:solidFill>
+                <a:latin typeface="Calibri"/>
+              </a:rPr>
+              <a:t>HTML</a:t>
+            </a:r>
+            <a:r>
+              <a:rPr sz="2000" b="0" i="0" u="none" strike="noStrike" dirty="0">
+                <a:solidFill>
+                  <a:srgbClr val="000000"/>
+                </a:solidFill>
+                <a:latin typeface="Calibri"/>
+              </a:rPr>
+              <a:t> formats</a:t>
+            </a:r>
+          </a:p>
+          <a:p>
+            <a:pPr marL="1219200" lvl="1" indent="-742950" algn="l" fontAlgn="base">
+              <a:buClr>
+                <a:srgbClr val="E6B51A"/>
+              </a:buClr>
+              <a:buSzPct val="100000"/>
+              <a:buFont typeface="+mj-lt"/>
+              <a:buAutoNum type="alphaLcParenR"/>
+            </a:pPr>
+            <a:r>
+              <a:rPr sz="2000" b="0" i="0" u="none" strike="noStrike" dirty="0">
+                <a:solidFill>
+                  <a:srgbClr val="000000"/>
+                </a:solidFill>
+                <a:latin typeface="Calibri"/>
+              </a:rPr>
+              <a:t>Presentation 2007</a:t>
+            </a:r>
+            <a:r>
+              <a:rPr lang="he-IL" sz="2000" b="0" i="0" u="none" strike="noStrike" dirty="0">
+                <a:solidFill>
+                  <a:srgbClr val="000000"/>
+                </a:solidFill>
+                <a:latin typeface="Calibri"/>
+              </a:rPr>
+              <a:t> </a:t>
+            </a:r>
+            <a:r>
+              <a:rPr lang="en-US" sz="2000" b="0" i="0" u="none" strike="noStrike" dirty="0">
+                <a:solidFill>
+                  <a:srgbClr val="000000"/>
+                </a:solidFill>
+                <a:latin typeface="Calibri"/>
+              </a:rPr>
+              <a:t> slides</a:t>
+            </a:r>
+            <a:endParaRPr sz="2000" b="0" i="0" u="none" strike="noStrike" dirty="0">
               <a:solidFill>
                 <a:srgbClr val="000000"/>
               </a:solidFill>
               <a:latin typeface="Calibri"/>
-              <a:hlinkClick r:id="rId3" tooltip="PHPPresentation"/>
+            </a:endParaRPr>
+          </a:p>
+          <a:p>
+            <a:pPr marL="1219200" lvl="1" indent="-742950" algn="l" fontAlgn="base">
+              <a:buClr>
+                <a:schemeClr val="accent5"/>
+              </a:buClr>
+              <a:buFont typeface="+mj-lt"/>
+              <a:buAutoNum type="alphaLcParenR"/>
+            </a:pPr>
+            <a:r>
+              <a:rPr sz="2000" b="0" i="0" u="none" strike="noStrike" dirty="0">
+                <a:solidFill>
+                  <a:srgbClr val="000000"/>
+                </a:solidFill>
+                <a:latin typeface="Calibri"/>
+              </a:rPr>
+              <a:t>Serialized</a:t>
+            </a:r>
+          </a:p>
+          <a:p>
+            <a:pPr marL="1676400" lvl="2" indent="-742950" fontAlgn="base">
+              <a:buFont typeface="+mj-cs"/>
+              <a:buAutoNum type="hebrew2Minus"/>
+            </a:pPr>
+            <a:r>
+              <a:rPr lang="he-IL" sz="2000" dirty="0">
+                <a:solidFill>
+                  <a:srgbClr val="000000"/>
+                </a:solidFill>
+                <a:latin typeface="Calibri"/>
+              </a:rPr>
+              <a:t>כמה דברים בעברית</a:t>
+            </a:r>
+            <a:endParaRPr lang="he-IL" sz="2000" b="0" i="0" u="none" strike="noStrike" dirty="0">
+              <a:solidFill>
+                <a:srgbClr val="000000"/>
+              </a:solidFill>
+              <a:latin typeface="Calibri"/>
+            </a:endParaRPr>
+          </a:p>
+          <a:p>
+            <a:pPr marL="1676400" lvl="2" indent="-742950" fontAlgn="base">
+              <a:buFont typeface="+mj-cs"/>
+              <a:buAutoNum type="hebrew2Minus"/>
+            </a:pPr>
+            <a:r>
+              <a:rPr lang="he-IL" sz="2000" dirty="0">
+                <a:solidFill>
+                  <a:srgbClr val="000000"/>
+                </a:solidFill>
+                <a:latin typeface="Calibri"/>
+              </a:rPr>
+              <a:t>עוד דברים בעברית</a:t>
+            </a:r>
+          </a:p>
+          <a:p>
+            <a:pPr marL="1676400" lvl="2" indent="-742950" fontAlgn="base">
+              <a:buFont typeface="+mj-cs"/>
+              <a:buAutoNum type="hebrew2Minus"/>
+            </a:pPr>
+            <a:r>
+              <a:rPr lang="he-IL" sz="2000" dirty="0">
+                <a:solidFill>
+                  <a:srgbClr val="000000"/>
+                </a:solidFill>
+                <a:latin typeface="Calibri"/>
+              </a:rPr>
+              <a:t>ועוד</a:t>
+            </a:r>
+            <a:endParaRPr lang="en-US" sz="2000" dirty="0">
+              <a:solidFill>
+                <a:srgbClr val="000000"/>
+              </a:solidFill>
+              <a:latin typeface="Calibri"/>
+            </a:endParaRPr>
+          </a:p>
+          <a:p>
+            <a:pPr marL="1219200" lvl="1" indent="-742950" algn="l" fontAlgn="base">
+              <a:buFont typeface="+mj-lt"/>
+              <a:buAutoNum type="alphaLcParenR"/>
+            </a:pPr>
+            <a:r>
+              <a:rPr lang="en-US" sz="2000" dirty="0">
+                <a:solidFill>
+                  <a:srgbClr val="000000"/>
+                </a:solidFill>
+                <a:latin typeface="Calibri"/>
+              </a:rPr>
+              <a:t>Not yet 100% support yet</a:t>
+            </a:r>
+          </a:p>
+          <a:p>
+            <a:pPr marL="1219200" lvl="1" indent="-742950" algn="l" fontAlgn="base">
+              <a:buFont typeface="+mj-lt"/>
+              <a:buAutoNum type="alphaLcParenR"/>
+            </a:pPr>
+            <a:r>
+              <a:rPr lang="en-US" sz="2000" b="0" i="0" u="none" strike="noStrike" dirty="0">
+                <a:solidFill>
+                  <a:srgbClr val="000000"/>
+                </a:solidFill>
+                <a:latin typeface="Calibri"/>
+              </a:rPr>
+              <a:t>…..</a:t>
+            </a:r>
+            <a:endParaRPr sz="2000" b="0" i="0" u="none" strike="noStrike" dirty="0">
+              <a:solidFill>
+                <a:srgbClr val="000000"/>
+              </a:solidFill>
+              <a:latin typeface="Calibri"/>
             </a:endParaRPr>
           </a:p>
         </p:txBody>
       </p:sp>
+      <p:pic>
+        <p:nvPicPr>
+          <p:cNvPr id="10" name="תמונה 9">
+            <a:extLst>
+              <a:ext uri="{FF2B5EF4-FFF2-40B4-BE49-F238E27FC236}">
+                <a16:creationId xmlns:a16="http://schemas.microsoft.com/office/drawing/2014/main" id="{4C69F57E-00A6-493D-912C-3919096C369A}"/>
+              </a:ext>
+            </a:extLst>
+          </p:cNvPr>
+          <p:cNvPicPr>
+            <a:picLocks noChangeAspect="1"/>
+          </p:cNvPicPr>
+          <p:nvPr/>
+        </p:nvPicPr>
+        <p:blipFill>
+          <a:blip r:embed="rId3">
+            <a:extLst>
+              <a:ext uri="{28A0092B-C50C-407E-A947-70E740481C1C}">
+                <a14:useLocalDpi xmlns:a14="http://schemas.microsoft.com/office/drawing/2010/main" val="0"/>
+              </a:ext>
+            </a:extLst>
+          </a:blip>
+          <a:stretch>
+            <a:fillRect/>
+          </a:stretch>
+        </p:blipFill>
+        <p:spPr>
+          <a:xfrm>
+            <a:off x="6451476" y="0"/>
+            <a:ext cx="2692524" cy="659026"/>
+          </a:xfrm>
+          <a:prstGeom prst="rect">
+            <a:avLst/>
+          </a:prstGeom>
+        </p:spPr>
+      </p:pic>
       <p:sp>
         <p:nvSpPr>
-          <p:cNvPr id="6" name="צלב 5">
+          <p:cNvPr id="11" name="צלב 10">
             <a:hlinkClick r:id="rId4"/>
             <a:extLst>
               <a:ext uri="{FF2B5EF4-FFF2-40B4-BE49-F238E27FC236}">
-                <a16:creationId xmlns:a16="http://schemas.microsoft.com/office/drawing/2014/main" id="{1D59B48C-ABC6-4C1A-B5D2-362C779E3C5F}"/>
+                <a16:creationId xmlns:a16="http://schemas.microsoft.com/office/drawing/2014/main" id="{672B4A96-3437-4157-A186-672E16242F5B}"/>
               </a:ext>
             </a:extLst>
           </p:cNvPr>
@@ -30267,8 +30093,8 @@
         </p:nvSpPr>
         <p:spPr>
           <a:xfrm rot="1838436">
-            <a:off x="1372564" y="3162208"/>
-            <a:ext cx="3045937" cy="2917861"/>
+            <a:off x="5406920" y="1156392"/>
+            <a:ext cx="2575963" cy="2278414"/>
           </a:xfrm>
           <a:prstGeom prst="plus">
             <a:avLst/>
@@ -30276,9 +30102,7 @@
           <a:blipFill dpi="0" rotWithShape="1">
             <a:blip r:embed="rId5"/>
             <a:srcRect/>
-            <a:stretch>
-              <a:fillRect/>
-            </a:stretch>
+            <a:tile tx="0" ty="0" sx="100000" sy="100000" flip="none" algn="tl"/>
           </a:blipFill>
         </p:spPr>
         <p:style>
@@ -30330,42 +30154,106 @@
           </a:p>
         </p:txBody>
       </p:sp>
-      <p:pic>
-        <p:nvPicPr>
-          <p:cNvPr id="7" name="תמונה 6">
+      <p:sp>
+        <p:nvSpPr>
+          <p:cNvPr id="12" name="TextBox 11">
             <a:extLst>
               <a:ext uri="{FF2B5EF4-FFF2-40B4-BE49-F238E27FC236}">
-                <a16:creationId xmlns:a16="http://schemas.microsoft.com/office/drawing/2014/main" id="{9F9D5128-AC86-4561-B463-6273B4455D81}"/>
+                <a16:creationId xmlns:a16="http://schemas.microsoft.com/office/drawing/2014/main" id="{FC7B03C7-58A7-4DD1-A33B-CBC32F58F043}"/>
               </a:ext>
             </a:extLst>
           </p:cNvPr>
-          <p:cNvPicPr>
-            <a:picLocks noChangeAspect="1"/>
-          </p:cNvPicPr>
+          <p:cNvSpPr txBox="1"/>
           <p:nvPr/>
-        </p:nvPicPr>
-        <p:blipFill>
-          <a:blip r:embed="rId6">
-            <a:extLst>
-              <a:ext uri="{28A0092B-C50C-407E-A947-70E740481C1C}">
-                <a14:useLocalDpi xmlns:a14="http://schemas.microsoft.com/office/drawing/2010/main" val="0"/>
-              </a:ext>
-            </a:extLst>
-          </a:blip>
-          <a:stretch>
-            <a:fillRect/>
-          </a:stretch>
-        </p:blipFill>
+        </p:nvSpPr>
         <p:spPr>
           <a:xfrm>
-            <a:off x="-81747" y="39942"/>
-            <a:ext cx="2692524" cy="659026"/>
+            <a:off x="30646" y="4710320"/>
+            <a:ext cx="8858250" cy="952500"/>
           </a:xfrm>
           <a:prstGeom prst="rect">
             <a:avLst/>
           </a:prstGeom>
         </p:spPr>
-      </p:pic>
+        <p:txBody>
+          <a:bodyPr lIns="91440" tIns="45720" rIns="91440" bIns="45720" rtlCol="0">
+            <a:spAutoFit/>
+          </a:bodyPr>
+          <a:lstStyle/>
+          <a:p>
+            <a:pPr marL="0" marR="0" lvl="0" indent="0" algn="l" fontAlgn="base"/>
+            <a:r>
+              <a:rPr sz="4800" b="1" i="0" u="none" strike="noStrike" dirty="0">
+                <a:solidFill>
+                  <a:srgbClr val="000000"/>
+                </a:solidFill>
+                <a:latin typeface="Calibri"/>
+              </a:rPr>
+              <a:t>Need more info?</a:t>
+            </a:r>
+          </a:p>
+        </p:txBody>
+      </p:sp>
+      <p:sp>
+        <p:nvSpPr>
+          <p:cNvPr id="13" name="TextBox 12">
+            <a:extLst>
+              <a:ext uri="{FF2B5EF4-FFF2-40B4-BE49-F238E27FC236}">
+                <a16:creationId xmlns:a16="http://schemas.microsoft.com/office/drawing/2014/main" id="{F8A0234B-7A89-4888-9501-61F2BD0CEEF8}"/>
+              </a:ext>
+            </a:extLst>
+          </p:cNvPr>
+          <p:cNvSpPr txBox="1"/>
+          <p:nvPr/>
+        </p:nvSpPr>
+        <p:spPr>
+          <a:xfrm>
+            <a:off x="30646" y="5472320"/>
+            <a:ext cx="8858250" cy="1138773"/>
+          </a:xfrm>
+          <a:prstGeom prst="rect">
+            <a:avLst/>
+          </a:prstGeom>
+        </p:spPr>
+        <p:txBody>
+          <a:bodyPr lIns="91440" tIns="45720" rIns="91440" bIns="45720" rtlCol="0">
+            <a:spAutoFit/>
+          </a:bodyPr>
+          <a:lstStyle/>
+          <a:p>
+            <a:pPr lvl="0" fontAlgn="base"/>
+            <a:r>
+              <a:rPr sz="3600" b="0" i="0" u="none" strike="noStrike" dirty="0">
+                <a:solidFill>
+                  <a:srgbClr val="000000"/>
+                </a:solidFill>
+                <a:latin typeface="Calibri"/>
+              </a:rPr>
+              <a:t>Check the project site on GitHub:</a:t>
+            </a:r>
+            <a:br>
+              <a:rPr dirty="0"/>
+            </a:br>
+            <a:r>
+              <a:rPr lang="en-US" sz="3200" dirty="0">
+                <a:solidFill>
+                  <a:srgbClr val="000000"/>
+                </a:solidFill>
+                <a:latin typeface="Calibri"/>
+                <a:hlinkClick r:id="rId6" tooltip="PHPPresentation"/>
+              </a:rPr>
+              <a:t>https://github.com/meshesha/PPTX2HTML</a:t>
+            </a:r>
+            <a:endParaRPr sz="3200" b="0" i="0" u="none" strike="noStrike" dirty="0">
+              <a:solidFill>
+                <a:srgbClr val="000000"/>
+              </a:solidFill>
+              <a:latin typeface="Calibri"/>
+              <a:hlinkClick r:id="rId7" tooltip="PHPPresentation"/>
+            </a:endParaRPr>
+          </a:p>
+        </p:txBody>
+      </p:sp>
     </p:spTree>
   </p:cSld>
   <p:clrMapOvr>
@@ -30374,36 +30262,9 @@
 </p:sld>
 </file>
 
-<file path=ppt/slides/slide6.xml><?xml version="1.0" encoding="utf-8"?>
+<file path=ppt/slides/slide4.xml><?xml version="1.0" encoding="utf-8"?>
 <p:sld xmlns:a="http://schemas.openxmlformats.org/drawingml/2006/main" xmlns:r="http://schemas.openxmlformats.org/officeDocument/2006/relationships" xmlns:p="http://schemas.openxmlformats.org/presentationml/2006/main">
   <p:cSld>
-    <p:bg>
-      <p:bgPr>
-        <a:gradFill flip="none" rotWithShape="1">
-          <a:gsLst>
-            <a:gs pos="28000">
-              <a:schemeClr val="bg2">
-                <a:tint val="97000"/>
-                <a:hueMod val="92000"/>
-                <a:satMod val="169000"/>
-                <a:lumMod val="164000"/>
-              </a:schemeClr>
-            </a:gs>
-            <a:gs pos="52000">
-              <a:schemeClr val="accent6">
-                <a:lumMod val="20000"/>
-                <a:lumOff val="80000"/>
-              </a:schemeClr>
-            </a:gs>
-          </a:gsLst>
-          <a:path path="circle">
-            <a:fillToRect l="100000" t="100000"/>
-          </a:path>
-          <a:tileRect r="-100000" b="-100000"/>
-        </a:gradFill>
-        <a:effectLst/>
-      </p:bgPr>
-    </p:bg>
     <p:spTree>
       <p:nvGrpSpPr>
         <p:cNvPr id="1" name=""/>
@@ -30433,14 +30294,672 @@
           <p:nvPr>
             <p:extLst>
               <p:ext uri="{D42A27DB-BD31-4B8C-83A1-F6EECF244321}">
-                <p14:modId xmlns:p14="http://schemas.microsoft.com/office/powerpoint/2010/main" val="3112507060"/>
+                <p14:modId xmlns:p14="http://schemas.microsoft.com/office/powerpoint/2010/main" val="3578520395"/>
               </p:ext>
             </p:extLst>
           </p:nvPr>
         </p:nvGraphicFramePr>
         <p:xfrm>
-          <a:off x="1028699" y="1138376"/>
-          <a:ext cx="6507397" cy="3543905"/>
+          <a:off x="1525657" y="4304983"/>
+          <a:ext cx="5667538" cy="2409693"/>
+        </p:xfrm>
+        <a:graphic>
+          <a:graphicData uri="http://schemas.openxmlformats.org/drawingml/2006/table">
+            <a:tbl>
+              <a:tblPr rtl="1" firstRow="1" bandRow="1">
+                <a:tableStyleId>{00A15C55-8517-42AA-B614-E9B94910E393}</a:tableStyleId>
+              </a:tblPr>
+              <a:tblGrid>
+                <a:gridCol w="572808">
+                  <a:extLst>
+                    <a:ext uri="{9D8B030D-6E8A-4147-A177-3AD203B41FA5}">
+                      <a16:colId xmlns:a16="http://schemas.microsoft.com/office/drawing/2014/main" val="710496070"/>
+                    </a:ext>
+                  </a:extLst>
+                </a:gridCol>
+                <a:gridCol w="2883882">
+                  <a:extLst>
+                    <a:ext uri="{9D8B030D-6E8A-4147-A177-3AD203B41FA5}">
+                      <a16:colId xmlns:a16="http://schemas.microsoft.com/office/drawing/2014/main" val="1732577030"/>
+                    </a:ext>
+                  </a:extLst>
+                </a:gridCol>
+                <a:gridCol w="997696">
+                  <a:extLst>
+                    <a:ext uri="{9D8B030D-6E8A-4147-A177-3AD203B41FA5}">
+                      <a16:colId xmlns:a16="http://schemas.microsoft.com/office/drawing/2014/main" val="3128281396"/>
+                    </a:ext>
+                  </a:extLst>
+                </a:gridCol>
+                <a:gridCol w="1213152">
+                  <a:extLst>
+                    <a:ext uri="{9D8B030D-6E8A-4147-A177-3AD203B41FA5}">
+                      <a16:colId xmlns:a16="http://schemas.microsoft.com/office/drawing/2014/main" val="4262469077"/>
+                    </a:ext>
+                  </a:extLst>
+                </a:gridCol>
+              </a:tblGrid>
+              <a:tr h="237077">
+                <a:tc>
+                  <a:txBody>
+                    <a:bodyPr/>
+                    <a:lstStyle/>
+                    <a:p>
+                      <a:pPr rtl="1"/>
+                      <a:r>
+                        <a:rPr lang="en-US" sz="1100" dirty="0"/>
+                        <a:t>No.</a:t>
+                      </a:r>
+                      <a:endParaRPr lang="he-IL" sz="1100" dirty="0"/>
+                    </a:p>
+                  </a:txBody>
+                  <a:tcPr/>
+                </a:tc>
+                <a:tc>
+                  <a:txBody>
+                    <a:bodyPr/>
+                    <a:lstStyle/>
+                    <a:p>
+                      <a:pPr rtl="1"/>
+                      <a:r>
+                        <a:rPr lang="en-US" sz="1100" dirty="0" err="1"/>
+                        <a:t>Tady</a:t>
+                      </a:r>
+                      <a:endParaRPr lang="he-IL" sz="1100" dirty="0"/>
+                    </a:p>
+                  </a:txBody>
+                  <a:tcPr/>
+                </a:tc>
+                <a:tc>
+                  <a:txBody>
+                    <a:bodyPr/>
+                    <a:lstStyle/>
+                    <a:p>
+                      <a:pPr rtl="1"/>
+                      <a:r>
+                        <a:rPr lang="en-US" sz="1100" dirty="0" err="1"/>
+                        <a:t>meshesha</a:t>
+                      </a:r>
+                      <a:endParaRPr lang="he-IL" sz="1100" dirty="0"/>
+                    </a:p>
+                  </a:txBody>
+                  <a:tcPr/>
+                </a:tc>
+                <a:tc>
+                  <a:txBody>
+                    <a:bodyPr/>
+                    <a:lstStyle/>
+                    <a:p>
+                      <a:pPr rtl="1"/>
+                      <a:r>
+                        <a:rPr lang="he-IL" sz="1100" dirty="0"/>
+                        <a:t>56456455</a:t>
+                      </a:r>
+                    </a:p>
+                  </a:txBody>
+                  <a:tcPr/>
+                </a:tc>
+                <a:extLst>
+                  <a:ext uri="{0D108BD9-81ED-4DB2-BD59-A6C34878D82A}">
+                    <a16:rowId xmlns:a16="http://schemas.microsoft.com/office/drawing/2014/main" val="1067464870"/>
+                  </a:ext>
+                </a:extLst>
+              </a:tr>
+              <a:tr h="237077">
+                <a:tc>
+                  <a:txBody>
+                    <a:bodyPr/>
+                    <a:lstStyle/>
+                    <a:p>
+                      <a:pPr rtl="1"/>
+                      <a:r>
+                        <a:rPr lang="he-IL" sz="1100" dirty="0"/>
+                        <a:t>1</a:t>
+                      </a:r>
+                    </a:p>
+                  </a:txBody>
+                  <a:tcPr/>
+                </a:tc>
+                <a:tc>
+                  <a:txBody>
+                    <a:bodyPr/>
+                    <a:lstStyle/>
+                    <a:p>
+                      <a:pPr rtl="1"/>
+                      <a:r>
+                        <a:rPr lang="en-US" sz="1100" dirty="0" err="1"/>
+                        <a:t>Shlono</a:t>
+                      </a:r>
+                      <a:endParaRPr lang="he-IL" sz="1100" dirty="0"/>
+                    </a:p>
+                  </a:txBody>
+                  <a:tcPr/>
+                </a:tc>
+                <a:tc>
+                  <a:txBody>
+                    <a:bodyPr/>
+                    <a:lstStyle/>
+                    <a:p>
+                      <a:pPr rtl="1"/>
+                      <a:r>
+                        <a:rPr lang="en-US" sz="1100" dirty="0"/>
+                        <a:t>Lewi</a:t>
+                      </a:r>
+                      <a:endParaRPr lang="he-IL" sz="1100" dirty="0"/>
+                    </a:p>
+                  </a:txBody>
+                  <a:tcPr/>
+                </a:tc>
+                <a:tc>
+                  <a:txBody>
+                    <a:bodyPr/>
+                    <a:lstStyle/>
+                    <a:p>
+                      <a:pPr rtl="1"/>
+                      <a:r>
+                        <a:rPr lang="he-IL" sz="1100" dirty="0"/>
+                        <a:t>64564456</a:t>
+                      </a:r>
+                    </a:p>
+                  </a:txBody>
+                  <a:tcPr/>
+                </a:tc>
+                <a:extLst>
+                  <a:ext uri="{0D108BD9-81ED-4DB2-BD59-A6C34878D82A}">
+                    <a16:rowId xmlns:a16="http://schemas.microsoft.com/office/drawing/2014/main" val="4058499122"/>
+                  </a:ext>
+                </a:extLst>
+              </a:tr>
+              <a:tr h="237077">
+                <a:tc>
+                  <a:txBody>
+                    <a:bodyPr/>
+                    <a:lstStyle/>
+                    <a:p>
+                      <a:pPr rtl="1"/>
+                      <a:r>
+                        <a:rPr lang="he-IL" sz="1100" dirty="0"/>
+                        <a:t>2</a:t>
+                      </a:r>
+                    </a:p>
+                  </a:txBody>
+                  <a:tcPr/>
+                </a:tc>
+                <a:tc>
+                  <a:txBody>
+                    <a:bodyPr/>
+                    <a:lstStyle/>
+                    <a:p>
+                      <a:pPr rtl="1"/>
+                      <a:r>
+                        <a:rPr lang="en-US" sz="1100" dirty="0" err="1"/>
+                        <a:t>Tio</a:t>
+                      </a:r>
+                      <a:endParaRPr lang="he-IL" sz="1100" dirty="0"/>
+                    </a:p>
+                  </a:txBody>
+                  <a:tcPr/>
+                </a:tc>
+                <a:tc>
+                  <a:txBody>
+                    <a:bodyPr/>
+                    <a:lstStyle/>
+                    <a:p>
+                      <a:pPr rtl="1"/>
+                      <a:r>
+                        <a:rPr lang="en-US" sz="1100" dirty="0" err="1"/>
+                        <a:t>Dros</a:t>
+                      </a:r>
+                      <a:endParaRPr lang="he-IL" sz="1100" dirty="0"/>
+                    </a:p>
+                  </a:txBody>
+                  <a:tcPr/>
+                </a:tc>
+                <a:tc>
+                  <a:txBody>
+                    <a:bodyPr/>
+                    <a:lstStyle/>
+                    <a:p>
+                      <a:pPr rtl="1"/>
+                      <a:r>
+                        <a:rPr lang="he-IL" sz="1100" dirty="0"/>
+                        <a:t>123456789</a:t>
+                      </a:r>
+                    </a:p>
+                  </a:txBody>
+                  <a:tcPr/>
+                </a:tc>
+                <a:extLst>
+                  <a:ext uri="{0D108BD9-81ED-4DB2-BD59-A6C34878D82A}">
+                    <a16:rowId xmlns:a16="http://schemas.microsoft.com/office/drawing/2014/main" val="1142343064"/>
+                  </a:ext>
+                </a:extLst>
+              </a:tr>
+              <a:tr h="237077">
+                <a:tc>
+                  <a:txBody>
+                    <a:bodyPr/>
+                    <a:lstStyle/>
+                    <a:p>
+                      <a:pPr rtl="1"/>
+                      <a:r>
+                        <a:rPr lang="he-IL" sz="1100" dirty="0"/>
+                        <a:t>4</a:t>
+                      </a:r>
+                    </a:p>
+                  </a:txBody>
+                  <a:tcPr/>
+                </a:tc>
+                <a:tc>
+                  <a:txBody>
+                    <a:bodyPr/>
+                    <a:lstStyle/>
+                    <a:p>
+                      <a:pPr rtl="1"/>
+                      <a:r>
+                        <a:rPr lang="en-US" sz="1100" dirty="0" err="1"/>
+                        <a:t>Eszra</a:t>
+                      </a:r>
+                      <a:endParaRPr lang="he-IL" sz="1100" dirty="0"/>
+                    </a:p>
+                  </a:txBody>
+                  <a:tcPr/>
+                </a:tc>
+                <a:tc>
+                  <a:txBody>
+                    <a:bodyPr/>
+                    <a:lstStyle/>
+                    <a:p>
+                      <a:pPr rtl="1"/>
+                      <a:r>
+                        <a:rPr lang="en-US" sz="1100" dirty="0" err="1"/>
+                        <a:t>Wendde</a:t>
+                      </a:r>
+                      <a:endParaRPr lang="he-IL" sz="1100" dirty="0"/>
+                    </a:p>
+                  </a:txBody>
+                  <a:tcPr/>
+                </a:tc>
+                <a:tc>
+                  <a:txBody>
+                    <a:bodyPr/>
+                    <a:lstStyle/>
+                    <a:p>
+                      <a:pPr rtl="1"/>
+                      <a:r>
+                        <a:rPr lang="he-IL" sz="1100" dirty="0"/>
+                        <a:t>010202029</a:t>
+                      </a:r>
+                    </a:p>
+                  </a:txBody>
+                  <a:tcPr/>
+                </a:tc>
+                <a:extLst>
+                  <a:ext uri="{0D108BD9-81ED-4DB2-BD59-A6C34878D82A}">
+                    <a16:rowId xmlns:a16="http://schemas.microsoft.com/office/drawing/2014/main" val="4193948177"/>
+                  </a:ext>
+                </a:extLst>
+              </a:tr>
+              <a:tr h="237077">
+                <a:tc>
+                  <a:txBody>
+                    <a:bodyPr/>
+                    <a:lstStyle/>
+                    <a:p>
+                      <a:pPr rtl="1"/>
+                      <a:r>
+                        <a:rPr lang="he-IL" sz="1100" dirty="0"/>
+                        <a:t>5</a:t>
+                      </a:r>
+                    </a:p>
+                  </a:txBody>
+                  <a:tcPr/>
+                </a:tc>
+                <a:tc>
+                  <a:txBody>
+                    <a:bodyPr/>
+                    <a:lstStyle/>
+                    <a:p>
+                      <a:pPr rtl="1"/>
+                      <a:r>
+                        <a:rPr lang="en-US" sz="1100" dirty="0" err="1">
+                          <a:solidFill>
+                            <a:srgbClr val="0000FF"/>
+                          </a:solidFill>
+                        </a:rPr>
+                        <a:t>Ddawit</a:t>
+                      </a:r>
+                      <a:endParaRPr lang="he-IL" sz="1100" dirty="0">
+                        <a:solidFill>
+                          <a:srgbClr val="0000FF"/>
+                        </a:solidFill>
+                      </a:endParaRPr>
+                    </a:p>
+                  </a:txBody>
+                  <a:tcPr/>
+                </a:tc>
+                <a:tc>
+                  <a:txBody>
+                    <a:bodyPr/>
+                    <a:lstStyle/>
+                    <a:p>
+                      <a:pPr rtl="1"/>
+                      <a:r>
+                        <a:rPr lang="en-US" sz="1100" dirty="0" err="1">
+                          <a:solidFill>
+                            <a:srgbClr val="0000FF"/>
+                          </a:solidFill>
+                        </a:rPr>
+                        <a:t>Zesru</a:t>
+                      </a:r>
+                      <a:endParaRPr lang="he-IL" sz="1100" dirty="0">
+                        <a:solidFill>
+                          <a:srgbClr val="0000FF"/>
+                        </a:solidFill>
+                      </a:endParaRPr>
+                    </a:p>
+                  </a:txBody>
+                  <a:tcPr/>
+                </a:tc>
+                <a:tc rowSpan="2">
+                  <a:txBody>
+                    <a:bodyPr/>
+                    <a:lstStyle/>
+                    <a:p>
+                      <a:pPr rtl="1"/>
+                      <a:r>
+                        <a:rPr lang="he-IL" sz="1100" dirty="0"/>
+                        <a:t>534534534</a:t>
+                      </a:r>
+                    </a:p>
+                  </a:txBody>
+                  <a:tcPr anchor="ctr"/>
+                </a:tc>
+                <a:extLst>
+                  <a:ext uri="{0D108BD9-81ED-4DB2-BD59-A6C34878D82A}">
+                    <a16:rowId xmlns:a16="http://schemas.microsoft.com/office/drawing/2014/main" val="1535648639"/>
+                  </a:ext>
+                </a:extLst>
+              </a:tr>
+              <a:tr h="697286">
+                <a:tc>
+                  <a:txBody>
+                    <a:bodyPr/>
+                    <a:lstStyle/>
+                    <a:p>
+                      <a:pPr rtl="1"/>
+                      <a:r>
+                        <a:rPr lang="he-IL" sz="1100" dirty="0"/>
+                        <a:t>6</a:t>
+                      </a:r>
+                      <a:endParaRPr lang="he-IL" sz="1100" dirty="0">
+                        <a:solidFill>
+                          <a:srgbClr val="FFFF00"/>
+                        </a:solidFill>
+                      </a:endParaRPr>
+                    </a:p>
+                  </a:txBody>
+                  <a:tcPr/>
+                </a:tc>
+                <a:tc gridSpan="2">
+                  <a:txBody>
+                    <a:bodyPr/>
+                    <a:lstStyle/>
+                    <a:p>
+                      <a:pPr marL="342900" lvl="0" indent="-342900" algn="l" rtl="0">
+                        <a:buFont typeface="+mj-cs"/>
+                        <a:buAutoNum type="hebrew2Minus"/>
+                      </a:pPr>
+                      <a:r>
+                        <a:rPr lang="en-US" sz="1100" dirty="0"/>
+                        <a:t>AAAAAAAAA</a:t>
+                      </a:r>
+                      <a:endParaRPr lang="he-IL" sz="1100" dirty="0"/>
+                    </a:p>
+                    <a:p>
+                      <a:pPr marL="342900" lvl="0" indent="-342900" algn="l" rtl="0">
+                        <a:buFont typeface="+mj-cs"/>
+                        <a:buAutoNum type="hebrew2Minus"/>
+                      </a:pPr>
+                      <a:r>
+                        <a:rPr lang="en-US" sz="1100" dirty="0"/>
+                        <a:t>BBBBBBBBBBB</a:t>
+                      </a:r>
+                      <a:endParaRPr lang="he-IL" sz="1100" dirty="0"/>
+                    </a:p>
+                    <a:p>
+                      <a:pPr marL="342900" lvl="0" indent="-342900" algn="l" rtl="0">
+                        <a:buFont typeface="+mj-cs"/>
+                        <a:buAutoNum type="hebrew2Minus"/>
+                      </a:pPr>
+                      <a:r>
+                        <a:rPr lang="en-US" sz="1100" dirty="0"/>
+                        <a:t>CCCCCCCCC</a:t>
+                      </a:r>
+                      <a:endParaRPr lang="he-IL" sz="1100" dirty="0"/>
+                    </a:p>
+                    <a:p>
+                      <a:pPr marL="342900" lvl="0" indent="-342900" algn="l" rtl="0">
+                        <a:buFont typeface="+mj-cs"/>
+                        <a:buAutoNum type="hebrew2Minus"/>
+                      </a:pPr>
+                      <a:r>
+                        <a:rPr lang="en-US" sz="1100" dirty="0"/>
+                        <a:t>DDDDDDDD</a:t>
+                      </a:r>
+                      <a:endParaRPr lang="he-IL" sz="1100" dirty="0"/>
+                    </a:p>
+                  </a:txBody>
+                  <a:tcPr/>
+                </a:tc>
+                <a:tc hMerge="1">
+                  <a:txBody>
+                    <a:bodyPr/>
+                    <a:lstStyle/>
+                    <a:p>
+                      <a:pPr marL="285750" indent="-285750" algn="r" rtl="1">
+                        <a:buFont typeface="Arial" panose="020B0604020202020204" pitchFamily="34" charset="0"/>
+                        <a:buChar char="•"/>
+                      </a:pPr>
+                      <a:endParaRPr lang="he-IL" dirty="0"/>
+                    </a:p>
+                  </a:txBody>
+                  <a:tcPr/>
+                </a:tc>
+                <a:tc vMerge="1">
+                  <a:txBody>
+                    <a:bodyPr/>
+                    <a:lstStyle/>
+                    <a:p>
+                      <a:pPr rtl="1"/>
+                      <a:endParaRPr lang="he-IL" dirty="0"/>
+                    </a:p>
+                  </a:txBody>
+                  <a:tcPr/>
+                </a:tc>
+                <a:extLst>
+                  <a:ext uri="{0D108BD9-81ED-4DB2-BD59-A6C34878D82A}">
+                    <a16:rowId xmlns:a16="http://schemas.microsoft.com/office/drawing/2014/main" val="2411753766"/>
+                  </a:ext>
+                </a:extLst>
+              </a:tr>
+              <a:tr h="352293">
+                <a:tc>
+                  <a:txBody>
+                    <a:bodyPr/>
+                    <a:lstStyle/>
+                    <a:p>
+                      <a:pPr rtl="1"/>
+                      <a:r>
+                        <a:rPr lang="he-IL" sz="1100" dirty="0"/>
+                        <a:t>7</a:t>
+                      </a:r>
+                    </a:p>
+                  </a:txBody>
+                  <a:tcPr/>
+                </a:tc>
+                <a:tc>
+                  <a:txBody>
+                    <a:bodyPr/>
+                    <a:lstStyle/>
+                    <a:p>
+                      <a:pPr rtl="1"/>
+                      <a:r>
+                        <a:rPr lang="en-US" sz="1100" dirty="0" err="1"/>
+                        <a:t>Tady</a:t>
+                      </a:r>
+                      <a:endParaRPr lang="he-IL" sz="1100" dirty="0"/>
+                    </a:p>
+                  </a:txBody>
+                  <a:tcPr/>
+                </a:tc>
+                <a:tc>
+                  <a:txBody>
+                    <a:bodyPr/>
+                    <a:lstStyle/>
+                    <a:p>
+                      <a:pPr rtl="1"/>
+                      <a:r>
+                        <a:rPr lang="en-US" sz="1100" dirty="0" err="1"/>
+                        <a:t>meshesha</a:t>
+                      </a:r>
+                      <a:endParaRPr lang="he-IL" sz="1100" dirty="0"/>
+                    </a:p>
+                  </a:txBody>
+                  <a:tcPr/>
+                </a:tc>
+                <a:tc>
+                  <a:txBody>
+                    <a:bodyPr/>
+                    <a:lstStyle/>
+                    <a:p>
+                      <a:pPr rtl="1"/>
+                      <a:r>
+                        <a:rPr lang="he-IL" sz="1100" dirty="0"/>
+                        <a:t>56456455</a:t>
+                      </a:r>
+                    </a:p>
+                  </a:txBody>
+                  <a:tcPr/>
+                </a:tc>
+                <a:extLst>
+                  <a:ext uri="{0D108BD9-81ED-4DB2-BD59-A6C34878D82A}">
+                    <a16:rowId xmlns:a16="http://schemas.microsoft.com/office/drawing/2014/main" val="641871320"/>
+                  </a:ext>
+                </a:extLst>
+              </a:tr>
+            </a:tbl>
+          </a:graphicData>
+        </a:graphic>
+      </p:graphicFrame>
+      <p:sp>
+        <p:nvSpPr>
+          <p:cNvPr id="3" name="TextBox 2">
+            <a:extLst>
+              <a:ext uri="{FF2B5EF4-FFF2-40B4-BE49-F238E27FC236}">
+                <a16:creationId xmlns:a16="http://schemas.microsoft.com/office/drawing/2014/main" id="{A254330B-7EAD-4A6C-908A-83D104C8371A}"/>
+              </a:ext>
+            </a:extLst>
+          </p:cNvPr>
+          <p:cNvSpPr txBox="1"/>
+          <p:nvPr/>
+        </p:nvSpPr>
+        <p:spPr>
+          <a:xfrm>
+            <a:off x="1195432" y="3575351"/>
+            <a:ext cx="6205591" cy="584775"/>
+          </a:xfrm>
+          <a:prstGeom prst="rect">
+            <a:avLst/>
+          </a:prstGeom>
+          <a:scene3d>
+            <a:camera prst="orthographicFront"/>
+            <a:lightRig rig="threePt" dir="t"/>
+          </a:scene3d>
+          <a:sp3d>
+            <a:bevelT w="152400" h="50800" prst="softRound"/>
+          </a:sp3d>
+        </p:spPr>
+        <p:style>
+          <a:lnRef idx="1">
+            <a:schemeClr val="accent1"/>
+          </a:lnRef>
+          <a:fillRef idx="2">
+            <a:schemeClr val="accent1"/>
+          </a:fillRef>
+          <a:effectRef idx="1">
+            <a:schemeClr val="accent1"/>
+          </a:effectRef>
+          <a:fontRef idx="minor">
+            <a:schemeClr val="dk1"/>
+          </a:fontRef>
+        </p:style>
+        <p:txBody>
+          <a:bodyPr vert="horz" wrap="square" lIns="91440" tIns="45720" rIns="91440" bIns="45720" rtlCol="0">
+            <a:spAutoFit/>
+          </a:bodyPr>
+          <a:lstStyle/>
+          <a:p>
+            <a:pPr lvl="0" algn="ctr" fontAlgn="base"/>
+            <a:r>
+              <a:rPr lang="en-US" sz="3200" b="1" dirty="0">
+                <a:solidFill>
+                  <a:srgbClr val="FF0000"/>
+                </a:solidFill>
+                <a:latin typeface="Calibri"/>
+              </a:rPr>
+              <a:t>Them </a:t>
+            </a:r>
+            <a:r>
+              <a:rPr lang="en-US" sz="3200" b="1" dirty="0" err="1">
+                <a:solidFill>
+                  <a:srgbClr val="FF0000"/>
+                </a:solidFill>
+                <a:latin typeface="Calibri"/>
+              </a:rPr>
+              <a:t>e</a:t>
+            </a:r>
+            <a:r>
+              <a:rPr lang="en-US" sz="3200" b="1" i="0" u="none" strike="noStrike" dirty="0" err="1">
+                <a:solidFill>
+                  <a:srgbClr val="FF0000"/>
+                </a:solidFill>
+                <a:latin typeface="Calibri"/>
+              </a:rPr>
+              <a:t>Table</a:t>
+            </a:r>
+            <a:endParaRPr sz="3200" b="1" i="0" u="none" strike="noStrike" dirty="0">
+              <a:solidFill>
+                <a:srgbClr val="FF0000"/>
+              </a:solidFill>
+              <a:latin typeface="Calibri"/>
+            </a:endParaRPr>
+          </a:p>
+        </p:txBody>
+      </p:sp>
+      <p:graphicFrame>
+        <p:nvGraphicFramePr>
+          <p:cNvPr id="4" name="טבלה 3">
+            <a:extLst>
+              <a:ext uri="{FF2B5EF4-FFF2-40B4-BE49-F238E27FC236}">
+                <a16:creationId xmlns:a16="http://schemas.microsoft.com/office/drawing/2014/main" id="{1DA70DF1-D1FA-4AFD-9E35-16574085C6B2}"/>
+              </a:ext>
+            </a:extLst>
+          </p:cNvPr>
+          <p:cNvGraphicFramePr>
+            <a:graphicFrameLocks noGrp="1"/>
+          </p:cNvGraphicFramePr>
+          <p:nvPr>
+            <p:extLst>
+              <p:ext uri="{D42A27DB-BD31-4B8C-83A1-F6EECF244321}">
+                <p14:modId xmlns:p14="http://schemas.microsoft.com/office/powerpoint/2010/main" val="2308175304"/>
+              </p:ext>
+            </p:extLst>
+          </p:nvPr>
+        </p:nvGraphicFramePr>
+        <p:xfrm>
+          <a:off x="1331395" y="879960"/>
+          <a:ext cx="5466523" cy="2560320"/>
         </p:xfrm>
         <a:graphic>
           <a:graphicData uri="http://schemas.openxmlformats.org/drawingml/2006/table">
@@ -30449,28 +30968,28 @@
                 <a:tableStyleId>{5940675A-B579-460E-94D1-54222C63F5DA}</a:tableStyleId>
               </a:tblPr>
               <a:tblGrid>
-                <a:gridCol w="657692">
+                <a:gridCol w="552492">
                   <a:extLst>
                     <a:ext uri="{9D8B030D-6E8A-4147-A177-3AD203B41FA5}">
                       <a16:colId xmlns:a16="http://schemas.microsoft.com/office/drawing/2014/main" val="710496070"/>
                     </a:ext>
                   </a:extLst>
                 </a:gridCol>
-                <a:gridCol w="3311237">
+                <a:gridCol w="2781597">
                   <a:extLst>
                     <a:ext uri="{9D8B030D-6E8A-4147-A177-3AD203B41FA5}">
                       <a16:colId xmlns:a16="http://schemas.microsoft.com/office/drawing/2014/main" val="1732577030"/>
                     </a:ext>
                   </a:extLst>
                 </a:gridCol>
-                <a:gridCol w="1145542">
+                <a:gridCol w="962310">
                   <a:extLst>
                     <a:ext uri="{9D8B030D-6E8A-4147-A177-3AD203B41FA5}">
                       <a16:colId xmlns:a16="http://schemas.microsoft.com/office/drawing/2014/main" val="3128281396"/>
                     </a:ext>
                   </a:extLst>
                 </a:gridCol>
-                <a:gridCol w="1392926">
+                <a:gridCol w="1170124">
                   <a:extLst>
                     <a:ext uri="{9D8B030D-6E8A-4147-A177-3AD203B41FA5}">
                       <a16:colId xmlns:a16="http://schemas.microsoft.com/office/drawing/2014/main" val="4262469077"/>
@@ -30478,7 +30997,7 @@
                   </a:extLst>
                 </a:gridCol>
               </a:tblGrid>
-              <a:tr h="452749">
+              <a:tr h="279763">
                 <a:tc>
                   <a:txBody>
                     <a:bodyPr/>
@@ -30486,10 +31005,10 @@
                     <a:p>
                       <a:pPr rtl="1"/>
                       <a:r>
-                        <a:rPr lang="en-US" dirty="0"/>
+                        <a:rPr lang="en-US" sz="1400" dirty="0"/>
                         <a:t>No.</a:t>
                       </a:r>
-                      <a:endParaRPr lang="he-IL" dirty="0"/>
+                      <a:endParaRPr lang="he-IL" sz="1400" dirty="0"/>
                     </a:p>
                   </a:txBody>
                   <a:tcPr>
@@ -30505,10 +31024,10 @@
                     <a:p>
                       <a:pPr rtl="1"/>
                       <a:r>
-                        <a:rPr lang="en-US" dirty="0"/>
+                        <a:rPr lang="en-US" sz="1400" dirty="0"/>
                         <a:t>First Name</a:t>
                       </a:r>
-                      <a:endParaRPr lang="he-IL" dirty="0"/>
+                      <a:endParaRPr lang="he-IL" sz="1400" dirty="0"/>
                     </a:p>
                   </a:txBody>
                   <a:tcPr>
@@ -30524,10 +31043,10 @@
                     <a:p>
                       <a:pPr rtl="1"/>
                       <a:r>
-                        <a:rPr lang="en-US" dirty="0" err="1"/>
+                        <a:rPr lang="en-US" sz="1400" dirty="0" err="1"/>
                         <a:t>LastName</a:t>
                       </a:r>
-                      <a:endParaRPr lang="he-IL" dirty="0"/>
+                      <a:endParaRPr lang="he-IL" sz="1400" dirty="0"/>
                     </a:p>
                   </a:txBody>
                   <a:tcPr>
@@ -30543,10 +31062,10 @@
                     <a:p>
                       <a:pPr rtl="1"/>
                       <a:r>
-                        <a:rPr lang="en-US" dirty="0"/>
+                        <a:rPr lang="en-US" sz="1400" dirty="0"/>
                         <a:t>ID Num.</a:t>
                       </a:r>
-                      <a:endParaRPr lang="he-IL" dirty="0"/>
+                      <a:endParaRPr lang="he-IL" sz="1400" dirty="0"/>
                     </a:p>
                   </a:txBody>
                   <a:tcPr>
@@ -30561,7 +31080,7 @@
                   </a:ext>
                 </a:extLst>
               </a:tr>
-              <a:tr h="452749">
+              <a:tr h="279763">
                 <a:tc>
                   <a:txBody>
                     <a:bodyPr/>
@@ -30569,7 +31088,7 @@
                     <a:p>
                       <a:pPr rtl="1"/>
                       <a:r>
-                        <a:rPr lang="he-IL" dirty="0"/>
+                        <a:rPr lang="he-IL" sz="1400" dirty="0"/>
                         <a:t>1</a:t>
                       </a:r>
                     </a:p>
@@ -30583,10 +31102,10 @@
                     <a:p>
                       <a:pPr rtl="1"/>
                       <a:r>
-                        <a:rPr lang="en-US" dirty="0" err="1"/>
+                        <a:rPr lang="en-US" sz="1400" dirty="0" err="1"/>
                         <a:t>Tady</a:t>
                       </a:r>
-                      <a:endParaRPr lang="he-IL" dirty="0"/>
+                      <a:endParaRPr lang="he-IL" sz="1400" dirty="0"/>
                     </a:p>
                   </a:txBody>
                   <a:tcPr/>
@@ -30598,10 +31117,10 @@
                     <a:p>
                       <a:pPr rtl="1"/>
                       <a:r>
-                        <a:rPr lang="en-US" dirty="0" err="1"/>
+                        <a:rPr lang="en-US" sz="1400" dirty="0" err="1"/>
                         <a:t>meshesha</a:t>
                       </a:r>
-                      <a:endParaRPr lang="he-IL" dirty="0"/>
+                      <a:endParaRPr lang="he-IL" sz="1400" dirty="0"/>
                     </a:p>
                   </a:txBody>
                   <a:tcPr/>
@@ -30613,7 +31132,7 @@
                     <a:p>
                       <a:pPr rtl="1"/>
                       <a:r>
-                        <a:rPr lang="he-IL" dirty="0"/>
+                        <a:rPr lang="he-IL" sz="1400" dirty="0"/>
                         <a:t>56456455</a:t>
                       </a:r>
                     </a:p>
@@ -30626,7 +31145,7 @@
                   </a:ext>
                 </a:extLst>
               </a:tr>
-              <a:tr h="452749">
+              <a:tr h="279763">
                 <a:tc>
                   <a:txBody>
                     <a:bodyPr/>
@@ -30634,7 +31153,7 @@
                     <a:p>
                       <a:pPr rtl="1"/>
                       <a:r>
-                        <a:rPr lang="he-IL" dirty="0"/>
+                        <a:rPr lang="he-IL" sz="1400" dirty="0"/>
                         <a:t>2</a:t>
                       </a:r>
                     </a:p>
@@ -30655,10 +31174,10 @@
                     <a:p>
                       <a:pPr rtl="1"/>
                       <a:r>
-                        <a:rPr lang="en-US" dirty="0" err="1"/>
+                        <a:rPr lang="en-US" sz="1400" dirty="0" err="1"/>
                         <a:t>Shlono</a:t>
                       </a:r>
-                      <a:endParaRPr lang="he-IL" dirty="0"/>
+                      <a:endParaRPr lang="he-IL" sz="1400" dirty="0"/>
                     </a:p>
                   </a:txBody>
                   <a:tcPr>
@@ -30677,10 +31196,10 @@
                     <a:p>
                       <a:pPr rtl="1"/>
                       <a:r>
-                        <a:rPr lang="en-US" dirty="0"/>
+                        <a:rPr lang="en-US" sz="1400" dirty="0"/>
                         <a:t>Lewi</a:t>
                       </a:r>
-                      <a:endParaRPr lang="he-IL" dirty="0"/>
+                      <a:endParaRPr lang="he-IL" sz="1400" dirty="0"/>
                     </a:p>
                   </a:txBody>
                   <a:tcPr>
@@ -30699,7 +31218,7 @@
                     <a:p>
                       <a:pPr rtl="1"/>
                       <a:r>
-                        <a:rPr lang="he-IL" dirty="0"/>
+                        <a:rPr lang="he-IL" sz="1400" dirty="0"/>
                         <a:t>64564456</a:t>
                       </a:r>
                     </a:p>
@@ -30719,7 +31238,7 @@
                   </a:ext>
                 </a:extLst>
               </a:tr>
-              <a:tr h="452749">
+              <a:tr h="279763">
                 <a:tc>
                   <a:txBody>
                     <a:bodyPr/>
@@ -30727,7 +31246,7 @@
                     <a:p>
                       <a:pPr rtl="1"/>
                       <a:r>
-                        <a:rPr lang="he-IL" dirty="0"/>
+                        <a:rPr lang="he-IL" sz="1400" dirty="0"/>
                         <a:t>4</a:t>
                       </a:r>
                     </a:p>
@@ -30748,10 +31267,10 @@
                     <a:p>
                       <a:pPr rtl="1"/>
                       <a:r>
-                        <a:rPr lang="en-US" dirty="0" err="1"/>
+                        <a:rPr lang="en-US" sz="1400" dirty="0" err="1"/>
                         <a:t>Tio</a:t>
                       </a:r>
-                      <a:endParaRPr lang="he-IL" dirty="0"/>
+                      <a:endParaRPr lang="he-IL" sz="1400" dirty="0"/>
                     </a:p>
                   </a:txBody>
                   <a:tcPr>
@@ -30770,10 +31289,10 @@
                     <a:p>
                       <a:pPr rtl="1"/>
                       <a:r>
-                        <a:rPr lang="en-US" dirty="0" err="1"/>
+                        <a:rPr lang="en-US" sz="1400" dirty="0" err="1"/>
                         <a:t>Dros</a:t>
                       </a:r>
-                      <a:endParaRPr lang="he-IL" dirty="0"/>
+                      <a:endParaRPr lang="he-IL" sz="1400" dirty="0"/>
                     </a:p>
                   </a:txBody>
                   <a:tcPr>
@@ -30792,7 +31311,7 @@
                     <a:p>
                       <a:pPr rtl="1"/>
                       <a:r>
-                        <a:rPr lang="he-IL" dirty="0"/>
+                        <a:rPr lang="he-IL" sz="1400" dirty="0"/>
                         <a:t>123456789</a:t>
                       </a:r>
                     </a:p>
@@ -30812,7 +31331,7 @@
                   </a:ext>
                 </a:extLst>
               </a:tr>
-              <a:tr h="452749">
+              <a:tr h="279763">
                 <a:tc>
                   <a:txBody>
                     <a:bodyPr/>
@@ -30820,7 +31339,7 @@
                     <a:p>
                       <a:pPr rtl="1"/>
                       <a:r>
-                        <a:rPr lang="he-IL" dirty="0"/>
+                        <a:rPr lang="he-IL" sz="1400" dirty="0"/>
                         <a:t>5</a:t>
                       </a:r>
                     </a:p>
@@ -30834,10 +31353,10 @@
                     <a:p>
                       <a:pPr rtl="1"/>
                       <a:r>
-                        <a:rPr lang="en-US" dirty="0" err="1"/>
+                        <a:rPr lang="en-US" sz="1400" dirty="0" err="1"/>
                         <a:t>Ezxra</a:t>
                       </a:r>
-                      <a:endParaRPr lang="he-IL" dirty="0"/>
+                      <a:endParaRPr lang="he-IL" sz="1400" dirty="0"/>
                     </a:p>
                   </a:txBody>
                   <a:tcPr/>
@@ -30849,10 +31368,10 @@
                     <a:p>
                       <a:pPr rtl="1"/>
                       <a:r>
-                        <a:rPr lang="en-US" dirty="0" err="1"/>
+                        <a:rPr lang="en-US" sz="1400" dirty="0" err="1"/>
                         <a:t>Wendde</a:t>
                       </a:r>
-                      <a:endParaRPr lang="he-IL" dirty="0"/>
+                      <a:endParaRPr lang="he-IL" sz="1400" dirty="0"/>
                     </a:p>
                   </a:txBody>
                   <a:tcPr/>
@@ -30864,7 +31383,7 @@
                     <a:p>
                       <a:pPr rtl="1"/>
                       <a:r>
-                        <a:rPr lang="he-IL" dirty="0"/>
+                        <a:rPr lang="he-IL" sz="1400" dirty="0"/>
                         <a:t>010202029</a:t>
                       </a:r>
                     </a:p>
@@ -30877,7 +31396,7 @@
                   </a:ext>
                 </a:extLst>
               </a:tr>
-              <a:tr h="258714">
+              <a:tr h="257912">
                 <a:tc>
                   <a:txBody>
                     <a:bodyPr/>
@@ -30885,7 +31404,7 @@
                     <a:p>
                       <a:pPr rtl="1"/>
                       <a:r>
-                        <a:rPr lang="he-IL" dirty="0">
+                        <a:rPr lang="he-IL" sz="1400" dirty="0">
                           <a:solidFill>
                             <a:srgbClr val="FFFF00"/>
                           </a:solidFill>
@@ -30907,14 +31426,14 @@
                     <a:p>
                       <a:pPr rtl="1"/>
                       <a:r>
-                        <a:rPr lang="en-US" dirty="0" err="1">
+                        <a:rPr lang="en-US" sz="1400" dirty="0" err="1">
                           <a:solidFill>
                             <a:srgbClr val="FFFF00"/>
                           </a:solidFill>
                         </a:rPr>
                         <a:t>Dawit</a:t>
                       </a:r>
-                      <a:endParaRPr lang="he-IL" dirty="0">
+                      <a:endParaRPr lang="he-IL" sz="1400" dirty="0">
                         <a:solidFill>
                           <a:srgbClr val="FFFF00"/>
                         </a:solidFill>
@@ -30934,14 +31453,14 @@
                     <a:p>
                       <a:pPr rtl="1"/>
                       <a:r>
-                        <a:rPr lang="en-US" dirty="0" err="1">
+                        <a:rPr lang="en-US" sz="1400" dirty="0" err="1">
                           <a:solidFill>
                             <a:srgbClr val="FFFF00"/>
                           </a:solidFill>
                         </a:rPr>
                         <a:t>Zeru</a:t>
                       </a:r>
-                      <a:endParaRPr lang="he-IL" dirty="0">
+                      <a:endParaRPr lang="he-IL" sz="1400" dirty="0">
                         <a:solidFill>
                           <a:srgbClr val="FFFF00"/>
                         </a:solidFill>
@@ -30961,7 +31480,7 @@
                     <a:p>
                       <a:pPr rtl="1"/>
                       <a:r>
-                        <a:rPr lang="he-IL" dirty="0"/>
+                        <a:rPr lang="he-IL" sz="1400" dirty="0"/>
                         <a:t>534534534</a:t>
                       </a:r>
                     </a:p>
@@ -30974,7 +31493,7 @@
                   </a:ext>
                 </a:extLst>
               </a:tr>
-              <a:tr h="646784">
+              <a:tr h="618989">
                 <a:tc>
                   <a:txBody>
                     <a:bodyPr/>
@@ -30982,7 +31501,7 @@
                     <a:p>
                       <a:pPr rtl="1"/>
                       <a:r>
-                        <a:rPr lang="he-IL" dirty="0"/>
+                        <a:rPr lang="he-IL" sz="1400" dirty="0"/>
                         <a:t>7</a:t>
                       </a:r>
                     </a:p>
@@ -30999,14 +31518,14 @@
                         <a:buAutoNum type="hebrew2Minus"/>
                       </a:pPr>
                       <a:r>
-                        <a:rPr lang="en-US" u="sng" dirty="0" err="1">
+                        <a:rPr lang="en-US" sz="1400" u="sng" dirty="0" err="1">
                           <a:solidFill>
                             <a:srgbClr val="7030A0"/>
                           </a:solidFill>
                         </a:rPr>
                         <a:t>Aaaaa</a:t>
                       </a:r>
-                      <a:endParaRPr lang="en-US" u="sng" dirty="0">
+                      <a:endParaRPr lang="en-US" sz="1400" u="sng" dirty="0">
                         <a:solidFill>
                           <a:srgbClr val="7030A0"/>
                         </a:solidFill>
@@ -31018,14 +31537,14 @@
                         <a:buAutoNum type="hebrew2Minus"/>
                       </a:pPr>
                       <a:r>
-                        <a:rPr lang="en-US" strike="sngStrike" dirty="0" err="1">
+                        <a:rPr lang="en-US" sz="1400" strike="sngStrike" dirty="0" err="1">
                           <a:solidFill>
                             <a:srgbClr val="92D050"/>
                           </a:solidFill>
                         </a:rPr>
                         <a:t>Bbbbbb</a:t>
                       </a:r>
-                      <a:endParaRPr lang="en-US" strike="sngStrike" dirty="0">
+                      <a:endParaRPr lang="en-US" sz="1400" strike="sngStrike" dirty="0">
                         <a:solidFill>
                           <a:srgbClr val="92D050"/>
                         </a:solidFill>
@@ -31037,14 +31556,14 @@
                         <a:buAutoNum type="hebrew2Minus"/>
                       </a:pPr>
                       <a:r>
-                        <a:rPr lang="en-US" u="sng" strike="sngStrike" dirty="0" err="1">
+                        <a:rPr lang="en-US" sz="1400" u="sng" strike="sngStrike" dirty="0" err="1">
                           <a:solidFill>
                             <a:srgbClr val="0000FF"/>
                           </a:solidFill>
                         </a:rPr>
                         <a:t>cccccccc</a:t>
                       </a:r>
-                      <a:endParaRPr lang="he-IL" u="sng" strike="sngStrike" dirty="0">
+                      <a:endParaRPr lang="he-IL" sz="1400" u="sng" strike="sngStrike" dirty="0">
                         <a:solidFill>
                           <a:srgbClr val="0000FF"/>
                         </a:solidFill>
@@ -31090,10 +31609,10 @@
       </p:graphicFrame>
       <p:sp>
         <p:nvSpPr>
-          <p:cNvPr id="3" name="TextBox 2">
+          <p:cNvPr id="5" name="TextBox 4">
             <a:extLst>
               <a:ext uri="{FF2B5EF4-FFF2-40B4-BE49-F238E27FC236}">
-                <a16:creationId xmlns:a16="http://schemas.microsoft.com/office/drawing/2014/main" id="{A254330B-7EAD-4A6C-908A-83D104C8371A}"/>
+                <a16:creationId xmlns:a16="http://schemas.microsoft.com/office/drawing/2014/main" id="{8396536E-4339-4307-8578-7FE0CC91363A}"/>
               </a:ext>
             </a:extLst>
           </p:cNvPr>
@@ -31102,8 +31621,8 @@
         </p:nvSpPr>
         <p:spPr>
           <a:xfrm>
-            <a:off x="1150706" y="220894"/>
-            <a:ext cx="6205591" cy="830997"/>
+            <a:off x="961862" y="56899"/>
+            <a:ext cx="6205591" cy="646331"/>
           </a:xfrm>
           <a:prstGeom prst="rect">
             <a:avLst/>
@@ -31167,7 +31686,7 @@
           <a:p>
             <a:pPr marL="0" marR="0" lvl="0" indent="0" algn="ctr" rtl="0" fontAlgn="base"/>
             <a:r>
-              <a:rPr lang="en-US" sz="4800" b="1" i="0" u="none" strike="noStrike" dirty="0">
+              <a:rPr lang="en-US" sz="3600" b="1" i="0" u="none" strike="noStrike" dirty="0">
                 <a:solidFill>
                   <a:srgbClr val="FF0000"/>
                 </a:solidFill>
@@ -31175,686 +31694,7 @@
               </a:rPr>
               <a:t>Custom Table</a:t>
             </a:r>
-            <a:endParaRPr sz="4800" b="1" i="0" u="none" strike="noStrike" dirty="0">
-              <a:solidFill>
-                <a:srgbClr val="FF0000"/>
-              </a:solidFill>
-              <a:latin typeface="Calibri"/>
-            </a:endParaRPr>
-          </a:p>
-        </p:txBody>
-      </p:sp>
-    </p:spTree>
-    <p:extLst>
-      <p:ext uri="{BB962C8B-B14F-4D97-AF65-F5344CB8AC3E}">
-        <p14:creationId xmlns:p14="http://schemas.microsoft.com/office/powerpoint/2010/main" val="3449873562"/>
-      </p:ext>
-    </p:extLst>
-  </p:cSld>
-  <p:clrMapOvr>
-    <a:masterClrMapping/>
-  </p:clrMapOvr>
-</p:sld>
-</file>
-
-<file path=ppt/slides/slide7.xml><?xml version="1.0" encoding="utf-8"?>
-<p:sld xmlns:a="http://schemas.openxmlformats.org/drawingml/2006/main" xmlns:r="http://schemas.openxmlformats.org/officeDocument/2006/relationships" xmlns:p="http://schemas.openxmlformats.org/presentationml/2006/main">
-  <p:cSld>
-    <p:spTree>
-      <p:nvGrpSpPr>
-        <p:cNvPr id="1" name=""/>
-        <p:cNvGrpSpPr/>
-        <p:nvPr/>
-      </p:nvGrpSpPr>
-      <p:grpSpPr>
-        <a:xfrm>
-          <a:off x="0" y="0"/>
-          <a:ext cx="0" cy="0"/>
-          <a:chOff x="0" y="0"/>
-          <a:chExt cx="0" cy="0"/>
-        </a:xfrm>
-      </p:grpSpPr>
-      <p:graphicFrame>
-        <p:nvGraphicFramePr>
-          <p:cNvPr id="2" name="טבלה 1">
-            <a:extLst>
-              <a:ext uri="{FF2B5EF4-FFF2-40B4-BE49-F238E27FC236}">
-                <a16:creationId xmlns:a16="http://schemas.microsoft.com/office/drawing/2014/main" id="{9394259F-04FB-421E-B4FE-49C947FC0BD6}"/>
-              </a:ext>
-            </a:extLst>
-          </p:cNvPr>
-          <p:cNvGraphicFramePr>
-            <a:graphicFrameLocks noGrp="1"/>
-          </p:cNvGraphicFramePr>
-          <p:nvPr>
-            <p:extLst>
-              <p:ext uri="{D42A27DB-BD31-4B8C-83A1-F6EECF244321}">
-                <p14:modId xmlns:p14="http://schemas.microsoft.com/office/powerpoint/2010/main" val="3171448690"/>
-              </p:ext>
-            </p:extLst>
-          </p:nvPr>
-        </p:nvGraphicFramePr>
-        <p:xfrm>
-          <a:off x="770860" y="1412696"/>
-          <a:ext cx="6765236" cy="3758314"/>
-        </p:xfrm>
-        <a:graphic>
-          <a:graphicData uri="http://schemas.openxmlformats.org/drawingml/2006/table">
-            <a:tbl>
-              <a:tblPr rtl="1" firstRow="1" bandRow="1">
-                <a:tableStyleId>{00A15C55-8517-42AA-B614-E9B94910E393}</a:tableStyleId>
-              </a:tblPr>
-              <a:tblGrid>
-                <a:gridCol w="683751">
-                  <a:extLst>
-                    <a:ext uri="{9D8B030D-6E8A-4147-A177-3AD203B41FA5}">
-                      <a16:colId xmlns:a16="http://schemas.microsoft.com/office/drawing/2014/main" val="710496070"/>
-                    </a:ext>
-                  </a:extLst>
-                </a:gridCol>
-                <a:gridCol w="3442436">
-                  <a:extLst>
-                    <a:ext uri="{9D8B030D-6E8A-4147-A177-3AD203B41FA5}">
-                      <a16:colId xmlns:a16="http://schemas.microsoft.com/office/drawing/2014/main" val="1732577030"/>
-                    </a:ext>
-                  </a:extLst>
-                </a:gridCol>
-                <a:gridCol w="1190932">
-                  <a:extLst>
-                    <a:ext uri="{9D8B030D-6E8A-4147-A177-3AD203B41FA5}">
-                      <a16:colId xmlns:a16="http://schemas.microsoft.com/office/drawing/2014/main" val="3128281396"/>
-                    </a:ext>
-                  </a:extLst>
-                </a:gridCol>
-                <a:gridCol w="1448117">
-                  <a:extLst>
-                    <a:ext uri="{9D8B030D-6E8A-4147-A177-3AD203B41FA5}">
-                      <a16:colId xmlns:a16="http://schemas.microsoft.com/office/drawing/2014/main" val="4262469077"/>
-                    </a:ext>
-                  </a:extLst>
-                </a:gridCol>
-              </a:tblGrid>
-              <a:tr h="359781">
-                <a:tc>
-                  <a:txBody>
-                    <a:bodyPr/>
-                    <a:lstStyle/>
-                    <a:p>
-                      <a:pPr rtl="1"/>
-                      <a:r>
-                        <a:rPr lang="en-US" dirty="0"/>
-                        <a:t>No.</a:t>
-                      </a:r>
-                      <a:endParaRPr lang="he-IL" dirty="0"/>
-                    </a:p>
-                  </a:txBody>
-                  <a:tcPr/>
-                </a:tc>
-                <a:tc>
-                  <a:txBody>
-                    <a:bodyPr/>
-                    <a:lstStyle/>
-                    <a:p>
-                      <a:pPr rtl="1"/>
-                      <a:r>
-                        <a:rPr lang="en-US" dirty="0" err="1"/>
-                        <a:t>Tady</a:t>
-                      </a:r>
-                      <a:endParaRPr lang="he-IL" dirty="0"/>
-                    </a:p>
-                  </a:txBody>
-                  <a:tcPr/>
-                </a:tc>
-                <a:tc>
-                  <a:txBody>
-                    <a:bodyPr/>
-                    <a:lstStyle/>
-                    <a:p>
-                      <a:pPr rtl="1"/>
-                      <a:r>
-                        <a:rPr lang="en-US" dirty="0" err="1"/>
-                        <a:t>meshesha</a:t>
-                      </a:r>
-                      <a:endParaRPr lang="he-IL" dirty="0"/>
-                    </a:p>
-                  </a:txBody>
-                  <a:tcPr/>
-                </a:tc>
-                <a:tc>
-                  <a:txBody>
-                    <a:bodyPr/>
-                    <a:lstStyle/>
-                    <a:p>
-                      <a:pPr rtl="1"/>
-                      <a:r>
-                        <a:rPr lang="he-IL" dirty="0"/>
-                        <a:t>56456455</a:t>
-                      </a:r>
-                    </a:p>
-                  </a:txBody>
-                  <a:tcPr/>
-                </a:tc>
-                <a:extLst>
-                  <a:ext uri="{0D108BD9-81ED-4DB2-BD59-A6C34878D82A}">
-                    <a16:rowId xmlns:a16="http://schemas.microsoft.com/office/drawing/2014/main" val="1067464870"/>
-                  </a:ext>
-                </a:extLst>
-              </a:tr>
-              <a:tr h="227937">
-                <a:tc>
-                  <a:txBody>
-                    <a:bodyPr/>
-                    <a:lstStyle/>
-                    <a:p>
-                      <a:pPr rtl="1"/>
-                      <a:r>
-                        <a:rPr lang="he-IL" dirty="0"/>
-                        <a:t>1</a:t>
-                      </a:r>
-                    </a:p>
-                  </a:txBody>
-                  <a:tcPr/>
-                </a:tc>
-                <a:tc>
-                  <a:txBody>
-                    <a:bodyPr/>
-                    <a:lstStyle/>
-                    <a:p>
-                      <a:pPr rtl="1"/>
-                      <a:r>
-                        <a:rPr lang="en-US" dirty="0" err="1"/>
-                        <a:t>Shlono</a:t>
-                      </a:r>
-                      <a:endParaRPr lang="he-IL" dirty="0"/>
-                    </a:p>
-                  </a:txBody>
-                  <a:tcPr/>
-                </a:tc>
-                <a:tc>
-                  <a:txBody>
-                    <a:bodyPr/>
-                    <a:lstStyle/>
-                    <a:p>
-                      <a:pPr rtl="1"/>
-                      <a:r>
-                        <a:rPr lang="en-US" dirty="0"/>
-                        <a:t>Lewi</a:t>
-                      </a:r>
-                      <a:endParaRPr lang="he-IL" dirty="0"/>
-                    </a:p>
-                  </a:txBody>
-                  <a:tcPr/>
-                </a:tc>
-                <a:tc>
-                  <a:txBody>
-                    <a:bodyPr/>
-                    <a:lstStyle/>
-                    <a:p>
-                      <a:pPr rtl="1"/>
-                      <a:r>
-                        <a:rPr lang="he-IL" dirty="0"/>
-                        <a:t>64564456</a:t>
-                      </a:r>
-                    </a:p>
-                  </a:txBody>
-                  <a:tcPr/>
-                </a:tc>
-                <a:extLst>
-                  <a:ext uri="{0D108BD9-81ED-4DB2-BD59-A6C34878D82A}">
-                    <a16:rowId xmlns:a16="http://schemas.microsoft.com/office/drawing/2014/main" val="4058499122"/>
-                  </a:ext>
-                </a:extLst>
-              </a:tr>
-              <a:tr h="251373">
-                <a:tc>
-                  <a:txBody>
-                    <a:bodyPr/>
-                    <a:lstStyle/>
-                    <a:p>
-                      <a:pPr rtl="1"/>
-                      <a:r>
-                        <a:rPr lang="he-IL" dirty="0"/>
-                        <a:t>2</a:t>
-                      </a:r>
-                    </a:p>
-                  </a:txBody>
-                  <a:tcPr/>
-                </a:tc>
-                <a:tc>
-                  <a:txBody>
-                    <a:bodyPr/>
-                    <a:lstStyle/>
-                    <a:p>
-                      <a:pPr rtl="1"/>
-                      <a:r>
-                        <a:rPr lang="en-US" dirty="0" err="1"/>
-                        <a:t>Tio</a:t>
-                      </a:r>
-                      <a:endParaRPr lang="he-IL" dirty="0"/>
-                    </a:p>
-                  </a:txBody>
-                  <a:tcPr/>
-                </a:tc>
-                <a:tc>
-                  <a:txBody>
-                    <a:bodyPr/>
-                    <a:lstStyle/>
-                    <a:p>
-                      <a:pPr rtl="1"/>
-                      <a:r>
-                        <a:rPr lang="en-US" dirty="0" err="1"/>
-                        <a:t>Dros</a:t>
-                      </a:r>
-                      <a:endParaRPr lang="he-IL" dirty="0"/>
-                    </a:p>
-                  </a:txBody>
-                  <a:tcPr/>
-                </a:tc>
-                <a:tc>
-                  <a:txBody>
-                    <a:bodyPr/>
-                    <a:lstStyle/>
-                    <a:p>
-                      <a:pPr rtl="1"/>
-                      <a:r>
-                        <a:rPr lang="he-IL" dirty="0"/>
-                        <a:t>123456789</a:t>
-                      </a:r>
-                    </a:p>
-                  </a:txBody>
-                  <a:tcPr/>
-                </a:tc>
-                <a:extLst>
-                  <a:ext uri="{0D108BD9-81ED-4DB2-BD59-A6C34878D82A}">
-                    <a16:rowId xmlns:a16="http://schemas.microsoft.com/office/drawing/2014/main" val="1142343064"/>
-                  </a:ext>
-                </a:extLst>
-              </a:tr>
-              <a:tr h="227937">
-                <a:tc>
-                  <a:txBody>
-                    <a:bodyPr/>
-                    <a:lstStyle/>
-                    <a:p>
-                      <a:pPr rtl="1"/>
-                      <a:r>
-                        <a:rPr lang="he-IL" dirty="0"/>
-                        <a:t>4</a:t>
-                      </a:r>
-                    </a:p>
-                  </a:txBody>
-                  <a:tcPr/>
-                </a:tc>
-                <a:tc>
-                  <a:txBody>
-                    <a:bodyPr/>
-                    <a:lstStyle/>
-                    <a:p>
-                      <a:pPr rtl="1"/>
-                      <a:r>
-                        <a:rPr lang="en-US" dirty="0" err="1"/>
-                        <a:t>Eszra</a:t>
-                      </a:r>
-                      <a:endParaRPr lang="he-IL" dirty="0"/>
-                    </a:p>
-                  </a:txBody>
-                  <a:tcPr/>
-                </a:tc>
-                <a:tc>
-                  <a:txBody>
-                    <a:bodyPr/>
-                    <a:lstStyle/>
-                    <a:p>
-                      <a:pPr rtl="1"/>
-                      <a:r>
-                        <a:rPr lang="en-US" dirty="0" err="1"/>
-                        <a:t>Wendde</a:t>
-                      </a:r>
-                      <a:endParaRPr lang="he-IL" dirty="0"/>
-                    </a:p>
-                  </a:txBody>
-                  <a:tcPr/>
-                </a:tc>
-                <a:tc>
-                  <a:txBody>
-                    <a:bodyPr/>
-                    <a:lstStyle/>
-                    <a:p>
-                      <a:pPr rtl="1"/>
-                      <a:r>
-                        <a:rPr lang="he-IL" dirty="0"/>
-                        <a:t>010202029</a:t>
-                      </a:r>
-                    </a:p>
-                  </a:txBody>
-                  <a:tcPr/>
-                </a:tc>
-                <a:extLst>
-                  <a:ext uri="{0D108BD9-81ED-4DB2-BD59-A6C34878D82A}">
-                    <a16:rowId xmlns:a16="http://schemas.microsoft.com/office/drawing/2014/main" val="4193948177"/>
-                  </a:ext>
-                </a:extLst>
-              </a:tr>
-              <a:tr h="364779">
-                <a:tc>
-                  <a:txBody>
-                    <a:bodyPr/>
-                    <a:lstStyle/>
-                    <a:p>
-                      <a:pPr rtl="1"/>
-                      <a:r>
-                        <a:rPr lang="he-IL" dirty="0"/>
-                        <a:t>5</a:t>
-                      </a:r>
-                    </a:p>
-                  </a:txBody>
-                  <a:tcPr/>
-                </a:tc>
-                <a:tc>
-                  <a:txBody>
-                    <a:bodyPr/>
-                    <a:lstStyle/>
-                    <a:p>
-                      <a:pPr rtl="1"/>
-                      <a:r>
-                        <a:rPr lang="en-US" dirty="0" err="1">
-                          <a:solidFill>
-                            <a:srgbClr val="0000FF"/>
-                          </a:solidFill>
-                        </a:rPr>
-                        <a:t>Ddawit</a:t>
-                      </a:r>
-                      <a:endParaRPr lang="he-IL" dirty="0">
-                        <a:solidFill>
-                          <a:srgbClr val="0000FF"/>
-                        </a:solidFill>
-                      </a:endParaRPr>
-                    </a:p>
-                  </a:txBody>
-                  <a:tcPr/>
-                </a:tc>
-                <a:tc>
-                  <a:txBody>
-                    <a:bodyPr/>
-                    <a:lstStyle/>
-                    <a:p>
-                      <a:pPr rtl="1"/>
-                      <a:r>
-                        <a:rPr lang="en-US" dirty="0" err="1">
-                          <a:solidFill>
-                            <a:srgbClr val="0000FF"/>
-                          </a:solidFill>
-                        </a:rPr>
-                        <a:t>Zesru</a:t>
-                      </a:r>
-                      <a:endParaRPr lang="he-IL" dirty="0">
-                        <a:solidFill>
-                          <a:srgbClr val="0000FF"/>
-                        </a:solidFill>
-                      </a:endParaRPr>
-                    </a:p>
-                  </a:txBody>
-                  <a:tcPr/>
-                </a:tc>
-                <a:tc rowSpan="2">
-                  <a:txBody>
-                    <a:bodyPr/>
-                    <a:lstStyle/>
-                    <a:p>
-                      <a:pPr rtl="1"/>
-                      <a:r>
-                        <a:rPr lang="he-IL" dirty="0"/>
-                        <a:t>534534534</a:t>
-                      </a:r>
-                    </a:p>
-                  </a:txBody>
-                  <a:tcPr anchor="ctr"/>
-                </a:tc>
-                <a:extLst>
-                  <a:ext uri="{0D108BD9-81ED-4DB2-BD59-A6C34878D82A}">
-                    <a16:rowId xmlns:a16="http://schemas.microsoft.com/office/drawing/2014/main" val="1535648639"/>
-                  </a:ext>
-                </a:extLst>
-              </a:tr>
-              <a:tr h="364779">
-                <a:tc>
-                  <a:txBody>
-                    <a:bodyPr/>
-                    <a:lstStyle/>
-                    <a:p>
-                      <a:pPr rtl="1"/>
-                      <a:r>
-                        <a:rPr lang="he-IL" dirty="0"/>
-                        <a:t>6</a:t>
-                      </a:r>
-                      <a:endParaRPr lang="he-IL" dirty="0">
-                        <a:solidFill>
-                          <a:srgbClr val="FFFF00"/>
-                        </a:solidFill>
-                      </a:endParaRPr>
-                    </a:p>
-                  </a:txBody>
-                  <a:tcPr/>
-                </a:tc>
-                <a:tc gridSpan="2">
-                  <a:txBody>
-                    <a:bodyPr/>
-                    <a:lstStyle/>
-                    <a:p>
-                      <a:pPr marL="342900" lvl="0" indent="-342900" algn="l" rtl="0">
-                        <a:buFont typeface="+mj-cs"/>
-                        <a:buAutoNum type="hebrew2Minus"/>
-                      </a:pPr>
-                      <a:r>
-                        <a:rPr lang="en-US" dirty="0"/>
-                        <a:t>AAAAAAAAA</a:t>
-                      </a:r>
-                      <a:endParaRPr lang="he-IL" dirty="0"/>
-                    </a:p>
-                    <a:p>
-                      <a:pPr marL="342900" lvl="0" indent="-342900" algn="l" rtl="0">
-                        <a:buFont typeface="+mj-cs"/>
-                        <a:buAutoNum type="hebrew2Minus"/>
-                      </a:pPr>
-                      <a:r>
-                        <a:rPr lang="en-US" dirty="0"/>
-                        <a:t>BBBBBBBBBBB</a:t>
-                      </a:r>
-                      <a:endParaRPr lang="he-IL" dirty="0"/>
-                    </a:p>
-                    <a:p>
-                      <a:pPr marL="342900" lvl="0" indent="-342900" algn="l" rtl="0">
-                        <a:buFont typeface="+mj-cs"/>
-                        <a:buAutoNum type="hebrew2Minus"/>
-                      </a:pPr>
-                      <a:r>
-                        <a:rPr lang="en-US" dirty="0"/>
-                        <a:t>CCCCCCCCC</a:t>
-                      </a:r>
-                      <a:endParaRPr lang="he-IL" dirty="0"/>
-                    </a:p>
-                    <a:p>
-                      <a:pPr marL="342900" lvl="0" indent="-342900" algn="l" rtl="0">
-                        <a:buFont typeface="+mj-cs"/>
-                        <a:buAutoNum type="hebrew2Minus"/>
-                      </a:pPr>
-                      <a:r>
-                        <a:rPr lang="en-US" dirty="0"/>
-                        <a:t>DDDDDDDD</a:t>
-                      </a:r>
-                      <a:endParaRPr lang="he-IL" dirty="0"/>
-                    </a:p>
-                  </a:txBody>
-                  <a:tcPr/>
-                </a:tc>
-                <a:tc hMerge="1">
-                  <a:txBody>
-                    <a:bodyPr/>
-                    <a:lstStyle/>
-                    <a:p>
-                      <a:pPr marL="285750" indent="-285750" algn="r" rtl="1">
-                        <a:buFont typeface="Arial" panose="020B0604020202020204" pitchFamily="34" charset="0"/>
-                        <a:buChar char="•"/>
-                      </a:pPr>
-                      <a:endParaRPr lang="he-IL" dirty="0"/>
-                    </a:p>
-                  </a:txBody>
-                  <a:tcPr/>
-                </a:tc>
-                <a:tc vMerge="1">
-                  <a:txBody>
-                    <a:bodyPr/>
-                    <a:lstStyle/>
-                    <a:p>
-                      <a:pPr rtl="1"/>
-                      <a:endParaRPr lang="he-IL" dirty="0"/>
-                    </a:p>
-                  </a:txBody>
-                  <a:tcPr/>
-                </a:tc>
-                <a:extLst>
-                  <a:ext uri="{0D108BD9-81ED-4DB2-BD59-A6C34878D82A}">
-                    <a16:rowId xmlns:a16="http://schemas.microsoft.com/office/drawing/2014/main" val="2411753766"/>
-                  </a:ext>
-                </a:extLst>
-              </a:tr>
-              <a:tr h="740794">
-                <a:tc>
-                  <a:txBody>
-                    <a:bodyPr/>
-                    <a:lstStyle/>
-                    <a:p>
-                      <a:pPr rtl="1"/>
-                      <a:r>
-                        <a:rPr lang="he-IL" dirty="0"/>
-                        <a:t>7</a:t>
-                      </a:r>
-                    </a:p>
-                  </a:txBody>
-                  <a:tcPr/>
-                </a:tc>
-                <a:tc>
-                  <a:txBody>
-                    <a:bodyPr/>
-                    <a:lstStyle/>
-                    <a:p>
-                      <a:pPr rtl="1"/>
-                      <a:r>
-                        <a:rPr lang="en-US" dirty="0" err="1"/>
-                        <a:t>Tady</a:t>
-                      </a:r>
-                      <a:endParaRPr lang="he-IL" dirty="0"/>
-                    </a:p>
-                  </a:txBody>
-                  <a:tcPr/>
-                </a:tc>
-                <a:tc>
-                  <a:txBody>
-                    <a:bodyPr/>
-                    <a:lstStyle/>
-                    <a:p>
-                      <a:pPr rtl="1"/>
-                      <a:r>
-                        <a:rPr lang="en-US" dirty="0" err="1"/>
-                        <a:t>meshesha</a:t>
-                      </a:r>
-                      <a:endParaRPr lang="he-IL" dirty="0"/>
-                    </a:p>
-                  </a:txBody>
-                  <a:tcPr/>
-                </a:tc>
-                <a:tc>
-                  <a:txBody>
-                    <a:bodyPr/>
-                    <a:lstStyle/>
-                    <a:p>
-                      <a:pPr rtl="1"/>
-                      <a:r>
-                        <a:rPr lang="he-IL" dirty="0"/>
-                        <a:t>56456455</a:t>
-                      </a:r>
-                    </a:p>
-                  </a:txBody>
-                  <a:tcPr/>
-                </a:tc>
-                <a:extLst>
-                  <a:ext uri="{0D108BD9-81ED-4DB2-BD59-A6C34878D82A}">
-                    <a16:rowId xmlns:a16="http://schemas.microsoft.com/office/drawing/2014/main" val="641871320"/>
-                  </a:ext>
-                </a:extLst>
-              </a:tr>
-            </a:tbl>
-          </a:graphicData>
-        </a:graphic>
-      </p:graphicFrame>
-      <p:sp>
-        <p:nvSpPr>
-          <p:cNvPr id="3" name="TextBox 2">
-            <a:extLst>
-              <a:ext uri="{FF2B5EF4-FFF2-40B4-BE49-F238E27FC236}">
-                <a16:creationId xmlns:a16="http://schemas.microsoft.com/office/drawing/2014/main" id="{A254330B-7EAD-4A6C-908A-83D104C8371A}"/>
-              </a:ext>
-            </a:extLst>
-          </p:cNvPr>
-          <p:cNvSpPr txBox="1"/>
-          <p:nvPr/>
-        </p:nvSpPr>
-        <p:spPr>
-          <a:xfrm>
-            <a:off x="1980623" y="186107"/>
-            <a:ext cx="6205591" cy="830997"/>
-          </a:xfrm>
-          <a:prstGeom prst="rect">
-            <a:avLst/>
-          </a:prstGeom>
-          <a:scene3d>
-            <a:camera prst="orthographicFront"/>
-            <a:lightRig rig="threePt" dir="t"/>
-          </a:scene3d>
-          <a:sp3d>
-            <a:bevelT w="152400" h="50800" prst="softRound"/>
-          </a:sp3d>
-        </p:spPr>
-        <p:style>
-          <a:lnRef idx="1">
-            <a:schemeClr val="accent1"/>
-          </a:lnRef>
-          <a:fillRef idx="2">
-            <a:schemeClr val="accent1"/>
-          </a:fillRef>
-          <a:effectRef idx="1">
-            <a:schemeClr val="accent1"/>
-          </a:effectRef>
-          <a:fontRef idx="minor">
-            <a:schemeClr val="dk1"/>
-          </a:fontRef>
-        </p:style>
-        <p:txBody>
-          <a:bodyPr vert="horz" wrap="square" lIns="91440" tIns="45720" rIns="91440" bIns="45720" rtlCol="0">
-            <a:spAutoFit/>
-          </a:bodyPr>
-          <a:lstStyle/>
-          <a:p>
-            <a:pPr marL="0" marR="0" lvl="0" indent="0" algn="ctr" rtl="0" fontAlgn="base"/>
-            <a:r>
-              <a:rPr lang="en-US" sz="4800" b="1" dirty="0">
-                <a:solidFill>
-                  <a:srgbClr val="FF0000"/>
-                </a:solidFill>
-                <a:latin typeface="Calibri"/>
-              </a:rPr>
-              <a:t>Theme </a:t>
-            </a:r>
-            <a:r>
-              <a:rPr lang="en-US" sz="4800" b="1" i="0" u="none" strike="noStrike" dirty="0">
-                <a:solidFill>
-                  <a:srgbClr val="FF0000"/>
-                </a:solidFill>
-                <a:latin typeface="Calibri"/>
-              </a:rPr>
-              <a:t>Table</a:t>
-            </a:r>
-            <a:endParaRPr sz="4800" b="1" i="0" u="none" strike="noStrike" dirty="0">
+            <a:endParaRPr sz="3600" b="1" i="0" u="none" strike="noStrike" dirty="0">
               <a:solidFill>
                 <a:srgbClr val="FF0000"/>
               </a:solidFill>
@@ -31876,7 +31716,7 @@
 </p:sld>
 </file>
 
-<file path=ppt/slides/slide8.xml><?xml version="1.0" encoding="utf-8"?>
+<file path=ppt/slides/slide5.xml><?xml version="1.0" encoding="utf-8"?>
 <p:sld xmlns:a="http://schemas.openxmlformats.org/drawingml/2006/main" xmlns:r="http://schemas.openxmlformats.org/officeDocument/2006/relationships" xmlns:p="http://schemas.openxmlformats.org/presentationml/2006/main">
   <p:cSld>
     <p:spTree>
@@ -32367,7 +32207,7 @@
 </p:sld>
 </file>
 
-<file path=ppt/slides/slide9.xml><?xml version="1.0" encoding="utf-8"?>
+<file path=ppt/slides/slide6.xml><?xml version="1.0" encoding="utf-8"?>
 <p:sld xmlns:a="http://schemas.openxmlformats.org/drawingml/2006/main" xmlns:r="http://schemas.openxmlformats.org/officeDocument/2006/relationships" xmlns:p="http://schemas.openxmlformats.org/presentationml/2006/main">
   <p:cSld>
     <p:spTree>
